--- a/01 - Documents and Preparation/SQL Server Partitioning - Speed up your workload.pptx
+++ b/01 - Documents and Preparation/SQL Server Partitioning - Speed up your workload.pptx
@@ -19,19 +19,19 @@
     <p:sldId id="316" r:id="rId10"/>
     <p:sldId id="293" r:id="rId11"/>
     <p:sldId id="297" r:id="rId12"/>
-    <p:sldId id="298" r:id="rId13"/>
-    <p:sldId id="319" r:id="rId14"/>
-    <p:sldId id="320" r:id="rId15"/>
-    <p:sldId id="300" r:id="rId16"/>
-    <p:sldId id="302" r:id="rId17"/>
-    <p:sldId id="301" r:id="rId18"/>
-    <p:sldId id="303" r:id="rId19"/>
-    <p:sldId id="275" r:id="rId20"/>
-    <p:sldId id="318" r:id="rId21"/>
-    <p:sldId id="321" r:id="rId22"/>
-    <p:sldId id="322" r:id="rId23"/>
-    <p:sldId id="287" r:id="rId24"/>
-    <p:sldId id="279" r:id="rId25"/>
+    <p:sldId id="423" r:id="rId13"/>
+    <p:sldId id="298" r:id="rId14"/>
+    <p:sldId id="319" r:id="rId15"/>
+    <p:sldId id="320" r:id="rId16"/>
+    <p:sldId id="424" r:id="rId17"/>
+    <p:sldId id="275" r:id="rId18"/>
+    <p:sldId id="318" r:id="rId19"/>
+    <p:sldId id="321" r:id="rId20"/>
+    <p:sldId id="322" r:id="rId21"/>
+    <p:sldId id="279" r:id="rId22"/>
+    <p:sldId id="300" r:id="rId23"/>
+    <p:sldId id="302" r:id="rId24"/>
+    <p:sldId id="301" r:id="rId25"/>
   </p:sldIdLst>
   <p:sldSz cx="12192000" cy="6858000"/>
   <p:notesSz cx="6858000" cy="9144000"/>
@@ -152,7 +152,7 @@
 <file path=ppt/revisionInfo.xml><?xml version="1.0" encoding="utf-8"?>
 <p1510:revInfo xmlns:a="http://schemas.openxmlformats.org/drawingml/2006/main" xmlns:r="http://schemas.openxmlformats.org/officeDocument/2006/relationships" xmlns:p1510="http://schemas.microsoft.com/office/powerpoint/2015/10/main">
   <p1510:revLst>
-    <p1510:client id="{61FF736A-E597-4C7E-A370-47BD3487B59B}" v="2" dt="2025-06-11T07:11:17.779"/>
+    <p1510:client id="{74475734-945A-49AD-B9EB-A32FE40F19AC}" v="5" dt="2025-06-13T14:09:51.455"/>
   </p1510:revLst>
 </p1510:revInfo>
 </file>
@@ -303,14 +303,6 @@
             <ac:spMk id="3" creationId="{00000000-0000-0000-0000-000000000000}"/>
           </ac:spMkLst>
         </pc:spChg>
-        <pc:picChg chg="del">
-          <ac:chgData name="Uwe Ricken" userId="f02567aecbed924b" providerId="LiveId" clId="{61FF736A-E597-4C7E-A370-47BD3487B59B}" dt="2025-06-11T07:10:09.805" v="4" actId="478"/>
-          <ac:picMkLst>
-            <pc:docMk/>
-            <pc:sldMk cId="1614993614" sldId="288"/>
-            <ac:picMk id="5" creationId="{69C1B6E1-44B2-2095-352F-F35FC32F9851}"/>
-          </ac:picMkLst>
-        </pc:picChg>
       </pc:sldChg>
       <pc:sldChg chg="modSp del">
         <pc:chgData name="Uwe Ricken" userId="f02567aecbed924b" providerId="LiveId" clId="{61FF736A-E597-4C7E-A370-47BD3487B59B}" dt="2025-06-11T07:11:22.133" v="6" actId="47"/>
@@ -318,30 +310,6 @@
           <pc:docMk/>
           <pc:sldMk cId="653740681" sldId="289"/>
         </pc:sldMkLst>
-        <pc:spChg chg="mod">
-          <ac:chgData name="Uwe Ricken" userId="f02567aecbed924b" providerId="LiveId" clId="{61FF736A-E597-4C7E-A370-47BD3487B59B}" dt="2025-06-11T07:09:37.314" v="0"/>
-          <ac:spMkLst>
-            <pc:docMk/>
-            <pc:sldMk cId="653740681" sldId="289"/>
-            <ac:spMk id="2" creationId="{00000000-0000-0000-0000-000000000000}"/>
-          </ac:spMkLst>
-        </pc:spChg>
-        <pc:spChg chg="mod">
-          <ac:chgData name="Uwe Ricken" userId="f02567aecbed924b" providerId="LiveId" clId="{61FF736A-E597-4C7E-A370-47BD3487B59B}" dt="2025-06-11T07:09:37.314" v="0"/>
-          <ac:spMkLst>
-            <pc:docMk/>
-            <pc:sldMk cId="653740681" sldId="289"/>
-            <ac:spMk id="4" creationId="{00000000-0000-0000-0000-000000000000}"/>
-          </ac:spMkLst>
-        </pc:spChg>
-        <pc:spChg chg="mod">
-          <ac:chgData name="Uwe Ricken" userId="f02567aecbed924b" providerId="LiveId" clId="{61FF736A-E597-4C7E-A370-47BD3487B59B}" dt="2025-06-11T07:09:37.314" v="0"/>
-          <ac:spMkLst>
-            <pc:docMk/>
-            <pc:sldMk cId="653740681" sldId="289"/>
-            <ac:spMk id="6" creationId="{00000000-0000-0000-0000-000000000000}"/>
-          </ac:spMkLst>
-        </pc:spChg>
       </pc:sldChg>
       <pc:sldChg chg="modSp">
         <pc:chgData name="Uwe Ricken" userId="f02567aecbed924b" providerId="LiveId" clId="{61FF736A-E597-4C7E-A370-47BD3487B59B}" dt="2025-06-11T07:09:37.314" v="0"/>
@@ -600,22 +568,6 @@
           <pc:docMk/>
           <pc:sldMk cId="916328970" sldId="317"/>
         </pc:sldMkLst>
-        <pc:spChg chg="mod">
-          <ac:chgData name="Uwe Ricken" userId="f02567aecbed924b" providerId="LiveId" clId="{61FF736A-E597-4C7E-A370-47BD3487B59B}" dt="2025-06-11T07:09:37.314" v="0"/>
-          <ac:spMkLst>
-            <pc:docMk/>
-            <pc:sldMk cId="916328970" sldId="317"/>
-            <ac:spMk id="2" creationId="{2AA66F59-B715-4CE2-83DF-6D035DD595FA}"/>
-          </ac:spMkLst>
-        </pc:spChg>
-        <pc:spChg chg="mod">
-          <ac:chgData name="Uwe Ricken" userId="f02567aecbed924b" providerId="LiveId" clId="{61FF736A-E597-4C7E-A370-47BD3487B59B}" dt="2025-06-11T07:09:37.314" v="0"/>
-          <ac:spMkLst>
-            <pc:docMk/>
-            <pc:sldMk cId="916328970" sldId="317"/>
-            <ac:spMk id="3" creationId="{32727BD7-7924-41DC-BF8D-0990B5F36E59}"/>
-          </ac:spMkLst>
-        </pc:spChg>
       </pc:sldChg>
       <pc:sldChg chg="modSp mod">
         <pc:chgData name="Uwe Ricken" userId="f02567aecbed924b" providerId="LiveId" clId="{61FF736A-E597-4C7E-A370-47BD3487B59B}" dt="2025-06-11T07:09:37.449" v="2" actId="27636"/>
@@ -1588,6 +1540,253 @@
             <pc:docMk/>
             <pc:sldMasterMk cId="3850397501" sldId="2147483660"/>
             <pc:sldLayoutMk cId="331737115" sldId="2147483669"/>
+          </pc:sldLayoutMkLst>
+        </pc:sldLayoutChg>
+      </pc:sldMasterChg>
+    </pc:docChg>
+  </pc:docChgLst>
+  <pc:docChgLst>
+    <pc:chgData name="Uwe Ricken" userId="f02567aecbed924b" providerId="LiveId" clId="{74475734-945A-49AD-B9EB-A32FE40F19AC}"/>
+    <pc:docChg chg="undo custSel addSld delSld modSld sldOrd">
+      <pc:chgData name="Uwe Ricken" userId="f02567aecbed924b" providerId="LiveId" clId="{74475734-945A-49AD-B9EB-A32FE40F19AC}" dt="2025-06-13T14:10:09.742" v="720" actId="207"/>
+      <pc:docMkLst>
+        <pc:docMk/>
+      </pc:docMkLst>
+      <pc:sldChg chg="del">
+        <pc:chgData name="Uwe Ricken" userId="f02567aecbed924b" providerId="LiveId" clId="{74475734-945A-49AD-B9EB-A32FE40F19AC}" dt="2025-06-13T14:08:25.463" v="700" actId="2696"/>
+        <pc:sldMkLst>
+          <pc:docMk/>
+          <pc:sldMk cId="3682278545" sldId="287"/>
+        </pc:sldMkLst>
+      </pc:sldChg>
+      <pc:sldChg chg="delSp mod">
+        <pc:chgData name="Uwe Ricken" userId="f02567aecbed924b" providerId="LiveId" clId="{74475734-945A-49AD-B9EB-A32FE40F19AC}" dt="2025-06-13T13:53:53.541" v="688" actId="478"/>
+        <pc:sldMkLst>
+          <pc:docMk/>
+          <pc:sldMk cId="2302523668" sldId="293"/>
+        </pc:sldMkLst>
+        <pc:spChg chg="del">
+          <ac:chgData name="Uwe Ricken" userId="f02567aecbed924b" providerId="LiveId" clId="{74475734-945A-49AD-B9EB-A32FE40F19AC}" dt="2025-06-13T13:53:53.541" v="688" actId="478"/>
+          <ac:spMkLst>
+            <pc:docMk/>
+            <pc:sldMk cId="2302523668" sldId="293"/>
+            <ac:spMk id="15" creationId="{18E9F227-9D54-45ED-B87D-DEFADDAFA174}"/>
+          </ac:spMkLst>
+        </pc:spChg>
+      </pc:sldChg>
+      <pc:sldChg chg="modSp mod">
+        <pc:chgData name="Uwe Ricken" userId="f02567aecbed924b" providerId="LiveId" clId="{74475734-945A-49AD-B9EB-A32FE40F19AC}" dt="2025-06-13T13:18:35.339" v="685" actId="20577"/>
+        <pc:sldMkLst>
+          <pc:docMk/>
+          <pc:sldMk cId="2013804043" sldId="295"/>
+        </pc:sldMkLst>
+        <pc:spChg chg="mod">
+          <ac:chgData name="Uwe Ricken" userId="f02567aecbed924b" providerId="LiveId" clId="{74475734-945A-49AD-B9EB-A32FE40F19AC}" dt="2025-06-13T13:18:35.339" v="685" actId="20577"/>
+          <ac:spMkLst>
+            <pc:docMk/>
+            <pc:sldMk cId="2013804043" sldId="295"/>
+            <ac:spMk id="6" creationId="{12E917D0-2EFD-482A-8926-69A27F0DF25C}"/>
+          </ac:spMkLst>
+        </pc:spChg>
+      </pc:sldChg>
+      <pc:sldChg chg="modSp mod">
+        <pc:chgData name="Uwe Ricken" userId="f02567aecbed924b" providerId="LiveId" clId="{74475734-945A-49AD-B9EB-A32FE40F19AC}" dt="2025-06-13T13:17:48.444" v="682" actId="33524"/>
+        <pc:sldMkLst>
+          <pc:docMk/>
+          <pc:sldMk cId="2655187818" sldId="297"/>
+        </pc:sldMkLst>
+        <pc:spChg chg="mod">
+          <ac:chgData name="Uwe Ricken" userId="f02567aecbed924b" providerId="LiveId" clId="{74475734-945A-49AD-B9EB-A32FE40F19AC}" dt="2025-06-13T13:17:48.444" v="682" actId="33524"/>
+          <ac:spMkLst>
+            <pc:docMk/>
+            <pc:sldMk cId="2655187818" sldId="297"/>
+            <ac:spMk id="6" creationId="{12E917D0-2EFD-482A-8926-69A27F0DF25C}"/>
+          </ac:spMkLst>
+        </pc:spChg>
+      </pc:sldChg>
+      <pc:sldChg chg="modSp mod">
+        <pc:chgData name="Uwe Ricken" userId="f02567aecbed924b" providerId="LiveId" clId="{74475734-945A-49AD-B9EB-A32FE40F19AC}" dt="2025-06-13T14:06:49.621" v="690" actId="20577"/>
+        <pc:sldMkLst>
+          <pc:docMk/>
+          <pc:sldMk cId="772245438" sldId="298"/>
+        </pc:sldMkLst>
+        <pc:spChg chg="mod">
+          <ac:chgData name="Uwe Ricken" userId="f02567aecbed924b" providerId="LiveId" clId="{74475734-945A-49AD-B9EB-A32FE40F19AC}" dt="2025-06-13T14:06:49.621" v="690" actId="20577"/>
+          <ac:spMkLst>
+            <pc:docMk/>
+            <pc:sldMk cId="772245438" sldId="298"/>
+            <ac:spMk id="2" creationId="{6FF52245-59B7-4200-BD63-16B2B9DE0458}"/>
+          </ac:spMkLst>
+        </pc:spChg>
+      </pc:sldChg>
+      <pc:sldChg chg="mod ord modShow">
+        <pc:chgData name="Uwe Ricken" userId="f02567aecbed924b" providerId="LiveId" clId="{74475734-945A-49AD-B9EB-A32FE40F19AC}" dt="2025-06-13T14:08:15.224" v="699"/>
+        <pc:sldMkLst>
+          <pc:docMk/>
+          <pc:sldMk cId="2061120949" sldId="300"/>
+        </pc:sldMkLst>
+      </pc:sldChg>
+      <pc:sldChg chg="mod ord modShow">
+        <pc:chgData name="Uwe Ricken" userId="f02567aecbed924b" providerId="LiveId" clId="{74475734-945A-49AD-B9EB-A32FE40F19AC}" dt="2025-06-13T14:08:15.224" v="699"/>
+        <pc:sldMkLst>
+          <pc:docMk/>
+          <pc:sldMk cId="4102113717" sldId="301"/>
+        </pc:sldMkLst>
+      </pc:sldChg>
+      <pc:sldChg chg="mod ord modShow">
+        <pc:chgData name="Uwe Ricken" userId="f02567aecbed924b" providerId="LiveId" clId="{74475734-945A-49AD-B9EB-A32FE40F19AC}" dt="2025-06-13T14:08:15.224" v="699"/>
+        <pc:sldMkLst>
+          <pc:docMk/>
+          <pc:sldMk cId="763256948" sldId="302"/>
+        </pc:sldMkLst>
+      </pc:sldChg>
+      <pc:sldChg chg="modSp del mod">
+        <pc:chgData name="Uwe Ricken" userId="f02567aecbed924b" providerId="LiveId" clId="{74475734-945A-49AD-B9EB-A32FE40F19AC}" dt="2025-06-13T14:09:55.637" v="718" actId="2696"/>
+        <pc:sldMkLst>
+          <pc:docMk/>
+          <pc:sldMk cId="3933073069" sldId="303"/>
+        </pc:sldMkLst>
+        <pc:spChg chg="mod">
+          <ac:chgData name="Uwe Ricken" userId="f02567aecbed924b" providerId="LiveId" clId="{74475734-945A-49AD-B9EB-A32FE40F19AC}" dt="2025-06-13T14:09:08.706" v="716" actId="20577"/>
+          <ac:spMkLst>
+            <pc:docMk/>
+            <pc:sldMk cId="3933073069" sldId="303"/>
+            <ac:spMk id="6" creationId="{12E917D0-2EFD-482A-8926-69A27F0DF25C}"/>
+          </ac:spMkLst>
+        </pc:spChg>
+      </pc:sldChg>
+      <pc:sldChg chg="modSp mod">
+        <pc:chgData name="Uwe Ricken" userId="f02567aecbed924b" providerId="LiveId" clId="{74475734-945A-49AD-B9EB-A32FE40F19AC}" dt="2025-06-13T13:12:40.502" v="4" actId="27636"/>
+        <pc:sldMkLst>
+          <pc:docMk/>
+          <pc:sldMk cId="1252969730" sldId="315"/>
+        </pc:sldMkLst>
+        <pc:spChg chg="mod">
+          <ac:chgData name="Uwe Ricken" userId="f02567aecbed924b" providerId="LiveId" clId="{74475734-945A-49AD-B9EB-A32FE40F19AC}" dt="2025-06-13T13:12:40.502" v="4" actId="27636"/>
+          <ac:spMkLst>
+            <pc:docMk/>
+            <pc:sldMk cId="1252969730" sldId="315"/>
+            <ac:spMk id="3" creationId="{32727BD7-7924-41DC-BF8D-0990B5F36E59}"/>
+          </ac:spMkLst>
+        </pc:spChg>
+      </pc:sldChg>
+      <pc:sldChg chg="modSp mod">
+        <pc:chgData name="Uwe Ricken" userId="f02567aecbed924b" providerId="LiveId" clId="{74475734-945A-49AD-B9EB-A32FE40F19AC}" dt="2025-06-13T13:53:42.056" v="687" actId="20577"/>
+        <pc:sldMkLst>
+          <pc:docMk/>
+          <pc:sldMk cId="1338912541" sldId="316"/>
+        </pc:sldMkLst>
+        <pc:spChg chg="mod">
+          <ac:chgData name="Uwe Ricken" userId="f02567aecbed924b" providerId="LiveId" clId="{74475734-945A-49AD-B9EB-A32FE40F19AC}" dt="2025-06-13T13:53:42.056" v="687" actId="20577"/>
+          <ac:spMkLst>
+            <pc:docMk/>
+            <pc:sldMk cId="1338912541" sldId="316"/>
+            <ac:spMk id="5" creationId="{00000000-0000-0000-0000-000000000000}"/>
+          </ac:spMkLst>
+        </pc:spChg>
+      </pc:sldChg>
+      <pc:sldChg chg="modSp mod">
+        <pc:chgData name="Uwe Ricken" userId="f02567aecbed924b" providerId="LiveId" clId="{74475734-945A-49AD-B9EB-A32FE40F19AC}" dt="2025-06-13T14:06:43.268" v="689" actId="20577"/>
+        <pc:sldMkLst>
+          <pc:docMk/>
+          <pc:sldMk cId="2367742522" sldId="319"/>
+        </pc:sldMkLst>
+        <pc:spChg chg="mod">
+          <ac:chgData name="Uwe Ricken" userId="f02567aecbed924b" providerId="LiveId" clId="{74475734-945A-49AD-B9EB-A32FE40F19AC}" dt="2025-06-13T14:06:43.268" v="689" actId="20577"/>
+          <ac:spMkLst>
+            <pc:docMk/>
+            <pc:sldMk cId="2367742522" sldId="319"/>
+            <ac:spMk id="5" creationId="{C20A6940-1B7B-4D15-8660-09EBAA48B406}"/>
+          </ac:spMkLst>
+        </pc:spChg>
+      </pc:sldChg>
+      <pc:sldChg chg="modSp mod">
+        <pc:chgData name="Uwe Ricken" userId="f02567aecbed924b" providerId="LiveId" clId="{74475734-945A-49AD-B9EB-A32FE40F19AC}" dt="2025-06-13T14:07:49.917" v="696" actId="20577"/>
+        <pc:sldMkLst>
+          <pc:docMk/>
+          <pc:sldMk cId="641265507" sldId="320"/>
+        </pc:sldMkLst>
+        <pc:spChg chg="mod">
+          <ac:chgData name="Uwe Ricken" userId="f02567aecbed924b" providerId="LiveId" clId="{74475734-945A-49AD-B9EB-A32FE40F19AC}" dt="2025-06-13T14:07:49.917" v="696" actId="20577"/>
+          <ac:spMkLst>
+            <pc:docMk/>
+            <pc:sldMk cId="641265507" sldId="320"/>
+            <ac:spMk id="2" creationId="{217A4150-8CFD-483A-83A4-DDD8678706E5}"/>
+          </ac:spMkLst>
+        </pc:spChg>
+      </pc:sldChg>
+      <pc:sldChg chg="modSp mod">
+        <pc:chgData name="Uwe Ricken" userId="f02567aecbed924b" providerId="LiveId" clId="{74475734-945A-49AD-B9EB-A32FE40F19AC}" dt="2025-06-13T14:08:48.921" v="712" actId="20577"/>
+        <pc:sldMkLst>
+          <pc:docMk/>
+          <pc:sldMk cId="1493346584" sldId="321"/>
+        </pc:sldMkLst>
+        <pc:graphicFrameChg chg="modGraphic">
+          <ac:chgData name="Uwe Ricken" userId="f02567aecbed924b" providerId="LiveId" clId="{74475734-945A-49AD-B9EB-A32FE40F19AC}" dt="2025-06-13T14:08:48.921" v="712" actId="20577"/>
+          <ac:graphicFrameMkLst>
+            <pc:docMk/>
+            <pc:sldMk cId="1493346584" sldId="321"/>
+            <ac:graphicFrameMk id="4" creationId="{94CA84D9-D418-4DBD-BDEC-86D4EB9A1C1E}"/>
+          </ac:graphicFrameMkLst>
+        </pc:graphicFrameChg>
+      </pc:sldChg>
+      <pc:sldChg chg="modSp mod">
+        <pc:chgData name="Uwe Ricken" userId="f02567aecbed924b" providerId="LiveId" clId="{74475734-945A-49AD-B9EB-A32FE40F19AC}" dt="2025-06-13T14:08:41.100" v="706" actId="20577"/>
+        <pc:sldMkLst>
+          <pc:docMk/>
+          <pc:sldMk cId="1701908968" sldId="322"/>
+        </pc:sldMkLst>
+        <pc:graphicFrameChg chg="modGraphic">
+          <ac:chgData name="Uwe Ricken" userId="f02567aecbed924b" providerId="LiveId" clId="{74475734-945A-49AD-B9EB-A32FE40F19AC}" dt="2025-06-13T14:08:41.100" v="706" actId="20577"/>
+          <ac:graphicFrameMkLst>
+            <pc:docMk/>
+            <pc:sldMk cId="1701908968" sldId="322"/>
+            <ac:graphicFrameMk id="4" creationId="{94CA84D9-D418-4DBD-BDEC-86D4EB9A1C1E}"/>
+          </ac:graphicFrameMkLst>
+        </pc:graphicFrameChg>
+      </pc:sldChg>
+      <pc:sldChg chg="modSp add mod">
+        <pc:chgData name="Uwe Ricken" userId="f02567aecbed924b" providerId="LiveId" clId="{74475734-945A-49AD-B9EB-A32FE40F19AC}" dt="2025-06-13T14:07:35.473" v="695" actId="207"/>
+        <pc:sldMkLst>
+          <pc:docMk/>
+          <pc:sldMk cId="773780160" sldId="423"/>
+        </pc:sldMkLst>
+        <pc:spChg chg="mod">
+          <ac:chgData name="Uwe Ricken" userId="f02567aecbed924b" providerId="LiveId" clId="{74475734-945A-49AD-B9EB-A32FE40F19AC}" dt="2025-06-13T14:07:35.473" v="695" actId="207"/>
+          <ac:spMkLst>
+            <pc:docMk/>
+            <pc:sldMk cId="773780160" sldId="423"/>
+            <ac:spMk id="6" creationId="{07700010-A40B-1042-E61D-A37A441C07B5}"/>
+          </ac:spMkLst>
+        </pc:spChg>
+      </pc:sldChg>
+      <pc:sldChg chg="modSp add mod">
+        <pc:chgData name="Uwe Ricken" userId="f02567aecbed924b" providerId="LiveId" clId="{74475734-945A-49AD-B9EB-A32FE40F19AC}" dt="2025-06-13T14:10:09.742" v="720" actId="207"/>
+        <pc:sldMkLst>
+          <pc:docMk/>
+          <pc:sldMk cId="3120990697" sldId="424"/>
+        </pc:sldMkLst>
+        <pc:spChg chg="mod">
+          <ac:chgData name="Uwe Ricken" userId="f02567aecbed924b" providerId="LiveId" clId="{74475734-945A-49AD-B9EB-A32FE40F19AC}" dt="2025-06-13T14:10:09.742" v="720" actId="207"/>
+          <ac:spMkLst>
+            <pc:docMk/>
+            <pc:sldMk cId="3120990697" sldId="424"/>
+            <ac:spMk id="6" creationId="{2E4FFC12-C59B-23DC-19AF-89D2F9398168}"/>
+          </ac:spMkLst>
+        </pc:spChg>
+      </pc:sldChg>
+      <pc:sldMasterChg chg="delSldLayout">
+        <pc:chgData name="Uwe Ricken" userId="f02567aecbed924b" providerId="LiveId" clId="{74475734-945A-49AD-B9EB-A32FE40F19AC}" dt="2025-06-13T14:08:25.463" v="700" actId="2696"/>
+        <pc:sldMasterMkLst>
+          <pc:docMk/>
+          <pc:sldMasterMk cId="2170901590" sldId="2147483670"/>
+        </pc:sldMasterMkLst>
+        <pc:sldLayoutChg chg="del">
+          <pc:chgData name="Uwe Ricken" userId="f02567aecbed924b" providerId="LiveId" clId="{74475734-945A-49AD-B9EB-A32FE40F19AC}" dt="2025-06-13T14:08:25.463" v="700" actId="2696"/>
+          <pc:sldLayoutMkLst>
+            <pc:docMk/>
+            <pc:sldMasterMk cId="2170901590" sldId="2147483670"/>
+            <pc:sldLayoutMk cId="2403195541" sldId="2147483677"/>
           </pc:sldLayoutMkLst>
         </pc:sldLayoutChg>
       </pc:sldMasterChg>
@@ -5549,7 +5748,7 @@
           <a:p>
             <a:fld id="{77618FE8-0B84-4C72-8F59-5ACEAEBE219A}" type="datetimeFigureOut">
               <a:rPr lang="de-DE" smtClean="0"/>
-              <a:t>11.06.2025</a:t>
+              <a:t>13.06.2025</a:t>
             </a:fld>
             <a:endParaRPr lang="de-DE"/>
           </a:p>
@@ -6096,7 +6295,7 @@
             <a:fld id="{B4008EB6-D09E-4580-8CD6-DDB14511944F}" type="slidenum">
               <a:rPr lang="en-US" smtClean="0"/>
               <a:pPr/>
-              <a:t>19</a:t>
+              <a:t>17</a:t>
             </a:fld>
             <a:endParaRPr lang="en-US" dirty="0"/>
           </a:p>
@@ -6106,90 +6305,6 @@
     <p:extLst>
       <p:ext uri="{BB962C8B-B14F-4D97-AF65-F5344CB8AC3E}">
         <p14:creationId xmlns:p14="http://schemas.microsoft.com/office/powerpoint/2010/main" val="3975914968"/>
-      </p:ext>
-    </p:extLst>
-  </p:cSld>
-  <p:clrMapOvr>
-    <a:masterClrMapping/>
-  </p:clrMapOvr>
-</p:notes>
-</file>
-
-<file path=ppt/notesSlides/notesSlide4.xml><?xml version="1.0" encoding="utf-8"?>
-<p:notes xmlns:a="http://schemas.openxmlformats.org/drawingml/2006/main" xmlns:r="http://schemas.openxmlformats.org/officeDocument/2006/relationships" xmlns:p="http://schemas.openxmlformats.org/presentationml/2006/main">
-  <p:cSld>
-    <p:spTree>
-      <p:nvGrpSpPr>
-        <p:cNvPr id="1" name=""/>
-        <p:cNvGrpSpPr/>
-        <p:nvPr/>
-      </p:nvGrpSpPr>
-      <p:grpSpPr>
-        <a:xfrm>
-          <a:off x="0" y="0"/>
-          <a:ext cx="0" cy="0"/>
-          <a:chOff x="0" y="0"/>
-          <a:chExt cx="0" cy="0"/>
-        </a:xfrm>
-      </p:grpSpPr>
-      <p:sp>
-        <p:nvSpPr>
-          <p:cNvPr id="2" name="Slide Image Placeholder 1"/>
-          <p:cNvSpPr>
-            <a:spLocks noGrp="1" noRot="1" noChangeAspect="1"/>
-          </p:cNvSpPr>
-          <p:nvPr>
-            <p:ph type="sldImg"/>
-          </p:nvPr>
-        </p:nvSpPr>
-        <p:spPr/>
-      </p:sp>
-      <p:sp>
-        <p:nvSpPr>
-          <p:cNvPr id="3" name="Notes Placeholder 2"/>
-          <p:cNvSpPr>
-            <a:spLocks noGrp="1"/>
-          </p:cNvSpPr>
-          <p:nvPr>
-            <p:ph type="body" idx="1"/>
-          </p:nvPr>
-        </p:nvSpPr>
-        <p:spPr/>
-        <p:txBody>
-          <a:bodyPr/>
-          <a:lstStyle/>
-          <a:p>
-            <a:endParaRPr lang="LID4096" dirty="0"/>
-          </a:p>
-        </p:txBody>
-      </p:sp>
-      <p:sp>
-        <p:nvSpPr>
-          <p:cNvPr id="4" name="Slide Number Placeholder 3"/>
-          <p:cNvSpPr>
-            <a:spLocks noGrp="1"/>
-          </p:cNvSpPr>
-          <p:nvPr>
-            <p:ph type="sldNum" sz="quarter" idx="5"/>
-          </p:nvPr>
-        </p:nvSpPr>
-        <p:spPr/>
-        <p:txBody>
-          <a:bodyPr/>
-          <a:lstStyle/>
-          <a:p>
-            <a:fld id="{B4FD2E09-072C-B746-994E-E046AF286656}" type="slidenum">
-              <a:rPr lang="en-US" smtClean="0"/>
-              <a:t>23</a:t>
-            </a:fld>
-            <a:endParaRPr lang="en-US"/>
-          </a:p>
-        </p:txBody>
-      </p:sp>
-    </p:spTree>
-    <p:extLst>
-      <p:ext uri="{BB962C8B-B14F-4D97-AF65-F5344CB8AC3E}">
-        <p14:creationId xmlns:p14="http://schemas.microsoft.com/office/powerpoint/2010/main" val="539101530"/>
       </p:ext>
     </p:extLst>
   </p:cSld>
@@ -7260,201 +7375,6 @@
 </p:sldLayout>
 </file>
 
-<file path=ppt/slideLayouts/slideLayout7.xml><?xml version="1.0" encoding="utf-8"?>
-<p:sldLayout xmlns:a="http://schemas.openxmlformats.org/drawingml/2006/main" xmlns:r="http://schemas.openxmlformats.org/officeDocument/2006/relationships" xmlns:p="http://schemas.openxmlformats.org/presentationml/2006/main" userDrawn="1">
-  <p:cSld name="Full picture slide">
-    <p:spTree>
-      <p:nvGrpSpPr>
-        <p:cNvPr id="1" name=""/>
-        <p:cNvGrpSpPr/>
-        <p:nvPr/>
-      </p:nvGrpSpPr>
-      <p:grpSpPr>
-        <a:xfrm>
-          <a:off x="0" y="0"/>
-          <a:ext cx="0" cy="0"/>
-          <a:chOff x="0" y="0"/>
-          <a:chExt cx="0" cy="0"/>
-        </a:xfrm>
-      </p:grpSpPr>
-      <p:sp>
-        <p:nvSpPr>
-          <p:cNvPr id="5" name="Date Placeholder 4">
-            <a:extLst>
-              <a:ext uri="{FF2B5EF4-FFF2-40B4-BE49-F238E27FC236}">
-                <a16:creationId xmlns:a16="http://schemas.microsoft.com/office/drawing/2014/main" id="{8D758A4A-602B-9F46-BCDA-E75145D85522}"/>
-              </a:ext>
-            </a:extLst>
-          </p:cNvPr>
-          <p:cNvSpPr>
-            <a:spLocks noGrp="1"/>
-          </p:cNvSpPr>
-          <p:nvPr>
-            <p:ph type="dt" sz="half" idx="10"/>
-          </p:nvPr>
-        </p:nvSpPr>
-        <p:spPr/>
-        <p:txBody>
-          <a:bodyPr/>
-          <a:lstStyle/>
-          <a:p>
-            <a:fld id="{E3D2B3A3-464B-6B4B-98C9-882832127905}" type="datetime1">
-              <a:rPr lang="en-US" smtClean="0"/>
-              <a:t>6/11/2025</a:t>
-            </a:fld>
-            <a:endParaRPr lang="en-US"/>
-          </a:p>
-        </p:txBody>
-      </p:sp>
-      <p:sp>
-        <p:nvSpPr>
-          <p:cNvPr id="6" name="Footer Placeholder 5">
-            <a:extLst>
-              <a:ext uri="{FF2B5EF4-FFF2-40B4-BE49-F238E27FC236}">
-                <a16:creationId xmlns:a16="http://schemas.microsoft.com/office/drawing/2014/main" id="{F0D35858-31C3-1D47-846B-80B423D5E6AC}"/>
-              </a:ext>
-            </a:extLst>
-          </p:cNvPr>
-          <p:cNvSpPr>
-            <a:spLocks noGrp="1"/>
-          </p:cNvSpPr>
-          <p:nvPr>
-            <p:ph type="ftr" sz="quarter" idx="11"/>
-          </p:nvPr>
-        </p:nvSpPr>
-        <p:spPr/>
-        <p:txBody>
-          <a:bodyPr/>
-          <a:lstStyle>
-            <a:lvl1pPr>
-              <a:defRPr/>
-            </a:lvl1pPr>
-          </a:lstStyle>
-          <a:p>
-            <a:r>
-              <a:rPr lang="en-US" dirty="0"/>
-              <a:t>dataMinds Connect 2019</a:t>
-            </a:r>
-          </a:p>
-        </p:txBody>
-      </p:sp>
-      <p:sp>
-        <p:nvSpPr>
-          <p:cNvPr id="7" name="Slide Number Placeholder 6">
-            <a:extLst>
-              <a:ext uri="{FF2B5EF4-FFF2-40B4-BE49-F238E27FC236}">
-                <a16:creationId xmlns:a16="http://schemas.microsoft.com/office/drawing/2014/main" id="{E9204DC2-3413-3548-8CF8-C5C663E9BB39}"/>
-              </a:ext>
-            </a:extLst>
-          </p:cNvPr>
-          <p:cNvSpPr>
-            <a:spLocks noGrp="1"/>
-          </p:cNvSpPr>
-          <p:nvPr>
-            <p:ph type="sldNum" sz="quarter" idx="12"/>
-          </p:nvPr>
-        </p:nvSpPr>
-        <p:spPr/>
-        <p:txBody>
-          <a:bodyPr/>
-          <a:lstStyle/>
-          <a:p>
-            <a:fld id="{C0B2EF14-4A5E-9745-A203-CFD06475368E}" type="slidenum">
-              <a:rPr lang="en-US" smtClean="0"/>
-              <a:t>‹Nr.›</a:t>
-            </a:fld>
-            <a:endParaRPr lang="en-US"/>
-          </a:p>
-        </p:txBody>
-      </p:sp>
-      <p:sp>
-        <p:nvSpPr>
-          <p:cNvPr id="10" name="Picture Placeholder 2">
-            <a:extLst>
-              <a:ext uri="{FF2B5EF4-FFF2-40B4-BE49-F238E27FC236}">
-                <a16:creationId xmlns:a16="http://schemas.microsoft.com/office/drawing/2014/main" id="{59507F9A-98FE-9840-8666-8F444E9976E2}"/>
-              </a:ext>
-            </a:extLst>
-          </p:cNvPr>
-          <p:cNvSpPr>
-            <a:spLocks noGrp="1"/>
-          </p:cNvSpPr>
-          <p:nvPr>
-            <p:ph type="pic" idx="14"/>
-          </p:nvPr>
-        </p:nvSpPr>
-        <p:spPr>
-          <a:xfrm>
-            <a:off x="836612" y="534210"/>
-            <a:ext cx="10515599" cy="5745984"/>
-          </a:xfrm>
-          <a:effectLst>
-            <a:outerShdw blurRad="139700" dist="38100" dir="2700000" algn="tl" rotWithShape="0">
-              <a:schemeClr val="bg2">
-                <a:lumMod val="50000"/>
-                <a:alpha val="40000"/>
-              </a:schemeClr>
-            </a:outerShdw>
-          </a:effectLst>
-        </p:spPr>
-        <p:txBody>
-          <a:bodyPr/>
-          <a:lstStyle>
-            <a:lvl1pPr marL="0" indent="0">
-              <a:buNone/>
-              <a:defRPr sz="3200"/>
-            </a:lvl1pPr>
-            <a:lvl2pPr marL="457200" indent="0">
-              <a:buNone/>
-              <a:defRPr sz="2800"/>
-            </a:lvl2pPr>
-            <a:lvl3pPr marL="914400" indent="0">
-              <a:buNone/>
-              <a:defRPr sz="2400"/>
-            </a:lvl3pPr>
-            <a:lvl4pPr marL="1371600" indent="0">
-              <a:buNone/>
-              <a:defRPr sz="2000"/>
-            </a:lvl4pPr>
-            <a:lvl5pPr marL="1828800" indent="0">
-              <a:buNone/>
-              <a:defRPr sz="2000"/>
-            </a:lvl5pPr>
-            <a:lvl6pPr marL="2286000" indent="0">
-              <a:buNone/>
-              <a:defRPr sz="2000"/>
-            </a:lvl6pPr>
-            <a:lvl7pPr marL="2743200" indent="0">
-              <a:buNone/>
-              <a:defRPr sz="2000"/>
-            </a:lvl7pPr>
-            <a:lvl8pPr marL="3200400" indent="0">
-              <a:buNone/>
-              <a:defRPr sz="2000"/>
-            </a:lvl8pPr>
-            <a:lvl9pPr marL="3657600" indent="0">
-              <a:buNone/>
-              <a:defRPr sz="2000"/>
-            </a:lvl9pPr>
-          </a:lstStyle>
-          <a:p>
-            <a:endParaRPr lang="en-US"/>
-          </a:p>
-        </p:txBody>
-      </p:sp>
-    </p:spTree>
-    <p:extLst>
-      <p:ext uri="{BB962C8B-B14F-4D97-AF65-F5344CB8AC3E}">
-        <p14:creationId xmlns:p14="http://schemas.microsoft.com/office/powerpoint/2010/main" val="2403195541"/>
-      </p:ext>
-    </p:extLst>
-  </p:cSld>
-  <p:clrMapOvr>
-    <a:masterClrMapping/>
-  </p:clrMapOvr>
-</p:sldLayout>
-</file>
-
 <file path=ppt/slideMasters/slideMaster1.xml><?xml version="1.0" encoding="utf-8"?>
 <p:sldMaster xmlns:a="http://schemas.openxmlformats.org/drawingml/2006/main" xmlns:r="http://schemas.openxmlformats.org/officeDocument/2006/relationships" xmlns:p="http://schemas.openxmlformats.org/presentationml/2006/main" preserve="1">
   <p:cSld>
@@ -7692,7 +7612,7 @@
             <a:pPr algn="r"/>
             <a:r>
               <a:rPr lang="en-US" sz="1000" b="1" noProof="0" dirty="0">
-                <a:hlinkClick r:id="rId9"/>
+                <a:hlinkClick r:id="rId8"/>
               </a:rPr>
               <a:t>http://www.db-berater.de</a:t>
             </a:r>
@@ -7901,7 +7821,6 @@
     <p:sldLayoutId id="2147483674" r:id="rId4"/>
     <p:sldLayoutId id="2147483675" r:id="rId5"/>
     <p:sldLayoutId id="2147483676" r:id="rId6"/>
-    <p:sldLayoutId id="2147483677" r:id="rId7"/>
   </p:sldLayoutIdLst>
   <p:txStyles>
     <p:titleStyle>
@@ -8618,55 +8537,6 @@
       </p:cxnSp>
       <p:sp>
         <p:nvSpPr>
-          <p:cNvPr id="15" name="Rechteck 14">
-            <a:extLst>
-              <a:ext uri="{FF2B5EF4-FFF2-40B4-BE49-F238E27FC236}">
-                <a16:creationId xmlns:a16="http://schemas.microsoft.com/office/drawing/2014/main" id="{18E9F227-9D54-45ED-B87D-DEFADDAFA174}"/>
-              </a:ext>
-            </a:extLst>
-          </p:cNvPr>
-          <p:cNvSpPr/>
-          <p:nvPr/>
-        </p:nvSpPr>
-        <p:spPr>
-          <a:xfrm>
-            <a:off x="11860323" y="6520196"/>
-            <a:ext cx="250441" cy="250441"/>
-          </a:xfrm>
-          <a:prstGeom prst="rect">
-            <a:avLst/>
-          </a:prstGeom>
-          <a:solidFill>
-            <a:srgbClr val="FF0000"/>
-          </a:solidFill>
-        </p:spPr>
-        <p:style>
-          <a:lnRef idx="2">
-            <a:schemeClr val="accent1">
-              <a:shade val="50000"/>
-            </a:schemeClr>
-          </a:lnRef>
-          <a:fillRef idx="1">
-            <a:schemeClr val="accent1"/>
-          </a:fillRef>
-          <a:effectRef idx="0">
-            <a:schemeClr val="accent1"/>
-          </a:effectRef>
-          <a:fontRef idx="minor">
-            <a:schemeClr val="lt1"/>
-          </a:fontRef>
-        </p:style>
-        <p:txBody>
-          <a:bodyPr rtlCol="0" anchor="ctr"/>
-          <a:lstStyle/>
-          <a:p>
-            <a:pPr algn="ctr"/>
-            <a:endParaRPr lang="de-DE"/>
-          </a:p>
-        </p:txBody>
-      </p:sp>
-      <p:sp>
-        <p:nvSpPr>
           <p:cNvPr id="12" name="Textfeld 11">
             <a:extLst>
               <a:ext uri="{FF2B5EF4-FFF2-40B4-BE49-F238E27FC236}">
@@ -9569,7 +9439,7 @@
         <p:spPr/>
         <p:txBody>
           <a:bodyPr>
-            <a:normAutofit/>
+            <a:normAutofit lnSpcReduction="10000"/>
           </a:bodyPr>
           <a:lstStyle/>
           <a:p>
@@ -9613,14 +9483,28 @@
           <a:p>
             <a:r>
               <a:rPr lang="en-GB" sz="1800" b="1" dirty="0"/>
-              <a:t>Data Warehouse #1</a:t>
+              <a:t>Query Performance Problems</a:t>
             </a:r>
           </a:p>
           <a:p>
             <a:pPr lvl="1"/>
             <a:r>
               <a:rPr lang="en-US" sz="1800" dirty="0"/>
-              <a:t>The customer is a retail company that loads the key figures (product / sales) of all cash registers / site into the Date Warehouse every night so that they can create reliable plans for supplying the stores.</a:t>
+              <a:t>The customer has a big Data Warehouse which gets updated 24/7 all 5 – 10 minutes.</a:t>
+            </a:r>
+            <a:br>
+              <a:rPr lang="en-US" sz="1800" dirty="0"/>
+            </a:br>
+            <a:r>
+              <a:rPr lang="en-US" sz="1800" dirty="0"/>
+              <a:t>Before they can import the data, they must find the last record in a partitioned table.</a:t>
+            </a:r>
+            <a:br>
+              <a:rPr lang="en-US" sz="1800" dirty="0"/>
+            </a:br>
+            <a:r>
+              <a:rPr lang="en-US" sz="1800" dirty="0"/>
+              <a:t>The evaluation of the MAX() value takes between 30 – 45 seconds although there is an index on that attribute</a:t>
             </a:r>
           </a:p>
           <a:p>
@@ -9632,7 +9516,7 @@
                   </a:schemeClr>
                 </a:solidFill>
               </a:rPr>
-              <a:t>Data Warehouse #2</a:t>
+              <a:t>Data Warehouse</a:t>
             </a:r>
           </a:p>
           <a:p>
@@ -9645,27 +9529,7 @@
                   </a:schemeClr>
                 </a:solidFill>
               </a:rPr>
-              <a:t>The customer is a bank that recalculates the valuation of its funds every night. During the calculation, the reports for </a:t>
-            </a:r>
-            <a:r>
-              <a:rPr lang="en-US" sz="1800" dirty="0" err="1">
-                <a:solidFill>
-                  <a:schemeClr val="bg1">
-                    <a:lumMod val="75000"/>
-                  </a:schemeClr>
-                </a:solidFill>
-              </a:rPr>
-              <a:t>BaFIN</a:t>
-            </a:r>
-            <a:r>
-              <a:rPr lang="en-US" sz="1800" dirty="0">
-                <a:solidFill>
-                  <a:schemeClr val="bg1">
-                    <a:lumMod val="75000"/>
-                  </a:schemeClr>
-                </a:solidFill>
-              </a:rPr>
-              <a:t> are already created for processed funds.</a:t>
+              <a:t>The customer has a Data Warehouse which collects all data from the cash desks from each supermarket and imports the aggregated values into the DWH for the planning of the distribution of food for the next day. The import starts quick but gets slower as more threads are trying to import new data.</a:t>
             </a:r>
           </a:p>
           <a:p>
@@ -9690,7 +9554,7 @@
                   </a:schemeClr>
                 </a:solidFill>
               </a:rPr>
-              <a:t>A large company's administrator must re-create indexes and statistics from a 4TB database every night. The time window is limited, and a way must be found to limit maintenance to the time window.</a:t>
+              <a:t>A large company's administrator must re-create indexes and statistics from a 45 TB database every night. The time window is limited, and a way must be found to limit maintenance to the time window.</a:t>
             </a:r>
           </a:p>
           <a:p>
@@ -9703,7 +9567,7 @@
                   </a:schemeClr>
                 </a:solidFill>
               </a:rPr>
-              <a:t>Furthermore, the SLA determines a downtime for “hot” data within 60 Minutes!</a:t>
+              <a:t>Furthermore, the SLA determines a downtime for “hot” data within 60 Minutes.</a:t>
             </a:r>
           </a:p>
           <a:p>
@@ -9725,6 +9589,249 @@
 </file>
 
 <file path=ppt/slides/slide12.xml><?xml version="1.0" encoding="utf-8"?>
+<p:sld xmlns:a="http://schemas.openxmlformats.org/drawingml/2006/main" xmlns:r="http://schemas.openxmlformats.org/officeDocument/2006/relationships" xmlns:p="http://schemas.openxmlformats.org/presentationml/2006/main">
+  <p:cSld>
+    <p:spTree>
+      <p:nvGrpSpPr>
+        <p:cNvPr id="1" name="">
+          <a:extLst>
+            <a:ext uri="{FF2B5EF4-FFF2-40B4-BE49-F238E27FC236}">
+              <a16:creationId xmlns:a16="http://schemas.microsoft.com/office/drawing/2014/main" id="{6797AFF1-F640-A41E-F3D4-DEB0C07179A6}"/>
+            </a:ext>
+          </a:extLst>
+        </p:cNvPr>
+        <p:cNvGrpSpPr/>
+        <p:nvPr/>
+      </p:nvGrpSpPr>
+      <p:grpSpPr>
+        <a:xfrm>
+          <a:off x="0" y="0"/>
+          <a:ext cx="0" cy="0"/>
+          <a:chOff x="0" y="0"/>
+          <a:chExt cx="0" cy="0"/>
+        </a:xfrm>
+      </p:grpSpPr>
+      <p:sp>
+        <p:nvSpPr>
+          <p:cNvPr id="5" name="Titel 4">
+            <a:extLst>
+              <a:ext uri="{FF2B5EF4-FFF2-40B4-BE49-F238E27FC236}">
+                <a16:creationId xmlns:a16="http://schemas.microsoft.com/office/drawing/2014/main" id="{06C63E57-296E-CF9D-9A86-3D3A004CF6CC}"/>
+              </a:ext>
+            </a:extLst>
+          </p:cNvPr>
+          <p:cNvSpPr>
+            <a:spLocks noGrp="1"/>
+          </p:cNvSpPr>
+          <p:nvPr>
+            <p:ph type="title"/>
+          </p:nvPr>
+        </p:nvSpPr>
+        <p:spPr/>
+        <p:txBody>
+          <a:bodyPr/>
+          <a:lstStyle/>
+          <a:p>
+            <a:r>
+              <a:rPr lang="en-GB" dirty="0"/>
+              <a:t>Use Cases for Partitioning</a:t>
+            </a:r>
+          </a:p>
+        </p:txBody>
+      </p:sp>
+      <p:sp>
+        <p:nvSpPr>
+          <p:cNvPr id="6" name="Inhaltsplatzhalter 5">
+            <a:extLst>
+              <a:ext uri="{FF2B5EF4-FFF2-40B4-BE49-F238E27FC236}">
+                <a16:creationId xmlns:a16="http://schemas.microsoft.com/office/drawing/2014/main" id="{07700010-A40B-1042-E61D-A37A441C07B5}"/>
+              </a:ext>
+            </a:extLst>
+          </p:cNvPr>
+          <p:cNvSpPr>
+            <a:spLocks noGrp="1"/>
+          </p:cNvSpPr>
+          <p:nvPr>
+            <p:ph idx="1"/>
+          </p:nvPr>
+        </p:nvSpPr>
+        <p:spPr/>
+        <p:txBody>
+          <a:bodyPr>
+            <a:normAutofit lnSpcReduction="10000"/>
+          </a:bodyPr>
+          <a:lstStyle/>
+          <a:p>
+            <a:r>
+              <a:rPr lang="en-GB" sz="1800" b="1" dirty="0">
+                <a:solidFill>
+                  <a:schemeClr val="bg1">
+                    <a:lumMod val="75000"/>
+                  </a:schemeClr>
+                </a:solidFill>
+              </a:rPr>
+              <a:t>High transactional production environment</a:t>
+            </a:r>
+          </a:p>
+          <a:p>
+            <a:pPr lvl="1"/>
+            <a:r>
+              <a:rPr lang="en-GB" sz="1800" dirty="0">
+                <a:solidFill>
+                  <a:schemeClr val="bg1">
+                    <a:lumMod val="75000"/>
+                  </a:schemeClr>
+                </a:solidFill>
+              </a:rPr>
+              <a:t>The customer is a pharmaceutical company that produces drugs on various (20) production lines.</a:t>
+            </a:r>
+          </a:p>
+          <a:p>
+            <a:pPr lvl="1"/>
+            <a:r>
+              <a:rPr lang="en-GB" sz="1800" dirty="0">
+                <a:solidFill>
+                  <a:schemeClr val="bg1">
+                    <a:lumMod val="75000"/>
+                  </a:schemeClr>
+                </a:solidFill>
+              </a:rPr>
+              <a:t>Every charge must go through a Q&amp;A check that stores the data in the SQL Server Database.</a:t>
+            </a:r>
+          </a:p>
+          <a:p>
+            <a:r>
+              <a:rPr lang="en-GB" sz="1800" b="1" dirty="0">
+                <a:solidFill>
+                  <a:schemeClr val="bg1">
+                    <a:lumMod val="75000"/>
+                  </a:schemeClr>
+                </a:solidFill>
+              </a:rPr>
+              <a:t>Query Performance Problems</a:t>
+            </a:r>
+          </a:p>
+          <a:p>
+            <a:pPr lvl="1"/>
+            <a:r>
+              <a:rPr lang="en-US" sz="1800" dirty="0">
+                <a:solidFill>
+                  <a:schemeClr val="bg1">
+                    <a:lumMod val="75000"/>
+                  </a:schemeClr>
+                </a:solidFill>
+              </a:rPr>
+              <a:t>The customer has a big Data Warehouse which gets updated 24/7 all 5 – 10 minutes.</a:t>
+            </a:r>
+            <a:br>
+              <a:rPr lang="en-US" sz="1800" dirty="0">
+                <a:solidFill>
+                  <a:schemeClr val="bg1">
+                    <a:lumMod val="75000"/>
+                  </a:schemeClr>
+                </a:solidFill>
+              </a:rPr>
+            </a:br>
+            <a:r>
+              <a:rPr lang="en-US" sz="1800" dirty="0">
+                <a:solidFill>
+                  <a:schemeClr val="bg1">
+                    <a:lumMod val="75000"/>
+                  </a:schemeClr>
+                </a:solidFill>
+              </a:rPr>
+              <a:t>Before they can import the data, they must find the last record in a partitioned table.</a:t>
+            </a:r>
+            <a:br>
+              <a:rPr lang="en-US" sz="1800" dirty="0">
+                <a:solidFill>
+                  <a:schemeClr val="bg1">
+                    <a:lumMod val="75000"/>
+                  </a:schemeClr>
+                </a:solidFill>
+              </a:rPr>
+            </a:br>
+            <a:r>
+              <a:rPr lang="en-US" sz="1800" dirty="0">
+                <a:solidFill>
+                  <a:schemeClr val="bg1">
+                    <a:lumMod val="75000"/>
+                  </a:schemeClr>
+                </a:solidFill>
+              </a:rPr>
+              <a:t>The evaluation of the MAX() value takes between 30 – 45 seconds although there is an index on that attribute</a:t>
+            </a:r>
+          </a:p>
+          <a:p>
+            <a:r>
+              <a:rPr lang="en-US" sz="1800" b="1" dirty="0"/>
+              <a:t>Data Warehouse</a:t>
+            </a:r>
+          </a:p>
+          <a:p>
+            <a:pPr lvl="1"/>
+            <a:r>
+              <a:rPr lang="en-US" sz="1800" dirty="0"/>
+              <a:t>The customer has a Data Warehouse which collects all data from the cash desks from each supermarket and imports the aggregated values into the DWH for the planning of the distribution of food for the next day. The import starts quick but gets slower as more threads are trying to import new data.</a:t>
+            </a:r>
+          </a:p>
+          <a:p>
+            <a:r>
+              <a:rPr lang="en-US" sz="1800" b="1" dirty="0">
+                <a:solidFill>
+                  <a:schemeClr val="bg1">
+                    <a:lumMod val="75000"/>
+                  </a:schemeClr>
+                </a:solidFill>
+              </a:rPr>
+              <a:t>Management of big databases</a:t>
+            </a:r>
+          </a:p>
+          <a:p>
+            <a:pPr lvl="1"/>
+            <a:r>
+              <a:rPr lang="en-US" sz="1800" dirty="0">
+                <a:solidFill>
+                  <a:schemeClr val="bg1">
+                    <a:lumMod val="75000"/>
+                  </a:schemeClr>
+                </a:solidFill>
+              </a:rPr>
+              <a:t>A large company's administrator must re-create indexes and statistics from a 45 TB database every night. The time window is limited, and a way must be found to limit maintenance to the time window.</a:t>
+            </a:r>
+          </a:p>
+          <a:p>
+            <a:pPr lvl="1"/>
+            <a:r>
+              <a:rPr lang="en-US" sz="1800" dirty="0">
+                <a:solidFill>
+                  <a:schemeClr val="bg1">
+                    <a:lumMod val="75000"/>
+                  </a:schemeClr>
+                </a:solidFill>
+              </a:rPr>
+              <a:t>Furthermore, the SLA determines a downtime for “hot” data within 60 Minutes.</a:t>
+            </a:r>
+          </a:p>
+          <a:p>
+            <a:endParaRPr lang="en-GB" sz="1800" dirty="0"/>
+          </a:p>
+        </p:txBody>
+      </p:sp>
+    </p:spTree>
+    <p:extLst>
+      <p:ext uri="{BB962C8B-B14F-4D97-AF65-F5344CB8AC3E}">
+        <p14:creationId xmlns:p14="http://schemas.microsoft.com/office/powerpoint/2010/main" val="773780160"/>
+      </p:ext>
+    </p:extLst>
+  </p:cSld>
+  <p:clrMapOvr>
+    <a:masterClrMapping/>
+  </p:clrMapOvr>
+</p:sld>
+</file>
+
+<file path=ppt/slides/slide13.xml><?xml version="1.0" encoding="utf-8"?>
 <p:sld xmlns:a="http://schemas.openxmlformats.org/drawingml/2006/main" xmlns:r="http://schemas.openxmlformats.org/officeDocument/2006/relationships" xmlns:p="http://schemas.openxmlformats.org/presentationml/2006/main">
   <p:cSld>
     <p:spTree>
@@ -9763,8 +9870,8 @@
           <a:lstStyle/>
           <a:p>
             <a:r>
-              <a:rPr lang="en-GB"/>
-              <a:t>Data Warehouse #1</a:t>
+              <a:rPr lang="en-GB" dirty="0"/>
+              <a:t>Data Warehouse</a:t>
             </a:r>
           </a:p>
         </p:txBody>
@@ -11057,7 +11164,7 @@
 </p:sld>
 </file>
 
-<file path=ppt/slides/slide13.xml><?xml version="1.0" encoding="utf-8"?>
+<file path=ppt/slides/slide14.xml><?xml version="1.0" encoding="utf-8"?>
 <p:sld xmlns:a="http://schemas.openxmlformats.org/drawingml/2006/main" xmlns:r="http://schemas.openxmlformats.org/officeDocument/2006/relationships" xmlns:p="http://schemas.openxmlformats.org/presentationml/2006/main">
   <p:cSld>
     <p:spTree>
@@ -11097,7 +11204,7 @@
           <a:p>
             <a:r>
               <a:rPr lang="de-DE" dirty="0"/>
-              <a:t>Data Warehouse #1</a:t>
+              <a:t>Data Warehouse</a:t>
             </a:r>
           </a:p>
         </p:txBody>
@@ -12433,7 +12540,7 @@
 </p:sld>
 </file>
 
-<file path=ppt/slides/slide14.xml><?xml version="1.0" encoding="utf-8"?>
+<file path=ppt/slides/slide15.xml><?xml version="1.0" encoding="utf-8"?>
 <p:sld xmlns:a="http://schemas.openxmlformats.org/drawingml/2006/main" xmlns:r="http://schemas.openxmlformats.org/officeDocument/2006/relationships" xmlns:p="http://schemas.openxmlformats.org/presentationml/2006/main">
   <p:cSld>
     <p:spTree>
@@ -12473,7 +12580,7 @@
           <a:p>
             <a:r>
               <a:rPr lang="de-DE" dirty="0"/>
-              <a:t>Data Warehouse #1</a:t>
+              <a:t>Data Warehouse</a:t>
             </a:r>
           </a:p>
         </p:txBody>
@@ -13030,12 +13137,18 @@
 </p:sld>
 </file>
 
-<file path=ppt/slides/slide15.xml><?xml version="1.0" encoding="utf-8"?>
+<file path=ppt/slides/slide16.xml><?xml version="1.0" encoding="utf-8"?>
 <p:sld xmlns:a="http://schemas.openxmlformats.org/drawingml/2006/main" xmlns:r="http://schemas.openxmlformats.org/officeDocument/2006/relationships" xmlns:p="http://schemas.openxmlformats.org/presentationml/2006/main">
   <p:cSld>
     <p:spTree>
       <p:nvGrpSpPr>
-        <p:cNvPr id="1" name=""/>
+        <p:cNvPr id="1" name="">
+          <a:extLst>
+            <a:ext uri="{FF2B5EF4-FFF2-40B4-BE49-F238E27FC236}">
+              <a16:creationId xmlns:a16="http://schemas.microsoft.com/office/drawing/2014/main" id="{15D6CBFA-28DD-2859-7776-C27EDD9706D8}"/>
+            </a:ext>
+          </a:extLst>
+        </p:cNvPr>
         <p:cNvGrpSpPr/>
         <p:nvPr/>
       </p:nvGrpSpPr>
@@ -13052,7 +13165,7 @@
           <p:cNvPr id="5" name="Titel 4">
             <a:extLst>
               <a:ext uri="{FF2B5EF4-FFF2-40B4-BE49-F238E27FC236}">
-                <a16:creationId xmlns:a16="http://schemas.microsoft.com/office/drawing/2014/main" id="{AE6FF182-963C-4697-9518-6914B4D16647}"/>
+                <a16:creationId xmlns:a16="http://schemas.microsoft.com/office/drawing/2014/main" id="{75D2ACFA-13E0-4E6B-8A16-35379571C567}"/>
               </a:ext>
             </a:extLst>
           </p:cNvPr>
@@ -13080,7 +13193,7 @@
           <p:cNvPr id="6" name="Inhaltsplatzhalter 5">
             <a:extLst>
               <a:ext uri="{FF2B5EF4-FFF2-40B4-BE49-F238E27FC236}">
-                <a16:creationId xmlns:a16="http://schemas.microsoft.com/office/drawing/2014/main" id="{12E917D0-2EFD-482A-8926-69A27F0DF25C}"/>
+                <a16:creationId xmlns:a16="http://schemas.microsoft.com/office/drawing/2014/main" id="{2E4FFC12-C59B-23DC-19AF-89D2F9398168}"/>
               </a:ext>
             </a:extLst>
           </p:cNvPr>
@@ -13094,7 +13207,7 @@
         <p:spPr/>
         <p:txBody>
           <a:bodyPr>
-            <a:normAutofit/>
+            <a:normAutofit lnSpcReduction="10000"/>
           </a:bodyPr>
           <a:lstStyle/>
           <a:p>
@@ -13144,7 +13257,7 @@
                   </a:schemeClr>
                 </a:solidFill>
               </a:rPr>
-              <a:t>Data Warehouse #1</a:t>
+              <a:t>Query Performance Problems</a:t>
             </a:r>
           </a:p>
           <a:p>
@@ -13157,45 +13270,9 @@
                   </a:schemeClr>
                 </a:solidFill>
               </a:rPr>
-              <a:t>The customer is a retail company that loads the key figures (product / sales) of all cash registers into the Date Warehouse every night so that they can create reliable plans for supplying the stores.</a:t>
-            </a:r>
-          </a:p>
-          <a:p>
-            <a:r>
-              <a:rPr lang="en-US" sz="1800" b="1" dirty="0"/>
-              <a:t>Data Warehouse #2</a:t>
-            </a:r>
-          </a:p>
-          <a:p>
-            <a:pPr lvl="1"/>
-            <a:r>
-              <a:rPr lang="en-US" sz="1800" dirty="0"/>
-              <a:t>The customer is a bank that recalculates the valuation of its funds every night. During the calculation, the reports for </a:t>
-            </a:r>
-            <a:r>
-              <a:rPr lang="en-US" sz="1800" dirty="0" err="1"/>
-              <a:t>BaFIN</a:t>
-            </a:r>
-            <a:r>
-              <a:rPr lang="en-US" sz="1800" dirty="0"/>
-              <a:t> must be created for processed funds because of timeline restrictions.</a:t>
-            </a:r>
-          </a:p>
-          <a:p>
-            <a:r>
-              <a:rPr lang="en-US" sz="1800" b="1" dirty="0">
-                <a:solidFill>
-                  <a:schemeClr val="bg1">
-                    <a:lumMod val="75000"/>
-                  </a:schemeClr>
-                </a:solidFill>
-              </a:rPr>
-              <a:t>Management of big databases</a:t>
-            </a:r>
-          </a:p>
-          <a:p>
-            <a:pPr lvl="1"/>
-            <a:r>
+              <a:t>The customer has a big Data Warehouse which gets updated 24/7 all 5 – 10 minutes.</a:t>
+            </a:r>
+            <a:br>
               <a:rPr lang="en-US" sz="1800" dirty="0">
                 <a:solidFill>
                   <a:schemeClr val="bg1">
@@ -13203,11 +13280,7 @@
                   </a:schemeClr>
                 </a:solidFill>
               </a:rPr>
-              <a:t>A large company's administrator must re-create indexes and statistics from a 4TB database every night. The time window is limited and a way must be found to limit maintenance to the time window.</a:t>
-            </a:r>
-          </a:p>
-          <a:p>
-            <a:pPr lvl="1"/>
+            </a:br>
             <a:r>
               <a:rPr lang="en-US" sz="1800" dirty="0">
                 <a:solidFill>
@@ -13216,7 +13289,71 @@
                   </a:schemeClr>
                 </a:solidFill>
               </a:rPr>
-              <a:t>Furthermore the SLA determines a downtime for “hot” data within 60 Minutes!</a:t>
+              <a:t>Before they can import the data, they must find the last record in a partitioned table.</a:t>
+            </a:r>
+            <a:br>
+              <a:rPr lang="en-US" sz="1800" dirty="0">
+                <a:solidFill>
+                  <a:schemeClr val="bg1">
+                    <a:lumMod val="75000"/>
+                  </a:schemeClr>
+                </a:solidFill>
+              </a:rPr>
+            </a:br>
+            <a:r>
+              <a:rPr lang="en-US" sz="1800" dirty="0">
+                <a:solidFill>
+                  <a:schemeClr val="bg1">
+                    <a:lumMod val="75000"/>
+                  </a:schemeClr>
+                </a:solidFill>
+              </a:rPr>
+              <a:t>The evaluation of the MAX() value takes between 30 – 45 seconds although there is an index on that attribute</a:t>
+            </a:r>
+          </a:p>
+          <a:p>
+            <a:r>
+              <a:rPr lang="en-US" sz="1800" b="1" dirty="0">
+                <a:solidFill>
+                  <a:schemeClr val="bg1">
+                    <a:lumMod val="85000"/>
+                  </a:schemeClr>
+                </a:solidFill>
+              </a:rPr>
+              <a:t>Data Warehouse</a:t>
+            </a:r>
+          </a:p>
+          <a:p>
+            <a:pPr lvl="1"/>
+            <a:r>
+              <a:rPr lang="en-US" sz="1800" dirty="0">
+                <a:solidFill>
+                  <a:schemeClr val="bg1">
+                    <a:lumMod val="85000"/>
+                  </a:schemeClr>
+                </a:solidFill>
+              </a:rPr>
+              <a:t>The customer has a Data Warehouse which collects all data from the cash desks from each supermarket and imports the aggregated values into the DWH for the planning of the distribution of food for the next day. The import starts quick but gets slower as more threads are trying to import new data.</a:t>
+            </a:r>
+          </a:p>
+          <a:p>
+            <a:r>
+              <a:rPr lang="en-US" sz="1800" b="1" dirty="0"/>
+              <a:t>Management of big databases</a:t>
+            </a:r>
+          </a:p>
+          <a:p>
+            <a:pPr lvl="1"/>
+            <a:r>
+              <a:rPr lang="en-US" sz="1800" dirty="0"/>
+              <a:t>A large company's administrator must re-create indexes and statistics from a 45 TB database every night. The time window is limited, and a way must be found to limit maintenance to the time window.</a:t>
+            </a:r>
+          </a:p>
+          <a:p>
+            <a:pPr lvl="1"/>
+            <a:r>
+              <a:rPr lang="en-US" sz="1800" dirty="0"/>
+              <a:t>Furthermore, the SLA determines a downtime for “hot” data within 60 Minutes.</a:t>
             </a:r>
           </a:p>
           <a:p>
@@ -13227,183 +13364,7 @@
     </p:spTree>
     <p:extLst>
       <p:ext uri="{BB962C8B-B14F-4D97-AF65-F5344CB8AC3E}">
-        <p14:creationId xmlns:p14="http://schemas.microsoft.com/office/powerpoint/2010/main" val="2061120949"/>
-      </p:ext>
-    </p:extLst>
-  </p:cSld>
-  <p:clrMapOvr>
-    <a:masterClrMapping/>
-  </p:clrMapOvr>
-</p:sld>
-</file>
-
-<file path=ppt/slides/slide16.xml><?xml version="1.0" encoding="utf-8"?>
-<p:sld xmlns:a="http://schemas.openxmlformats.org/drawingml/2006/main" xmlns:r="http://schemas.openxmlformats.org/officeDocument/2006/relationships" xmlns:p="http://schemas.openxmlformats.org/presentationml/2006/main">
-  <p:cSld>
-    <p:spTree>
-      <p:nvGrpSpPr>
-        <p:cNvPr id="1" name=""/>
-        <p:cNvGrpSpPr/>
-        <p:nvPr/>
-      </p:nvGrpSpPr>
-      <p:grpSpPr>
-        <a:xfrm>
-          <a:off x="0" y="0"/>
-          <a:ext cx="0" cy="0"/>
-          <a:chOff x="0" y="0"/>
-          <a:chExt cx="0" cy="0"/>
-        </a:xfrm>
-      </p:grpSpPr>
-      <p:sp>
-        <p:nvSpPr>
-          <p:cNvPr id="2" name="Titel 1">
-            <a:extLst>
-              <a:ext uri="{FF2B5EF4-FFF2-40B4-BE49-F238E27FC236}">
-                <a16:creationId xmlns:a16="http://schemas.microsoft.com/office/drawing/2014/main" id="{84D80E68-3E18-431F-8291-3E8E71203BA0}"/>
-              </a:ext>
-            </a:extLst>
-          </p:cNvPr>
-          <p:cNvSpPr>
-            <a:spLocks noGrp="1"/>
-          </p:cNvSpPr>
-          <p:nvPr>
-            <p:ph type="title"/>
-          </p:nvPr>
-        </p:nvSpPr>
-        <p:spPr/>
-        <p:txBody>
-          <a:bodyPr/>
-          <a:lstStyle/>
-          <a:p>
-            <a:r>
-              <a:rPr lang="en-US" dirty="0"/>
-              <a:t>Data Warehouse #2</a:t>
-            </a:r>
-            <a:endParaRPr lang="de-DE" dirty="0"/>
-          </a:p>
-        </p:txBody>
-      </p:sp>
-      <p:sp>
-        <p:nvSpPr>
-          <p:cNvPr id="3" name="Inhaltsplatzhalter 2">
-            <a:extLst>
-              <a:ext uri="{FF2B5EF4-FFF2-40B4-BE49-F238E27FC236}">
-                <a16:creationId xmlns:a16="http://schemas.microsoft.com/office/drawing/2014/main" id="{393CFAC6-6952-430A-B1F6-7EF47A7029B5}"/>
-              </a:ext>
-            </a:extLst>
-          </p:cNvPr>
-          <p:cNvSpPr>
-            <a:spLocks noGrp="1"/>
-          </p:cNvSpPr>
-          <p:nvPr>
-            <p:ph idx="1"/>
-          </p:nvPr>
-        </p:nvSpPr>
-        <p:spPr/>
-        <p:txBody>
-          <a:bodyPr/>
-          <a:lstStyle/>
-          <a:p>
-            <a:r>
-              <a:rPr lang="en-GB" dirty="0"/>
-              <a:t>Problems</a:t>
-            </a:r>
-          </a:p>
-          <a:p>
-            <a:pPr lvl="1"/>
-            <a:r>
-              <a:rPr lang="en-GB" dirty="0"/>
-              <a:t>TRUNCATE TABLE WITH (PARTITION) causes LCK_M_SCH_M on table</a:t>
-            </a:r>
-          </a:p>
-          <a:p>
-            <a:pPr lvl="1"/>
-            <a:r>
-              <a:rPr lang="en-GB" dirty="0"/>
-              <a:t>Other processes have to wait when one process inserts data.</a:t>
-            </a:r>
-            <a:br>
-              <a:rPr lang="en-GB" dirty="0"/>
-            </a:br>
-            <a:r>
-              <a:rPr lang="en-GB" dirty="0"/>
-              <a:t>The INSERT process holds an LCK_IX lock on the table</a:t>
-            </a:r>
-          </a:p>
-          <a:p>
-            <a:pPr lvl="1"/>
-            <a:r>
-              <a:rPr lang="en-GB" dirty="0"/>
-              <a:t>An LCK_IX lock is incompatible with an LCK_M_SCH_M lock</a:t>
-            </a:r>
-            <a:endParaRPr lang="de-DE" dirty="0"/>
-          </a:p>
-        </p:txBody>
-      </p:sp>
-      <p:pic>
-        <p:nvPicPr>
-          <p:cNvPr id="1026" name="Grafik 3" descr="image003">
-            <a:extLst>
-              <a:ext uri="{FF2B5EF4-FFF2-40B4-BE49-F238E27FC236}">
-                <a16:creationId xmlns:a16="http://schemas.microsoft.com/office/drawing/2014/main" id="{600C6F0C-1EDF-4F7E-B91B-78A67F825590}"/>
-              </a:ext>
-            </a:extLst>
-          </p:cNvPr>
-          <p:cNvPicPr>
-            <a:picLocks noChangeAspect="1" noChangeArrowheads="1"/>
-          </p:cNvPicPr>
-          <p:nvPr/>
-        </p:nvPicPr>
-        <p:blipFill>
-          <a:blip r:embed="rId2">
-            <a:extLst>
-              <a:ext uri="{28A0092B-C50C-407E-A947-70E740481C1C}">
-                <a14:useLocalDpi xmlns:a14="http://schemas.microsoft.com/office/drawing/2010/main" val="0"/>
-              </a:ext>
-            </a:extLst>
-          </a:blip>
-          <a:srcRect/>
-          <a:stretch>
-            <a:fillRect/>
-          </a:stretch>
-        </p:blipFill>
-        <p:spPr bwMode="auto">
-          <a:xfrm>
-            <a:off x="334962" y="3951287"/>
-            <a:ext cx="11493499" cy="1387275"/>
-          </a:xfrm>
-          <a:prstGeom prst="rect">
-            <a:avLst/>
-          </a:prstGeom>
-          <a:noFill/>
-          <a:ln>
-            <a:noFill/>
-          </a:ln>
-          <a:extLst>
-            <a:ext uri="{909E8E84-426E-40DD-AFC4-6F175D3DCCD1}">
-              <a14:hiddenFill xmlns:a14="http://schemas.microsoft.com/office/drawing/2010/main">
-                <a:solidFill>
-                  <a:srgbClr val="FFFFFF"/>
-                </a:solidFill>
-              </a14:hiddenFill>
-            </a:ext>
-            <a:ext uri="{91240B29-F687-4F45-9708-019B960494DF}">
-              <a14:hiddenLine xmlns:a14="http://schemas.microsoft.com/office/drawing/2010/main" w="9525">
-                <a:solidFill>
-                  <a:srgbClr val="000000"/>
-                </a:solidFill>
-                <a:miter lim="800000"/>
-                <a:headEnd/>
-                <a:tailEnd/>
-              </a14:hiddenLine>
-            </a:ext>
-          </a:extLst>
-        </p:spPr>
-      </p:pic>
-    </p:spTree>
-    <p:extLst>
-      <p:ext uri="{BB962C8B-B14F-4D97-AF65-F5344CB8AC3E}">
-        <p14:creationId xmlns:p14="http://schemas.microsoft.com/office/powerpoint/2010/main" val="763256948"/>
+        <p14:creationId xmlns:p14="http://schemas.microsoft.com/office/powerpoint/2010/main" val="3120990697"/>
       </p:ext>
     </p:extLst>
   </p:cSld>
@@ -13414,1549 +13375,6 @@
 </file>
 
 <file path=ppt/slides/slide17.xml><?xml version="1.0" encoding="utf-8"?>
-<p:sld xmlns:a="http://schemas.openxmlformats.org/drawingml/2006/main" xmlns:r="http://schemas.openxmlformats.org/officeDocument/2006/relationships" xmlns:p="http://schemas.openxmlformats.org/presentationml/2006/main">
-  <p:cSld>
-    <p:spTree>
-      <p:nvGrpSpPr>
-        <p:cNvPr id="1" name=""/>
-        <p:cNvGrpSpPr/>
-        <p:nvPr/>
-      </p:nvGrpSpPr>
-      <p:grpSpPr>
-        <a:xfrm>
-          <a:off x="0" y="0"/>
-          <a:ext cx="0" cy="0"/>
-          <a:chOff x="0" y="0"/>
-          <a:chExt cx="0" cy="0"/>
-        </a:xfrm>
-      </p:grpSpPr>
-      <p:sp>
-        <p:nvSpPr>
-          <p:cNvPr id="2" name="Titel 1">
-            <a:extLst>
-              <a:ext uri="{FF2B5EF4-FFF2-40B4-BE49-F238E27FC236}">
-                <a16:creationId xmlns:a16="http://schemas.microsoft.com/office/drawing/2014/main" id="{90F6D4D0-1EC2-49DF-9DC1-3C6C9A0D4C4B}"/>
-              </a:ext>
-            </a:extLst>
-          </p:cNvPr>
-          <p:cNvSpPr>
-            <a:spLocks noGrp="1"/>
-          </p:cNvSpPr>
-          <p:nvPr>
-            <p:ph type="title"/>
-          </p:nvPr>
-        </p:nvSpPr>
-        <p:spPr/>
-        <p:txBody>
-          <a:bodyPr/>
-          <a:lstStyle/>
-          <a:p>
-            <a:r>
-              <a:rPr lang="en-US" dirty="0"/>
-              <a:t>Data Warehouse #2</a:t>
-            </a:r>
-            <a:endParaRPr lang="de-DE" dirty="0"/>
-          </a:p>
-        </p:txBody>
-      </p:sp>
-      <p:sp>
-        <p:nvSpPr>
-          <p:cNvPr id="3" name="Textfeld 2">
-            <a:extLst>
-              <a:ext uri="{FF2B5EF4-FFF2-40B4-BE49-F238E27FC236}">
-                <a16:creationId xmlns:a16="http://schemas.microsoft.com/office/drawing/2014/main" id="{43E6379B-953D-47EB-84D2-5B749454B18B}"/>
-              </a:ext>
-            </a:extLst>
-          </p:cNvPr>
-          <p:cNvSpPr txBox="1"/>
-          <p:nvPr/>
-        </p:nvSpPr>
-        <p:spPr>
-          <a:xfrm>
-            <a:off x="525643" y="3005664"/>
-            <a:ext cx="2157327" cy="923330"/>
-          </a:xfrm>
-          <a:prstGeom prst="rect">
-            <a:avLst/>
-          </a:prstGeom>
-          <a:solidFill>
-            <a:schemeClr val="bg1"/>
-          </a:solidFill>
-          <a:ln>
-            <a:solidFill>
-              <a:schemeClr val="tx1"/>
-            </a:solidFill>
-          </a:ln>
-          <a:effectLst>
-            <a:outerShdw blurRad="50800" dist="38100" dir="2700000" algn="tl" rotWithShape="0">
-              <a:prstClr val="black">
-                <a:alpha val="40000"/>
-              </a:prstClr>
-            </a:outerShdw>
-          </a:effectLst>
-        </p:spPr>
-        <p:txBody>
-          <a:bodyPr wrap="square" rtlCol="0">
-            <a:spAutoFit/>
-          </a:bodyPr>
-          <a:lstStyle/>
-          <a:p>
-            <a:r>
-              <a:rPr lang="de-DE" dirty="0"/>
-              <a:t>Daily </a:t>
-            </a:r>
-            <a:r>
-              <a:rPr lang="de-DE" dirty="0" err="1"/>
-              <a:t>transactional</a:t>
-            </a:r>
-            <a:r>
-              <a:rPr lang="de-DE" dirty="0"/>
-              <a:t> </a:t>
-            </a:r>
-            <a:r>
-              <a:rPr lang="de-DE" dirty="0" err="1"/>
-              <a:t>activity</a:t>
-            </a:r>
-            <a:r>
-              <a:rPr lang="de-DE" dirty="0"/>
-              <a:t> for </a:t>
-            </a:r>
-            <a:r>
-              <a:rPr lang="de-DE" dirty="0" err="1"/>
-              <a:t>each</a:t>
-            </a:r>
-            <a:r>
-              <a:rPr lang="de-DE" dirty="0"/>
-              <a:t> </a:t>
-            </a:r>
-            <a:r>
-              <a:rPr lang="de-DE" dirty="0" err="1"/>
-              <a:t>fonds</a:t>
-            </a:r>
-            <a:endParaRPr lang="de-DE" dirty="0"/>
-          </a:p>
-        </p:txBody>
-      </p:sp>
-      <p:graphicFrame>
-        <p:nvGraphicFramePr>
-          <p:cNvPr id="4" name="Tabelle 4">
-            <a:extLst>
-              <a:ext uri="{FF2B5EF4-FFF2-40B4-BE49-F238E27FC236}">
-                <a16:creationId xmlns:a16="http://schemas.microsoft.com/office/drawing/2014/main" id="{BC4E2CE4-D2B6-412D-B45A-3B06BA96B9C6}"/>
-              </a:ext>
-            </a:extLst>
-          </p:cNvPr>
-          <p:cNvGraphicFramePr>
-            <a:graphicFrameLocks noGrp="1"/>
-          </p:cNvGraphicFramePr>
-          <p:nvPr>
-            <p:extLst>
-              <p:ext uri="{D42A27DB-BD31-4B8C-83A1-F6EECF244321}">
-                <p14:modId xmlns:p14="http://schemas.microsoft.com/office/powerpoint/2010/main" val="2486751547"/>
-              </p:ext>
-            </p:extLst>
-          </p:nvPr>
-        </p:nvGraphicFramePr>
-        <p:xfrm>
-          <a:off x="3450140" y="1925064"/>
-          <a:ext cx="2096489" cy="2966720"/>
-        </p:xfrm>
-        <a:graphic>
-          <a:graphicData uri="http://schemas.openxmlformats.org/drawingml/2006/table">
-            <a:tbl>
-              <a:tblPr firstRow="1" bandRow="1">
-                <a:tableStyleId>{5C22544A-7EE6-4342-B048-85BDC9FD1C3A}</a:tableStyleId>
-              </a:tblPr>
-              <a:tblGrid>
-                <a:gridCol w="2096489">
-                  <a:extLst>
-                    <a:ext uri="{9D8B030D-6E8A-4147-A177-3AD203B41FA5}">
-                      <a16:colId xmlns:a16="http://schemas.microsoft.com/office/drawing/2014/main" val="3101105368"/>
-                    </a:ext>
-                  </a:extLst>
-                </a:gridCol>
-              </a:tblGrid>
-              <a:tr h="370840">
-                <a:tc>
-                  <a:txBody>
-                    <a:bodyPr/>
-                    <a:lstStyle/>
-                    <a:p>
-                      <a:r>
-                        <a:rPr lang="de-DE" sz="1600" dirty="0"/>
-                        <a:t>Partition (</a:t>
-                      </a:r>
-                      <a:r>
-                        <a:rPr lang="de-DE" sz="1600" dirty="0" err="1"/>
-                        <a:t>staging</a:t>
-                      </a:r>
-                      <a:r>
-                        <a:rPr lang="de-DE" sz="1600" dirty="0"/>
-                        <a:t>)</a:t>
-                      </a:r>
-                    </a:p>
-                  </a:txBody>
-                  <a:tcPr/>
-                </a:tc>
-                <a:extLst>
-                  <a:ext uri="{0D108BD9-81ED-4DB2-BD59-A6C34878D82A}">
-                    <a16:rowId xmlns:a16="http://schemas.microsoft.com/office/drawing/2014/main" val="2440980348"/>
-                  </a:ext>
-                </a:extLst>
-              </a:tr>
-              <a:tr h="370840">
-                <a:tc>
-                  <a:txBody>
-                    <a:bodyPr/>
-                    <a:lstStyle/>
-                    <a:p>
-                      <a:r>
-                        <a:rPr lang="de-DE" sz="1600" dirty="0"/>
-                        <a:t>Fonds_001</a:t>
-                      </a:r>
-                    </a:p>
-                  </a:txBody>
-                  <a:tcPr/>
-                </a:tc>
-                <a:extLst>
-                  <a:ext uri="{0D108BD9-81ED-4DB2-BD59-A6C34878D82A}">
-                    <a16:rowId xmlns:a16="http://schemas.microsoft.com/office/drawing/2014/main" val="3461970650"/>
-                  </a:ext>
-                </a:extLst>
-              </a:tr>
-              <a:tr h="370840">
-                <a:tc>
-                  <a:txBody>
-                    <a:bodyPr/>
-                    <a:lstStyle/>
-                    <a:p>
-                      <a:r>
-                        <a:rPr lang="de-DE" sz="1600" dirty="0"/>
-                        <a:t>Fonds_002</a:t>
-                      </a:r>
-                    </a:p>
-                  </a:txBody>
-                  <a:tcPr/>
-                </a:tc>
-                <a:extLst>
-                  <a:ext uri="{0D108BD9-81ED-4DB2-BD59-A6C34878D82A}">
-                    <a16:rowId xmlns:a16="http://schemas.microsoft.com/office/drawing/2014/main" val="1678354770"/>
-                  </a:ext>
-                </a:extLst>
-              </a:tr>
-              <a:tr h="370840">
-                <a:tc>
-                  <a:txBody>
-                    <a:bodyPr/>
-                    <a:lstStyle/>
-                    <a:p>
-                      <a:r>
-                        <a:rPr lang="de-DE" sz="1600" dirty="0"/>
-                        <a:t>Fonds_003</a:t>
-                      </a:r>
-                    </a:p>
-                  </a:txBody>
-                  <a:tcPr/>
-                </a:tc>
-                <a:extLst>
-                  <a:ext uri="{0D108BD9-81ED-4DB2-BD59-A6C34878D82A}">
-                    <a16:rowId xmlns:a16="http://schemas.microsoft.com/office/drawing/2014/main" val="3171268748"/>
-                  </a:ext>
-                </a:extLst>
-              </a:tr>
-              <a:tr h="370840">
-                <a:tc>
-                  <a:txBody>
-                    <a:bodyPr/>
-                    <a:lstStyle/>
-                    <a:p>
-                      <a:r>
-                        <a:rPr lang="de-DE" sz="1600" dirty="0"/>
-                        <a:t>…</a:t>
-                      </a:r>
-                    </a:p>
-                  </a:txBody>
-                  <a:tcPr/>
-                </a:tc>
-                <a:extLst>
-                  <a:ext uri="{0D108BD9-81ED-4DB2-BD59-A6C34878D82A}">
-                    <a16:rowId xmlns:a16="http://schemas.microsoft.com/office/drawing/2014/main" val="4141943300"/>
-                  </a:ext>
-                </a:extLst>
-              </a:tr>
-              <a:tr h="370840">
-                <a:tc>
-                  <a:txBody>
-                    <a:bodyPr/>
-                    <a:lstStyle/>
-                    <a:p>
-                      <a:r>
-                        <a:rPr lang="de-DE" sz="1600" dirty="0"/>
-                        <a:t>…</a:t>
-                      </a:r>
-                    </a:p>
-                  </a:txBody>
-                  <a:tcPr/>
-                </a:tc>
-                <a:extLst>
-                  <a:ext uri="{0D108BD9-81ED-4DB2-BD59-A6C34878D82A}">
-                    <a16:rowId xmlns:a16="http://schemas.microsoft.com/office/drawing/2014/main" val="3705917148"/>
-                  </a:ext>
-                </a:extLst>
-              </a:tr>
-              <a:tr h="370840">
-                <a:tc>
-                  <a:txBody>
-                    <a:bodyPr/>
-                    <a:lstStyle/>
-                    <a:p>
-                      <a:r>
-                        <a:rPr lang="de-DE" sz="1600" dirty="0"/>
-                        <a:t>…</a:t>
-                      </a:r>
-                    </a:p>
-                  </a:txBody>
-                  <a:tcPr/>
-                </a:tc>
-                <a:extLst>
-                  <a:ext uri="{0D108BD9-81ED-4DB2-BD59-A6C34878D82A}">
-                    <a16:rowId xmlns:a16="http://schemas.microsoft.com/office/drawing/2014/main" val="757817686"/>
-                  </a:ext>
-                </a:extLst>
-              </a:tr>
-              <a:tr h="370840">
-                <a:tc>
-                  <a:txBody>
-                    <a:bodyPr/>
-                    <a:lstStyle/>
-                    <a:p>
-                      <a:r>
-                        <a:rPr lang="de-DE" sz="1600" dirty="0"/>
-                        <a:t>Fonds_150</a:t>
-                      </a:r>
-                    </a:p>
-                  </a:txBody>
-                  <a:tcPr/>
-                </a:tc>
-                <a:extLst>
-                  <a:ext uri="{0D108BD9-81ED-4DB2-BD59-A6C34878D82A}">
-                    <a16:rowId xmlns:a16="http://schemas.microsoft.com/office/drawing/2014/main" val="3075521418"/>
-                  </a:ext>
-                </a:extLst>
-              </a:tr>
-            </a:tbl>
-          </a:graphicData>
-        </a:graphic>
-      </p:graphicFrame>
-      <p:cxnSp>
-        <p:nvCxnSpPr>
-          <p:cNvPr id="7" name="Gerade Verbindung mit Pfeil 6">
-            <a:extLst>
-              <a:ext uri="{FF2B5EF4-FFF2-40B4-BE49-F238E27FC236}">
-                <a16:creationId xmlns:a16="http://schemas.microsoft.com/office/drawing/2014/main" id="{DCB6B19E-7F93-4636-8C80-4A8B927F4D98}"/>
-              </a:ext>
-            </a:extLst>
-          </p:cNvPr>
-          <p:cNvCxnSpPr>
-            <a:stCxn id="3" idx="3"/>
-          </p:cNvCxnSpPr>
-          <p:nvPr/>
-        </p:nvCxnSpPr>
-        <p:spPr>
-          <a:xfrm flipV="1">
-            <a:off x="2682970" y="2513231"/>
-            <a:ext cx="767171" cy="954098"/>
-          </a:xfrm>
-          <a:prstGeom prst="straightConnector1">
-            <a:avLst/>
-          </a:prstGeom>
-          <a:ln>
-            <a:solidFill>
-              <a:schemeClr val="tx1"/>
-            </a:solidFill>
-            <a:headEnd type="none" w="med" len="med"/>
-            <a:tailEnd type="triangle"/>
-          </a:ln>
-        </p:spPr>
-        <p:style>
-          <a:lnRef idx="1">
-            <a:schemeClr val="accent1"/>
-          </a:lnRef>
-          <a:fillRef idx="0">
-            <a:schemeClr val="accent1"/>
-          </a:fillRef>
-          <a:effectRef idx="0">
-            <a:schemeClr val="accent1"/>
-          </a:effectRef>
-          <a:fontRef idx="minor">
-            <a:schemeClr val="tx1"/>
-          </a:fontRef>
-        </p:style>
-      </p:cxnSp>
-      <p:cxnSp>
-        <p:nvCxnSpPr>
-          <p:cNvPr id="9" name="Gerade Verbindung mit Pfeil 8">
-            <a:extLst>
-              <a:ext uri="{FF2B5EF4-FFF2-40B4-BE49-F238E27FC236}">
-                <a16:creationId xmlns:a16="http://schemas.microsoft.com/office/drawing/2014/main" id="{81D156B3-A751-48FD-B8A0-332BC4F6C6F1}"/>
-              </a:ext>
-            </a:extLst>
-          </p:cNvPr>
-          <p:cNvCxnSpPr>
-            <a:stCxn id="3" idx="3"/>
-          </p:cNvCxnSpPr>
-          <p:nvPr/>
-        </p:nvCxnSpPr>
-        <p:spPr>
-          <a:xfrm flipV="1">
-            <a:off x="2682970" y="2858184"/>
-            <a:ext cx="767171" cy="609145"/>
-          </a:xfrm>
-          <a:prstGeom prst="straightConnector1">
-            <a:avLst/>
-          </a:prstGeom>
-          <a:ln>
-            <a:solidFill>
-              <a:schemeClr val="tx1"/>
-            </a:solidFill>
-            <a:headEnd type="none" w="med" len="med"/>
-            <a:tailEnd type="triangle"/>
-          </a:ln>
-        </p:spPr>
-        <p:style>
-          <a:lnRef idx="1">
-            <a:schemeClr val="accent1"/>
-          </a:lnRef>
-          <a:fillRef idx="0">
-            <a:schemeClr val="accent1"/>
-          </a:fillRef>
-          <a:effectRef idx="0">
-            <a:schemeClr val="accent1"/>
-          </a:effectRef>
-          <a:fontRef idx="minor">
-            <a:schemeClr val="tx1"/>
-          </a:fontRef>
-        </p:style>
-      </p:cxnSp>
-      <p:cxnSp>
-        <p:nvCxnSpPr>
-          <p:cNvPr id="11" name="Gerade Verbindung mit Pfeil 10">
-            <a:extLst>
-              <a:ext uri="{FF2B5EF4-FFF2-40B4-BE49-F238E27FC236}">
-                <a16:creationId xmlns:a16="http://schemas.microsoft.com/office/drawing/2014/main" id="{29F049B2-3056-4ACA-BD67-1C7AC57193E9}"/>
-              </a:ext>
-            </a:extLst>
-          </p:cNvPr>
-          <p:cNvCxnSpPr>
-            <a:stCxn id="3" idx="3"/>
-          </p:cNvCxnSpPr>
-          <p:nvPr/>
-        </p:nvCxnSpPr>
-        <p:spPr>
-          <a:xfrm flipV="1">
-            <a:off x="2682970" y="3241466"/>
-            <a:ext cx="767171" cy="225863"/>
-          </a:xfrm>
-          <a:prstGeom prst="straightConnector1">
-            <a:avLst/>
-          </a:prstGeom>
-          <a:ln>
-            <a:solidFill>
-              <a:schemeClr val="tx1"/>
-            </a:solidFill>
-            <a:headEnd type="none" w="med" len="med"/>
-            <a:tailEnd type="triangle"/>
-          </a:ln>
-        </p:spPr>
-        <p:style>
-          <a:lnRef idx="1">
-            <a:schemeClr val="accent1"/>
-          </a:lnRef>
-          <a:fillRef idx="0">
-            <a:schemeClr val="accent1"/>
-          </a:fillRef>
-          <a:effectRef idx="0">
-            <a:schemeClr val="accent1"/>
-          </a:effectRef>
-          <a:fontRef idx="minor">
-            <a:schemeClr val="tx1"/>
-          </a:fontRef>
-        </p:style>
-      </p:cxnSp>
-      <p:cxnSp>
-        <p:nvCxnSpPr>
-          <p:cNvPr id="13" name="Gerade Verbindung mit Pfeil 12">
-            <a:extLst>
-              <a:ext uri="{FF2B5EF4-FFF2-40B4-BE49-F238E27FC236}">
-                <a16:creationId xmlns:a16="http://schemas.microsoft.com/office/drawing/2014/main" id="{395A67A9-143A-489C-901B-6EA13CD2C125}"/>
-              </a:ext>
-            </a:extLst>
-          </p:cNvPr>
-          <p:cNvCxnSpPr>
-            <a:stCxn id="3" idx="3"/>
-          </p:cNvCxnSpPr>
-          <p:nvPr/>
-        </p:nvCxnSpPr>
-        <p:spPr>
-          <a:xfrm>
-            <a:off x="2682970" y="3467329"/>
-            <a:ext cx="767171" cy="195746"/>
-          </a:xfrm>
-          <a:prstGeom prst="straightConnector1">
-            <a:avLst/>
-          </a:prstGeom>
-          <a:ln>
-            <a:solidFill>
-              <a:schemeClr val="tx1"/>
-            </a:solidFill>
-            <a:headEnd type="none" w="med" len="med"/>
-            <a:tailEnd type="triangle"/>
-          </a:ln>
-        </p:spPr>
-        <p:style>
-          <a:lnRef idx="1">
-            <a:schemeClr val="accent1"/>
-          </a:lnRef>
-          <a:fillRef idx="0">
-            <a:schemeClr val="accent1"/>
-          </a:fillRef>
-          <a:effectRef idx="0">
-            <a:schemeClr val="accent1"/>
-          </a:effectRef>
-          <a:fontRef idx="minor">
-            <a:schemeClr val="tx1"/>
-          </a:fontRef>
-        </p:style>
-      </p:cxnSp>
-      <p:cxnSp>
-        <p:nvCxnSpPr>
-          <p:cNvPr id="15" name="Gerade Verbindung mit Pfeil 14">
-            <a:extLst>
-              <a:ext uri="{FF2B5EF4-FFF2-40B4-BE49-F238E27FC236}">
-                <a16:creationId xmlns:a16="http://schemas.microsoft.com/office/drawing/2014/main" id="{6EFD7A71-593A-427A-90DD-2C74D55D99A3}"/>
-              </a:ext>
-            </a:extLst>
-          </p:cNvPr>
-          <p:cNvCxnSpPr>
-            <a:cxnSpLocks/>
-            <a:stCxn id="3" idx="3"/>
-          </p:cNvCxnSpPr>
-          <p:nvPr/>
-        </p:nvCxnSpPr>
-        <p:spPr>
-          <a:xfrm>
-            <a:off x="2682970" y="3467329"/>
-            <a:ext cx="810367" cy="588167"/>
-          </a:xfrm>
-          <a:prstGeom prst="straightConnector1">
-            <a:avLst/>
-          </a:prstGeom>
-          <a:ln>
-            <a:solidFill>
-              <a:schemeClr val="tx1"/>
-            </a:solidFill>
-            <a:headEnd type="none" w="med" len="med"/>
-            <a:tailEnd type="triangle"/>
-          </a:ln>
-        </p:spPr>
-        <p:style>
-          <a:lnRef idx="1">
-            <a:schemeClr val="accent1"/>
-          </a:lnRef>
-          <a:fillRef idx="0">
-            <a:schemeClr val="accent1"/>
-          </a:fillRef>
-          <a:effectRef idx="0">
-            <a:schemeClr val="accent1"/>
-          </a:effectRef>
-          <a:fontRef idx="minor">
-            <a:schemeClr val="tx1"/>
-          </a:fontRef>
-        </p:style>
-      </p:cxnSp>
-      <p:cxnSp>
-        <p:nvCxnSpPr>
-          <p:cNvPr id="18" name="Gerade Verbindung mit Pfeil 17">
-            <a:extLst>
-              <a:ext uri="{FF2B5EF4-FFF2-40B4-BE49-F238E27FC236}">
-                <a16:creationId xmlns:a16="http://schemas.microsoft.com/office/drawing/2014/main" id="{FF0B03AC-28C0-4F01-AE33-DA000F88FFE8}"/>
-              </a:ext>
-            </a:extLst>
-          </p:cNvPr>
-          <p:cNvCxnSpPr>
-            <a:stCxn id="3" idx="3"/>
-          </p:cNvCxnSpPr>
-          <p:nvPr/>
-        </p:nvCxnSpPr>
-        <p:spPr>
-          <a:xfrm>
-            <a:off x="2682970" y="3467329"/>
-            <a:ext cx="767171" cy="896604"/>
-          </a:xfrm>
-          <a:prstGeom prst="straightConnector1">
-            <a:avLst/>
-          </a:prstGeom>
-          <a:ln>
-            <a:solidFill>
-              <a:schemeClr val="tx1"/>
-            </a:solidFill>
-            <a:headEnd type="none" w="med" len="med"/>
-            <a:tailEnd type="triangle"/>
-          </a:ln>
-        </p:spPr>
-        <p:style>
-          <a:lnRef idx="1">
-            <a:schemeClr val="accent1"/>
-          </a:lnRef>
-          <a:fillRef idx="0">
-            <a:schemeClr val="accent1"/>
-          </a:fillRef>
-          <a:effectRef idx="0">
-            <a:schemeClr val="accent1"/>
-          </a:effectRef>
-          <a:fontRef idx="minor">
-            <a:schemeClr val="tx1"/>
-          </a:fontRef>
-        </p:style>
-      </p:cxnSp>
-      <p:cxnSp>
-        <p:nvCxnSpPr>
-          <p:cNvPr id="20" name="Gerade Verbindung mit Pfeil 19">
-            <a:extLst>
-              <a:ext uri="{FF2B5EF4-FFF2-40B4-BE49-F238E27FC236}">
-                <a16:creationId xmlns:a16="http://schemas.microsoft.com/office/drawing/2014/main" id="{588DBD45-E61E-40CB-B8AE-DB43B8CF0737}"/>
-              </a:ext>
-            </a:extLst>
-          </p:cNvPr>
-          <p:cNvCxnSpPr>
-            <a:stCxn id="3" idx="3"/>
-          </p:cNvCxnSpPr>
-          <p:nvPr/>
-        </p:nvCxnSpPr>
-        <p:spPr>
-          <a:xfrm>
-            <a:off x="2682970" y="3467329"/>
-            <a:ext cx="767171" cy="1301787"/>
-          </a:xfrm>
-          <a:prstGeom prst="straightConnector1">
-            <a:avLst/>
-          </a:prstGeom>
-          <a:ln>
-            <a:solidFill>
-              <a:schemeClr val="tx1"/>
-            </a:solidFill>
-            <a:headEnd type="none" w="med" len="med"/>
-            <a:tailEnd type="triangle"/>
-          </a:ln>
-        </p:spPr>
-        <p:style>
-          <a:lnRef idx="1">
-            <a:schemeClr val="accent1"/>
-          </a:lnRef>
-          <a:fillRef idx="0">
-            <a:schemeClr val="accent1"/>
-          </a:fillRef>
-          <a:effectRef idx="0">
-            <a:schemeClr val="accent1"/>
-          </a:effectRef>
-          <a:fontRef idx="minor">
-            <a:schemeClr val="tx1"/>
-          </a:fontRef>
-        </p:style>
-      </p:cxnSp>
-      <p:graphicFrame>
-        <p:nvGraphicFramePr>
-          <p:cNvPr id="21" name="Tabelle 4">
-            <a:extLst>
-              <a:ext uri="{FF2B5EF4-FFF2-40B4-BE49-F238E27FC236}">
-                <a16:creationId xmlns:a16="http://schemas.microsoft.com/office/drawing/2014/main" id="{5DD35C1D-5A52-4E48-BA7E-7E8873F8BC53}"/>
-              </a:ext>
-            </a:extLst>
-          </p:cNvPr>
-          <p:cNvGraphicFramePr>
-            <a:graphicFrameLocks noGrp="1"/>
-          </p:cNvGraphicFramePr>
-          <p:nvPr>
-            <p:extLst>
-              <p:ext uri="{D42A27DB-BD31-4B8C-83A1-F6EECF244321}">
-                <p14:modId xmlns:p14="http://schemas.microsoft.com/office/powerpoint/2010/main" val="1029099533"/>
-              </p:ext>
-            </p:extLst>
-          </p:nvPr>
-        </p:nvGraphicFramePr>
-        <p:xfrm>
-          <a:off x="8903081" y="1925064"/>
-          <a:ext cx="2490416" cy="2966720"/>
-        </p:xfrm>
-        <a:graphic>
-          <a:graphicData uri="http://schemas.openxmlformats.org/drawingml/2006/table">
-            <a:tbl>
-              <a:tblPr firstRow="1" bandRow="1">
-                <a:tableStyleId>{5C22544A-7EE6-4342-B048-85BDC9FD1C3A}</a:tableStyleId>
-              </a:tblPr>
-              <a:tblGrid>
-                <a:gridCol w="2490416">
-                  <a:extLst>
-                    <a:ext uri="{9D8B030D-6E8A-4147-A177-3AD203B41FA5}">
-                      <a16:colId xmlns:a16="http://schemas.microsoft.com/office/drawing/2014/main" val="3101105368"/>
-                    </a:ext>
-                  </a:extLst>
-                </a:gridCol>
-              </a:tblGrid>
-              <a:tr h="370840">
-                <a:tc>
-                  <a:txBody>
-                    <a:bodyPr/>
-                    <a:lstStyle/>
-                    <a:p>
-                      <a:r>
-                        <a:rPr lang="de-DE" sz="1600" dirty="0" err="1"/>
-                        <a:t>dbo.FondsCalculation</a:t>
-                      </a:r>
-                      <a:endParaRPr lang="de-DE" sz="1600" dirty="0"/>
-                    </a:p>
-                  </a:txBody>
-                  <a:tcPr/>
-                </a:tc>
-                <a:extLst>
-                  <a:ext uri="{0D108BD9-81ED-4DB2-BD59-A6C34878D82A}">
-                    <a16:rowId xmlns:a16="http://schemas.microsoft.com/office/drawing/2014/main" val="2440980348"/>
-                  </a:ext>
-                </a:extLst>
-              </a:tr>
-              <a:tr h="370840">
-                <a:tc>
-                  <a:txBody>
-                    <a:bodyPr/>
-                    <a:lstStyle/>
-                    <a:p>
-                      <a:r>
-                        <a:rPr lang="de-DE" sz="1600" dirty="0"/>
-                        <a:t>Partition_001</a:t>
-                      </a:r>
-                    </a:p>
-                  </a:txBody>
-                  <a:tcPr/>
-                </a:tc>
-                <a:extLst>
-                  <a:ext uri="{0D108BD9-81ED-4DB2-BD59-A6C34878D82A}">
-                    <a16:rowId xmlns:a16="http://schemas.microsoft.com/office/drawing/2014/main" val="3461970650"/>
-                  </a:ext>
-                </a:extLst>
-              </a:tr>
-              <a:tr h="370840">
-                <a:tc>
-                  <a:txBody>
-                    <a:bodyPr/>
-                    <a:lstStyle/>
-                    <a:p>
-                      <a:r>
-                        <a:rPr lang="de-DE" sz="1600" dirty="0"/>
-                        <a:t>Partition_002</a:t>
-                      </a:r>
-                    </a:p>
-                  </a:txBody>
-                  <a:tcPr/>
-                </a:tc>
-                <a:extLst>
-                  <a:ext uri="{0D108BD9-81ED-4DB2-BD59-A6C34878D82A}">
-                    <a16:rowId xmlns:a16="http://schemas.microsoft.com/office/drawing/2014/main" val="1678354770"/>
-                  </a:ext>
-                </a:extLst>
-              </a:tr>
-              <a:tr h="370840">
-                <a:tc>
-                  <a:txBody>
-                    <a:bodyPr/>
-                    <a:lstStyle/>
-                    <a:p>
-                      <a:r>
-                        <a:rPr lang="de-DE" sz="1600" dirty="0"/>
-                        <a:t>Partition_003</a:t>
-                      </a:r>
-                    </a:p>
-                  </a:txBody>
-                  <a:tcPr/>
-                </a:tc>
-                <a:extLst>
-                  <a:ext uri="{0D108BD9-81ED-4DB2-BD59-A6C34878D82A}">
-                    <a16:rowId xmlns:a16="http://schemas.microsoft.com/office/drawing/2014/main" val="3171268748"/>
-                  </a:ext>
-                </a:extLst>
-              </a:tr>
-              <a:tr h="370840">
-                <a:tc>
-                  <a:txBody>
-                    <a:bodyPr/>
-                    <a:lstStyle/>
-                    <a:p>
-                      <a:r>
-                        <a:rPr lang="de-DE" sz="1600" dirty="0"/>
-                        <a:t>…</a:t>
-                      </a:r>
-                    </a:p>
-                  </a:txBody>
-                  <a:tcPr/>
-                </a:tc>
-                <a:extLst>
-                  <a:ext uri="{0D108BD9-81ED-4DB2-BD59-A6C34878D82A}">
-                    <a16:rowId xmlns:a16="http://schemas.microsoft.com/office/drawing/2014/main" val="4141943300"/>
-                  </a:ext>
-                </a:extLst>
-              </a:tr>
-              <a:tr h="370840">
-                <a:tc>
-                  <a:txBody>
-                    <a:bodyPr/>
-                    <a:lstStyle/>
-                    <a:p>
-                      <a:r>
-                        <a:rPr lang="de-DE" sz="1600" dirty="0"/>
-                        <a:t>…</a:t>
-                      </a:r>
-                    </a:p>
-                  </a:txBody>
-                  <a:tcPr/>
-                </a:tc>
-                <a:extLst>
-                  <a:ext uri="{0D108BD9-81ED-4DB2-BD59-A6C34878D82A}">
-                    <a16:rowId xmlns:a16="http://schemas.microsoft.com/office/drawing/2014/main" val="3705917148"/>
-                  </a:ext>
-                </a:extLst>
-              </a:tr>
-              <a:tr h="370840">
-                <a:tc>
-                  <a:txBody>
-                    <a:bodyPr/>
-                    <a:lstStyle/>
-                    <a:p>
-                      <a:r>
-                        <a:rPr lang="de-DE" sz="1600" dirty="0"/>
-                        <a:t>…</a:t>
-                      </a:r>
-                    </a:p>
-                  </a:txBody>
-                  <a:tcPr/>
-                </a:tc>
-                <a:extLst>
-                  <a:ext uri="{0D108BD9-81ED-4DB2-BD59-A6C34878D82A}">
-                    <a16:rowId xmlns:a16="http://schemas.microsoft.com/office/drawing/2014/main" val="757817686"/>
-                  </a:ext>
-                </a:extLst>
-              </a:tr>
-              <a:tr h="370840">
-                <a:tc>
-                  <a:txBody>
-                    <a:bodyPr/>
-                    <a:lstStyle/>
-                    <a:p>
-                      <a:r>
-                        <a:rPr lang="de-DE" sz="1600" dirty="0"/>
-                        <a:t>Partition_150</a:t>
-                      </a:r>
-                    </a:p>
-                  </a:txBody>
-                  <a:tcPr/>
-                </a:tc>
-                <a:extLst>
-                  <a:ext uri="{0D108BD9-81ED-4DB2-BD59-A6C34878D82A}">
-                    <a16:rowId xmlns:a16="http://schemas.microsoft.com/office/drawing/2014/main" val="3075521418"/>
-                  </a:ext>
-                </a:extLst>
-              </a:tr>
-            </a:tbl>
-          </a:graphicData>
-        </a:graphic>
-      </p:graphicFrame>
-      <p:sp>
-        <p:nvSpPr>
-          <p:cNvPr id="22" name="Textfeld 21">
-            <a:extLst>
-              <a:ext uri="{FF2B5EF4-FFF2-40B4-BE49-F238E27FC236}">
-                <a16:creationId xmlns:a16="http://schemas.microsoft.com/office/drawing/2014/main" id="{7EFEBC06-2E78-4885-A1E9-8F71FD1BDB95}"/>
-              </a:ext>
-            </a:extLst>
-          </p:cNvPr>
-          <p:cNvSpPr txBox="1"/>
-          <p:nvPr/>
-        </p:nvSpPr>
-        <p:spPr>
-          <a:xfrm>
-            <a:off x="6096000" y="2737725"/>
-            <a:ext cx="2490416" cy="1169551"/>
-          </a:xfrm>
-          <a:prstGeom prst="rect">
-            <a:avLst/>
-          </a:prstGeom>
-          <a:solidFill>
-            <a:schemeClr val="bg1"/>
-          </a:solidFill>
-          <a:ln>
-            <a:solidFill>
-              <a:schemeClr val="tx1"/>
-            </a:solidFill>
-          </a:ln>
-          <a:effectLst>
-            <a:outerShdw blurRad="50800" dist="38100" dir="2700000" algn="tl" rotWithShape="0">
-              <a:prstClr val="black">
-                <a:alpha val="40000"/>
-              </a:prstClr>
-            </a:outerShdw>
-          </a:effectLst>
-        </p:spPr>
-        <p:txBody>
-          <a:bodyPr wrap="square" rtlCol="0">
-            <a:spAutoFit/>
-          </a:bodyPr>
-          <a:lstStyle/>
-          <a:p>
-            <a:r>
-              <a:rPr lang="de-DE" sz="1400" b="1" dirty="0">
-                <a:solidFill>
-                  <a:schemeClr val="accent5">
-                    <a:lumMod val="75000"/>
-                  </a:schemeClr>
-                </a:solidFill>
-                <a:latin typeface="Lucida Console" panose="020B0609040504020204" pitchFamily="49" charset="0"/>
-              </a:rPr>
-              <a:t>ALTER TABLE </a:t>
-            </a:r>
-            <a:r>
-              <a:rPr lang="de-DE" sz="1400" b="1" dirty="0">
-                <a:latin typeface="Lucida Console" panose="020B0609040504020204" pitchFamily="49" charset="0"/>
-              </a:rPr>
-              <a:t>[source]</a:t>
-            </a:r>
-          </a:p>
-          <a:p>
-            <a:r>
-              <a:rPr lang="de-DE" sz="1400" b="1" dirty="0">
-                <a:latin typeface="Lucida Console" panose="020B0609040504020204" pitchFamily="49" charset="0"/>
-              </a:rPr>
-              <a:t>SWITCH PARTITION #</a:t>
-            </a:r>
-          </a:p>
-          <a:p>
-            <a:r>
-              <a:rPr lang="de-DE" sz="1400" b="1" dirty="0">
-                <a:solidFill>
-                  <a:schemeClr val="accent5">
-                    <a:lumMod val="75000"/>
-                  </a:schemeClr>
-                </a:solidFill>
-                <a:latin typeface="Lucida Console" panose="020B0609040504020204" pitchFamily="49" charset="0"/>
-              </a:rPr>
-              <a:t>TO</a:t>
-            </a:r>
-            <a:r>
-              <a:rPr lang="de-DE" sz="1400" b="1" dirty="0">
-                <a:latin typeface="Lucida Console" panose="020B0609040504020204" pitchFamily="49" charset="0"/>
-              </a:rPr>
-              <a:t> </a:t>
-            </a:r>
-            <a:r>
-              <a:rPr lang="de-DE" sz="1400" b="1" dirty="0" err="1">
-                <a:latin typeface="Lucida Console" panose="020B0609040504020204" pitchFamily="49" charset="0"/>
-              </a:rPr>
-              <a:t>dbo.FondsCalculation</a:t>
-            </a:r>
-            <a:r>
-              <a:rPr lang="de-DE" sz="1400" b="1" dirty="0">
-                <a:latin typeface="Lucida Console" panose="020B0609040504020204" pitchFamily="49" charset="0"/>
-              </a:rPr>
-              <a:t> PARTITION #;</a:t>
-            </a:r>
-          </a:p>
-        </p:txBody>
-      </p:sp>
-      <p:cxnSp>
-        <p:nvCxnSpPr>
-          <p:cNvPr id="24" name="Gerade Verbindung mit Pfeil 23">
-            <a:extLst>
-              <a:ext uri="{FF2B5EF4-FFF2-40B4-BE49-F238E27FC236}">
-                <a16:creationId xmlns:a16="http://schemas.microsoft.com/office/drawing/2014/main" id="{858CCB8F-7493-4CDC-BEB2-861B82894042}"/>
-              </a:ext>
-            </a:extLst>
-          </p:cNvPr>
-          <p:cNvCxnSpPr>
-            <a:endCxn id="22" idx="1"/>
-          </p:cNvCxnSpPr>
-          <p:nvPr/>
-        </p:nvCxnSpPr>
-        <p:spPr>
-          <a:xfrm>
-            <a:off x="5546629" y="2447526"/>
-            <a:ext cx="549371" cy="874975"/>
-          </a:xfrm>
-          <a:prstGeom prst="straightConnector1">
-            <a:avLst/>
-          </a:prstGeom>
-          <a:ln>
-            <a:solidFill>
-              <a:schemeClr val="tx1"/>
-            </a:solidFill>
-            <a:headEnd type="none" w="med" len="med"/>
-            <a:tailEnd type="triangle"/>
-          </a:ln>
-        </p:spPr>
-        <p:style>
-          <a:lnRef idx="1">
-            <a:schemeClr val="accent1"/>
-          </a:lnRef>
-          <a:fillRef idx="0">
-            <a:schemeClr val="accent1"/>
-          </a:fillRef>
-          <a:effectRef idx="0">
-            <a:schemeClr val="accent1"/>
-          </a:effectRef>
-          <a:fontRef idx="minor">
-            <a:schemeClr val="tx1"/>
-          </a:fontRef>
-        </p:style>
-      </p:cxnSp>
-      <p:cxnSp>
-        <p:nvCxnSpPr>
-          <p:cNvPr id="26" name="Gerade Verbindung mit Pfeil 25">
-            <a:extLst>
-              <a:ext uri="{FF2B5EF4-FFF2-40B4-BE49-F238E27FC236}">
-                <a16:creationId xmlns:a16="http://schemas.microsoft.com/office/drawing/2014/main" id="{C8C082E4-0078-498C-80C3-6874BCF9E842}"/>
-              </a:ext>
-            </a:extLst>
-          </p:cNvPr>
-          <p:cNvCxnSpPr>
-            <a:endCxn id="22" idx="1"/>
-          </p:cNvCxnSpPr>
-          <p:nvPr/>
-        </p:nvCxnSpPr>
-        <p:spPr>
-          <a:xfrm>
-            <a:off x="5546629" y="2858184"/>
-            <a:ext cx="549371" cy="464317"/>
-          </a:xfrm>
-          <a:prstGeom prst="straightConnector1">
-            <a:avLst/>
-          </a:prstGeom>
-          <a:ln>
-            <a:solidFill>
-              <a:schemeClr val="tx1"/>
-            </a:solidFill>
-            <a:headEnd type="none" w="med" len="med"/>
-            <a:tailEnd type="triangle"/>
-          </a:ln>
-        </p:spPr>
-        <p:style>
-          <a:lnRef idx="1">
-            <a:schemeClr val="accent1"/>
-          </a:lnRef>
-          <a:fillRef idx="0">
-            <a:schemeClr val="accent1"/>
-          </a:fillRef>
-          <a:effectRef idx="0">
-            <a:schemeClr val="accent1"/>
-          </a:effectRef>
-          <a:fontRef idx="minor">
-            <a:schemeClr val="tx1"/>
-          </a:fontRef>
-        </p:style>
-      </p:cxnSp>
-      <p:cxnSp>
-        <p:nvCxnSpPr>
-          <p:cNvPr id="28" name="Gerade Verbindung mit Pfeil 27">
-            <a:extLst>
-              <a:ext uri="{FF2B5EF4-FFF2-40B4-BE49-F238E27FC236}">
-                <a16:creationId xmlns:a16="http://schemas.microsoft.com/office/drawing/2014/main" id="{12E8995F-1884-4414-9620-5672CEECB4A5}"/>
-              </a:ext>
-            </a:extLst>
-          </p:cNvPr>
-          <p:cNvCxnSpPr>
-            <a:endCxn id="22" idx="1"/>
-          </p:cNvCxnSpPr>
-          <p:nvPr/>
-        </p:nvCxnSpPr>
-        <p:spPr>
-          <a:xfrm>
-            <a:off x="5546629" y="3241466"/>
-            <a:ext cx="549371" cy="81035"/>
-          </a:xfrm>
-          <a:prstGeom prst="straightConnector1">
-            <a:avLst/>
-          </a:prstGeom>
-          <a:ln>
-            <a:solidFill>
-              <a:schemeClr val="tx1"/>
-            </a:solidFill>
-            <a:headEnd type="none" w="med" len="med"/>
-            <a:tailEnd type="triangle"/>
-          </a:ln>
-        </p:spPr>
-        <p:style>
-          <a:lnRef idx="1">
-            <a:schemeClr val="accent1"/>
-          </a:lnRef>
-          <a:fillRef idx="0">
-            <a:schemeClr val="accent1"/>
-          </a:fillRef>
-          <a:effectRef idx="0">
-            <a:schemeClr val="accent1"/>
-          </a:effectRef>
-          <a:fontRef idx="minor">
-            <a:schemeClr val="tx1"/>
-          </a:fontRef>
-        </p:style>
-      </p:cxnSp>
-      <p:cxnSp>
-        <p:nvCxnSpPr>
-          <p:cNvPr id="30" name="Gerade Verbindung mit Pfeil 29">
-            <a:extLst>
-              <a:ext uri="{FF2B5EF4-FFF2-40B4-BE49-F238E27FC236}">
-                <a16:creationId xmlns:a16="http://schemas.microsoft.com/office/drawing/2014/main" id="{6BB1BA36-B385-43D2-9E55-D61524377E13}"/>
-              </a:ext>
-            </a:extLst>
-          </p:cNvPr>
-          <p:cNvCxnSpPr>
-            <a:endCxn id="22" idx="1"/>
-          </p:cNvCxnSpPr>
-          <p:nvPr/>
-        </p:nvCxnSpPr>
-        <p:spPr>
-          <a:xfrm flipV="1">
-            <a:off x="5546629" y="3322501"/>
-            <a:ext cx="549371" cy="290199"/>
-          </a:xfrm>
-          <a:prstGeom prst="straightConnector1">
-            <a:avLst/>
-          </a:prstGeom>
-          <a:ln>
-            <a:solidFill>
-              <a:schemeClr val="tx1"/>
-            </a:solidFill>
-            <a:headEnd type="none" w="med" len="med"/>
-            <a:tailEnd type="triangle"/>
-          </a:ln>
-        </p:spPr>
-        <p:style>
-          <a:lnRef idx="1">
-            <a:schemeClr val="accent1"/>
-          </a:lnRef>
-          <a:fillRef idx="0">
-            <a:schemeClr val="accent1"/>
-          </a:fillRef>
-          <a:effectRef idx="0">
-            <a:schemeClr val="accent1"/>
-          </a:effectRef>
-          <a:fontRef idx="minor">
-            <a:schemeClr val="tx1"/>
-          </a:fontRef>
-        </p:style>
-      </p:cxnSp>
-      <p:cxnSp>
-        <p:nvCxnSpPr>
-          <p:cNvPr id="32" name="Gerade Verbindung mit Pfeil 31">
-            <a:extLst>
-              <a:ext uri="{FF2B5EF4-FFF2-40B4-BE49-F238E27FC236}">
-                <a16:creationId xmlns:a16="http://schemas.microsoft.com/office/drawing/2014/main" id="{6E009ADA-B22E-4B4C-9465-55F5CB173796}"/>
-              </a:ext>
-            </a:extLst>
-          </p:cNvPr>
-          <p:cNvCxnSpPr>
-            <a:endCxn id="22" idx="1"/>
-          </p:cNvCxnSpPr>
-          <p:nvPr/>
-        </p:nvCxnSpPr>
-        <p:spPr>
-          <a:xfrm flipV="1">
-            <a:off x="5503433" y="3322501"/>
-            <a:ext cx="592567" cy="657925"/>
-          </a:xfrm>
-          <a:prstGeom prst="straightConnector1">
-            <a:avLst/>
-          </a:prstGeom>
-          <a:ln>
-            <a:solidFill>
-              <a:schemeClr val="tx1"/>
-            </a:solidFill>
-            <a:headEnd type="none" w="med" len="med"/>
-            <a:tailEnd type="triangle"/>
-          </a:ln>
-        </p:spPr>
-        <p:style>
-          <a:lnRef idx="1">
-            <a:schemeClr val="accent1"/>
-          </a:lnRef>
-          <a:fillRef idx="0">
-            <a:schemeClr val="accent1"/>
-          </a:fillRef>
-          <a:effectRef idx="0">
-            <a:schemeClr val="accent1"/>
-          </a:effectRef>
-          <a:fontRef idx="minor">
-            <a:schemeClr val="tx1"/>
-          </a:fontRef>
-        </p:style>
-      </p:cxnSp>
-      <p:cxnSp>
-        <p:nvCxnSpPr>
-          <p:cNvPr id="34" name="Gerade Verbindung mit Pfeil 33">
-            <a:extLst>
-              <a:ext uri="{FF2B5EF4-FFF2-40B4-BE49-F238E27FC236}">
-                <a16:creationId xmlns:a16="http://schemas.microsoft.com/office/drawing/2014/main" id="{7F333164-3672-49EF-9CAC-328D5DCB9B7B}"/>
-              </a:ext>
-            </a:extLst>
-          </p:cNvPr>
-          <p:cNvCxnSpPr>
-            <a:endCxn id="22" idx="1"/>
-          </p:cNvCxnSpPr>
-          <p:nvPr/>
-        </p:nvCxnSpPr>
-        <p:spPr>
-          <a:xfrm flipV="1">
-            <a:off x="5546629" y="3322501"/>
-            <a:ext cx="549371" cy="995433"/>
-          </a:xfrm>
-          <a:prstGeom prst="straightConnector1">
-            <a:avLst/>
-          </a:prstGeom>
-          <a:ln>
-            <a:solidFill>
-              <a:schemeClr val="tx1"/>
-            </a:solidFill>
-            <a:headEnd type="none" w="med" len="med"/>
-            <a:tailEnd type="triangle"/>
-          </a:ln>
-        </p:spPr>
-        <p:style>
-          <a:lnRef idx="1">
-            <a:schemeClr val="accent1"/>
-          </a:lnRef>
-          <a:fillRef idx="0">
-            <a:schemeClr val="accent1"/>
-          </a:fillRef>
-          <a:effectRef idx="0">
-            <a:schemeClr val="accent1"/>
-          </a:effectRef>
-          <a:fontRef idx="minor">
-            <a:schemeClr val="tx1"/>
-          </a:fontRef>
-        </p:style>
-      </p:cxnSp>
-      <p:cxnSp>
-        <p:nvCxnSpPr>
-          <p:cNvPr id="36" name="Gerade Verbindung mit Pfeil 35">
-            <a:extLst>
-              <a:ext uri="{FF2B5EF4-FFF2-40B4-BE49-F238E27FC236}">
-                <a16:creationId xmlns:a16="http://schemas.microsoft.com/office/drawing/2014/main" id="{5E0B3A19-0619-43A1-8C59-3FC9A0651DFA}"/>
-              </a:ext>
-            </a:extLst>
-          </p:cNvPr>
-          <p:cNvCxnSpPr>
-            <a:endCxn id="22" idx="1"/>
-          </p:cNvCxnSpPr>
-          <p:nvPr/>
-        </p:nvCxnSpPr>
-        <p:spPr>
-          <a:xfrm flipV="1">
-            <a:off x="5503433" y="3322501"/>
-            <a:ext cx="592567" cy="1402812"/>
-          </a:xfrm>
-          <a:prstGeom prst="straightConnector1">
-            <a:avLst/>
-          </a:prstGeom>
-          <a:ln>
-            <a:solidFill>
-              <a:schemeClr val="tx1"/>
-            </a:solidFill>
-            <a:headEnd type="none" w="med" len="med"/>
-            <a:tailEnd type="triangle"/>
-          </a:ln>
-        </p:spPr>
-        <p:style>
-          <a:lnRef idx="1">
-            <a:schemeClr val="accent1"/>
-          </a:lnRef>
-          <a:fillRef idx="0">
-            <a:schemeClr val="accent1"/>
-          </a:fillRef>
-          <a:effectRef idx="0">
-            <a:schemeClr val="accent1"/>
-          </a:effectRef>
-          <a:fontRef idx="minor">
-            <a:schemeClr val="tx1"/>
-          </a:fontRef>
-        </p:style>
-      </p:cxnSp>
-      <p:sp>
-        <p:nvSpPr>
-          <p:cNvPr id="37" name="Pfeil: nach rechts 36">
-            <a:extLst>
-              <a:ext uri="{FF2B5EF4-FFF2-40B4-BE49-F238E27FC236}">
-                <a16:creationId xmlns:a16="http://schemas.microsoft.com/office/drawing/2014/main" id="{379519FD-BDD4-4D3E-A830-A88DC62FB38A}"/>
-              </a:ext>
-            </a:extLst>
-          </p:cNvPr>
-          <p:cNvSpPr/>
-          <p:nvPr/>
-        </p:nvSpPr>
-        <p:spPr>
-          <a:xfrm>
-            <a:off x="8586416" y="2858184"/>
-            <a:ext cx="316665" cy="1049092"/>
-          </a:xfrm>
-          <a:prstGeom prst="rightArrow">
-            <a:avLst/>
-          </a:prstGeom>
-        </p:spPr>
-        <p:style>
-          <a:lnRef idx="2">
-            <a:schemeClr val="accent1">
-              <a:shade val="50000"/>
-            </a:schemeClr>
-          </a:lnRef>
-          <a:fillRef idx="1">
-            <a:schemeClr val="accent1"/>
-          </a:fillRef>
-          <a:effectRef idx="0">
-            <a:schemeClr val="accent1"/>
-          </a:effectRef>
-          <a:fontRef idx="minor">
-            <a:schemeClr val="lt1"/>
-          </a:fontRef>
-        </p:style>
-        <p:txBody>
-          <a:bodyPr rtlCol="0" anchor="ctr"/>
-          <a:lstStyle/>
-          <a:p>
-            <a:pPr algn="ctr"/>
-            <a:endParaRPr lang="de-DE"/>
-          </a:p>
-        </p:txBody>
-      </p:sp>
-    </p:spTree>
-    <p:extLst>
-      <p:ext uri="{BB962C8B-B14F-4D97-AF65-F5344CB8AC3E}">
-        <p14:creationId xmlns:p14="http://schemas.microsoft.com/office/powerpoint/2010/main" val="4102113717"/>
-      </p:ext>
-    </p:extLst>
-  </p:cSld>
-  <p:clrMapOvr>
-    <a:masterClrMapping/>
-  </p:clrMapOvr>
-</p:sld>
-</file>
-
-<file path=ppt/slides/slide18.xml><?xml version="1.0" encoding="utf-8"?>
-<p:sld xmlns:a="http://schemas.openxmlformats.org/drawingml/2006/main" xmlns:r="http://schemas.openxmlformats.org/officeDocument/2006/relationships" xmlns:p="http://schemas.openxmlformats.org/presentationml/2006/main">
-  <p:cSld>
-    <p:spTree>
-      <p:nvGrpSpPr>
-        <p:cNvPr id="1" name=""/>
-        <p:cNvGrpSpPr/>
-        <p:nvPr/>
-      </p:nvGrpSpPr>
-      <p:grpSpPr>
-        <a:xfrm>
-          <a:off x="0" y="0"/>
-          <a:ext cx="0" cy="0"/>
-          <a:chOff x="0" y="0"/>
-          <a:chExt cx="0" cy="0"/>
-        </a:xfrm>
-      </p:grpSpPr>
-      <p:sp>
-        <p:nvSpPr>
-          <p:cNvPr id="5" name="Titel 4">
-            <a:extLst>
-              <a:ext uri="{FF2B5EF4-FFF2-40B4-BE49-F238E27FC236}">
-                <a16:creationId xmlns:a16="http://schemas.microsoft.com/office/drawing/2014/main" id="{AE6FF182-963C-4697-9518-6914B4D16647}"/>
-              </a:ext>
-            </a:extLst>
-          </p:cNvPr>
-          <p:cNvSpPr>
-            <a:spLocks noGrp="1"/>
-          </p:cNvSpPr>
-          <p:nvPr>
-            <p:ph type="title"/>
-          </p:nvPr>
-        </p:nvSpPr>
-        <p:spPr/>
-        <p:txBody>
-          <a:bodyPr/>
-          <a:lstStyle/>
-          <a:p>
-            <a:r>
-              <a:rPr lang="en-GB" dirty="0"/>
-              <a:t>Use Cases for Partitioning</a:t>
-            </a:r>
-          </a:p>
-        </p:txBody>
-      </p:sp>
-      <p:sp>
-        <p:nvSpPr>
-          <p:cNvPr id="6" name="Inhaltsplatzhalter 5">
-            <a:extLst>
-              <a:ext uri="{FF2B5EF4-FFF2-40B4-BE49-F238E27FC236}">
-                <a16:creationId xmlns:a16="http://schemas.microsoft.com/office/drawing/2014/main" id="{12E917D0-2EFD-482A-8926-69A27F0DF25C}"/>
-              </a:ext>
-            </a:extLst>
-          </p:cNvPr>
-          <p:cNvSpPr>
-            <a:spLocks noGrp="1"/>
-          </p:cNvSpPr>
-          <p:nvPr>
-            <p:ph idx="1"/>
-          </p:nvPr>
-        </p:nvSpPr>
-        <p:spPr/>
-        <p:txBody>
-          <a:bodyPr>
-            <a:normAutofit/>
-          </a:bodyPr>
-          <a:lstStyle/>
-          <a:p>
-            <a:r>
-              <a:rPr lang="en-GB" sz="1800" b="1" dirty="0">
-                <a:solidFill>
-                  <a:schemeClr val="bg1">
-                    <a:lumMod val="75000"/>
-                  </a:schemeClr>
-                </a:solidFill>
-              </a:rPr>
-              <a:t>High transactional production environment</a:t>
-            </a:r>
-          </a:p>
-          <a:p>
-            <a:pPr lvl="1"/>
-            <a:r>
-              <a:rPr lang="en-GB" sz="1800" dirty="0">
-                <a:solidFill>
-                  <a:schemeClr val="bg1">
-                    <a:lumMod val="75000"/>
-                  </a:schemeClr>
-                </a:solidFill>
-              </a:rPr>
-              <a:t>The customer is a pharmaceutical company that produces drugs on various (20) production lines.</a:t>
-            </a:r>
-          </a:p>
-          <a:p>
-            <a:pPr lvl="1"/>
-            <a:r>
-              <a:rPr lang="en-GB" sz="1800" dirty="0">
-                <a:solidFill>
-                  <a:schemeClr val="bg1">
-                    <a:lumMod val="75000"/>
-                  </a:schemeClr>
-                </a:solidFill>
-              </a:rPr>
-              <a:t>Every drug has to go through a QA check that stores the data in the SQL Server.</a:t>
-            </a:r>
-          </a:p>
-          <a:p>
-            <a:r>
-              <a:rPr lang="en-GB" sz="1800" b="1" dirty="0">
-                <a:solidFill>
-                  <a:schemeClr val="bg1">
-                    <a:lumMod val="75000"/>
-                  </a:schemeClr>
-                </a:solidFill>
-              </a:rPr>
-              <a:t>Data Warehouse #1</a:t>
-            </a:r>
-          </a:p>
-          <a:p>
-            <a:pPr lvl="1"/>
-            <a:r>
-              <a:rPr lang="en-US" sz="1800" dirty="0">
-                <a:solidFill>
-                  <a:schemeClr val="bg1">
-                    <a:lumMod val="75000"/>
-                  </a:schemeClr>
-                </a:solidFill>
-              </a:rPr>
-              <a:t>The customer is a retail company that loads the key figures (product / sales) of all cash registers into the Date Warehouse every night so that they can create reliable plans for supplying the supermarkets.</a:t>
-            </a:r>
-          </a:p>
-          <a:p>
-            <a:r>
-              <a:rPr lang="en-US" sz="1800" b="1" dirty="0">
-                <a:solidFill>
-                  <a:schemeClr val="bg1">
-                    <a:lumMod val="65000"/>
-                  </a:schemeClr>
-                </a:solidFill>
-              </a:rPr>
-              <a:t>Data Warehouse #2</a:t>
-            </a:r>
-          </a:p>
-          <a:p>
-            <a:pPr lvl="1"/>
-            <a:r>
-              <a:rPr lang="en-US" sz="1800" dirty="0">
-                <a:solidFill>
-                  <a:schemeClr val="bg1">
-                    <a:lumMod val="65000"/>
-                  </a:schemeClr>
-                </a:solidFill>
-              </a:rPr>
-              <a:t>The customer is a bank that recalculates the valuation of its funds every night. During the calculation, the reports for </a:t>
-            </a:r>
-            <a:r>
-              <a:rPr lang="en-US" sz="1800" dirty="0" err="1">
-                <a:solidFill>
-                  <a:schemeClr val="bg1">
-                    <a:lumMod val="65000"/>
-                  </a:schemeClr>
-                </a:solidFill>
-              </a:rPr>
-              <a:t>BaFIN</a:t>
-            </a:r>
-            <a:r>
-              <a:rPr lang="en-US" sz="1800" dirty="0">
-                <a:solidFill>
-                  <a:schemeClr val="bg1">
-                    <a:lumMod val="65000"/>
-                  </a:schemeClr>
-                </a:solidFill>
-              </a:rPr>
-              <a:t> must be created for processed funds because of timeline restrictions.</a:t>
-            </a:r>
-          </a:p>
-          <a:p>
-            <a:r>
-              <a:rPr lang="en-US" sz="1800" b="1" dirty="0"/>
-              <a:t>Management of big databases</a:t>
-            </a:r>
-          </a:p>
-          <a:p>
-            <a:pPr lvl="1"/>
-            <a:r>
-              <a:rPr lang="en-US" sz="1800" dirty="0"/>
-              <a:t>A large company's administrator must re-create indexes and statistics from a 4TB database every night. The time window is limited and a way must be found to limit maintenance to the time window.</a:t>
-            </a:r>
-          </a:p>
-          <a:p>
-            <a:pPr lvl="1"/>
-            <a:r>
-              <a:rPr lang="en-US" sz="1800" dirty="0"/>
-              <a:t>Furthermore the SLA determines a downtime for “hot” data within 60 Minutes!</a:t>
-            </a:r>
-          </a:p>
-          <a:p>
-            <a:endParaRPr lang="en-GB" sz="1800" dirty="0"/>
-          </a:p>
-        </p:txBody>
-      </p:sp>
-    </p:spTree>
-    <p:extLst>
-      <p:ext uri="{BB962C8B-B14F-4D97-AF65-F5344CB8AC3E}">
-        <p14:creationId xmlns:p14="http://schemas.microsoft.com/office/powerpoint/2010/main" val="3933073069"/>
-      </p:ext>
-    </p:extLst>
-  </p:cSld>
-  <p:clrMapOvr>
-    <a:masterClrMapping/>
-  </p:clrMapOvr>
-</p:sld>
-</file>
-
-<file path=ppt/slides/slide19.xml><?xml version="1.0" encoding="utf-8"?>
 <p:sld xmlns:a="http://schemas.openxmlformats.org/drawingml/2006/main" xmlns:r="http://schemas.openxmlformats.org/officeDocument/2006/relationships" xmlns:p="http://schemas.openxmlformats.org/presentationml/2006/main">
   <p:cSld>
     <p:spTree>
@@ -15027,173 +13445,7 @@
 </p:sld>
 </file>
 
-<file path=ppt/slides/slide2.xml><?xml version="1.0" encoding="utf-8"?>
-<p:sld xmlns:a="http://schemas.openxmlformats.org/drawingml/2006/main" xmlns:r="http://schemas.openxmlformats.org/officeDocument/2006/relationships" xmlns:p="http://schemas.openxmlformats.org/presentationml/2006/main">
-  <p:cSld>
-    <p:spTree>
-      <p:nvGrpSpPr>
-        <p:cNvPr id="1" name=""/>
-        <p:cNvGrpSpPr/>
-        <p:nvPr/>
-      </p:nvGrpSpPr>
-      <p:grpSpPr>
-        <a:xfrm>
-          <a:off x="0" y="0"/>
-          <a:ext cx="0" cy="0"/>
-          <a:chOff x="0" y="0"/>
-          <a:chExt cx="0" cy="0"/>
-        </a:xfrm>
-      </p:grpSpPr>
-      <p:sp>
-        <p:nvSpPr>
-          <p:cNvPr id="2" name="Titel 1">
-            <a:extLst>
-              <a:ext uri="{FF2B5EF4-FFF2-40B4-BE49-F238E27FC236}">
-                <a16:creationId xmlns:a16="http://schemas.microsoft.com/office/drawing/2014/main" id="{2AA66F59-B715-4CE2-83DF-6D035DD595FA}"/>
-              </a:ext>
-            </a:extLst>
-          </p:cNvPr>
-          <p:cNvSpPr>
-            <a:spLocks noGrp="1"/>
-          </p:cNvSpPr>
-          <p:nvPr>
-            <p:ph type="title"/>
-          </p:nvPr>
-        </p:nvSpPr>
-        <p:spPr/>
-        <p:txBody>
-          <a:bodyPr/>
-          <a:lstStyle/>
-          <a:p>
-            <a:r>
-              <a:rPr lang="de-DE" dirty="0"/>
-              <a:t>Links for </a:t>
-            </a:r>
-            <a:r>
-              <a:rPr lang="de-DE" dirty="0" err="1"/>
-              <a:t>this</a:t>
-            </a:r>
-            <a:r>
-              <a:rPr lang="de-DE" dirty="0"/>
-              <a:t> Session/Workshop</a:t>
-            </a:r>
-          </a:p>
-        </p:txBody>
-      </p:sp>
-      <p:sp>
-        <p:nvSpPr>
-          <p:cNvPr id="3" name="Inhaltsplatzhalter 2">
-            <a:extLst>
-              <a:ext uri="{FF2B5EF4-FFF2-40B4-BE49-F238E27FC236}">
-                <a16:creationId xmlns:a16="http://schemas.microsoft.com/office/drawing/2014/main" id="{32727BD7-7924-41DC-BF8D-0990B5F36E59}"/>
-              </a:ext>
-            </a:extLst>
-          </p:cNvPr>
-          <p:cNvSpPr>
-            <a:spLocks noGrp="1"/>
-          </p:cNvSpPr>
-          <p:nvPr>
-            <p:ph idx="1"/>
-          </p:nvPr>
-        </p:nvSpPr>
-        <p:spPr/>
-        <p:txBody>
-          <a:bodyPr>
-            <a:normAutofit/>
-          </a:bodyPr>
-          <a:lstStyle/>
-          <a:p>
-            <a:r>
-              <a:rPr lang="de-DE" dirty="0"/>
-              <a:t>Scripts and Slide Decks</a:t>
-            </a:r>
-            <a:br>
-              <a:rPr lang="de-DE" dirty="0"/>
-            </a:br>
-            <a:r>
-              <a:rPr lang="de-DE" dirty="0">
-                <a:hlinkClick r:id="rId2"/>
-              </a:rPr>
-              <a:t>https://github.com/db-berater/partitioning-for-beginners</a:t>
-            </a:r>
-            <a:endParaRPr lang="de-DE" dirty="0"/>
-          </a:p>
-          <a:p>
-            <a:endParaRPr lang="de-DE" dirty="0"/>
-          </a:p>
-          <a:p>
-            <a:r>
-              <a:rPr lang="de-DE" dirty="0"/>
-              <a:t>ERP Demo Database (17.00 GB)</a:t>
-            </a:r>
-            <a:br>
-              <a:rPr lang="de-DE" dirty="0"/>
-            </a:br>
-            <a:r>
-              <a:rPr lang="de-DE" dirty="0">
-                <a:hlinkClick r:id="rId3"/>
-              </a:rPr>
-              <a:t>https://db-berater.de/downloads/ERP_Demo_2012.bak</a:t>
-            </a:r>
-            <a:endParaRPr lang="de-DE" dirty="0"/>
-          </a:p>
-          <a:p>
-            <a:endParaRPr lang="de-DE" dirty="0"/>
-          </a:p>
-          <a:p>
-            <a:r>
-              <a:rPr lang="de-DE" dirty="0" err="1"/>
-              <a:t>SQLQueryStress</a:t>
-            </a:r>
-            <a:br>
-              <a:rPr lang="de-DE" dirty="0"/>
-            </a:br>
-            <a:r>
-              <a:rPr lang="de-DE" dirty="0">
-                <a:hlinkClick r:id="rId4"/>
-              </a:rPr>
-              <a:t>https://github.com/ErikEJ/SqlQueryStress</a:t>
-            </a:r>
-            <a:endParaRPr lang="de-DE" dirty="0"/>
-          </a:p>
-          <a:p>
-            <a:endParaRPr lang="de-DE" dirty="0"/>
-          </a:p>
-          <a:p>
-            <a:r>
-              <a:rPr lang="de-DE" dirty="0"/>
-              <a:t>Windows Admin Center</a:t>
-            </a:r>
-            <a:br>
-              <a:rPr lang="de-DE" dirty="0"/>
-            </a:br>
-            <a:r>
-              <a:rPr lang="de-DE" dirty="0">
-                <a:hlinkClick r:id="rId5"/>
-              </a:rPr>
-              <a:t>https://go.microsoft.com/fwlink/?linkid=2220149</a:t>
-            </a:r>
-            <a:endParaRPr lang="de-DE" dirty="0"/>
-          </a:p>
-          <a:p>
-            <a:endParaRPr lang="de-DE" dirty="0"/>
-          </a:p>
-        </p:txBody>
-      </p:sp>
-    </p:spTree>
-    <p:extLst>
-      <p:ext uri="{BB962C8B-B14F-4D97-AF65-F5344CB8AC3E}">
-        <p14:creationId xmlns:p14="http://schemas.microsoft.com/office/powerpoint/2010/main" val="1252969730"/>
-      </p:ext>
-    </p:extLst>
-  </p:cSld>
-  <p:clrMapOvr>
-    <a:masterClrMapping/>
-  </p:clrMapOvr>
-</p:sld>
-</file>
-
-<file path=ppt/slides/slide20.xml><?xml version="1.0" encoding="utf-8"?>
+<file path=ppt/slides/slide18.xml><?xml version="1.0" encoding="utf-8"?>
 <p:sld xmlns:a="http://schemas.openxmlformats.org/drawingml/2006/main" xmlns:r="http://schemas.openxmlformats.org/officeDocument/2006/relationships" xmlns:p="http://schemas.openxmlformats.org/presentationml/2006/main">
   <p:cSld>
     <p:spTree>
@@ -15350,7 +13602,7 @@
 </p:sld>
 </file>
 
-<file path=ppt/slides/slide21.xml><?xml version="1.0" encoding="utf-8"?>
+<file path=ppt/slides/slide19.xml><?xml version="1.0" encoding="utf-8"?>
 <p:sld xmlns:a="http://schemas.openxmlformats.org/drawingml/2006/main" xmlns:r="http://schemas.openxmlformats.org/officeDocument/2006/relationships" xmlns:p="http://schemas.openxmlformats.org/presentationml/2006/main">
   <p:cSld>
     <p:spTree>
@@ -15410,7 +13662,7 @@
           <p:nvPr>
             <p:extLst>
               <p:ext uri="{D42A27DB-BD31-4B8C-83A1-F6EECF244321}">
-                <p14:modId xmlns:p14="http://schemas.microsoft.com/office/powerpoint/2010/main" val="1433604043"/>
+                <p14:modId xmlns:p14="http://schemas.microsoft.com/office/powerpoint/2010/main" val="2433883045"/>
               </p:ext>
             </p:extLst>
           </p:nvPr>
@@ -15536,7 +13788,7 @@
                       <a:pPr algn="ctr"/>
                       <a:r>
                         <a:rPr lang="de-DE" dirty="0" err="1"/>
-                        <a:t>dbo.CustomerOrders</a:t>
+                        <a:t>dbo.orders</a:t>
                       </a:r>
                       <a:endParaRPr lang="de-DE" dirty="0"/>
                     </a:p>
@@ -16776,7 +15028,173 @@
 </p:sld>
 </file>
 
-<file path=ppt/slides/slide22.xml><?xml version="1.0" encoding="utf-8"?>
+<file path=ppt/slides/slide2.xml><?xml version="1.0" encoding="utf-8"?>
+<p:sld xmlns:a="http://schemas.openxmlformats.org/drawingml/2006/main" xmlns:r="http://schemas.openxmlformats.org/officeDocument/2006/relationships" xmlns:p="http://schemas.openxmlformats.org/presentationml/2006/main">
+  <p:cSld>
+    <p:spTree>
+      <p:nvGrpSpPr>
+        <p:cNvPr id="1" name=""/>
+        <p:cNvGrpSpPr/>
+        <p:nvPr/>
+      </p:nvGrpSpPr>
+      <p:grpSpPr>
+        <a:xfrm>
+          <a:off x="0" y="0"/>
+          <a:ext cx="0" cy="0"/>
+          <a:chOff x="0" y="0"/>
+          <a:chExt cx="0" cy="0"/>
+        </a:xfrm>
+      </p:grpSpPr>
+      <p:sp>
+        <p:nvSpPr>
+          <p:cNvPr id="2" name="Titel 1">
+            <a:extLst>
+              <a:ext uri="{FF2B5EF4-FFF2-40B4-BE49-F238E27FC236}">
+                <a16:creationId xmlns:a16="http://schemas.microsoft.com/office/drawing/2014/main" id="{2AA66F59-B715-4CE2-83DF-6D035DD595FA}"/>
+              </a:ext>
+            </a:extLst>
+          </p:cNvPr>
+          <p:cNvSpPr>
+            <a:spLocks noGrp="1"/>
+          </p:cNvSpPr>
+          <p:nvPr>
+            <p:ph type="title"/>
+          </p:nvPr>
+        </p:nvSpPr>
+        <p:spPr/>
+        <p:txBody>
+          <a:bodyPr/>
+          <a:lstStyle/>
+          <a:p>
+            <a:r>
+              <a:rPr lang="de-DE" dirty="0"/>
+              <a:t>Links for </a:t>
+            </a:r>
+            <a:r>
+              <a:rPr lang="de-DE" dirty="0" err="1"/>
+              <a:t>this</a:t>
+            </a:r>
+            <a:r>
+              <a:rPr lang="de-DE" dirty="0"/>
+              <a:t> Session/Workshop</a:t>
+            </a:r>
+          </a:p>
+        </p:txBody>
+      </p:sp>
+      <p:sp>
+        <p:nvSpPr>
+          <p:cNvPr id="3" name="Inhaltsplatzhalter 2">
+            <a:extLst>
+              <a:ext uri="{FF2B5EF4-FFF2-40B4-BE49-F238E27FC236}">
+                <a16:creationId xmlns:a16="http://schemas.microsoft.com/office/drawing/2014/main" id="{32727BD7-7924-41DC-BF8D-0990B5F36E59}"/>
+              </a:ext>
+            </a:extLst>
+          </p:cNvPr>
+          <p:cNvSpPr>
+            <a:spLocks noGrp="1"/>
+          </p:cNvSpPr>
+          <p:nvPr>
+            <p:ph idx="1"/>
+          </p:nvPr>
+        </p:nvSpPr>
+        <p:spPr/>
+        <p:txBody>
+          <a:bodyPr>
+            <a:normAutofit/>
+          </a:bodyPr>
+          <a:lstStyle/>
+          <a:p>
+            <a:r>
+              <a:rPr lang="de-DE" dirty="0"/>
+              <a:t>Scripts and Slide Decks</a:t>
+            </a:r>
+            <a:br>
+              <a:rPr lang="de-DE" dirty="0"/>
+            </a:br>
+            <a:r>
+              <a:rPr lang="de-DE" dirty="0">
+                <a:hlinkClick r:id="rId2"/>
+              </a:rPr>
+              <a:t>https://github.com/db-berater/SQL-Server-Partitioning-for-Data-Management</a:t>
+            </a:r>
+            <a:endParaRPr lang="de-DE" dirty="0"/>
+          </a:p>
+          <a:p>
+            <a:endParaRPr lang="de-DE" dirty="0"/>
+          </a:p>
+          <a:p>
+            <a:r>
+              <a:rPr lang="de-DE" dirty="0"/>
+              <a:t>ERP Demo Database (17.00 GB)</a:t>
+            </a:r>
+            <a:br>
+              <a:rPr lang="de-DE" dirty="0"/>
+            </a:br>
+            <a:r>
+              <a:rPr lang="de-DE" dirty="0">
+                <a:hlinkClick r:id="rId3"/>
+              </a:rPr>
+              <a:t>https://db-berater.de/downloads/ERP_Demo_2012.bak</a:t>
+            </a:r>
+            <a:endParaRPr lang="de-DE" dirty="0"/>
+          </a:p>
+          <a:p>
+            <a:endParaRPr lang="de-DE" dirty="0"/>
+          </a:p>
+          <a:p>
+            <a:r>
+              <a:rPr lang="de-DE" dirty="0" err="1"/>
+              <a:t>SQLQueryStress</a:t>
+            </a:r>
+            <a:br>
+              <a:rPr lang="de-DE" dirty="0"/>
+            </a:br>
+            <a:r>
+              <a:rPr lang="de-DE" dirty="0">
+                <a:hlinkClick r:id="rId4"/>
+              </a:rPr>
+              <a:t>https://github.com/ErikEJ/SqlQueryStress</a:t>
+            </a:r>
+            <a:endParaRPr lang="de-DE" dirty="0"/>
+          </a:p>
+          <a:p>
+            <a:endParaRPr lang="de-DE" dirty="0"/>
+          </a:p>
+          <a:p>
+            <a:r>
+              <a:rPr lang="de-DE" dirty="0"/>
+              <a:t>Windows Admin Center</a:t>
+            </a:r>
+            <a:br>
+              <a:rPr lang="de-DE" dirty="0"/>
+            </a:br>
+            <a:r>
+              <a:rPr lang="de-DE" dirty="0">
+                <a:hlinkClick r:id="rId5"/>
+              </a:rPr>
+              <a:t>https://go.microsoft.com/fwlink/?linkid=2220149</a:t>
+            </a:r>
+            <a:endParaRPr lang="de-DE" dirty="0"/>
+          </a:p>
+          <a:p>
+            <a:endParaRPr lang="de-DE" dirty="0"/>
+          </a:p>
+        </p:txBody>
+      </p:sp>
+    </p:spTree>
+    <p:extLst>
+      <p:ext uri="{BB962C8B-B14F-4D97-AF65-F5344CB8AC3E}">
+        <p14:creationId xmlns:p14="http://schemas.microsoft.com/office/powerpoint/2010/main" val="1252969730"/>
+      </p:ext>
+    </p:extLst>
+  </p:cSld>
+  <p:clrMapOvr>
+    <a:masterClrMapping/>
+  </p:clrMapOvr>
+</p:sld>
+</file>
+
+<file path=ppt/slides/slide20.xml><?xml version="1.0" encoding="utf-8"?>
 <p:sld xmlns:a="http://schemas.openxmlformats.org/drawingml/2006/main" xmlns:r="http://schemas.openxmlformats.org/officeDocument/2006/relationships" xmlns:p="http://schemas.openxmlformats.org/presentationml/2006/main">
   <p:cSld>
     <p:spTree>
@@ -16833,7 +15251,13 @@
           <p:cNvGraphicFramePr>
             <a:graphicFrameLocks noGrp="1"/>
           </p:cNvGraphicFramePr>
-          <p:nvPr/>
+          <p:nvPr>
+            <p:extLst>
+              <p:ext uri="{D42A27DB-BD31-4B8C-83A1-F6EECF244321}">
+                <p14:modId xmlns:p14="http://schemas.microsoft.com/office/powerpoint/2010/main" val="4194278329"/>
+              </p:ext>
+            </p:extLst>
+          </p:nvPr>
         </p:nvGraphicFramePr>
         <p:xfrm>
           <a:off x="2032000" y="1905196"/>
@@ -16956,7 +15380,7 @@
                       <a:pPr algn="ctr"/>
                       <a:r>
                         <a:rPr lang="de-DE" dirty="0" err="1"/>
-                        <a:t>dbo.CustomerOrders</a:t>
+                        <a:t>dbo.orders</a:t>
                       </a:r>
                       <a:endParaRPr lang="de-DE" dirty="0"/>
                     </a:p>
@@ -18217,193 +16641,7 @@
 </p:sld>
 </file>
 
-<file path=ppt/slides/slide23.xml><?xml version="1.0" encoding="utf-8"?>
-<p:sld xmlns:a="http://schemas.openxmlformats.org/drawingml/2006/main" xmlns:r="http://schemas.openxmlformats.org/officeDocument/2006/relationships" xmlns:p="http://schemas.openxmlformats.org/presentationml/2006/main">
-  <p:cSld>
-    <p:spTree>
-      <p:nvGrpSpPr>
-        <p:cNvPr id="1" name=""/>
-        <p:cNvGrpSpPr/>
-        <p:nvPr/>
-      </p:nvGrpSpPr>
-      <p:grpSpPr>
-        <a:xfrm>
-          <a:off x="0" y="0"/>
-          <a:ext cx="0" cy="0"/>
-          <a:chOff x="0" y="0"/>
-          <a:chExt cx="0" cy="0"/>
-        </a:xfrm>
-      </p:grpSpPr>
-      <p:sp>
-        <p:nvSpPr>
-          <p:cNvPr id="3" name="TextBox 2">
-            <a:extLst>
-              <a:ext uri="{FF2B5EF4-FFF2-40B4-BE49-F238E27FC236}">
-                <a16:creationId xmlns:a16="http://schemas.microsoft.com/office/drawing/2014/main" id="{A92C13BF-25E2-7F07-3995-A95D902A38C6}"/>
-              </a:ext>
-            </a:extLst>
-          </p:cNvPr>
-          <p:cNvSpPr txBox="1"/>
-          <p:nvPr/>
-        </p:nvSpPr>
-        <p:spPr>
-          <a:xfrm>
-            <a:off x="2421261" y="166226"/>
-            <a:ext cx="8570841" cy="923330"/>
-          </a:xfrm>
-          <a:prstGeom prst="rect">
-            <a:avLst/>
-          </a:prstGeom>
-          <a:noFill/>
-        </p:spPr>
-        <p:txBody>
-          <a:bodyPr wrap="square">
-            <a:spAutoFit/>
-          </a:bodyPr>
-          <a:lstStyle/>
-          <a:p>
-            <a:r>
-              <a:rPr lang="nl-BE" sz="5400" b="1" dirty="0" err="1">
-                <a:latin typeface="Work Sans" pitchFamily="2" charset="0"/>
-              </a:rPr>
-              <a:t>Session</a:t>
-            </a:r>
-            <a:r>
-              <a:rPr lang="nl-BE" sz="5400" b="1" dirty="0">
-                <a:latin typeface="Work Sans" pitchFamily="2" charset="0"/>
-              </a:rPr>
-              <a:t> Feedback</a:t>
-            </a:r>
-            <a:r>
-              <a:rPr lang="en-US" sz="5400" b="1" dirty="0">
-                <a:latin typeface="Work Sans" pitchFamily="2" charset="0"/>
-              </a:rPr>
-              <a:t>💖</a:t>
-            </a:r>
-            <a:endParaRPr lang="LID4096" sz="5400" b="1" dirty="0">
-              <a:latin typeface="Work Sans" pitchFamily="2" charset="0"/>
-            </a:endParaRPr>
-          </a:p>
-        </p:txBody>
-      </p:sp>
-      <p:pic>
-        <p:nvPicPr>
-          <p:cNvPr id="2" name="Afbeelding 4">
-            <a:extLst>
-              <a:ext uri="{FF2B5EF4-FFF2-40B4-BE49-F238E27FC236}">
-                <a16:creationId xmlns:a16="http://schemas.microsoft.com/office/drawing/2014/main" id="{8FB2A1B5-36D5-9DD5-1389-1D836893C739}"/>
-              </a:ext>
-            </a:extLst>
-          </p:cNvPr>
-          <p:cNvPicPr>
-            <a:picLocks noChangeAspect="1"/>
-          </p:cNvPicPr>
-          <p:nvPr/>
-        </p:nvPicPr>
-        <p:blipFill>
-          <a:blip r:embed="rId3"/>
-          <a:stretch>
-            <a:fillRect/>
-          </a:stretch>
-        </p:blipFill>
-        <p:spPr>
-          <a:xfrm>
-            <a:off x="11089089" y="302719"/>
-            <a:ext cx="795034" cy="786837"/>
-          </a:xfrm>
-          <a:prstGeom prst="rect">
-            <a:avLst/>
-          </a:prstGeom>
-        </p:spPr>
-      </p:pic>
-      <p:pic>
-        <p:nvPicPr>
-          <p:cNvPr id="5" name="Picture 4" descr="Qr code for session feedback at #dataMindsConnect">
-            <a:extLst>
-              <a:ext uri="{FF2B5EF4-FFF2-40B4-BE49-F238E27FC236}">
-                <a16:creationId xmlns:a16="http://schemas.microsoft.com/office/drawing/2014/main" id="{72E5FB7D-A168-5779-4EDC-ADF975F04BD4}"/>
-              </a:ext>
-            </a:extLst>
-          </p:cNvPr>
-          <p:cNvPicPr>
-            <a:picLocks noChangeAspect="1"/>
-          </p:cNvPicPr>
-          <p:nvPr/>
-        </p:nvPicPr>
-        <p:blipFill>
-          <a:blip r:embed="rId4">
-            <a:extLst>
-              <a:ext uri="{28A0092B-C50C-407E-A947-70E740481C1C}">
-                <a14:useLocalDpi xmlns:a14="http://schemas.microsoft.com/office/drawing/2010/main" val="0"/>
-              </a:ext>
-            </a:extLst>
-          </a:blip>
-          <a:stretch>
-            <a:fillRect/>
-          </a:stretch>
-        </p:blipFill>
-        <p:spPr>
-          <a:xfrm>
-            <a:off x="3848813" y="1181813"/>
-            <a:ext cx="4494374" cy="4494374"/>
-          </a:xfrm>
-          <a:prstGeom prst="rect">
-            <a:avLst/>
-          </a:prstGeom>
-        </p:spPr>
-      </p:pic>
-      <p:sp>
-        <p:nvSpPr>
-          <p:cNvPr id="7" name="TextBox 6">
-            <a:extLst>
-              <a:ext uri="{FF2B5EF4-FFF2-40B4-BE49-F238E27FC236}">
-                <a16:creationId xmlns:a16="http://schemas.microsoft.com/office/drawing/2014/main" id="{67028A06-C8FF-8437-6D15-1A5910BBB805}"/>
-              </a:ext>
-            </a:extLst>
-          </p:cNvPr>
-          <p:cNvSpPr txBox="1"/>
-          <p:nvPr/>
-        </p:nvSpPr>
-        <p:spPr>
-          <a:xfrm>
-            <a:off x="374073" y="5676187"/>
-            <a:ext cx="11510050" cy="584775"/>
-          </a:xfrm>
-          <a:prstGeom prst="rect">
-            <a:avLst/>
-          </a:prstGeom>
-          <a:noFill/>
-        </p:spPr>
-        <p:txBody>
-          <a:bodyPr wrap="square">
-            <a:spAutoFit/>
-          </a:bodyPr>
-          <a:lstStyle/>
-          <a:p>
-            <a:r>
-              <a:rPr lang="LID4096" sz="3200" dirty="0">
-                <a:hlinkClick r:id="rId5"/>
-              </a:rPr>
-              <a:t>https://bit.ly/dMC2022_SessionFeedback</a:t>
-            </a:r>
-            <a:endParaRPr lang="LID4096" sz="3200" dirty="0"/>
-          </a:p>
-        </p:txBody>
-      </p:sp>
-    </p:spTree>
-    <p:extLst>
-      <p:ext uri="{BB962C8B-B14F-4D97-AF65-F5344CB8AC3E}">
-        <p14:creationId xmlns:p14="http://schemas.microsoft.com/office/powerpoint/2010/main" val="3682278545"/>
-      </p:ext>
-    </p:extLst>
-  </p:cSld>
-  <p:clrMapOvr>
-    <a:masterClrMapping/>
-  </p:clrMapOvr>
-</p:sld>
-</file>
-
-<file path=ppt/slides/slide24.xml><?xml version="1.0" encoding="utf-8"?>
+<file path=ppt/slides/slide21.xml><?xml version="1.0" encoding="utf-8"?>
 <p:sld xmlns:a="http://schemas.openxmlformats.org/drawingml/2006/main" xmlns:r="http://schemas.openxmlformats.org/officeDocument/2006/relationships" xmlns:p="http://schemas.openxmlformats.org/presentationml/2006/main">
   <p:cSld>
     <p:spTree>
@@ -18516,6 +16754,1719 @@
   <p:transition>
     <p:fade/>
   </p:transition>
+</p:sld>
+</file>
+
+<file path=ppt/slides/slide22.xml><?xml version="1.0" encoding="utf-8"?>
+<p:sld xmlns:a="http://schemas.openxmlformats.org/drawingml/2006/main" xmlns:r="http://schemas.openxmlformats.org/officeDocument/2006/relationships" xmlns:p="http://schemas.openxmlformats.org/presentationml/2006/main" show="0">
+  <p:cSld>
+    <p:spTree>
+      <p:nvGrpSpPr>
+        <p:cNvPr id="1" name=""/>
+        <p:cNvGrpSpPr/>
+        <p:nvPr/>
+      </p:nvGrpSpPr>
+      <p:grpSpPr>
+        <a:xfrm>
+          <a:off x="0" y="0"/>
+          <a:ext cx="0" cy="0"/>
+          <a:chOff x="0" y="0"/>
+          <a:chExt cx="0" cy="0"/>
+        </a:xfrm>
+      </p:grpSpPr>
+      <p:sp>
+        <p:nvSpPr>
+          <p:cNvPr id="5" name="Titel 4">
+            <a:extLst>
+              <a:ext uri="{FF2B5EF4-FFF2-40B4-BE49-F238E27FC236}">
+                <a16:creationId xmlns:a16="http://schemas.microsoft.com/office/drawing/2014/main" id="{AE6FF182-963C-4697-9518-6914B4D16647}"/>
+              </a:ext>
+            </a:extLst>
+          </p:cNvPr>
+          <p:cNvSpPr>
+            <a:spLocks noGrp="1"/>
+          </p:cNvSpPr>
+          <p:nvPr>
+            <p:ph type="title"/>
+          </p:nvPr>
+        </p:nvSpPr>
+        <p:spPr/>
+        <p:txBody>
+          <a:bodyPr/>
+          <a:lstStyle/>
+          <a:p>
+            <a:r>
+              <a:rPr lang="en-GB" dirty="0"/>
+              <a:t>Use Cases for Partitioning</a:t>
+            </a:r>
+          </a:p>
+        </p:txBody>
+      </p:sp>
+      <p:sp>
+        <p:nvSpPr>
+          <p:cNvPr id="6" name="Inhaltsplatzhalter 5">
+            <a:extLst>
+              <a:ext uri="{FF2B5EF4-FFF2-40B4-BE49-F238E27FC236}">
+                <a16:creationId xmlns:a16="http://schemas.microsoft.com/office/drawing/2014/main" id="{12E917D0-2EFD-482A-8926-69A27F0DF25C}"/>
+              </a:ext>
+            </a:extLst>
+          </p:cNvPr>
+          <p:cNvSpPr>
+            <a:spLocks noGrp="1"/>
+          </p:cNvSpPr>
+          <p:nvPr>
+            <p:ph idx="1"/>
+          </p:nvPr>
+        </p:nvSpPr>
+        <p:spPr/>
+        <p:txBody>
+          <a:bodyPr>
+            <a:normAutofit/>
+          </a:bodyPr>
+          <a:lstStyle/>
+          <a:p>
+            <a:r>
+              <a:rPr lang="en-GB" sz="1800" b="1" dirty="0">
+                <a:solidFill>
+                  <a:schemeClr val="bg1">
+                    <a:lumMod val="75000"/>
+                  </a:schemeClr>
+                </a:solidFill>
+              </a:rPr>
+              <a:t>High transactional production environment</a:t>
+            </a:r>
+          </a:p>
+          <a:p>
+            <a:pPr lvl="1"/>
+            <a:r>
+              <a:rPr lang="en-GB" sz="1800" dirty="0">
+                <a:solidFill>
+                  <a:schemeClr val="bg1">
+                    <a:lumMod val="75000"/>
+                  </a:schemeClr>
+                </a:solidFill>
+              </a:rPr>
+              <a:t>The customer is a pharmaceutical company that produces drugs on various (20) production lines.</a:t>
+            </a:r>
+          </a:p>
+          <a:p>
+            <a:pPr lvl="1"/>
+            <a:r>
+              <a:rPr lang="en-GB" sz="1800" dirty="0">
+                <a:solidFill>
+                  <a:schemeClr val="bg1">
+                    <a:lumMod val="75000"/>
+                  </a:schemeClr>
+                </a:solidFill>
+              </a:rPr>
+              <a:t>Every charge must go through a Q&amp;A check that stores the data in the SQL Server Database.</a:t>
+            </a:r>
+          </a:p>
+          <a:p>
+            <a:r>
+              <a:rPr lang="en-GB" sz="1800" b="1" dirty="0">
+                <a:solidFill>
+                  <a:schemeClr val="bg1">
+                    <a:lumMod val="75000"/>
+                  </a:schemeClr>
+                </a:solidFill>
+              </a:rPr>
+              <a:t>Data Warehouse #1</a:t>
+            </a:r>
+          </a:p>
+          <a:p>
+            <a:pPr lvl="1"/>
+            <a:r>
+              <a:rPr lang="en-US" sz="1800" dirty="0">
+                <a:solidFill>
+                  <a:schemeClr val="bg1">
+                    <a:lumMod val="75000"/>
+                  </a:schemeClr>
+                </a:solidFill>
+              </a:rPr>
+              <a:t>The customer is a retail company that loads the key figures (product / sales) of all cash registers into the Date Warehouse every night so that they can create reliable plans for supplying the stores.</a:t>
+            </a:r>
+          </a:p>
+          <a:p>
+            <a:r>
+              <a:rPr lang="en-US" sz="1800" b="1" dirty="0"/>
+              <a:t>Data Warehouse #2</a:t>
+            </a:r>
+          </a:p>
+          <a:p>
+            <a:pPr lvl="1"/>
+            <a:r>
+              <a:rPr lang="en-US" sz="1800" dirty="0"/>
+              <a:t>The customer is a bank that recalculates the valuation of its funds every night. During the calculation, the reports for </a:t>
+            </a:r>
+            <a:r>
+              <a:rPr lang="en-US" sz="1800" dirty="0" err="1"/>
+              <a:t>BaFIN</a:t>
+            </a:r>
+            <a:r>
+              <a:rPr lang="en-US" sz="1800" dirty="0"/>
+              <a:t> must be created for processed funds because of timeline restrictions.</a:t>
+            </a:r>
+          </a:p>
+          <a:p>
+            <a:r>
+              <a:rPr lang="en-US" sz="1800" b="1" dirty="0">
+                <a:solidFill>
+                  <a:schemeClr val="bg1">
+                    <a:lumMod val="75000"/>
+                  </a:schemeClr>
+                </a:solidFill>
+              </a:rPr>
+              <a:t>Management of big databases</a:t>
+            </a:r>
+          </a:p>
+          <a:p>
+            <a:pPr lvl="1"/>
+            <a:r>
+              <a:rPr lang="en-US" sz="1800" dirty="0">
+                <a:solidFill>
+                  <a:schemeClr val="bg1">
+                    <a:lumMod val="75000"/>
+                  </a:schemeClr>
+                </a:solidFill>
+              </a:rPr>
+              <a:t>A large company's administrator must re-create indexes and statistics from a 4TB database every night. The time window is limited and a way must be found to limit maintenance to the time window.</a:t>
+            </a:r>
+          </a:p>
+          <a:p>
+            <a:pPr lvl="1"/>
+            <a:r>
+              <a:rPr lang="en-US" sz="1800" dirty="0">
+                <a:solidFill>
+                  <a:schemeClr val="bg1">
+                    <a:lumMod val="75000"/>
+                  </a:schemeClr>
+                </a:solidFill>
+              </a:rPr>
+              <a:t>Furthermore the SLA determines a downtime for “hot” data within 60 Minutes!</a:t>
+            </a:r>
+          </a:p>
+          <a:p>
+            <a:endParaRPr lang="en-GB" sz="1800" dirty="0"/>
+          </a:p>
+        </p:txBody>
+      </p:sp>
+    </p:spTree>
+    <p:extLst>
+      <p:ext uri="{BB962C8B-B14F-4D97-AF65-F5344CB8AC3E}">
+        <p14:creationId xmlns:p14="http://schemas.microsoft.com/office/powerpoint/2010/main" val="2061120949"/>
+      </p:ext>
+    </p:extLst>
+  </p:cSld>
+  <p:clrMapOvr>
+    <a:masterClrMapping/>
+  </p:clrMapOvr>
+</p:sld>
+</file>
+
+<file path=ppt/slides/slide23.xml><?xml version="1.0" encoding="utf-8"?>
+<p:sld xmlns:a="http://schemas.openxmlformats.org/drawingml/2006/main" xmlns:r="http://schemas.openxmlformats.org/officeDocument/2006/relationships" xmlns:p="http://schemas.openxmlformats.org/presentationml/2006/main" show="0">
+  <p:cSld>
+    <p:spTree>
+      <p:nvGrpSpPr>
+        <p:cNvPr id="1" name=""/>
+        <p:cNvGrpSpPr/>
+        <p:nvPr/>
+      </p:nvGrpSpPr>
+      <p:grpSpPr>
+        <a:xfrm>
+          <a:off x="0" y="0"/>
+          <a:ext cx="0" cy="0"/>
+          <a:chOff x="0" y="0"/>
+          <a:chExt cx="0" cy="0"/>
+        </a:xfrm>
+      </p:grpSpPr>
+      <p:sp>
+        <p:nvSpPr>
+          <p:cNvPr id="2" name="Titel 1">
+            <a:extLst>
+              <a:ext uri="{FF2B5EF4-FFF2-40B4-BE49-F238E27FC236}">
+                <a16:creationId xmlns:a16="http://schemas.microsoft.com/office/drawing/2014/main" id="{84D80E68-3E18-431F-8291-3E8E71203BA0}"/>
+              </a:ext>
+            </a:extLst>
+          </p:cNvPr>
+          <p:cNvSpPr>
+            <a:spLocks noGrp="1"/>
+          </p:cNvSpPr>
+          <p:nvPr>
+            <p:ph type="title"/>
+          </p:nvPr>
+        </p:nvSpPr>
+        <p:spPr/>
+        <p:txBody>
+          <a:bodyPr/>
+          <a:lstStyle/>
+          <a:p>
+            <a:r>
+              <a:rPr lang="en-US" dirty="0"/>
+              <a:t>Data Warehouse #2</a:t>
+            </a:r>
+            <a:endParaRPr lang="de-DE" dirty="0"/>
+          </a:p>
+        </p:txBody>
+      </p:sp>
+      <p:sp>
+        <p:nvSpPr>
+          <p:cNvPr id="3" name="Inhaltsplatzhalter 2">
+            <a:extLst>
+              <a:ext uri="{FF2B5EF4-FFF2-40B4-BE49-F238E27FC236}">
+                <a16:creationId xmlns:a16="http://schemas.microsoft.com/office/drawing/2014/main" id="{393CFAC6-6952-430A-B1F6-7EF47A7029B5}"/>
+              </a:ext>
+            </a:extLst>
+          </p:cNvPr>
+          <p:cNvSpPr>
+            <a:spLocks noGrp="1"/>
+          </p:cNvSpPr>
+          <p:nvPr>
+            <p:ph idx="1"/>
+          </p:nvPr>
+        </p:nvSpPr>
+        <p:spPr/>
+        <p:txBody>
+          <a:bodyPr/>
+          <a:lstStyle/>
+          <a:p>
+            <a:r>
+              <a:rPr lang="en-GB" dirty="0"/>
+              <a:t>Problems</a:t>
+            </a:r>
+          </a:p>
+          <a:p>
+            <a:pPr lvl="1"/>
+            <a:r>
+              <a:rPr lang="en-GB" dirty="0"/>
+              <a:t>TRUNCATE TABLE WITH (PARTITION) causes LCK_M_SCH_M on table</a:t>
+            </a:r>
+          </a:p>
+          <a:p>
+            <a:pPr lvl="1"/>
+            <a:r>
+              <a:rPr lang="en-GB" dirty="0"/>
+              <a:t>Other processes have to wait when one process inserts data.</a:t>
+            </a:r>
+            <a:br>
+              <a:rPr lang="en-GB" dirty="0"/>
+            </a:br>
+            <a:r>
+              <a:rPr lang="en-GB" dirty="0"/>
+              <a:t>The INSERT process holds an LCK_IX lock on the table</a:t>
+            </a:r>
+          </a:p>
+          <a:p>
+            <a:pPr lvl="1"/>
+            <a:r>
+              <a:rPr lang="en-GB" dirty="0"/>
+              <a:t>An LCK_IX lock is incompatible with an LCK_M_SCH_M lock</a:t>
+            </a:r>
+            <a:endParaRPr lang="de-DE" dirty="0"/>
+          </a:p>
+        </p:txBody>
+      </p:sp>
+      <p:pic>
+        <p:nvPicPr>
+          <p:cNvPr id="1026" name="Grafik 3" descr="image003">
+            <a:extLst>
+              <a:ext uri="{FF2B5EF4-FFF2-40B4-BE49-F238E27FC236}">
+                <a16:creationId xmlns:a16="http://schemas.microsoft.com/office/drawing/2014/main" id="{600C6F0C-1EDF-4F7E-B91B-78A67F825590}"/>
+              </a:ext>
+            </a:extLst>
+          </p:cNvPr>
+          <p:cNvPicPr>
+            <a:picLocks noChangeAspect="1" noChangeArrowheads="1"/>
+          </p:cNvPicPr>
+          <p:nvPr/>
+        </p:nvPicPr>
+        <p:blipFill>
+          <a:blip r:embed="rId2">
+            <a:extLst>
+              <a:ext uri="{28A0092B-C50C-407E-A947-70E740481C1C}">
+                <a14:useLocalDpi xmlns:a14="http://schemas.microsoft.com/office/drawing/2010/main" val="0"/>
+              </a:ext>
+            </a:extLst>
+          </a:blip>
+          <a:srcRect/>
+          <a:stretch>
+            <a:fillRect/>
+          </a:stretch>
+        </p:blipFill>
+        <p:spPr bwMode="auto">
+          <a:xfrm>
+            <a:off x="334962" y="3951287"/>
+            <a:ext cx="11493499" cy="1387275"/>
+          </a:xfrm>
+          <a:prstGeom prst="rect">
+            <a:avLst/>
+          </a:prstGeom>
+          <a:noFill/>
+          <a:ln>
+            <a:noFill/>
+          </a:ln>
+          <a:extLst>
+            <a:ext uri="{909E8E84-426E-40DD-AFC4-6F175D3DCCD1}">
+              <a14:hiddenFill xmlns:a14="http://schemas.microsoft.com/office/drawing/2010/main">
+                <a:solidFill>
+                  <a:srgbClr val="FFFFFF"/>
+                </a:solidFill>
+              </a14:hiddenFill>
+            </a:ext>
+            <a:ext uri="{91240B29-F687-4F45-9708-019B960494DF}">
+              <a14:hiddenLine xmlns:a14="http://schemas.microsoft.com/office/drawing/2010/main" w="9525">
+                <a:solidFill>
+                  <a:srgbClr val="000000"/>
+                </a:solidFill>
+                <a:miter lim="800000"/>
+                <a:headEnd/>
+                <a:tailEnd/>
+              </a14:hiddenLine>
+            </a:ext>
+          </a:extLst>
+        </p:spPr>
+      </p:pic>
+    </p:spTree>
+    <p:extLst>
+      <p:ext uri="{BB962C8B-B14F-4D97-AF65-F5344CB8AC3E}">
+        <p14:creationId xmlns:p14="http://schemas.microsoft.com/office/powerpoint/2010/main" val="763256948"/>
+      </p:ext>
+    </p:extLst>
+  </p:cSld>
+  <p:clrMapOvr>
+    <a:masterClrMapping/>
+  </p:clrMapOvr>
+</p:sld>
+</file>
+
+<file path=ppt/slides/slide24.xml><?xml version="1.0" encoding="utf-8"?>
+<p:sld xmlns:a="http://schemas.openxmlformats.org/drawingml/2006/main" xmlns:r="http://schemas.openxmlformats.org/officeDocument/2006/relationships" xmlns:p="http://schemas.openxmlformats.org/presentationml/2006/main" show="0">
+  <p:cSld>
+    <p:spTree>
+      <p:nvGrpSpPr>
+        <p:cNvPr id="1" name=""/>
+        <p:cNvGrpSpPr/>
+        <p:nvPr/>
+      </p:nvGrpSpPr>
+      <p:grpSpPr>
+        <a:xfrm>
+          <a:off x="0" y="0"/>
+          <a:ext cx="0" cy="0"/>
+          <a:chOff x="0" y="0"/>
+          <a:chExt cx="0" cy="0"/>
+        </a:xfrm>
+      </p:grpSpPr>
+      <p:sp>
+        <p:nvSpPr>
+          <p:cNvPr id="2" name="Titel 1">
+            <a:extLst>
+              <a:ext uri="{FF2B5EF4-FFF2-40B4-BE49-F238E27FC236}">
+                <a16:creationId xmlns:a16="http://schemas.microsoft.com/office/drawing/2014/main" id="{90F6D4D0-1EC2-49DF-9DC1-3C6C9A0D4C4B}"/>
+              </a:ext>
+            </a:extLst>
+          </p:cNvPr>
+          <p:cNvSpPr>
+            <a:spLocks noGrp="1"/>
+          </p:cNvSpPr>
+          <p:nvPr>
+            <p:ph type="title"/>
+          </p:nvPr>
+        </p:nvSpPr>
+        <p:spPr/>
+        <p:txBody>
+          <a:bodyPr/>
+          <a:lstStyle/>
+          <a:p>
+            <a:r>
+              <a:rPr lang="en-US" dirty="0"/>
+              <a:t>Data Warehouse #2</a:t>
+            </a:r>
+            <a:endParaRPr lang="de-DE" dirty="0"/>
+          </a:p>
+        </p:txBody>
+      </p:sp>
+      <p:sp>
+        <p:nvSpPr>
+          <p:cNvPr id="3" name="Textfeld 2">
+            <a:extLst>
+              <a:ext uri="{FF2B5EF4-FFF2-40B4-BE49-F238E27FC236}">
+                <a16:creationId xmlns:a16="http://schemas.microsoft.com/office/drawing/2014/main" id="{43E6379B-953D-47EB-84D2-5B749454B18B}"/>
+              </a:ext>
+            </a:extLst>
+          </p:cNvPr>
+          <p:cNvSpPr txBox="1"/>
+          <p:nvPr/>
+        </p:nvSpPr>
+        <p:spPr>
+          <a:xfrm>
+            <a:off x="525643" y="3005664"/>
+            <a:ext cx="2157327" cy="923330"/>
+          </a:xfrm>
+          <a:prstGeom prst="rect">
+            <a:avLst/>
+          </a:prstGeom>
+          <a:solidFill>
+            <a:schemeClr val="bg1"/>
+          </a:solidFill>
+          <a:ln>
+            <a:solidFill>
+              <a:schemeClr val="tx1"/>
+            </a:solidFill>
+          </a:ln>
+          <a:effectLst>
+            <a:outerShdw blurRad="50800" dist="38100" dir="2700000" algn="tl" rotWithShape="0">
+              <a:prstClr val="black">
+                <a:alpha val="40000"/>
+              </a:prstClr>
+            </a:outerShdw>
+          </a:effectLst>
+        </p:spPr>
+        <p:txBody>
+          <a:bodyPr wrap="square" rtlCol="0">
+            <a:spAutoFit/>
+          </a:bodyPr>
+          <a:lstStyle/>
+          <a:p>
+            <a:r>
+              <a:rPr lang="de-DE" dirty="0"/>
+              <a:t>Daily </a:t>
+            </a:r>
+            <a:r>
+              <a:rPr lang="de-DE" dirty="0" err="1"/>
+              <a:t>transactional</a:t>
+            </a:r>
+            <a:r>
+              <a:rPr lang="de-DE" dirty="0"/>
+              <a:t> </a:t>
+            </a:r>
+            <a:r>
+              <a:rPr lang="de-DE" dirty="0" err="1"/>
+              <a:t>activity</a:t>
+            </a:r>
+            <a:r>
+              <a:rPr lang="de-DE" dirty="0"/>
+              <a:t> for </a:t>
+            </a:r>
+            <a:r>
+              <a:rPr lang="de-DE" dirty="0" err="1"/>
+              <a:t>each</a:t>
+            </a:r>
+            <a:r>
+              <a:rPr lang="de-DE" dirty="0"/>
+              <a:t> </a:t>
+            </a:r>
+            <a:r>
+              <a:rPr lang="de-DE" dirty="0" err="1"/>
+              <a:t>fonds</a:t>
+            </a:r>
+            <a:endParaRPr lang="de-DE" dirty="0"/>
+          </a:p>
+        </p:txBody>
+      </p:sp>
+      <p:graphicFrame>
+        <p:nvGraphicFramePr>
+          <p:cNvPr id="4" name="Tabelle 4">
+            <a:extLst>
+              <a:ext uri="{FF2B5EF4-FFF2-40B4-BE49-F238E27FC236}">
+                <a16:creationId xmlns:a16="http://schemas.microsoft.com/office/drawing/2014/main" id="{BC4E2CE4-D2B6-412D-B45A-3B06BA96B9C6}"/>
+              </a:ext>
+            </a:extLst>
+          </p:cNvPr>
+          <p:cNvGraphicFramePr>
+            <a:graphicFrameLocks noGrp="1"/>
+          </p:cNvGraphicFramePr>
+          <p:nvPr>
+            <p:extLst>
+              <p:ext uri="{D42A27DB-BD31-4B8C-83A1-F6EECF244321}">
+                <p14:modId xmlns:p14="http://schemas.microsoft.com/office/powerpoint/2010/main" val="2486751547"/>
+              </p:ext>
+            </p:extLst>
+          </p:nvPr>
+        </p:nvGraphicFramePr>
+        <p:xfrm>
+          <a:off x="3450140" y="1925064"/>
+          <a:ext cx="2096489" cy="2966720"/>
+        </p:xfrm>
+        <a:graphic>
+          <a:graphicData uri="http://schemas.openxmlformats.org/drawingml/2006/table">
+            <a:tbl>
+              <a:tblPr firstRow="1" bandRow="1">
+                <a:tableStyleId>{5C22544A-7EE6-4342-B048-85BDC9FD1C3A}</a:tableStyleId>
+              </a:tblPr>
+              <a:tblGrid>
+                <a:gridCol w="2096489">
+                  <a:extLst>
+                    <a:ext uri="{9D8B030D-6E8A-4147-A177-3AD203B41FA5}">
+                      <a16:colId xmlns:a16="http://schemas.microsoft.com/office/drawing/2014/main" val="3101105368"/>
+                    </a:ext>
+                  </a:extLst>
+                </a:gridCol>
+              </a:tblGrid>
+              <a:tr h="370840">
+                <a:tc>
+                  <a:txBody>
+                    <a:bodyPr/>
+                    <a:lstStyle/>
+                    <a:p>
+                      <a:r>
+                        <a:rPr lang="de-DE" sz="1600" dirty="0"/>
+                        <a:t>Partition (</a:t>
+                      </a:r>
+                      <a:r>
+                        <a:rPr lang="de-DE" sz="1600" dirty="0" err="1"/>
+                        <a:t>staging</a:t>
+                      </a:r>
+                      <a:r>
+                        <a:rPr lang="de-DE" sz="1600" dirty="0"/>
+                        <a:t>)</a:t>
+                      </a:r>
+                    </a:p>
+                  </a:txBody>
+                  <a:tcPr/>
+                </a:tc>
+                <a:extLst>
+                  <a:ext uri="{0D108BD9-81ED-4DB2-BD59-A6C34878D82A}">
+                    <a16:rowId xmlns:a16="http://schemas.microsoft.com/office/drawing/2014/main" val="2440980348"/>
+                  </a:ext>
+                </a:extLst>
+              </a:tr>
+              <a:tr h="370840">
+                <a:tc>
+                  <a:txBody>
+                    <a:bodyPr/>
+                    <a:lstStyle/>
+                    <a:p>
+                      <a:r>
+                        <a:rPr lang="de-DE" sz="1600" dirty="0"/>
+                        <a:t>Fonds_001</a:t>
+                      </a:r>
+                    </a:p>
+                  </a:txBody>
+                  <a:tcPr/>
+                </a:tc>
+                <a:extLst>
+                  <a:ext uri="{0D108BD9-81ED-4DB2-BD59-A6C34878D82A}">
+                    <a16:rowId xmlns:a16="http://schemas.microsoft.com/office/drawing/2014/main" val="3461970650"/>
+                  </a:ext>
+                </a:extLst>
+              </a:tr>
+              <a:tr h="370840">
+                <a:tc>
+                  <a:txBody>
+                    <a:bodyPr/>
+                    <a:lstStyle/>
+                    <a:p>
+                      <a:r>
+                        <a:rPr lang="de-DE" sz="1600" dirty="0"/>
+                        <a:t>Fonds_002</a:t>
+                      </a:r>
+                    </a:p>
+                  </a:txBody>
+                  <a:tcPr/>
+                </a:tc>
+                <a:extLst>
+                  <a:ext uri="{0D108BD9-81ED-4DB2-BD59-A6C34878D82A}">
+                    <a16:rowId xmlns:a16="http://schemas.microsoft.com/office/drawing/2014/main" val="1678354770"/>
+                  </a:ext>
+                </a:extLst>
+              </a:tr>
+              <a:tr h="370840">
+                <a:tc>
+                  <a:txBody>
+                    <a:bodyPr/>
+                    <a:lstStyle/>
+                    <a:p>
+                      <a:r>
+                        <a:rPr lang="de-DE" sz="1600" dirty="0"/>
+                        <a:t>Fonds_003</a:t>
+                      </a:r>
+                    </a:p>
+                  </a:txBody>
+                  <a:tcPr/>
+                </a:tc>
+                <a:extLst>
+                  <a:ext uri="{0D108BD9-81ED-4DB2-BD59-A6C34878D82A}">
+                    <a16:rowId xmlns:a16="http://schemas.microsoft.com/office/drawing/2014/main" val="3171268748"/>
+                  </a:ext>
+                </a:extLst>
+              </a:tr>
+              <a:tr h="370840">
+                <a:tc>
+                  <a:txBody>
+                    <a:bodyPr/>
+                    <a:lstStyle/>
+                    <a:p>
+                      <a:r>
+                        <a:rPr lang="de-DE" sz="1600" dirty="0"/>
+                        <a:t>…</a:t>
+                      </a:r>
+                    </a:p>
+                  </a:txBody>
+                  <a:tcPr/>
+                </a:tc>
+                <a:extLst>
+                  <a:ext uri="{0D108BD9-81ED-4DB2-BD59-A6C34878D82A}">
+                    <a16:rowId xmlns:a16="http://schemas.microsoft.com/office/drawing/2014/main" val="4141943300"/>
+                  </a:ext>
+                </a:extLst>
+              </a:tr>
+              <a:tr h="370840">
+                <a:tc>
+                  <a:txBody>
+                    <a:bodyPr/>
+                    <a:lstStyle/>
+                    <a:p>
+                      <a:r>
+                        <a:rPr lang="de-DE" sz="1600" dirty="0"/>
+                        <a:t>…</a:t>
+                      </a:r>
+                    </a:p>
+                  </a:txBody>
+                  <a:tcPr/>
+                </a:tc>
+                <a:extLst>
+                  <a:ext uri="{0D108BD9-81ED-4DB2-BD59-A6C34878D82A}">
+                    <a16:rowId xmlns:a16="http://schemas.microsoft.com/office/drawing/2014/main" val="3705917148"/>
+                  </a:ext>
+                </a:extLst>
+              </a:tr>
+              <a:tr h="370840">
+                <a:tc>
+                  <a:txBody>
+                    <a:bodyPr/>
+                    <a:lstStyle/>
+                    <a:p>
+                      <a:r>
+                        <a:rPr lang="de-DE" sz="1600" dirty="0"/>
+                        <a:t>…</a:t>
+                      </a:r>
+                    </a:p>
+                  </a:txBody>
+                  <a:tcPr/>
+                </a:tc>
+                <a:extLst>
+                  <a:ext uri="{0D108BD9-81ED-4DB2-BD59-A6C34878D82A}">
+                    <a16:rowId xmlns:a16="http://schemas.microsoft.com/office/drawing/2014/main" val="757817686"/>
+                  </a:ext>
+                </a:extLst>
+              </a:tr>
+              <a:tr h="370840">
+                <a:tc>
+                  <a:txBody>
+                    <a:bodyPr/>
+                    <a:lstStyle/>
+                    <a:p>
+                      <a:r>
+                        <a:rPr lang="de-DE" sz="1600" dirty="0"/>
+                        <a:t>Fonds_150</a:t>
+                      </a:r>
+                    </a:p>
+                  </a:txBody>
+                  <a:tcPr/>
+                </a:tc>
+                <a:extLst>
+                  <a:ext uri="{0D108BD9-81ED-4DB2-BD59-A6C34878D82A}">
+                    <a16:rowId xmlns:a16="http://schemas.microsoft.com/office/drawing/2014/main" val="3075521418"/>
+                  </a:ext>
+                </a:extLst>
+              </a:tr>
+            </a:tbl>
+          </a:graphicData>
+        </a:graphic>
+      </p:graphicFrame>
+      <p:cxnSp>
+        <p:nvCxnSpPr>
+          <p:cNvPr id="7" name="Gerade Verbindung mit Pfeil 6">
+            <a:extLst>
+              <a:ext uri="{FF2B5EF4-FFF2-40B4-BE49-F238E27FC236}">
+                <a16:creationId xmlns:a16="http://schemas.microsoft.com/office/drawing/2014/main" id="{DCB6B19E-7F93-4636-8C80-4A8B927F4D98}"/>
+              </a:ext>
+            </a:extLst>
+          </p:cNvPr>
+          <p:cNvCxnSpPr>
+            <a:stCxn id="3" idx="3"/>
+          </p:cNvCxnSpPr>
+          <p:nvPr/>
+        </p:nvCxnSpPr>
+        <p:spPr>
+          <a:xfrm flipV="1">
+            <a:off x="2682970" y="2513231"/>
+            <a:ext cx="767171" cy="954098"/>
+          </a:xfrm>
+          <a:prstGeom prst="straightConnector1">
+            <a:avLst/>
+          </a:prstGeom>
+          <a:ln>
+            <a:solidFill>
+              <a:schemeClr val="tx1"/>
+            </a:solidFill>
+            <a:headEnd type="none" w="med" len="med"/>
+            <a:tailEnd type="triangle"/>
+          </a:ln>
+        </p:spPr>
+        <p:style>
+          <a:lnRef idx="1">
+            <a:schemeClr val="accent1"/>
+          </a:lnRef>
+          <a:fillRef idx="0">
+            <a:schemeClr val="accent1"/>
+          </a:fillRef>
+          <a:effectRef idx="0">
+            <a:schemeClr val="accent1"/>
+          </a:effectRef>
+          <a:fontRef idx="minor">
+            <a:schemeClr val="tx1"/>
+          </a:fontRef>
+        </p:style>
+      </p:cxnSp>
+      <p:cxnSp>
+        <p:nvCxnSpPr>
+          <p:cNvPr id="9" name="Gerade Verbindung mit Pfeil 8">
+            <a:extLst>
+              <a:ext uri="{FF2B5EF4-FFF2-40B4-BE49-F238E27FC236}">
+                <a16:creationId xmlns:a16="http://schemas.microsoft.com/office/drawing/2014/main" id="{81D156B3-A751-48FD-B8A0-332BC4F6C6F1}"/>
+              </a:ext>
+            </a:extLst>
+          </p:cNvPr>
+          <p:cNvCxnSpPr>
+            <a:stCxn id="3" idx="3"/>
+          </p:cNvCxnSpPr>
+          <p:nvPr/>
+        </p:nvCxnSpPr>
+        <p:spPr>
+          <a:xfrm flipV="1">
+            <a:off x="2682970" y="2858184"/>
+            <a:ext cx="767171" cy="609145"/>
+          </a:xfrm>
+          <a:prstGeom prst="straightConnector1">
+            <a:avLst/>
+          </a:prstGeom>
+          <a:ln>
+            <a:solidFill>
+              <a:schemeClr val="tx1"/>
+            </a:solidFill>
+            <a:headEnd type="none" w="med" len="med"/>
+            <a:tailEnd type="triangle"/>
+          </a:ln>
+        </p:spPr>
+        <p:style>
+          <a:lnRef idx="1">
+            <a:schemeClr val="accent1"/>
+          </a:lnRef>
+          <a:fillRef idx="0">
+            <a:schemeClr val="accent1"/>
+          </a:fillRef>
+          <a:effectRef idx="0">
+            <a:schemeClr val="accent1"/>
+          </a:effectRef>
+          <a:fontRef idx="minor">
+            <a:schemeClr val="tx1"/>
+          </a:fontRef>
+        </p:style>
+      </p:cxnSp>
+      <p:cxnSp>
+        <p:nvCxnSpPr>
+          <p:cNvPr id="11" name="Gerade Verbindung mit Pfeil 10">
+            <a:extLst>
+              <a:ext uri="{FF2B5EF4-FFF2-40B4-BE49-F238E27FC236}">
+                <a16:creationId xmlns:a16="http://schemas.microsoft.com/office/drawing/2014/main" id="{29F049B2-3056-4ACA-BD67-1C7AC57193E9}"/>
+              </a:ext>
+            </a:extLst>
+          </p:cNvPr>
+          <p:cNvCxnSpPr>
+            <a:stCxn id="3" idx="3"/>
+          </p:cNvCxnSpPr>
+          <p:nvPr/>
+        </p:nvCxnSpPr>
+        <p:spPr>
+          <a:xfrm flipV="1">
+            <a:off x="2682970" y="3241466"/>
+            <a:ext cx="767171" cy="225863"/>
+          </a:xfrm>
+          <a:prstGeom prst="straightConnector1">
+            <a:avLst/>
+          </a:prstGeom>
+          <a:ln>
+            <a:solidFill>
+              <a:schemeClr val="tx1"/>
+            </a:solidFill>
+            <a:headEnd type="none" w="med" len="med"/>
+            <a:tailEnd type="triangle"/>
+          </a:ln>
+        </p:spPr>
+        <p:style>
+          <a:lnRef idx="1">
+            <a:schemeClr val="accent1"/>
+          </a:lnRef>
+          <a:fillRef idx="0">
+            <a:schemeClr val="accent1"/>
+          </a:fillRef>
+          <a:effectRef idx="0">
+            <a:schemeClr val="accent1"/>
+          </a:effectRef>
+          <a:fontRef idx="minor">
+            <a:schemeClr val="tx1"/>
+          </a:fontRef>
+        </p:style>
+      </p:cxnSp>
+      <p:cxnSp>
+        <p:nvCxnSpPr>
+          <p:cNvPr id="13" name="Gerade Verbindung mit Pfeil 12">
+            <a:extLst>
+              <a:ext uri="{FF2B5EF4-FFF2-40B4-BE49-F238E27FC236}">
+                <a16:creationId xmlns:a16="http://schemas.microsoft.com/office/drawing/2014/main" id="{395A67A9-143A-489C-901B-6EA13CD2C125}"/>
+              </a:ext>
+            </a:extLst>
+          </p:cNvPr>
+          <p:cNvCxnSpPr>
+            <a:stCxn id="3" idx="3"/>
+          </p:cNvCxnSpPr>
+          <p:nvPr/>
+        </p:nvCxnSpPr>
+        <p:spPr>
+          <a:xfrm>
+            <a:off x="2682970" y="3467329"/>
+            <a:ext cx="767171" cy="195746"/>
+          </a:xfrm>
+          <a:prstGeom prst="straightConnector1">
+            <a:avLst/>
+          </a:prstGeom>
+          <a:ln>
+            <a:solidFill>
+              <a:schemeClr val="tx1"/>
+            </a:solidFill>
+            <a:headEnd type="none" w="med" len="med"/>
+            <a:tailEnd type="triangle"/>
+          </a:ln>
+        </p:spPr>
+        <p:style>
+          <a:lnRef idx="1">
+            <a:schemeClr val="accent1"/>
+          </a:lnRef>
+          <a:fillRef idx="0">
+            <a:schemeClr val="accent1"/>
+          </a:fillRef>
+          <a:effectRef idx="0">
+            <a:schemeClr val="accent1"/>
+          </a:effectRef>
+          <a:fontRef idx="minor">
+            <a:schemeClr val="tx1"/>
+          </a:fontRef>
+        </p:style>
+      </p:cxnSp>
+      <p:cxnSp>
+        <p:nvCxnSpPr>
+          <p:cNvPr id="15" name="Gerade Verbindung mit Pfeil 14">
+            <a:extLst>
+              <a:ext uri="{FF2B5EF4-FFF2-40B4-BE49-F238E27FC236}">
+                <a16:creationId xmlns:a16="http://schemas.microsoft.com/office/drawing/2014/main" id="{6EFD7A71-593A-427A-90DD-2C74D55D99A3}"/>
+              </a:ext>
+            </a:extLst>
+          </p:cNvPr>
+          <p:cNvCxnSpPr>
+            <a:cxnSpLocks/>
+            <a:stCxn id="3" idx="3"/>
+          </p:cNvCxnSpPr>
+          <p:nvPr/>
+        </p:nvCxnSpPr>
+        <p:spPr>
+          <a:xfrm>
+            <a:off x="2682970" y="3467329"/>
+            <a:ext cx="810367" cy="588167"/>
+          </a:xfrm>
+          <a:prstGeom prst="straightConnector1">
+            <a:avLst/>
+          </a:prstGeom>
+          <a:ln>
+            <a:solidFill>
+              <a:schemeClr val="tx1"/>
+            </a:solidFill>
+            <a:headEnd type="none" w="med" len="med"/>
+            <a:tailEnd type="triangle"/>
+          </a:ln>
+        </p:spPr>
+        <p:style>
+          <a:lnRef idx="1">
+            <a:schemeClr val="accent1"/>
+          </a:lnRef>
+          <a:fillRef idx="0">
+            <a:schemeClr val="accent1"/>
+          </a:fillRef>
+          <a:effectRef idx="0">
+            <a:schemeClr val="accent1"/>
+          </a:effectRef>
+          <a:fontRef idx="minor">
+            <a:schemeClr val="tx1"/>
+          </a:fontRef>
+        </p:style>
+      </p:cxnSp>
+      <p:cxnSp>
+        <p:nvCxnSpPr>
+          <p:cNvPr id="18" name="Gerade Verbindung mit Pfeil 17">
+            <a:extLst>
+              <a:ext uri="{FF2B5EF4-FFF2-40B4-BE49-F238E27FC236}">
+                <a16:creationId xmlns:a16="http://schemas.microsoft.com/office/drawing/2014/main" id="{FF0B03AC-28C0-4F01-AE33-DA000F88FFE8}"/>
+              </a:ext>
+            </a:extLst>
+          </p:cNvPr>
+          <p:cNvCxnSpPr>
+            <a:stCxn id="3" idx="3"/>
+          </p:cNvCxnSpPr>
+          <p:nvPr/>
+        </p:nvCxnSpPr>
+        <p:spPr>
+          <a:xfrm>
+            <a:off x="2682970" y="3467329"/>
+            <a:ext cx="767171" cy="896604"/>
+          </a:xfrm>
+          <a:prstGeom prst="straightConnector1">
+            <a:avLst/>
+          </a:prstGeom>
+          <a:ln>
+            <a:solidFill>
+              <a:schemeClr val="tx1"/>
+            </a:solidFill>
+            <a:headEnd type="none" w="med" len="med"/>
+            <a:tailEnd type="triangle"/>
+          </a:ln>
+        </p:spPr>
+        <p:style>
+          <a:lnRef idx="1">
+            <a:schemeClr val="accent1"/>
+          </a:lnRef>
+          <a:fillRef idx="0">
+            <a:schemeClr val="accent1"/>
+          </a:fillRef>
+          <a:effectRef idx="0">
+            <a:schemeClr val="accent1"/>
+          </a:effectRef>
+          <a:fontRef idx="minor">
+            <a:schemeClr val="tx1"/>
+          </a:fontRef>
+        </p:style>
+      </p:cxnSp>
+      <p:cxnSp>
+        <p:nvCxnSpPr>
+          <p:cNvPr id="20" name="Gerade Verbindung mit Pfeil 19">
+            <a:extLst>
+              <a:ext uri="{FF2B5EF4-FFF2-40B4-BE49-F238E27FC236}">
+                <a16:creationId xmlns:a16="http://schemas.microsoft.com/office/drawing/2014/main" id="{588DBD45-E61E-40CB-B8AE-DB43B8CF0737}"/>
+              </a:ext>
+            </a:extLst>
+          </p:cNvPr>
+          <p:cNvCxnSpPr>
+            <a:stCxn id="3" idx="3"/>
+          </p:cNvCxnSpPr>
+          <p:nvPr/>
+        </p:nvCxnSpPr>
+        <p:spPr>
+          <a:xfrm>
+            <a:off x="2682970" y="3467329"/>
+            <a:ext cx="767171" cy="1301787"/>
+          </a:xfrm>
+          <a:prstGeom prst="straightConnector1">
+            <a:avLst/>
+          </a:prstGeom>
+          <a:ln>
+            <a:solidFill>
+              <a:schemeClr val="tx1"/>
+            </a:solidFill>
+            <a:headEnd type="none" w="med" len="med"/>
+            <a:tailEnd type="triangle"/>
+          </a:ln>
+        </p:spPr>
+        <p:style>
+          <a:lnRef idx="1">
+            <a:schemeClr val="accent1"/>
+          </a:lnRef>
+          <a:fillRef idx="0">
+            <a:schemeClr val="accent1"/>
+          </a:fillRef>
+          <a:effectRef idx="0">
+            <a:schemeClr val="accent1"/>
+          </a:effectRef>
+          <a:fontRef idx="minor">
+            <a:schemeClr val="tx1"/>
+          </a:fontRef>
+        </p:style>
+      </p:cxnSp>
+      <p:graphicFrame>
+        <p:nvGraphicFramePr>
+          <p:cNvPr id="21" name="Tabelle 4">
+            <a:extLst>
+              <a:ext uri="{FF2B5EF4-FFF2-40B4-BE49-F238E27FC236}">
+                <a16:creationId xmlns:a16="http://schemas.microsoft.com/office/drawing/2014/main" id="{5DD35C1D-5A52-4E48-BA7E-7E8873F8BC53}"/>
+              </a:ext>
+            </a:extLst>
+          </p:cNvPr>
+          <p:cNvGraphicFramePr>
+            <a:graphicFrameLocks noGrp="1"/>
+          </p:cNvGraphicFramePr>
+          <p:nvPr>
+            <p:extLst>
+              <p:ext uri="{D42A27DB-BD31-4B8C-83A1-F6EECF244321}">
+                <p14:modId xmlns:p14="http://schemas.microsoft.com/office/powerpoint/2010/main" val="1029099533"/>
+              </p:ext>
+            </p:extLst>
+          </p:nvPr>
+        </p:nvGraphicFramePr>
+        <p:xfrm>
+          <a:off x="8903081" y="1925064"/>
+          <a:ext cx="2490416" cy="2966720"/>
+        </p:xfrm>
+        <a:graphic>
+          <a:graphicData uri="http://schemas.openxmlformats.org/drawingml/2006/table">
+            <a:tbl>
+              <a:tblPr firstRow="1" bandRow="1">
+                <a:tableStyleId>{5C22544A-7EE6-4342-B048-85BDC9FD1C3A}</a:tableStyleId>
+              </a:tblPr>
+              <a:tblGrid>
+                <a:gridCol w="2490416">
+                  <a:extLst>
+                    <a:ext uri="{9D8B030D-6E8A-4147-A177-3AD203B41FA5}">
+                      <a16:colId xmlns:a16="http://schemas.microsoft.com/office/drawing/2014/main" val="3101105368"/>
+                    </a:ext>
+                  </a:extLst>
+                </a:gridCol>
+              </a:tblGrid>
+              <a:tr h="370840">
+                <a:tc>
+                  <a:txBody>
+                    <a:bodyPr/>
+                    <a:lstStyle/>
+                    <a:p>
+                      <a:r>
+                        <a:rPr lang="de-DE" sz="1600" dirty="0" err="1"/>
+                        <a:t>dbo.FondsCalculation</a:t>
+                      </a:r>
+                      <a:endParaRPr lang="de-DE" sz="1600" dirty="0"/>
+                    </a:p>
+                  </a:txBody>
+                  <a:tcPr/>
+                </a:tc>
+                <a:extLst>
+                  <a:ext uri="{0D108BD9-81ED-4DB2-BD59-A6C34878D82A}">
+                    <a16:rowId xmlns:a16="http://schemas.microsoft.com/office/drawing/2014/main" val="2440980348"/>
+                  </a:ext>
+                </a:extLst>
+              </a:tr>
+              <a:tr h="370840">
+                <a:tc>
+                  <a:txBody>
+                    <a:bodyPr/>
+                    <a:lstStyle/>
+                    <a:p>
+                      <a:r>
+                        <a:rPr lang="de-DE" sz="1600" dirty="0"/>
+                        <a:t>Partition_001</a:t>
+                      </a:r>
+                    </a:p>
+                  </a:txBody>
+                  <a:tcPr/>
+                </a:tc>
+                <a:extLst>
+                  <a:ext uri="{0D108BD9-81ED-4DB2-BD59-A6C34878D82A}">
+                    <a16:rowId xmlns:a16="http://schemas.microsoft.com/office/drawing/2014/main" val="3461970650"/>
+                  </a:ext>
+                </a:extLst>
+              </a:tr>
+              <a:tr h="370840">
+                <a:tc>
+                  <a:txBody>
+                    <a:bodyPr/>
+                    <a:lstStyle/>
+                    <a:p>
+                      <a:r>
+                        <a:rPr lang="de-DE" sz="1600" dirty="0"/>
+                        <a:t>Partition_002</a:t>
+                      </a:r>
+                    </a:p>
+                  </a:txBody>
+                  <a:tcPr/>
+                </a:tc>
+                <a:extLst>
+                  <a:ext uri="{0D108BD9-81ED-4DB2-BD59-A6C34878D82A}">
+                    <a16:rowId xmlns:a16="http://schemas.microsoft.com/office/drawing/2014/main" val="1678354770"/>
+                  </a:ext>
+                </a:extLst>
+              </a:tr>
+              <a:tr h="370840">
+                <a:tc>
+                  <a:txBody>
+                    <a:bodyPr/>
+                    <a:lstStyle/>
+                    <a:p>
+                      <a:r>
+                        <a:rPr lang="de-DE" sz="1600" dirty="0"/>
+                        <a:t>Partition_003</a:t>
+                      </a:r>
+                    </a:p>
+                  </a:txBody>
+                  <a:tcPr/>
+                </a:tc>
+                <a:extLst>
+                  <a:ext uri="{0D108BD9-81ED-4DB2-BD59-A6C34878D82A}">
+                    <a16:rowId xmlns:a16="http://schemas.microsoft.com/office/drawing/2014/main" val="3171268748"/>
+                  </a:ext>
+                </a:extLst>
+              </a:tr>
+              <a:tr h="370840">
+                <a:tc>
+                  <a:txBody>
+                    <a:bodyPr/>
+                    <a:lstStyle/>
+                    <a:p>
+                      <a:r>
+                        <a:rPr lang="de-DE" sz="1600" dirty="0"/>
+                        <a:t>…</a:t>
+                      </a:r>
+                    </a:p>
+                  </a:txBody>
+                  <a:tcPr/>
+                </a:tc>
+                <a:extLst>
+                  <a:ext uri="{0D108BD9-81ED-4DB2-BD59-A6C34878D82A}">
+                    <a16:rowId xmlns:a16="http://schemas.microsoft.com/office/drawing/2014/main" val="4141943300"/>
+                  </a:ext>
+                </a:extLst>
+              </a:tr>
+              <a:tr h="370840">
+                <a:tc>
+                  <a:txBody>
+                    <a:bodyPr/>
+                    <a:lstStyle/>
+                    <a:p>
+                      <a:r>
+                        <a:rPr lang="de-DE" sz="1600" dirty="0"/>
+                        <a:t>…</a:t>
+                      </a:r>
+                    </a:p>
+                  </a:txBody>
+                  <a:tcPr/>
+                </a:tc>
+                <a:extLst>
+                  <a:ext uri="{0D108BD9-81ED-4DB2-BD59-A6C34878D82A}">
+                    <a16:rowId xmlns:a16="http://schemas.microsoft.com/office/drawing/2014/main" val="3705917148"/>
+                  </a:ext>
+                </a:extLst>
+              </a:tr>
+              <a:tr h="370840">
+                <a:tc>
+                  <a:txBody>
+                    <a:bodyPr/>
+                    <a:lstStyle/>
+                    <a:p>
+                      <a:r>
+                        <a:rPr lang="de-DE" sz="1600" dirty="0"/>
+                        <a:t>…</a:t>
+                      </a:r>
+                    </a:p>
+                  </a:txBody>
+                  <a:tcPr/>
+                </a:tc>
+                <a:extLst>
+                  <a:ext uri="{0D108BD9-81ED-4DB2-BD59-A6C34878D82A}">
+                    <a16:rowId xmlns:a16="http://schemas.microsoft.com/office/drawing/2014/main" val="757817686"/>
+                  </a:ext>
+                </a:extLst>
+              </a:tr>
+              <a:tr h="370840">
+                <a:tc>
+                  <a:txBody>
+                    <a:bodyPr/>
+                    <a:lstStyle/>
+                    <a:p>
+                      <a:r>
+                        <a:rPr lang="de-DE" sz="1600" dirty="0"/>
+                        <a:t>Partition_150</a:t>
+                      </a:r>
+                    </a:p>
+                  </a:txBody>
+                  <a:tcPr/>
+                </a:tc>
+                <a:extLst>
+                  <a:ext uri="{0D108BD9-81ED-4DB2-BD59-A6C34878D82A}">
+                    <a16:rowId xmlns:a16="http://schemas.microsoft.com/office/drawing/2014/main" val="3075521418"/>
+                  </a:ext>
+                </a:extLst>
+              </a:tr>
+            </a:tbl>
+          </a:graphicData>
+        </a:graphic>
+      </p:graphicFrame>
+      <p:sp>
+        <p:nvSpPr>
+          <p:cNvPr id="22" name="Textfeld 21">
+            <a:extLst>
+              <a:ext uri="{FF2B5EF4-FFF2-40B4-BE49-F238E27FC236}">
+                <a16:creationId xmlns:a16="http://schemas.microsoft.com/office/drawing/2014/main" id="{7EFEBC06-2E78-4885-A1E9-8F71FD1BDB95}"/>
+              </a:ext>
+            </a:extLst>
+          </p:cNvPr>
+          <p:cNvSpPr txBox="1"/>
+          <p:nvPr/>
+        </p:nvSpPr>
+        <p:spPr>
+          <a:xfrm>
+            <a:off x="6096000" y="2737725"/>
+            <a:ext cx="2490416" cy="1169551"/>
+          </a:xfrm>
+          <a:prstGeom prst="rect">
+            <a:avLst/>
+          </a:prstGeom>
+          <a:solidFill>
+            <a:schemeClr val="bg1"/>
+          </a:solidFill>
+          <a:ln>
+            <a:solidFill>
+              <a:schemeClr val="tx1"/>
+            </a:solidFill>
+          </a:ln>
+          <a:effectLst>
+            <a:outerShdw blurRad="50800" dist="38100" dir="2700000" algn="tl" rotWithShape="0">
+              <a:prstClr val="black">
+                <a:alpha val="40000"/>
+              </a:prstClr>
+            </a:outerShdw>
+          </a:effectLst>
+        </p:spPr>
+        <p:txBody>
+          <a:bodyPr wrap="square" rtlCol="0">
+            <a:spAutoFit/>
+          </a:bodyPr>
+          <a:lstStyle/>
+          <a:p>
+            <a:r>
+              <a:rPr lang="de-DE" sz="1400" b="1" dirty="0">
+                <a:solidFill>
+                  <a:schemeClr val="accent5">
+                    <a:lumMod val="75000"/>
+                  </a:schemeClr>
+                </a:solidFill>
+                <a:latin typeface="Lucida Console" panose="020B0609040504020204" pitchFamily="49" charset="0"/>
+              </a:rPr>
+              <a:t>ALTER TABLE </a:t>
+            </a:r>
+            <a:r>
+              <a:rPr lang="de-DE" sz="1400" b="1" dirty="0">
+                <a:latin typeface="Lucida Console" panose="020B0609040504020204" pitchFamily="49" charset="0"/>
+              </a:rPr>
+              <a:t>[source]</a:t>
+            </a:r>
+          </a:p>
+          <a:p>
+            <a:r>
+              <a:rPr lang="de-DE" sz="1400" b="1" dirty="0">
+                <a:latin typeface="Lucida Console" panose="020B0609040504020204" pitchFamily="49" charset="0"/>
+              </a:rPr>
+              <a:t>SWITCH PARTITION #</a:t>
+            </a:r>
+          </a:p>
+          <a:p>
+            <a:r>
+              <a:rPr lang="de-DE" sz="1400" b="1" dirty="0">
+                <a:solidFill>
+                  <a:schemeClr val="accent5">
+                    <a:lumMod val="75000"/>
+                  </a:schemeClr>
+                </a:solidFill>
+                <a:latin typeface="Lucida Console" panose="020B0609040504020204" pitchFamily="49" charset="0"/>
+              </a:rPr>
+              <a:t>TO</a:t>
+            </a:r>
+            <a:r>
+              <a:rPr lang="de-DE" sz="1400" b="1" dirty="0">
+                <a:latin typeface="Lucida Console" panose="020B0609040504020204" pitchFamily="49" charset="0"/>
+              </a:rPr>
+              <a:t> </a:t>
+            </a:r>
+            <a:r>
+              <a:rPr lang="de-DE" sz="1400" b="1" dirty="0" err="1">
+                <a:latin typeface="Lucida Console" panose="020B0609040504020204" pitchFamily="49" charset="0"/>
+              </a:rPr>
+              <a:t>dbo.FondsCalculation</a:t>
+            </a:r>
+            <a:r>
+              <a:rPr lang="de-DE" sz="1400" b="1" dirty="0">
+                <a:latin typeface="Lucida Console" panose="020B0609040504020204" pitchFamily="49" charset="0"/>
+              </a:rPr>
+              <a:t> PARTITION #;</a:t>
+            </a:r>
+          </a:p>
+        </p:txBody>
+      </p:sp>
+      <p:cxnSp>
+        <p:nvCxnSpPr>
+          <p:cNvPr id="24" name="Gerade Verbindung mit Pfeil 23">
+            <a:extLst>
+              <a:ext uri="{FF2B5EF4-FFF2-40B4-BE49-F238E27FC236}">
+                <a16:creationId xmlns:a16="http://schemas.microsoft.com/office/drawing/2014/main" id="{858CCB8F-7493-4CDC-BEB2-861B82894042}"/>
+              </a:ext>
+            </a:extLst>
+          </p:cNvPr>
+          <p:cNvCxnSpPr>
+            <a:endCxn id="22" idx="1"/>
+          </p:cNvCxnSpPr>
+          <p:nvPr/>
+        </p:nvCxnSpPr>
+        <p:spPr>
+          <a:xfrm>
+            <a:off x="5546629" y="2447526"/>
+            <a:ext cx="549371" cy="874975"/>
+          </a:xfrm>
+          <a:prstGeom prst="straightConnector1">
+            <a:avLst/>
+          </a:prstGeom>
+          <a:ln>
+            <a:solidFill>
+              <a:schemeClr val="tx1"/>
+            </a:solidFill>
+            <a:headEnd type="none" w="med" len="med"/>
+            <a:tailEnd type="triangle"/>
+          </a:ln>
+        </p:spPr>
+        <p:style>
+          <a:lnRef idx="1">
+            <a:schemeClr val="accent1"/>
+          </a:lnRef>
+          <a:fillRef idx="0">
+            <a:schemeClr val="accent1"/>
+          </a:fillRef>
+          <a:effectRef idx="0">
+            <a:schemeClr val="accent1"/>
+          </a:effectRef>
+          <a:fontRef idx="minor">
+            <a:schemeClr val="tx1"/>
+          </a:fontRef>
+        </p:style>
+      </p:cxnSp>
+      <p:cxnSp>
+        <p:nvCxnSpPr>
+          <p:cNvPr id="26" name="Gerade Verbindung mit Pfeil 25">
+            <a:extLst>
+              <a:ext uri="{FF2B5EF4-FFF2-40B4-BE49-F238E27FC236}">
+                <a16:creationId xmlns:a16="http://schemas.microsoft.com/office/drawing/2014/main" id="{C8C082E4-0078-498C-80C3-6874BCF9E842}"/>
+              </a:ext>
+            </a:extLst>
+          </p:cNvPr>
+          <p:cNvCxnSpPr>
+            <a:endCxn id="22" idx="1"/>
+          </p:cNvCxnSpPr>
+          <p:nvPr/>
+        </p:nvCxnSpPr>
+        <p:spPr>
+          <a:xfrm>
+            <a:off x="5546629" y="2858184"/>
+            <a:ext cx="549371" cy="464317"/>
+          </a:xfrm>
+          <a:prstGeom prst="straightConnector1">
+            <a:avLst/>
+          </a:prstGeom>
+          <a:ln>
+            <a:solidFill>
+              <a:schemeClr val="tx1"/>
+            </a:solidFill>
+            <a:headEnd type="none" w="med" len="med"/>
+            <a:tailEnd type="triangle"/>
+          </a:ln>
+        </p:spPr>
+        <p:style>
+          <a:lnRef idx="1">
+            <a:schemeClr val="accent1"/>
+          </a:lnRef>
+          <a:fillRef idx="0">
+            <a:schemeClr val="accent1"/>
+          </a:fillRef>
+          <a:effectRef idx="0">
+            <a:schemeClr val="accent1"/>
+          </a:effectRef>
+          <a:fontRef idx="minor">
+            <a:schemeClr val="tx1"/>
+          </a:fontRef>
+        </p:style>
+      </p:cxnSp>
+      <p:cxnSp>
+        <p:nvCxnSpPr>
+          <p:cNvPr id="28" name="Gerade Verbindung mit Pfeil 27">
+            <a:extLst>
+              <a:ext uri="{FF2B5EF4-FFF2-40B4-BE49-F238E27FC236}">
+                <a16:creationId xmlns:a16="http://schemas.microsoft.com/office/drawing/2014/main" id="{12E8995F-1884-4414-9620-5672CEECB4A5}"/>
+              </a:ext>
+            </a:extLst>
+          </p:cNvPr>
+          <p:cNvCxnSpPr>
+            <a:endCxn id="22" idx="1"/>
+          </p:cNvCxnSpPr>
+          <p:nvPr/>
+        </p:nvCxnSpPr>
+        <p:spPr>
+          <a:xfrm>
+            <a:off x="5546629" y="3241466"/>
+            <a:ext cx="549371" cy="81035"/>
+          </a:xfrm>
+          <a:prstGeom prst="straightConnector1">
+            <a:avLst/>
+          </a:prstGeom>
+          <a:ln>
+            <a:solidFill>
+              <a:schemeClr val="tx1"/>
+            </a:solidFill>
+            <a:headEnd type="none" w="med" len="med"/>
+            <a:tailEnd type="triangle"/>
+          </a:ln>
+        </p:spPr>
+        <p:style>
+          <a:lnRef idx="1">
+            <a:schemeClr val="accent1"/>
+          </a:lnRef>
+          <a:fillRef idx="0">
+            <a:schemeClr val="accent1"/>
+          </a:fillRef>
+          <a:effectRef idx="0">
+            <a:schemeClr val="accent1"/>
+          </a:effectRef>
+          <a:fontRef idx="minor">
+            <a:schemeClr val="tx1"/>
+          </a:fontRef>
+        </p:style>
+      </p:cxnSp>
+      <p:cxnSp>
+        <p:nvCxnSpPr>
+          <p:cNvPr id="30" name="Gerade Verbindung mit Pfeil 29">
+            <a:extLst>
+              <a:ext uri="{FF2B5EF4-FFF2-40B4-BE49-F238E27FC236}">
+                <a16:creationId xmlns:a16="http://schemas.microsoft.com/office/drawing/2014/main" id="{6BB1BA36-B385-43D2-9E55-D61524377E13}"/>
+              </a:ext>
+            </a:extLst>
+          </p:cNvPr>
+          <p:cNvCxnSpPr>
+            <a:endCxn id="22" idx="1"/>
+          </p:cNvCxnSpPr>
+          <p:nvPr/>
+        </p:nvCxnSpPr>
+        <p:spPr>
+          <a:xfrm flipV="1">
+            <a:off x="5546629" y="3322501"/>
+            <a:ext cx="549371" cy="290199"/>
+          </a:xfrm>
+          <a:prstGeom prst="straightConnector1">
+            <a:avLst/>
+          </a:prstGeom>
+          <a:ln>
+            <a:solidFill>
+              <a:schemeClr val="tx1"/>
+            </a:solidFill>
+            <a:headEnd type="none" w="med" len="med"/>
+            <a:tailEnd type="triangle"/>
+          </a:ln>
+        </p:spPr>
+        <p:style>
+          <a:lnRef idx="1">
+            <a:schemeClr val="accent1"/>
+          </a:lnRef>
+          <a:fillRef idx="0">
+            <a:schemeClr val="accent1"/>
+          </a:fillRef>
+          <a:effectRef idx="0">
+            <a:schemeClr val="accent1"/>
+          </a:effectRef>
+          <a:fontRef idx="minor">
+            <a:schemeClr val="tx1"/>
+          </a:fontRef>
+        </p:style>
+      </p:cxnSp>
+      <p:cxnSp>
+        <p:nvCxnSpPr>
+          <p:cNvPr id="32" name="Gerade Verbindung mit Pfeil 31">
+            <a:extLst>
+              <a:ext uri="{FF2B5EF4-FFF2-40B4-BE49-F238E27FC236}">
+                <a16:creationId xmlns:a16="http://schemas.microsoft.com/office/drawing/2014/main" id="{6E009ADA-B22E-4B4C-9465-55F5CB173796}"/>
+              </a:ext>
+            </a:extLst>
+          </p:cNvPr>
+          <p:cNvCxnSpPr>
+            <a:endCxn id="22" idx="1"/>
+          </p:cNvCxnSpPr>
+          <p:nvPr/>
+        </p:nvCxnSpPr>
+        <p:spPr>
+          <a:xfrm flipV="1">
+            <a:off x="5503433" y="3322501"/>
+            <a:ext cx="592567" cy="657925"/>
+          </a:xfrm>
+          <a:prstGeom prst="straightConnector1">
+            <a:avLst/>
+          </a:prstGeom>
+          <a:ln>
+            <a:solidFill>
+              <a:schemeClr val="tx1"/>
+            </a:solidFill>
+            <a:headEnd type="none" w="med" len="med"/>
+            <a:tailEnd type="triangle"/>
+          </a:ln>
+        </p:spPr>
+        <p:style>
+          <a:lnRef idx="1">
+            <a:schemeClr val="accent1"/>
+          </a:lnRef>
+          <a:fillRef idx="0">
+            <a:schemeClr val="accent1"/>
+          </a:fillRef>
+          <a:effectRef idx="0">
+            <a:schemeClr val="accent1"/>
+          </a:effectRef>
+          <a:fontRef idx="minor">
+            <a:schemeClr val="tx1"/>
+          </a:fontRef>
+        </p:style>
+      </p:cxnSp>
+      <p:cxnSp>
+        <p:nvCxnSpPr>
+          <p:cNvPr id="34" name="Gerade Verbindung mit Pfeil 33">
+            <a:extLst>
+              <a:ext uri="{FF2B5EF4-FFF2-40B4-BE49-F238E27FC236}">
+                <a16:creationId xmlns:a16="http://schemas.microsoft.com/office/drawing/2014/main" id="{7F333164-3672-49EF-9CAC-328D5DCB9B7B}"/>
+              </a:ext>
+            </a:extLst>
+          </p:cNvPr>
+          <p:cNvCxnSpPr>
+            <a:endCxn id="22" idx="1"/>
+          </p:cNvCxnSpPr>
+          <p:nvPr/>
+        </p:nvCxnSpPr>
+        <p:spPr>
+          <a:xfrm flipV="1">
+            <a:off x="5546629" y="3322501"/>
+            <a:ext cx="549371" cy="995433"/>
+          </a:xfrm>
+          <a:prstGeom prst="straightConnector1">
+            <a:avLst/>
+          </a:prstGeom>
+          <a:ln>
+            <a:solidFill>
+              <a:schemeClr val="tx1"/>
+            </a:solidFill>
+            <a:headEnd type="none" w="med" len="med"/>
+            <a:tailEnd type="triangle"/>
+          </a:ln>
+        </p:spPr>
+        <p:style>
+          <a:lnRef idx="1">
+            <a:schemeClr val="accent1"/>
+          </a:lnRef>
+          <a:fillRef idx="0">
+            <a:schemeClr val="accent1"/>
+          </a:fillRef>
+          <a:effectRef idx="0">
+            <a:schemeClr val="accent1"/>
+          </a:effectRef>
+          <a:fontRef idx="minor">
+            <a:schemeClr val="tx1"/>
+          </a:fontRef>
+        </p:style>
+      </p:cxnSp>
+      <p:cxnSp>
+        <p:nvCxnSpPr>
+          <p:cNvPr id="36" name="Gerade Verbindung mit Pfeil 35">
+            <a:extLst>
+              <a:ext uri="{FF2B5EF4-FFF2-40B4-BE49-F238E27FC236}">
+                <a16:creationId xmlns:a16="http://schemas.microsoft.com/office/drawing/2014/main" id="{5E0B3A19-0619-43A1-8C59-3FC9A0651DFA}"/>
+              </a:ext>
+            </a:extLst>
+          </p:cNvPr>
+          <p:cNvCxnSpPr>
+            <a:endCxn id="22" idx="1"/>
+          </p:cNvCxnSpPr>
+          <p:nvPr/>
+        </p:nvCxnSpPr>
+        <p:spPr>
+          <a:xfrm flipV="1">
+            <a:off x="5503433" y="3322501"/>
+            <a:ext cx="592567" cy="1402812"/>
+          </a:xfrm>
+          <a:prstGeom prst="straightConnector1">
+            <a:avLst/>
+          </a:prstGeom>
+          <a:ln>
+            <a:solidFill>
+              <a:schemeClr val="tx1"/>
+            </a:solidFill>
+            <a:headEnd type="none" w="med" len="med"/>
+            <a:tailEnd type="triangle"/>
+          </a:ln>
+        </p:spPr>
+        <p:style>
+          <a:lnRef idx="1">
+            <a:schemeClr val="accent1"/>
+          </a:lnRef>
+          <a:fillRef idx="0">
+            <a:schemeClr val="accent1"/>
+          </a:fillRef>
+          <a:effectRef idx="0">
+            <a:schemeClr val="accent1"/>
+          </a:effectRef>
+          <a:fontRef idx="minor">
+            <a:schemeClr val="tx1"/>
+          </a:fontRef>
+        </p:style>
+      </p:cxnSp>
+      <p:sp>
+        <p:nvSpPr>
+          <p:cNvPr id="37" name="Pfeil: nach rechts 36">
+            <a:extLst>
+              <a:ext uri="{FF2B5EF4-FFF2-40B4-BE49-F238E27FC236}">
+                <a16:creationId xmlns:a16="http://schemas.microsoft.com/office/drawing/2014/main" id="{379519FD-BDD4-4D3E-A830-A88DC62FB38A}"/>
+              </a:ext>
+            </a:extLst>
+          </p:cNvPr>
+          <p:cNvSpPr/>
+          <p:nvPr/>
+        </p:nvSpPr>
+        <p:spPr>
+          <a:xfrm>
+            <a:off x="8586416" y="2858184"/>
+            <a:ext cx="316665" cy="1049092"/>
+          </a:xfrm>
+          <a:prstGeom prst="rightArrow">
+            <a:avLst/>
+          </a:prstGeom>
+        </p:spPr>
+        <p:style>
+          <a:lnRef idx="2">
+            <a:schemeClr val="accent1">
+              <a:shade val="50000"/>
+            </a:schemeClr>
+          </a:lnRef>
+          <a:fillRef idx="1">
+            <a:schemeClr val="accent1"/>
+          </a:fillRef>
+          <a:effectRef idx="0">
+            <a:schemeClr val="accent1"/>
+          </a:effectRef>
+          <a:fontRef idx="minor">
+            <a:schemeClr val="lt1"/>
+          </a:fontRef>
+        </p:style>
+        <p:txBody>
+          <a:bodyPr rtlCol="0" anchor="ctr"/>
+          <a:lstStyle/>
+          <a:p>
+            <a:pPr algn="ctr"/>
+            <a:endParaRPr lang="de-DE"/>
+          </a:p>
+        </p:txBody>
+      </p:sp>
+    </p:spTree>
+    <p:extLst>
+      <p:ext uri="{BB962C8B-B14F-4D97-AF65-F5344CB8AC3E}">
+        <p14:creationId xmlns:p14="http://schemas.microsoft.com/office/powerpoint/2010/main" val="4102113717"/>
+      </p:ext>
+    </p:extLst>
+  </p:cSld>
+  <p:clrMapOvr>
+    <a:masterClrMapping/>
+  </p:clrMapOvr>
 </p:sld>
 </file>
 
@@ -19358,7 +19309,70 @@
                   </a:schemeClr>
                 </a:solidFill>
               </a:rPr>
-              <a:t>Data Warehouse #1</a:t>
+              <a:t>Query Performance Problems</a:t>
+            </a:r>
+          </a:p>
+          <a:p>
+            <a:pPr lvl="1"/>
+            <a:r>
+              <a:rPr lang="en-US" sz="1800" dirty="0">
+                <a:solidFill>
+                  <a:schemeClr val="bg1">
+                    <a:lumMod val="75000"/>
+                  </a:schemeClr>
+                </a:solidFill>
+              </a:rPr>
+              <a:t>This customer has a big Data Warehouse which gets updated 24/7 all 5 – 10 minutes.</a:t>
+            </a:r>
+            <a:br>
+              <a:rPr lang="en-US" sz="1800" dirty="0">
+                <a:solidFill>
+                  <a:schemeClr val="bg1">
+                    <a:lumMod val="75000"/>
+                  </a:schemeClr>
+                </a:solidFill>
+              </a:rPr>
+            </a:br>
+            <a:r>
+              <a:rPr lang="en-US" sz="1800" dirty="0">
+                <a:solidFill>
+                  <a:schemeClr val="bg1">
+                    <a:lumMod val="75000"/>
+                  </a:schemeClr>
+                </a:solidFill>
+              </a:rPr>
+              <a:t>Before they can import the data they must find the last record in a partitioned table.</a:t>
+            </a:r>
+            <a:br>
+              <a:rPr lang="en-US" sz="1800" dirty="0">
+                <a:solidFill>
+                  <a:schemeClr val="bg1">
+                    <a:lumMod val="75000"/>
+                  </a:schemeClr>
+                </a:solidFill>
+              </a:rPr>
+            </a:br>
+            <a:r>
+              <a:rPr lang="en-US" sz="1800" dirty="0">
+                <a:solidFill>
+                  <a:schemeClr val="bg1">
+                    <a:lumMod val="75000"/>
+                  </a:schemeClr>
+                </a:solidFill>
+              </a:rPr>
+              <a:t>The evaluation of the MAX() value takes between 30 – 45 seconds although there is an index on that attribute</a:t>
+            </a:r>
+          </a:p>
+          <a:p>
+            <a:r>
+              <a:rPr lang="en-GB" sz="1800" b="1" dirty="0">
+                <a:solidFill>
+                  <a:schemeClr val="bg1">
+                    <a:lumMod val="75000"/>
+                  </a:schemeClr>
+                </a:solidFill>
+              </a:rPr>
+              <a:t>Data Warehouse</a:t>
             </a:r>
           </a:p>
           <a:p>
@@ -19383,7 +19397,7 @@
                   </a:schemeClr>
                 </a:solidFill>
               </a:rPr>
-              <a:t>Data Warehouse #2</a:t>
+              <a:t>Management of big databases</a:t>
             </a:r>
           </a:p>
           <a:p>
@@ -19396,52 +19410,7 @@
                   </a:schemeClr>
                 </a:solidFill>
               </a:rPr>
-              <a:t>The customer is a bank that recalculates the valuation of its funds every night. During the calculation, the reports for </a:t>
-            </a:r>
-            <a:r>
-              <a:rPr lang="en-US" sz="1800" dirty="0" err="1">
-                <a:solidFill>
-                  <a:schemeClr val="bg1">
-                    <a:lumMod val="75000"/>
-                  </a:schemeClr>
-                </a:solidFill>
-              </a:rPr>
-              <a:t>BaFIN</a:t>
-            </a:r>
-            <a:r>
-              <a:rPr lang="en-US" sz="1800" dirty="0">
-                <a:solidFill>
-                  <a:schemeClr val="bg1">
-                    <a:lumMod val="75000"/>
-                  </a:schemeClr>
-                </a:solidFill>
-              </a:rPr>
-              <a:t> are already created for processed funds.</a:t>
-            </a:r>
-          </a:p>
-          <a:p>
-            <a:r>
-              <a:rPr lang="en-US" sz="1800" b="1" dirty="0">
-                <a:solidFill>
-                  <a:schemeClr val="bg1">
-                    <a:lumMod val="75000"/>
-                  </a:schemeClr>
-                </a:solidFill>
-              </a:rPr>
-              <a:t>Management of big databases</a:t>
-            </a:r>
-          </a:p>
-          <a:p>
-            <a:pPr lvl="1"/>
-            <a:r>
-              <a:rPr lang="en-US" sz="1800" dirty="0">
-                <a:solidFill>
-                  <a:schemeClr val="bg1">
-                    <a:lumMod val="75000"/>
-                  </a:schemeClr>
-                </a:solidFill>
-              </a:rPr>
-              <a:t>A large company's administrator must re-create indexes and statistics from a 4TB database every night. The time window is limited, and a way must be found to limit maintenance to the time window.</a:t>
+              <a:t>A large company's administrator must re-create indexes and statistics from a 45 TB database every night. The time window is limited, and a way must be found to limit maintenance to the time window.</a:t>
             </a:r>
           </a:p>
           <a:p>
@@ -20895,20 +20864,6 @@
               <a:rPr lang="de-DE" dirty="0"/>
               <a:t> System</a:t>
             </a:r>
-          </a:p>
-          <a:p>
-            <a:endParaRPr lang="de-DE" dirty="0"/>
-          </a:p>
-          <a:p>
-            <a:r>
-              <a:rPr lang="en-US" dirty="0"/>
-              <a:t>0010 - speed up your high transactional </a:t>
-            </a:r>
-            <a:r>
-              <a:rPr lang="en-US" dirty="0" err="1"/>
-              <a:t>workload.sql</a:t>
-            </a:r>
-            <a:endParaRPr lang="de-DE" dirty="0"/>
           </a:p>
         </p:txBody>
       </p:sp>

--- a/01 - Documents and Preparation/SQL Server Partitioning - Speed up your workload.pptx
+++ b/01 - Documents and Preparation/SQL Server Partitioning - Speed up your workload.pptx
@@ -5,7 +5,7 @@
     <p:sldMasterId id="2147483670" r:id="rId1"/>
   </p:sldMasterIdLst>
   <p:notesMasterIdLst>
-    <p:notesMasterId r:id="rId26"/>
+    <p:notesMasterId r:id="rId33"/>
   </p:notesMasterIdLst>
   <p:sldIdLst>
     <p:sldId id="288" r:id="rId2"/>
@@ -16,22 +16,29 @@
     <p:sldId id="295" r:id="rId7"/>
     <p:sldId id="291" r:id="rId8"/>
     <p:sldId id="292" r:id="rId9"/>
-    <p:sldId id="316" r:id="rId10"/>
+    <p:sldId id="404" r:id="rId10"/>
     <p:sldId id="293" r:id="rId11"/>
     <p:sldId id="297" r:id="rId12"/>
-    <p:sldId id="423" r:id="rId13"/>
-    <p:sldId id="298" r:id="rId14"/>
-    <p:sldId id="319" r:id="rId15"/>
-    <p:sldId id="320" r:id="rId16"/>
-    <p:sldId id="424" r:id="rId17"/>
-    <p:sldId id="275" r:id="rId18"/>
-    <p:sldId id="318" r:id="rId19"/>
-    <p:sldId id="321" r:id="rId20"/>
-    <p:sldId id="322" r:id="rId21"/>
-    <p:sldId id="279" r:id="rId22"/>
-    <p:sldId id="300" r:id="rId23"/>
-    <p:sldId id="302" r:id="rId24"/>
-    <p:sldId id="301" r:id="rId25"/>
+    <p:sldId id="425" r:id="rId13"/>
+    <p:sldId id="426" r:id="rId14"/>
+    <p:sldId id="429" r:id="rId15"/>
+    <p:sldId id="427" r:id="rId16"/>
+    <p:sldId id="428" r:id="rId17"/>
+    <p:sldId id="423" r:id="rId18"/>
+    <p:sldId id="298" r:id="rId19"/>
+    <p:sldId id="319" r:id="rId20"/>
+    <p:sldId id="320" r:id="rId21"/>
+    <p:sldId id="431" r:id="rId22"/>
+    <p:sldId id="424" r:id="rId23"/>
+    <p:sldId id="275" r:id="rId24"/>
+    <p:sldId id="318" r:id="rId25"/>
+    <p:sldId id="430" r:id="rId26"/>
+    <p:sldId id="321" r:id="rId27"/>
+    <p:sldId id="322" r:id="rId28"/>
+    <p:sldId id="279" r:id="rId29"/>
+    <p:sldId id="300" r:id="rId30"/>
+    <p:sldId id="302" r:id="rId31"/>
+    <p:sldId id="301" r:id="rId32"/>
   </p:sldIdLst>
   <p:sldSz cx="12192000" cy="6858000"/>
   <p:notesSz cx="6858000" cy="9144000"/>
@@ -152,7 +159,7 @@
 <file path=ppt/revisionInfo.xml><?xml version="1.0" encoding="utf-8"?>
 <p1510:revInfo xmlns:a="http://schemas.openxmlformats.org/drawingml/2006/main" xmlns:r="http://schemas.openxmlformats.org/officeDocument/2006/relationships" xmlns:p1510="http://schemas.microsoft.com/office/powerpoint/2015/10/main">
   <p1510:revLst>
-    <p1510:client id="{74475734-945A-49AD-B9EB-A32FE40F19AC}" v="5" dt="2025-06-13T14:09:51.455"/>
+    <p1510:client id="{74475734-945A-49AD-B9EB-A32FE40F19AC}" v="25" dt="2025-06-14T05:58:04.648"/>
   </p1510:revLst>
 </p1510:revInfo>
 </file>
@@ -515,22 +522,6 @@
           <pc:docMk/>
           <pc:sldMk cId="3933073069" sldId="303"/>
         </pc:sldMkLst>
-        <pc:spChg chg="mod">
-          <ac:chgData name="Uwe Ricken" userId="f02567aecbed924b" providerId="LiveId" clId="{61FF736A-E597-4C7E-A370-47BD3487B59B}" dt="2025-06-11T07:09:37.314" v="0"/>
-          <ac:spMkLst>
-            <pc:docMk/>
-            <pc:sldMk cId="3933073069" sldId="303"/>
-            <ac:spMk id="5" creationId="{AE6FF182-963C-4697-9518-6914B4D16647}"/>
-          </ac:spMkLst>
-        </pc:spChg>
-        <pc:spChg chg="mod">
-          <ac:chgData name="Uwe Ricken" userId="f02567aecbed924b" providerId="LiveId" clId="{61FF736A-E597-4C7E-A370-47BD3487B59B}" dt="2025-06-11T07:09:37.314" v="0"/>
-          <ac:spMkLst>
-            <pc:docMk/>
-            <pc:sldMk cId="3933073069" sldId="303"/>
-            <ac:spMk id="6" creationId="{12E917D0-2EFD-482A-8926-69A27F0DF25C}"/>
-          </ac:spMkLst>
-        </pc:spChg>
       </pc:sldChg>
       <pc:sldChg chg="add">
         <pc:chgData name="Uwe Ricken" userId="f02567aecbed924b" providerId="LiveId" clId="{61FF736A-E597-4C7E-A370-47BD3487B59B}" dt="2025-06-11T07:11:17.779" v="5"/>
@@ -545,22 +536,6 @@
           <pc:docMk/>
           <pc:sldMk cId="1338912541" sldId="316"/>
         </pc:sldMkLst>
-        <pc:spChg chg="mod">
-          <ac:chgData name="Uwe Ricken" userId="f02567aecbed924b" providerId="LiveId" clId="{61FF736A-E597-4C7E-A370-47BD3487B59B}" dt="2025-06-11T07:09:37.314" v="0"/>
-          <ac:spMkLst>
-            <pc:docMk/>
-            <pc:sldMk cId="1338912541" sldId="316"/>
-            <ac:spMk id="4" creationId="{00000000-0000-0000-0000-000000000000}"/>
-          </ac:spMkLst>
-        </pc:spChg>
-        <pc:spChg chg="mod">
-          <ac:chgData name="Uwe Ricken" userId="f02567aecbed924b" providerId="LiveId" clId="{61FF736A-E597-4C7E-A370-47BD3487B59B}" dt="2025-06-11T07:09:37.314" v="0"/>
-          <ac:spMkLst>
-            <pc:docMk/>
-            <pc:sldMk cId="1338912541" sldId="316"/>
-            <ac:spMk id="5" creationId="{00000000-0000-0000-0000-000000000000}"/>
-          </ac:spMkLst>
-        </pc:spChg>
       </pc:sldChg>
       <pc:sldChg chg="modSp del">
         <pc:chgData name="Uwe Ricken" userId="f02567aecbed924b" providerId="LiveId" clId="{61FF736A-E597-4C7E-A370-47BD3487B59B}" dt="2025-06-11T07:11:22.133" v="6" actId="47"/>
@@ -1548,10 +1523,24 @@
   <pc:docChgLst>
     <pc:chgData name="Uwe Ricken" userId="f02567aecbed924b" providerId="LiveId" clId="{74475734-945A-49AD-B9EB-A32FE40F19AC}"/>
     <pc:docChg chg="undo custSel addSld delSld modSld sldOrd">
-      <pc:chgData name="Uwe Ricken" userId="f02567aecbed924b" providerId="LiveId" clId="{74475734-945A-49AD-B9EB-A32FE40F19AC}" dt="2025-06-13T14:10:09.742" v="720" actId="207"/>
+      <pc:chgData name="Uwe Ricken" userId="f02567aecbed924b" providerId="LiveId" clId="{74475734-945A-49AD-B9EB-A32FE40F19AC}" dt="2025-06-16T05:51:24.865" v="1543" actId="47"/>
       <pc:docMkLst>
         <pc:docMk/>
       </pc:docMkLst>
+      <pc:sldChg chg="add del ord">
+        <pc:chgData name="Uwe Ricken" userId="f02567aecbed924b" providerId="LiveId" clId="{74475734-945A-49AD-B9EB-A32FE40F19AC}" dt="2025-06-16T05:51:24.865" v="1543" actId="47"/>
+        <pc:sldMkLst>
+          <pc:docMk/>
+          <pc:sldMk cId="2446779925" sldId="259"/>
+        </pc:sldMkLst>
+      </pc:sldChg>
+      <pc:sldChg chg="add del ord">
+        <pc:chgData name="Uwe Ricken" userId="f02567aecbed924b" providerId="LiveId" clId="{74475734-945A-49AD-B9EB-A32FE40F19AC}" dt="2025-06-16T05:51:24.865" v="1543" actId="47"/>
+        <pc:sldMkLst>
+          <pc:docMk/>
+          <pc:sldMk cId="3738767928" sldId="260"/>
+        </pc:sldMkLst>
+      </pc:sldChg>
       <pc:sldChg chg="del">
         <pc:chgData name="Uwe Ricken" userId="f02567aecbed924b" providerId="LiveId" clId="{74475734-945A-49AD-B9EB-A32FE40F19AC}" dt="2025-06-13T14:08:25.463" v="700" actId="2696"/>
         <pc:sldMkLst>
@@ -1559,29 +1548,29 @@
           <pc:sldMk cId="3682278545" sldId="287"/>
         </pc:sldMkLst>
       </pc:sldChg>
-      <pc:sldChg chg="delSp mod">
-        <pc:chgData name="Uwe Ricken" userId="f02567aecbed924b" providerId="LiveId" clId="{74475734-945A-49AD-B9EB-A32FE40F19AC}" dt="2025-06-13T13:53:53.541" v="688" actId="478"/>
+      <pc:sldChg chg="delSp modSp mod">
+        <pc:chgData name="Uwe Ricken" userId="f02567aecbed924b" providerId="LiveId" clId="{74475734-945A-49AD-B9EB-A32FE40F19AC}" dt="2025-06-14T05:49:18.619" v="1457" actId="20577"/>
         <pc:sldMkLst>
           <pc:docMk/>
           <pc:sldMk cId="2302523668" sldId="293"/>
         </pc:sldMkLst>
-        <pc:spChg chg="del">
-          <ac:chgData name="Uwe Ricken" userId="f02567aecbed924b" providerId="LiveId" clId="{74475734-945A-49AD-B9EB-A32FE40F19AC}" dt="2025-06-13T13:53:53.541" v="688" actId="478"/>
+        <pc:spChg chg="mod">
+          <ac:chgData name="Uwe Ricken" userId="f02567aecbed924b" providerId="LiveId" clId="{74475734-945A-49AD-B9EB-A32FE40F19AC}" dt="2025-06-14T05:49:18.619" v="1457" actId="20577"/>
           <ac:spMkLst>
             <pc:docMk/>
             <pc:sldMk cId="2302523668" sldId="293"/>
-            <ac:spMk id="15" creationId="{18E9F227-9D54-45ED-B87D-DEFADDAFA174}"/>
+            <ac:spMk id="13" creationId="{187E2ED8-B169-4617-AF6D-899F772DDE48}"/>
           </ac:spMkLst>
         </pc:spChg>
       </pc:sldChg>
       <pc:sldChg chg="modSp mod">
-        <pc:chgData name="Uwe Ricken" userId="f02567aecbed924b" providerId="LiveId" clId="{74475734-945A-49AD-B9EB-A32FE40F19AC}" dt="2025-06-13T13:18:35.339" v="685" actId="20577"/>
+        <pc:chgData name="Uwe Ricken" userId="f02567aecbed924b" providerId="LiveId" clId="{74475734-945A-49AD-B9EB-A32FE40F19AC}" dt="2025-06-14T05:49:39.479" v="1458" actId="33524"/>
         <pc:sldMkLst>
           <pc:docMk/>
           <pc:sldMk cId="2013804043" sldId="295"/>
         </pc:sldMkLst>
         <pc:spChg chg="mod">
-          <ac:chgData name="Uwe Ricken" userId="f02567aecbed924b" providerId="LiveId" clId="{74475734-945A-49AD-B9EB-A32FE40F19AC}" dt="2025-06-13T13:18:35.339" v="685" actId="20577"/>
+          <ac:chgData name="Uwe Ricken" userId="f02567aecbed924b" providerId="LiveId" clId="{74475734-945A-49AD-B9EB-A32FE40F19AC}" dt="2025-06-14T05:49:39.479" v="1458" actId="33524"/>
           <ac:spMkLst>
             <pc:docMk/>
             <pc:sldMk cId="2013804043" sldId="295"/>
@@ -1604,8 +1593,8 @@
           </ac:spMkLst>
         </pc:spChg>
       </pc:sldChg>
-      <pc:sldChg chg="modSp mod">
-        <pc:chgData name="Uwe Ricken" userId="f02567aecbed924b" providerId="LiveId" clId="{74475734-945A-49AD-B9EB-A32FE40F19AC}" dt="2025-06-13T14:06:49.621" v="690" actId="20577"/>
+      <pc:sldChg chg="modSp mod modShow">
+        <pc:chgData name="Uwe Ricken" userId="f02567aecbed924b" providerId="LiveId" clId="{74475734-945A-49AD-B9EB-A32FE40F19AC}" dt="2025-06-14T05:55:35.036" v="1527" actId="729"/>
         <pc:sldMkLst>
           <pc:docMk/>
           <pc:sldMk cId="772245438" sldId="298"/>
@@ -1646,14 +1635,6 @@
           <pc:docMk/>
           <pc:sldMk cId="3933073069" sldId="303"/>
         </pc:sldMkLst>
-        <pc:spChg chg="mod">
-          <ac:chgData name="Uwe Ricken" userId="f02567aecbed924b" providerId="LiveId" clId="{74475734-945A-49AD-B9EB-A32FE40F19AC}" dt="2025-06-13T14:09:08.706" v="716" actId="20577"/>
-          <ac:spMkLst>
-            <pc:docMk/>
-            <pc:sldMk cId="3933073069" sldId="303"/>
-            <ac:spMk id="6" creationId="{12E917D0-2EFD-482A-8926-69A27F0DF25C}"/>
-          </ac:spMkLst>
-        </pc:spChg>
       </pc:sldChg>
       <pc:sldChg chg="modSp mod">
         <pc:chgData name="Uwe Ricken" userId="f02567aecbed924b" providerId="LiveId" clId="{74475734-945A-49AD-B9EB-A32FE40F19AC}" dt="2025-06-13T13:12:40.502" v="4" actId="27636"/>
@@ -1670,23 +1651,15 @@
           </ac:spMkLst>
         </pc:spChg>
       </pc:sldChg>
-      <pc:sldChg chg="modSp mod">
-        <pc:chgData name="Uwe Ricken" userId="f02567aecbed924b" providerId="LiveId" clId="{74475734-945A-49AD-B9EB-A32FE40F19AC}" dt="2025-06-13T13:53:42.056" v="687" actId="20577"/>
+      <pc:sldChg chg="modSp del mod">
+        <pc:chgData name="Uwe Ricken" userId="f02567aecbed924b" providerId="LiveId" clId="{74475734-945A-49AD-B9EB-A32FE40F19AC}" dt="2025-06-14T05:51:28.018" v="1462" actId="2696"/>
         <pc:sldMkLst>
           <pc:docMk/>
           <pc:sldMk cId="1338912541" sldId="316"/>
         </pc:sldMkLst>
-        <pc:spChg chg="mod">
-          <ac:chgData name="Uwe Ricken" userId="f02567aecbed924b" providerId="LiveId" clId="{74475734-945A-49AD-B9EB-A32FE40F19AC}" dt="2025-06-13T13:53:42.056" v="687" actId="20577"/>
-          <ac:spMkLst>
-            <pc:docMk/>
-            <pc:sldMk cId="1338912541" sldId="316"/>
-            <ac:spMk id="5" creationId="{00000000-0000-0000-0000-000000000000}"/>
-          </ac:spMkLst>
-        </pc:spChg>
       </pc:sldChg>
-      <pc:sldChg chg="modSp mod">
-        <pc:chgData name="Uwe Ricken" userId="f02567aecbed924b" providerId="LiveId" clId="{74475734-945A-49AD-B9EB-A32FE40F19AC}" dt="2025-06-13T14:06:43.268" v="689" actId="20577"/>
+      <pc:sldChg chg="modSp mod modShow">
+        <pc:chgData name="Uwe Ricken" userId="f02567aecbed924b" providerId="LiveId" clId="{74475734-945A-49AD-B9EB-A32FE40F19AC}" dt="2025-06-14T05:55:35.036" v="1527" actId="729"/>
         <pc:sldMkLst>
           <pc:docMk/>
           <pc:sldMk cId="2367742522" sldId="319"/>
@@ -1700,8 +1673,8 @@
           </ac:spMkLst>
         </pc:spChg>
       </pc:sldChg>
-      <pc:sldChg chg="modSp mod">
-        <pc:chgData name="Uwe Ricken" userId="f02567aecbed924b" providerId="LiveId" clId="{74475734-945A-49AD-B9EB-A32FE40F19AC}" dt="2025-06-13T14:07:49.917" v="696" actId="20577"/>
+      <pc:sldChg chg="modSp mod modShow">
+        <pc:chgData name="Uwe Ricken" userId="f02567aecbed924b" providerId="LiveId" clId="{74475734-945A-49AD-B9EB-A32FE40F19AC}" dt="2025-06-14T05:55:35.036" v="1527" actId="729"/>
         <pc:sldMkLst>
           <pc:docMk/>
           <pc:sldMk cId="641265507" sldId="320"/>
@@ -1745,8 +1718,23 @@
           </ac:graphicFrameMkLst>
         </pc:graphicFrameChg>
       </pc:sldChg>
-      <pc:sldChg chg="modSp add mod">
-        <pc:chgData name="Uwe Ricken" userId="f02567aecbed924b" providerId="LiveId" clId="{74475734-945A-49AD-B9EB-A32FE40F19AC}" dt="2025-06-13T14:07:35.473" v="695" actId="207"/>
+      <pc:sldChg chg="modSp add">
+        <pc:chgData name="Uwe Ricken" userId="f02567aecbed924b" providerId="LiveId" clId="{74475734-945A-49AD-B9EB-A32FE40F19AC}" dt="2025-06-14T05:51:23.796" v="1461"/>
+        <pc:sldMkLst>
+          <pc:docMk/>
+          <pc:sldMk cId="3986546557" sldId="404"/>
+        </pc:sldMkLst>
+        <pc:spChg chg="mod">
+          <ac:chgData name="Uwe Ricken" userId="f02567aecbed924b" providerId="LiveId" clId="{74475734-945A-49AD-B9EB-A32FE40F19AC}" dt="2025-06-14T05:51:23.796" v="1461"/>
+          <ac:spMkLst>
+            <pc:docMk/>
+            <pc:sldMk cId="3986546557" sldId="404"/>
+            <ac:spMk id="6" creationId="{8668E183-D5F2-A8B2-64E9-68CD09B5BE12}"/>
+          </ac:spMkLst>
+        </pc:spChg>
+      </pc:sldChg>
+      <pc:sldChg chg="modSp add mod modShow">
+        <pc:chgData name="Uwe Ricken" userId="f02567aecbed924b" providerId="LiveId" clId="{74475734-945A-49AD-B9EB-A32FE40F19AC}" dt="2025-06-14T05:55:35.036" v="1527" actId="729"/>
         <pc:sldMkLst>
           <pc:docMk/>
           <pc:sldMk cId="773780160" sldId="423"/>
@@ -1772,6 +1760,183 @@
             <pc:docMk/>
             <pc:sldMk cId="3120990697" sldId="424"/>
             <ac:spMk id="6" creationId="{2E4FFC12-C59B-23DC-19AF-89D2F9398168}"/>
+          </ac:spMkLst>
+        </pc:spChg>
+      </pc:sldChg>
+      <pc:sldChg chg="modSp new mod">
+        <pc:chgData name="Uwe Ricken" userId="f02567aecbed924b" providerId="LiveId" clId="{74475734-945A-49AD-B9EB-A32FE40F19AC}" dt="2025-06-14T05:30:56.667" v="1251" actId="20577"/>
+        <pc:sldMkLst>
+          <pc:docMk/>
+          <pc:sldMk cId="1679434060" sldId="425"/>
+        </pc:sldMkLst>
+        <pc:spChg chg="mod">
+          <ac:chgData name="Uwe Ricken" userId="f02567aecbed924b" providerId="LiveId" clId="{74475734-945A-49AD-B9EB-A32FE40F19AC}" dt="2025-06-14T05:28:18.316" v="723" actId="20577"/>
+          <ac:spMkLst>
+            <pc:docMk/>
+            <pc:sldMk cId="1679434060" sldId="425"/>
+            <ac:spMk id="2" creationId="{797B47D8-6F80-364B-207C-D9706A4E4B14}"/>
+          </ac:spMkLst>
+        </pc:spChg>
+        <pc:spChg chg="mod">
+          <ac:chgData name="Uwe Ricken" userId="f02567aecbed924b" providerId="LiveId" clId="{74475734-945A-49AD-B9EB-A32FE40F19AC}" dt="2025-06-14T05:30:56.667" v="1251" actId="20577"/>
+          <ac:spMkLst>
+            <pc:docMk/>
+            <pc:sldMk cId="1679434060" sldId="425"/>
+            <ac:spMk id="3" creationId="{16BDD2CC-D480-E0AA-7B33-C6AD0FF0F726}"/>
+          </ac:spMkLst>
+        </pc:spChg>
+      </pc:sldChg>
+      <pc:sldChg chg="addSp delSp modSp add mod">
+        <pc:chgData name="Uwe Ricken" userId="f02567aecbed924b" providerId="LiveId" clId="{74475734-945A-49AD-B9EB-A32FE40F19AC}" dt="2025-06-14T05:35:15.079" v="1329" actId="20577"/>
+        <pc:sldMkLst>
+          <pc:docMk/>
+          <pc:sldMk cId="3903839555" sldId="426"/>
+        </pc:sldMkLst>
+        <pc:spChg chg="add mod">
+          <ac:chgData name="Uwe Ricken" userId="f02567aecbed924b" providerId="LiveId" clId="{74475734-945A-49AD-B9EB-A32FE40F19AC}" dt="2025-06-14T05:34:55.032" v="1327" actId="1076"/>
+          <ac:spMkLst>
+            <pc:docMk/>
+            <pc:sldMk cId="3903839555" sldId="426"/>
+            <ac:spMk id="2" creationId="{22C7321D-D68A-9E7E-F74D-C66F594FE7DF}"/>
+          </ac:spMkLst>
+        </pc:spChg>
+        <pc:spChg chg="mod">
+          <ac:chgData name="Uwe Ricken" userId="f02567aecbed924b" providerId="LiveId" clId="{74475734-945A-49AD-B9EB-A32FE40F19AC}" dt="2025-06-14T05:28:53.604" v="750" actId="20577"/>
+          <ac:spMkLst>
+            <pc:docMk/>
+            <pc:sldMk cId="3903839555" sldId="426"/>
+            <ac:spMk id="5" creationId="{A7D8E333-F9E5-B7DB-97E2-10451BAAF813}"/>
+          </ac:spMkLst>
+        </pc:spChg>
+        <pc:spChg chg="mod">
+          <ac:chgData name="Uwe Ricken" userId="f02567aecbed924b" providerId="LiveId" clId="{74475734-945A-49AD-B9EB-A32FE40F19AC}" dt="2025-06-14T05:35:15.079" v="1329" actId="20577"/>
+          <ac:spMkLst>
+            <pc:docMk/>
+            <pc:sldMk cId="3903839555" sldId="426"/>
+            <ac:spMk id="15" creationId="{2EBB9E0E-8B52-7041-AF43-0B93BEF02346}"/>
+          </ac:spMkLst>
+        </pc:spChg>
+        <pc:spChg chg="mod">
+          <ac:chgData name="Uwe Ricken" userId="f02567aecbed924b" providerId="LiveId" clId="{74475734-945A-49AD-B9EB-A32FE40F19AC}" dt="2025-06-14T05:32:31.701" v="1255" actId="20577"/>
+          <ac:spMkLst>
+            <pc:docMk/>
+            <pc:sldMk cId="3903839555" sldId="426"/>
+            <ac:spMk id="35" creationId="{347DDCDE-846F-A8CF-3E76-8FB4D786F5BE}"/>
+          </ac:spMkLst>
+        </pc:spChg>
+        <pc:spChg chg="mod">
+          <ac:chgData name="Uwe Ricken" userId="f02567aecbed924b" providerId="LiveId" clId="{74475734-945A-49AD-B9EB-A32FE40F19AC}" dt="2025-06-14T05:33:23.739" v="1315" actId="20577"/>
+          <ac:spMkLst>
+            <pc:docMk/>
+            <pc:sldMk cId="3903839555" sldId="426"/>
+            <ac:spMk id="36" creationId="{6392B876-F520-917E-306F-15CA5E656DE2}"/>
+          </ac:spMkLst>
+        </pc:spChg>
+      </pc:sldChg>
+      <pc:sldChg chg="addSp modSp new mod modClrScheme chgLayout">
+        <pc:chgData name="Uwe Ricken" userId="f02567aecbed924b" providerId="LiveId" clId="{74475734-945A-49AD-B9EB-A32FE40F19AC}" dt="2025-06-14T05:37:20.345" v="1383" actId="113"/>
+        <pc:sldMkLst>
+          <pc:docMk/>
+          <pc:sldMk cId="2530582513" sldId="427"/>
+        </pc:sldMkLst>
+        <pc:spChg chg="mod ord">
+          <ac:chgData name="Uwe Ricken" userId="f02567aecbed924b" providerId="LiveId" clId="{74475734-945A-49AD-B9EB-A32FE40F19AC}" dt="2025-06-14T05:35:57.343" v="1361" actId="700"/>
+          <ac:spMkLst>
+            <pc:docMk/>
+            <pc:sldMk cId="2530582513" sldId="427"/>
+            <ac:spMk id="2" creationId="{928D8828-A727-9DD1-29A8-4EA556372303}"/>
+          </ac:spMkLst>
+        </pc:spChg>
+        <pc:spChg chg="add mod ord">
+          <ac:chgData name="Uwe Ricken" userId="f02567aecbed924b" providerId="LiveId" clId="{74475734-945A-49AD-B9EB-A32FE40F19AC}" dt="2025-06-14T05:37:20.345" v="1383" actId="113"/>
+          <ac:spMkLst>
+            <pc:docMk/>
+            <pc:sldMk cId="2530582513" sldId="427"/>
+            <ac:spMk id="3" creationId="{6C55F80A-6D7C-3EE9-842C-8B07220C5677}"/>
+          </ac:spMkLst>
+        </pc:spChg>
+      </pc:sldChg>
+      <pc:sldChg chg="addSp delSp modSp new mod modClrScheme modAnim chgLayout">
+        <pc:chgData name="Uwe Ricken" userId="f02567aecbed924b" providerId="LiveId" clId="{74475734-945A-49AD-B9EB-A32FE40F19AC}" dt="2025-06-14T05:48:24.813" v="1451"/>
+        <pc:sldMkLst>
+          <pc:docMk/>
+          <pc:sldMk cId="1121380103" sldId="428"/>
+        </pc:sldMkLst>
+        <pc:spChg chg="mod ord">
+          <ac:chgData name="Uwe Ricken" userId="f02567aecbed924b" providerId="LiveId" clId="{74475734-945A-49AD-B9EB-A32FE40F19AC}" dt="2025-06-14T05:44:09.592" v="1412" actId="700"/>
+          <ac:spMkLst>
+            <pc:docMk/>
+            <pc:sldMk cId="1121380103" sldId="428"/>
+            <ac:spMk id="2" creationId="{237AE108-8D31-F41E-B196-043828B7050F}"/>
+          </ac:spMkLst>
+        </pc:spChg>
+        <pc:spChg chg="add mod">
+          <ac:chgData name="Uwe Ricken" userId="f02567aecbed924b" providerId="LiveId" clId="{74475734-945A-49AD-B9EB-A32FE40F19AC}" dt="2025-06-14T05:47:33.583" v="1442" actId="1076"/>
+          <ac:spMkLst>
+            <pc:docMk/>
+            <pc:sldMk cId="1121380103" sldId="428"/>
+            <ac:spMk id="10" creationId="{40C52575-7F47-6F22-50F2-7B65AE438144}"/>
+          </ac:spMkLst>
+        </pc:spChg>
+        <pc:picChg chg="add mod ord">
+          <ac:chgData name="Uwe Ricken" userId="f02567aecbed924b" providerId="LiveId" clId="{74475734-945A-49AD-B9EB-A32FE40F19AC}" dt="2025-06-14T05:44:19.638" v="1413" actId="22"/>
+          <ac:picMkLst>
+            <pc:docMk/>
+            <pc:sldMk cId="1121380103" sldId="428"/>
+            <ac:picMk id="7" creationId="{E81529DB-9B1E-B179-8F20-CB5510FF7942}"/>
+          </ac:picMkLst>
+        </pc:picChg>
+        <pc:picChg chg="add mod ord">
+          <ac:chgData name="Uwe Ricken" userId="f02567aecbed924b" providerId="LiveId" clId="{74475734-945A-49AD-B9EB-A32FE40F19AC}" dt="2025-06-14T05:47:33.583" v="1442" actId="1076"/>
+          <ac:picMkLst>
+            <pc:docMk/>
+            <pc:sldMk cId="1121380103" sldId="428"/>
+            <ac:picMk id="9" creationId="{F49BC06D-3935-C6BB-6642-EF1D169411D8}"/>
+          </ac:picMkLst>
+        </pc:picChg>
+      </pc:sldChg>
+      <pc:sldChg chg="modSp add mod ord">
+        <pc:chgData name="Uwe Ricken" userId="f02567aecbed924b" providerId="LiveId" clId="{74475734-945A-49AD-B9EB-A32FE40F19AC}" dt="2025-06-14T05:52:06.987" v="1495"/>
+        <pc:sldMkLst>
+          <pc:docMk/>
+          <pc:sldMk cId="4161616766" sldId="429"/>
+        </pc:sldMkLst>
+        <pc:spChg chg="mod">
+          <ac:chgData name="Uwe Ricken" userId="f02567aecbed924b" providerId="LiveId" clId="{74475734-945A-49AD-B9EB-A32FE40F19AC}" dt="2025-06-14T05:51:59.046" v="1493" actId="20577"/>
+          <ac:spMkLst>
+            <pc:docMk/>
+            <pc:sldMk cId="4161616766" sldId="429"/>
+            <ac:spMk id="6" creationId="{709E1C0F-6BA4-C5E1-7A05-DDC2C3472EA3}"/>
+          </ac:spMkLst>
+        </pc:spChg>
+      </pc:sldChg>
+      <pc:sldChg chg="modSp add mod">
+        <pc:chgData name="Uwe Ricken" userId="f02567aecbed924b" providerId="LiveId" clId="{74475734-945A-49AD-B9EB-A32FE40F19AC}" dt="2025-06-14T05:53:09.917" v="1523" actId="20577"/>
+        <pc:sldMkLst>
+          <pc:docMk/>
+          <pc:sldMk cId="1683633809" sldId="430"/>
+        </pc:sldMkLst>
+        <pc:spChg chg="mod">
+          <ac:chgData name="Uwe Ricken" userId="f02567aecbed924b" providerId="LiveId" clId="{74475734-945A-49AD-B9EB-A32FE40F19AC}" dt="2025-06-14T05:53:09.917" v="1523" actId="20577"/>
+          <ac:spMkLst>
+            <pc:docMk/>
+            <pc:sldMk cId="1683633809" sldId="430"/>
+            <ac:spMk id="6" creationId="{7769A135-C93B-CAC3-F9F1-512D33DAB710}"/>
+          </ac:spMkLst>
+        </pc:spChg>
+      </pc:sldChg>
+      <pc:sldChg chg="modSp add mod">
+        <pc:chgData name="Uwe Ricken" userId="f02567aecbed924b" providerId="LiveId" clId="{74475734-945A-49AD-B9EB-A32FE40F19AC}" dt="2025-06-14T05:58:11.096" v="1542" actId="20577"/>
+        <pc:sldMkLst>
+          <pc:docMk/>
+          <pc:sldMk cId="1197464149" sldId="431"/>
+        </pc:sldMkLst>
+        <pc:spChg chg="mod">
+          <ac:chgData name="Uwe Ricken" userId="f02567aecbed924b" providerId="LiveId" clId="{74475734-945A-49AD-B9EB-A32FE40F19AC}" dt="2025-06-14T05:58:11.096" v="1542" actId="20577"/>
+          <ac:spMkLst>
+            <pc:docMk/>
+            <pc:sldMk cId="1197464149" sldId="431"/>
+            <ac:spMk id="6" creationId="{7391CEEE-BF45-FD5C-50D6-4D6C1E309B5C}"/>
           </ac:spMkLst>
         </pc:spChg>
       </pc:sldChg>
@@ -5748,7 +5913,7 @@
           <a:p>
             <a:fld id="{77618FE8-0B84-4C72-8F59-5ACEAEBE219A}" type="datetimeFigureOut">
               <a:rPr lang="de-DE" smtClean="0"/>
-              <a:t>13.06.2025</a:t>
+              <a:t>14.06.2025</a:t>
             </a:fld>
             <a:endParaRPr lang="de-DE"/>
           </a:p>
@@ -6118,90 +6283,6 @@
       </p:grpSpPr>
       <p:sp>
         <p:nvSpPr>
-          <p:cNvPr id="2" name="Folienbildplatzhalter 1"/>
-          <p:cNvSpPr>
-            <a:spLocks noGrp="1" noRot="1" noChangeAspect="1"/>
-          </p:cNvSpPr>
-          <p:nvPr>
-            <p:ph type="sldImg"/>
-          </p:nvPr>
-        </p:nvSpPr>
-        <p:spPr/>
-      </p:sp>
-      <p:sp>
-        <p:nvSpPr>
-          <p:cNvPr id="3" name="Notizenplatzhalter 2"/>
-          <p:cNvSpPr>
-            <a:spLocks noGrp="1"/>
-          </p:cNvSpPr>
-          <p:nvPr>
-            <p:ph type="body" idx="1"/>
-          </p:nvPr>
-        </p:nvSpPr>
-        <p:spPr/>
-        <p:txBody>
-          <a:bodyPr/>
-          <a:lstStyle/>
-          <a:p>
-            <a:endParaRPr lang="de-DE"/>
-          </a:p>
-        </p:txBody>
-      </p:sp>
-      <p:sp>
-        <p:nvSpPr>
-          <p:cNvPr id="4" name="Foliennummernplatzhalter 3"/>
-          <p:cNvSpPr>
-            <a:spLocks noGrp="1"/>
-          </p:cNvSpPr>
-          <p:nvPr>
-            <p:ph type="sldNum" sz="quarter" idx="10"/>
-          </p:nvPr>
-        </p:nvSpPr>
-        <p:spPr/>
-        <p:txBody>
-          <a:bodyPr/>
-          <a:lstStyle/>
-          <a:p>
-            <a:fld id="{04F3E00D-603F-4318-A48C-2AD6684A6406}" type="slidenum">
-              <a:rPr lang="de-DE" smtClean="0"/>
-              <a:t>9</a:t>
-            </a:fld>
-            <a:endParaRPr lang="de-DE"/>
-          </a:p>
-        </p:txBody>
-      </p:sp>
-    </p:spTree>
-    <p:extLst>
-      <p:ext uri="{BB962C8B-B14F-4D97-AF65-F5344CB8AC3E}">
-        <p14:creationId xmlns:p14="http://schemas.microsoft.com/office/powerpoint/2010/main" val="998185339"/>
-      </p:ext>
-    </p:extLst>
-  </p:cSld>
-  <p:clrMapOvr>
-    <a:masterClrMapping/>
-  </p:clrMapOvr>
-</p:notes>
-</file>
-
-<file path=ppt/notesSlides/notesSlide3.xml><?xml version="1.0" encoding="utf-8"?>
-<p:notes xmlns:a="http://schemas.openxmlformats.org/drawingml/2006/main" xmlns:r="http://schemas.openxmlformats.org/officeDocument/2006/relationships" xmlns:p="http://schemas.openxmlformats.org/presentationml/2006/main">
-  <p:cSld>
-    <p:spTree>
-      <p:nvGrpSpPr>
-        <p:cNvPr id="1" name=""/>
-        <p:cNvGrpSpPr/>
-        <p:nvPr/>
-      </p:nvGrpSpPr>
-      <p:grpSpPr>
-        <a:xfrm>
-          <a:off x="0" y="0"/>
-          <a:ext cx="0" cy="0"/>
-          <a:chOff x="0" y="0"/>
-          <a:chExt cx="0" cy="0"/>
-        </a:xfrm>
-      </p:grpSpPr>
-      <p:sp>
-        <p:nvSpPr>
           <p:cNvPr id="2" name="Slide Image Placeholder 1"/>
           <p:cNvSpPr>
             <a:spLocks noGrp="1" noRot="1" noChangeAspect="1"/>
@@ -6295,7 +6376,7 @@
             <a:fld id="{B4008EB6-D09E-4580-8CD6-DDB14511944F}" type="slidenum">
               <a:rPr lang="en-US" smtClean="0"/>
               <a:pPr/>
-              <a:t>17</a:t>
+              <a:t>23</a:t>
             </a:fld>
             <a:endParaRPr lang="en-US" dirty="0"/>
           </a:p>
@@ -9357,7 +9438,7 @@
                   <a:srgbClr val="FF0000"/>
                 </a:solidFill>
               </a:rPr>
-              <a:t>3% – 15%</a:t>
+              <a:t>10% – 25%</a:t>
             </a:r>
           </a:p>
         </p:txBody>
@@ -9593,6 +9674,2285 @@
   <p:cSld>
     <p:spTree>
       <p:nvGrpSpPr>
+        <p:cNvPr id="1" name=""/>
+        <p:cNvGrpSpPr/>
+        <p:nvPr/>
+      </p:nvGrpSpPr>
+      <p:grpSpPr>
+        <a:xfrm>
+          <a:off x="0" y="0"/>
+          <a:ext cx="0" cy="0"/>
+          <a:chOff x="0" y="0"/>
+          <a:chExt cx="0" cy="0"/>
+        </a:xfrm>
+      </p:grpSpPr>
+      <p:sp>
+        <p:nvSpPr>
+          <p:cNvPr id="2" name="Titel 1">
+            <a:extLst>
+              <a:ext uri="{FF2B5EF4-FFF2-40B4-BE49-F238E27FC236}">
+                <a16:creationId xmlns:a16="http://schemas.microsoft.com/office/drawing/2014/main" id="{797B47D8-6F80-364B-207C-D9706A4E4B14}"/>
+              </a:ext>
+            </a:extLst>
+          </p:cNvPr>
+          <p:cNvSpPr>
+            <a:spLocks noGrp="1"/>
+          </p:cNvSpPr>
+          <p:nvPr>
+            <p:ph type="title"/>
+          </p:nvPr>
+        </p:nvSpPr>
+        <p:spPr/>
+        <p:txBody>
+          <a:bodyPr/>
+          <a:lstStyle/>
+          <a:p>
+            <a:r>
+              <a:rPr lang="en-GB" dirty="0"/>
+              <a:t>Query Performance Problems</a:t>
+            </a:r>
+            <a:endParaRPr lang="en-US" dirty="0"/>
+          </a:p>
+        </p:txBody>
+      </p:sp>
+      <p:sp>
+        <p:nvSpPr>
+          <p:cNvPr id="3" name="Inhaltsplatzhalter 2">
+            <a:extLst>
+              <a:ext uri="{FF2B5EF4-FFF2-40B4-BE49-F238E27FC236}">
+                <a16:creationId xmlns:a16="http://schemas.microsoft.com/office/drawing/2014/main" id="{16BDD2CC-D480-E0AA-7B33-C6AD0FF0F726}"/>
+              </a:ext>
+            </a:extLst>
+          </p:cNvPr>
+          <p:cNvSpPr>
+            <a:spLocks noGrp="1"/>
+          </p:cNvSpPr>
+          <p:nvPr>
+            <p:ph idx="1"/>
+          </p:nvPr>
+        </p:nvSpPr>
+        <p:spPr/>
+        <p:txBody>
+          <a:bodyPr/>
+          <a:lstStyle/>
+          <a:p>
+            <a:r>
+              <a:rPr lang="en-US" dirty="0"/>
+              <a:t>The customer collects web usage stats for marketing purposes</a:t>
+            </a:r>
+          </a:p>
+          <a:p>
+            <a:r>
+              <a:rPr lang="en-US" dirty="0"/>
+              <a:t>The data warehouse will be updated in intervals from 5 – 10 mins</a:t>
+            </a:r>
+          </a:p>
+          <a:p>
+            <a:r>
+              <a:rPr lang="en-US" dirty="0"/>
+              <a:t>Before the data are stored in the Data Warehouse they are collected in a Staging environment</a:t>
+            </a:r>
+          </a:p>
+          <a:p>
+            <a:r>
+              <a:rPr lang="en-US" dirty="0"/>
+              <a:t>In the next step the customer evaluates the last time stamp in the Data Warehouse to define the new rows which must be imported</a:t>
+            </a:r>
+          </a:p>
+          <a:p>
+            <a:r>
+              <a:rPr lang="en-US" dirty="0"/>
+              <a:t>The evaluation of the MAX() value takes more than 2 minutes although there is an index on that attribute</a:t>
+            </a:r>
+          </a:p>
+        </p:txBody>
+      </p:sp>
+    </p:spTree>
+    <p:extLst>
+      <p:ext uri="{BB962C8B-B14F-4D97-AF65-F5344CB8AC3E}">
+        <p14:creationId xmlns:p14="http://schemas.microsoft.com/office/powerpoint/2010/main" val="1679434060"/>
+      </p:ext>
+    </p:extLst>
+  </p:cSld>
+  <p:clrMapOvr>
+    <a:masterClrMapping/>
+  </p:clrMapOvr>
+</p:sld>
+</file>
+
+<file path=ppt/slides/slide13.xml><?xml version="1.0" encoding="utf-8"?>
+<p:sld xmlns:a="http://schemas.openxmlformats.org/drawingml/2006/main" xmlns:r="http://schemas.openxmlformats.org/officeDocument/2006/relationships" xmlns:p="http://schemas.openxmlformats.org/presentationml/2006/main">
+  <p:cSld>
+    <p:spTree>
+      <p:nvGrpSpPr>
+        <p:cNvPr id="1" name="">
+          <a:extLst>
+            <a:ext uri="{FF2B5EF4-FFF2-40B4-BE49-F238E27FC236}">
+              <a16:creationId xmlns:a16="http://schemas.microsoft.com/office/drawing/2014/main" id="{3E03D2EC-FA61-0744-DF7D-CE51EE9C8D74}"/>
+            </a:ext>
+          </a:extLst>
+        </p:cNvPr>
+        <p:cNvGrpSpPr/>
+        <p:nvPr/>
+      </p:nvGrpSpPr>
+      <p:grpSpPr>
+        <a:xfrm>
+          <a:off x="0" y="0"/>
+          <a:ext cx="0" cy="0"/>
+          <a:chOff x="0" y="0"/>
+          <a:chExt cx="0" cy="0"/>
+        </a:xfrm>
+      </p:grpSpPr>
+      <p:sp>
+        <p:nvSpPr>
+          <p:cNvPr id="5" name="Titel 4">
+            <a:extLst>
+              <a:ext uri="{FF2B5EF4-FFF2-40B4-BE49-F238E27FC236}">
+                <a16:creationId xmlns:a16="http://schemas.microsoft.com/office/drawing/2014/main" id="{A7D8E333-F9E5-B7DB-97E2-10451BAAF813}"/>
+              </a:ext>
+            </a:extLst>
+          </p:cNvPr>
+          <p:cNvSpPr>
+            <a:spLocks noGrp="1"/>
+          </p:cNvSpPr>
+          <p:nvPr>
+            <p:ph type="title"/>
+          </p:nvPr>
+        </p:nvSpPr>
+        <p:spPr/>
+        <p:txBody>
+          <a:bodyPr/>
+          <a:lstStyle/>
+          <a:p>
+            <a:r>
+              <a:rPr lang="de-DE" dirty="0"/>
+              <a:t>Query Performance Problems</a:t>
+            </a:r>
+          </a:p>
+        </p:txBody>
+      </p:sp>
+      <p:sp>
+        <p:nvSpPr>
+          <p:cNvPr id="9" name="Flussdiagramm: Dokument 8">
+            <a:extLst>
+              <a:ext uri="{FF2B5EF4-FFF2-40B4-BE49-F238E27FC236}">
+                <a16:creationId xmlns:a16="http://schemas.microsoft.com/office/drawing/2014/main" id="{93A9232B-86EE-D417-E8E4-52A8B75F2837}"/>
+              </a:ext>
+            </a:extLst>
+          </p:cNvPr>
+          <p:cNvSpPr/>
+          <p:nvPr/>
+        </p:nvSpPr>
+        <p:spPr>
+          <a:xfrm>
+            <a:off x="696433" y="1929809"/>
+            <a:ext cx="914400" cy="612648"/>
+          </a:xfrm>
+          <a:prstGeom prst="flowChartDocument">
+            <a:avLst/>
+          </a:prstGeom>
+        </p:spPr>
+        <p:style>
+          <a:lnRef idx="2">
+            <a:schemeClr val="accent1">
+              <a:shade val="50000"/>
+            </a:schemeClr>
+          </a:lnRef>
+          <a:fillRef idx="1">
+            <a:schemeClr val="accent1"/>
+          </a:fillRef>
+          <a:effectRef idx="0">
+            <a:schemeClr val="accent1"/>
+          </a:effectRef>
+          <a:fontRef idx="minor">
+            <a:schemeClr val="lt1"/>
+          </a:fontRef>
+        </p:style>
+        <p:txBody>
+          <a:bodyPr rtlCol="0" anchor="ctr"/>
+          <a:lstStyle/>
+          <a:p>
+            <a:pPr algn="ctr"/>
+            <a:r>
+              <a:rPr lang="de-DE" dirty="0"/>
+              <a:t>.</a:t>
+            </a:r>
+            <a:r>
+              <a:rPr lang="de-DE" dirty="0" err="1"/>
+              <a:t>csv</a:t>
+            </a:r>
+            <a:endParaRPr lang="de-DE" dirty="0"/>
+          </a:p>
+        </p:txBody>
+      </p:sp>
+      <p:sp>
+        <p:nvSpPr>
+          <p:cNvPr id="10" name="Flussdiagramm: Dokument 9">
+            <a:extLst>
+              <a:ext uri="{FF2B5EF4-FFF2-40B4-BE49-F238E27FC236}">
+                <a16:creationId xmlns:a16="http://schemas.microsoft.com/office/drawing/2014/main" id="{B4B522C1-EBAC-AA30-C14F-BBF944DD2D78}"/>
+              </a:ext>
+            </a:extLst>
+          </p:cNvPr>
+          <p:cNvSpPr/>
+          <p:nvPr/>
+        </p:nvSpPr>
+        <p:spPr>
+          <a:xfrm>
+            <a:off x="696433" y="2761004"/>
+            <a:ext cx="914400" cy="612648"/>
+          </a:xfrm>
+          <a:prstGeom prst="flowChartDocument">
+            <a:avLst/>
+          </a:prstGeom>
+        </p:spPr>
+        <p:style>
+          <a:lnRef idx="2">
+            <a:schemeClr val="accent1">
+              <a:shade val="50000"/>
+            </a:schemeClr>
+          </a:lnRef>
+          <a:fillRef idx="1">
+            <a:schemeClr val="accent1"/>
+          </a:fillRef>
+          <a:effectRef idx="0">
+            <a:schemeClr val="accent1"/>
+          </a:effectRef>
+          <a:fontRef idx="minor">
+            <a:schemeClr val="lt1"/>
+          </a:fontRef>
+        </p:style>
+        <p:txBody>
+          <a:bodyPr rtlCol="0" anchor="ctr"/>
+          <a:lstStyle/>
+          <a:p>
+            <a:pPr algn="ctr"/>
+            <a:r>
+              <a:rPr lang="de-DE" dirty="0"/>
+              <a:t>.</a:t>
+            </a:r>
+            <a:r>
+              <a:rPr lang="de-DE" dirty="0" err="1"/>
+              <a:t>csv</a:t>
+            </a:r>
+            <a:endParaRPr lang="de-DE" dirty="0"/>
+          </a:p>
+        </p:txBody>
+      </p:sp>
+      <p:sp>
+        <p:nvSpPr>
+          <p:cNvPr id="11" name="Flussdiagramm: Dokument 10">
+            <a:extLst>
+              <a:ext uri="{FF2B5EF4-FFF2-40B4-BE49-F238E27FC236}">
+                <a16:creationId xmlns:a16="http://schemas.microsoft.com/office/drawing/2014/main" id="{42CE52A7-D589-E322-3D23-C6893694FF79}"/>
+              </a:ext>
+            </a:extLst>
+          </p:cNvPr>
+          <p:cNvSpPr/>
+          <p:nvPr/>
+        </p:nvSpPr>
+        <p:spPr>
+          <a:xfrm>
+            <a:off x="696433" y="3592199"/>
+            <a:ext cx="914400" cy="612648"/>
+          </a:xfrm>
+          <a:prstGeom prst="flowChartDocument">
+            <a:avLst/>
+          </a:prstGeom>
+        </p:spPr>
+        <p:style>
+          <a:lnRef idx="2">
+            <a:schemeClr val="accent1">
+              <a:shade val="50000"/>
+            </a:schemeClr>
+          </a:lnRef>
+          <a:fillRef idx="1">
+            <a:schemeClr val="accent1"/>
+          </a:fillRef>
+          <a:effectRef idx="0">
+            <a:schemeClr val="accent1"/>
+          </a:effectRef>
+          <a:fontRef idx="minor">
+            <a:schemeClr val="lt1"/>
+          </a:fontRef>
+        </p:style>
+        <p:txBody>
+          <a:bodyPr rtlCol="0" anchor="ctr"/>
+          <a:lstStyle/>
+          <a:p>
+            <a:pPr algn="ctr"/>
+            <a:r>
+              <a:rPr lang="de-DE" dirty="0"/>
+              <a:t>.</a:t>
+            </a:r>
+            <a:r>
+              <a:rPr lang="de-DE" dirty="0" err="1"/>
+              <a:t>csv</a:t>
+            </a:r>
+            <a:endParaRPr lang="de-DE" dirty="0"/>
+          </a:p>
+        </p:txBody>
+      </p:sp>
+      <p:sp>
+        <p:nvSpPr>
+          <p:cNvPr id="12" name="Flussdiagramm: Dokument 11">
+            <a:extLst>
+              <a:ext uri="{FF2B5EF4-FFF2-40B4-BE49-F238E27FC236}">
+                <a16:creationId xmlns:a16="http://schemas.microsoft.com/office/drawing/2014/main" id="{E35ED73E-6ED4-D91C-1870-8E99B85D0A65}"/>
+              </a:ext>
+            </a:extLst>
+          </p:cNvPr>
+          <p:cNvSpPr/>
+          <p:nvPr/>
+        </p:nvSpPr>
+        <p:spPr>
+          <a:xfrm>
+            <a:off x="696433" y="4423394"/>
+            <a:ext cx="914400" cy="612648"/>
+          </a:xfrm>
+          <a:prstGeom prst="flowChartDocument">
+            <a:avLst/>
+          </a:prstGeom>
+        </p:spPr>
+        <p:style>
+          <a:lnRef idx="2">
+            <a:schemeClr val="accent1">
+              <a:shade val="50000"/>
+            </a:schemeClr>
+          </a:lnRef>
+          <a:fillRef idx="1">
+            <a:schemeClr val="accent1"/>
+          </a:fillRef>
+          <a:effectRef idx="0">
+            <a:schemeClr val="accent1"/>
+          </a:effectRef>
+          <a:fontRef idx="minor">
+            <a:schemeClr val="lt1"/>
+          </a:fontRef>
+        </p:style>
+        <p:txBody>
+          <a:bodyPr rtlCol="0" anchor="ctr"/>
+          <a:lstStyle/>
+          <a:p>
+            <a:pPr algn="ctr"/>
+            <a:r>
+              <a:rPr lang="de-DE" dirty="0"/>
+              <a:t>.</a:t>
+            </a:r>
+            <a:r>
+              <a:rPr lang="de-DE" dirty="0" err="1"/>
+              <a:t>csv</a:t>
+            </a:r>
+            <a:endParaRPr lang="de-DE" dirty="0"/>
+          </a:p>
+        </p:txBody>
+      </p:sp>
+      <p:sp>
+        <p:nvSpPr>
+          <p:cNvPr id="13" name="Flussdiagramm: Dokument 12">
+            <a:extLst>
+              <a:ext uri="{FF2B5EF4-FFF2-40B4-BE49-F238E27FC236}">
+                <a16:creationId xmlns:a16="http://schemas.microsoft.com/office/drawing/2014/main" id="{F992196F-6550-F2F3-A880-279B7591ED58}"/>
+              </a:ext>
+            </a:extLst>
+          </p:cNvPr>
+          <p:cNvSpPr/>
+          <p:nvPr/>
+        </p:nvSpPr>
+        <p:spPr>
+          <a:xfrm>
+            <a:off x="696433" y="5254589"/>
+            <a:ext cx="914400" cy="612648"/>
+          </a:xfrm>
+          <a:prstGeom prst="flowChartDocument">
+            <a:avLst/>
+          </a:prstGeom>
+        </p:spPr>
+        <p:style>
+          <a:lnRef idx="2">
+            <a:schemeClr val="accent1">
+              <a:shade val="50000"/>
+            </a:schemeClr>
+          </a:lnRef>
+          <a:fillRef idx="1">
+            <a:schemeClr val="accent1"/>
+          </a:fillRef>
+          <a:effectRef idx="0">
+            <a:schemeClr val="accent1"/>
+          </a:effectRef>
+          <a:fontRef idx="minor">
+            <a:schemeClr val="lt1"/>
+          </a:fontRef>
+        </p:style>
+        <p:txBody>
+          <a:bodyPr rtlCol="0" anchor="ctr"/>
+          <a:lstStyle/>
+          <a:p>
+            <a:pPr algn="ctr"/>
+            <a:r>
+              <a:rPr lang="de-DE" dirty="0"/>
+              <a:t>.</a:t>
+            </a:r>
+            <a:r>
+              <a:rPr lang="de-DE" dirty="0" err="1"/>
+              <a:t>csv</a:t>
+            </a:r>
+            <a:endParaRPr lang="de-DE" dirty="0"/>
+          </a:p>
+        </p:txBody>
+      </p:sp>
+      <p:sp>
+        <p:nvSpPr>
+          <p:cNvPr id="14" name="Rechteck 13">
+            <a:extLst>
+              <a:ext uri="{FF2B5EF4-FFF2-40B4-BE49-F238E27FC236}">
+                <a16:creationId xmlns:a16="http://schemas.microsoft.com/office/drawing/2014/main" id="{D8A91810-4935-EE85-E333-F9BBDD23F169}"/>
+              </a:ext>
+            </a:extLst>
+          </p:cNvPr>
+          <p:cNvSpPr/>
+          <p:nvPr/>
+        </p:nvSpPr>
+        <p:spPr>
+          <a:xfrm>
+            <a:off x="2743200" y="1929809"/>
+            <a:ext cx="2748516" cy="430619"/>
+          </a:xfrm>
+          <a:prstGeom prst="rect">
+            <a:avLst/>
+          </a:prstGeom>
+        </p:spPr>
+        <p:style>
+          <a:lnRef idx="2">
+            <a:schemeClr val="accent1">
+              <a:shade val="50000"/>
+            </a:schemeClr>
+          </a:lnRef>
+          <a:fillRef idx="1">
+            <a:schemeClr val="accent1"/>
+          </a:fillRef>
+          <a:effectRef idx="0">
+            <a:schemeClr val="accent1"/>
+          </a:effectRef>
+          <a:fontRef idx="minor">
+            <a:schemeClr val="lt1"/>
+          </a:fontRef>
+        </p:style>
+        <p:txBody>
+          <a:bodyPr rtlCol="0" anchor="ctr"/>
+          <a:lstStyle/>
+          <a:p>
+            <a:pPr algn="ctr"/>
+            <a:r>
+              <a:rPr lang="de-DE" dirty="0"/>
+              <a:t>SCHEMA: </a:t>
+            </a:r>
+            <a:r>
+              <a:rPr lang="de-DE" dirty="0" err="1"/>
+              <a:t>staging</a:t>
+            </a:r>
+            <a:endParaRPr lang="de-DE" dirty="0"/>
+          </a:p>
+        </p:txBody>
+      </p:sp>
+      <p:sp>
+        <p:nvSpPr>
+          <p:cNvPr id="15" name="Rechteck 14">
+            <a:extLst>
+              <a:ext uri="{FF2B5EF4-FFF2-40B4-BE49-F238E27FC236}">
+                <a16:creationId xmlns:a16="http://schemas.microsoft.com/office/drawing/2014/main" id="{2EBB9E0E-8B52-7041-AF43-0B93BEF02346}"/>
+              </a:ext>
+            </a:extLst>
+          </p:cNvPr>
+          <p:cNvSpPr/>
+          <p:nvPr/>
+        </p:nvSpPr>
+        <p:spPr>
+          <a:xfrm>
+            <a:off x="2743200" y="2360428"/>
+            <a:ext cx="2748516" cy="3506809"/>
+          </a:xfrm>
+          <a:prstGeom prst="rect">
+            <a:avLst/>
+          </a:prstGeom>
+          <a:solidFill>
+            <a:schemeClr val="bg1"/>
+          </a:solidFill>
+        </p:spPr>
+        <p:style>
+          <a:lnRef idx="2">
+            <a:schemeClr val="accent1">
+              <a:shade val="50000"/>
+            </a:schemeClr>
+          </a:lnRef>
+          <a:fillRef idx="1">
+            <a:schemeClr val="accent1"/>
+          </a:fillRef>
+          <a:effectRef idx="0">
+            <a:schemeClr val="accent1"/>
+          </a:effectRef>
+          <a:fontRef idx="minor">
+            <a:schemeClr val="lt1"/>
+          </a:fontRef>
+        </p:style>
+        <p:txBody>
+          <a:bodyPr rtlCol="0" anchor="ctr"/>
+          <a:lstStyle/>
+          <a:p>
+            <a:pPr marL="355600"/>
+            <a:r>
+              <a:rPr lang="de-DE" b="1" dirty="0" err="1">
+                <a:solidFill>
+                  <a:schemeClr val="tx1"/>
+                </a:solidFill>
+              </a:rPr>
+              <a:t>staging.raw_data</a:t>
+            </a:r>
+            <a:endParaRPr lang="de-DE" b="1" dirty="0">
+              <a:solidFill>
+                <a:schemeClr val="tx1"/>
+              </a:solidFill>
+            </a:endParaRPr>
+          </a:p>
+          <a:p>
+            <a:pPr marL="355600"/>
+            <a:endParaRPr lang="de-DE" dirty="0">
+              <a:solidFill>
+                <a:schemeClr val="tx1"/>
+              </a:solidFill>
+            </a:endParaRPr>
+          </a:p>
+          <a:p>
+            <a:pPr marL="355600"/>
+            <a:endParaRPr lang="de-DE" dirty="0">
+              <a:solidFill>
+                <a:schemeClr val="tx1"/>
+              </a:solidFill>
+            </a:endParaRPr>
+          </a:p>
+          <a:p>
+            <a:pPr marL="355600"/>
+            <a:r>
+              <a:rPr lang="de-DE" dirty="0">
+                <a:solidFill>
+                  <a:schemeClr val="tx1"/>
+                </a:solidFill>
+              </a:rPr>
+              <a:t>~13.000.000 </a:t>
+            </a:r>
+            <a:r>
+              <a:rPr lang="de-DE" dirty="0" err="1">
+                <a:solidFill>
+                  <a:schemeClr val="tx1"/>
+                </a:solidFill>
+              </a:rPr>
+              <a:t>rows</a:t>
+            </a:r>
+            <a:endParaRPr lang="de-DE" dirty="0">
+              <a:solidFill>
+                <a:schemeClr val="tx1"/>
+              </a:solidFill>
+            </a:endParaRPr>
+          </a:p>
+        </p:txBody>
+      </p:sp>
+      <p:sp>
+        <p:nvSpPr>
+          <p:cNvPr id="18" name="Flussdiagramm: Zusammenführung 17">
+            <a:extLst>
+              <a:ext uri="{FF2B5EF4-FFF2-40B4-BE49-F238E27FC236}">
+                <a16:creationId xmlns:a16="http://schemas.microsoft.com/office/drawing/2014/main" id="{8001EC4F-A132-1CB1-CFE7-A376CD9E3244}"/>
+              </a:ext>
+            </a:extLst>
+          </p:cNvPr>
+          <p:cNvSpPr/>
+          <p:nvPr/>
+        </p:nvSpPr>
+        <p:spPr>
+          <a:xfrm>
+            <a:off x="1940442" y="3592199"/>
+            <a:ext cx="469960" cy="469960"/>
+          </a:xfrm>
+          <a:prstGeom prst="flowChartSummingJunction">
+            <a:avLst/>
+          </a:prstGeom>
+          <a:solidFill>
+            <a:schemeClr val="accent6">
+              <a:lumMod val="40000"/>
+              <a:lumOff val="60000"/>
+            </a:schemeClr>
+          </a:solidFill>
+        </p:spPr>
+        <p:style>
+          <a:lnRef idx="2">
+            <a:schemeClr val="accent1">
+              <a:shade val="50000"/>
+            </a:schemeClr>
+          </a:lnRef>
+          <a:fillRef idx="1">
+            <a:schemeClr val="accent1"/>
+          </a:fillRef>
+          <a:effectRef idx="0">
+            <a:schemeClr val="accent1"/>
+          </a:effectRef>
+          <a:fontRef idx="minor">
+            <a:schemeClr val="lt1"/>
+          </a:fontRef>
+        </p:style>
+        <p:txBody>
+          <a:bodyPr rtlCol="0" anchor="ctr"/>
+          <a:lstStyle/>
+          <a:p>
+            <a:pPr algn="ctr"/>
+            <a:endParaRPr lang="de-DE"/>
+          </a:p>
+        </p:txBody>
+      </p:sp>
+      <p:cxnSp>
+        <p:nvCxnSpPr>
+          <p:cNvPr id="20" name="Verbinder: gewinkelt 19">
+            <a:extLst>
+              <a:ext uri="{FF2B5EF4-FFF2-40B4-BE49-F238E27FC236}">
+                <a16:creationId xmlns:a16="http://schemas.microsoft.com/office/drawing/2014/main" id="{034FE4E9-FED0-941A-E710-4BB6F19C01CF}"/>
+              </a:ext>
+            </a:extLst>
+          </p:cNvPr>
+          <p:cNvCxnSpPr>
+            <a:stCxn id="9" idx="3"/>
+            <a:endCxn id="18" idx="2"/>
+          </p:cNvCxnSpPr>
+          <p:nvPr/>
+        </p:nvCxnSpPr>
+        <p:spPr>
+          <a:xfrm>
+            <a:off x="1610833" y="2236133"/>
+            <a:ext cx="329609" cy="1591046"/>
+          </a:xfrm>
+          <a:prstGeom prst="bentConnector3">
+            <a:avLst/>
+          </a:prstGeom>
+          <a:ln>
+            <a:solidFill>
+              <a:schemeClr val="tx1"/>
+            </a:solidFill>
+            <a:headEnd type="none" w="med" len="med"/>
+            <a:tailEnd type="triangle"/>
+          </a:ln>
+        </p:spPr>
+        <p:style>
+          <a:lnRef idx="1">
+            <a:schemeClr val="accent1"/>
+          </a:lnRef>
+          <a:fillRef idx="0">
+            <a:schemeClr val="accent1"/>
+          </a:fillRef>
+          <a:effectRef idx="0">
+            <a:schemeClr val="accent1"/>
+          </a:effectRef>
+          <a:fontRef idx="minor">
+            <a:schemeClr val="tx1"/>
+          </a:fontRef>
+        </p:style>
+      </p:cxnSp>
+      <p:cxnSp>
+        <p:nvCxnSpPr>
+          <p:cNvPr id="22" name="Verbinder: gewinkelt 21">
+            <a:extLst>
+              <a:ext uri="{FF2B5EF4-FFF2-40B4-BE49-F238E27FC236}">
+                <a16:creationId xmlns:a16="http://schemas.microsoft.com/office/drawing/2014/main" id="{5F977D98-9A42-A859-EF29-6BA44D64DD87}"/>
+              </a:ext>
+            </a:extLst>
+          </p:cNvPr>
+          <p:cNvCxnSpPr>
+            <a:stCxn id="10" idx="3"/>
+            <a:endCxn id="18" idx="2"/>
+          </p:cNvCxnSpPr>
+          <p:nvPr/>
+        </p:nvCxnSpPr>
+        <p:spPr>
+          <a:xfrm>
+            <a:off x="1610833" y="3067328"/>
+            <a:ext cx="329609" cy="759851"/>
+          </a:xfrm>
+          <a:prstGeom prst="bentConnector3">
+            <a:avLst/>
+          </a:prstGeom>
+          <a:ln>
+            <a:solidFill>
+              <a:schemeClr val="tx1"/>
+            </a:solidFill>
+            <a:headEnd type="none" w="med" len="med"/>
+            <a:tailEnd type="triangle"/>
+          </a:ln>
+        </p:spPr>
+        <p:style>
+          <a:lnRef idx="1">
+            <a:schemeClr val="accent1"/>
+          </a:lnRef>
+          <a:fillRef idx="0">
+            <a:schemeClr val="accent1"/>
+          </a:fillRef>
+          <a:effectRef idx="0">
+            <a:schemeClr val="accent1"/>
+          </a:effectRef>
+          <a:fontRef idx="minor">
+            <a:schemeClr val="tx1"/>
+          </a:fontRef>
+        </p:style>
+      </p:cxnSp>
+      <p:cxnSp>
+        <p:nvCxnSpPr>
+          <p:cNvPr id="24" name="Verbinder: gewinkelt 23">
+            <a:extLst>
+              <a:ext uri="{FF2B5EF4-FFF2-40B4-BE49-F238E27FC236}">
+                <a16:creationId xmlns:a16="http://schemas.microsoft.com/office/drawing/2014/main" id="{C9039B29-CF53-53F5-C2BD-DB7E01FA4F5E}"/>
+              </a:ext>
+            </a:extLst>
+          </p:cNvPr>
+          <p:cNvCxnSpPr>
+            <a:stCxn id="11" idx="3"/>
+            <a:endCxn id="18" idx="2"/>
+          </p:cNvCxnSpPr>
+          <p:nvPr/>
+        </p:nvCxnSpPr>
+        <p:spPr>
+          <a:xfrm flipV="1">
+            <a:off x="1610833" y="3827179"/>
+            <a:ext cx="329609" cy="71344"/>
+          </a:xfrm>
+          <a:prstGeom prst="bentConnector3">
+            <a:avLst/>
+          </a:prstGeom>
+          <a:ln>
+            <a:solidFill>
+              <a:schemeClr val="tx1"/>
+            </a:solidFill>
+            <a:headEnd type="none" w="med" len="med"/>
+            <a:tailEnd type="triangle"/>
+          </a:ln>
+        </p:spPr>
+        <p:style>
+          <a:lnRef idx="1">
+            <a:schemeClr val="accent1"/>
+          </a:lnRef>
+          <a:fillRef idx="0">
+            <a:schemeClr val="accent1"/>
+          </a:fillRef>
+          <a:effectRef idx="0">
+            <a:schemeClr val="accent1"/>
+          </a:effectRef>
+          <a:fontRef idx="minor">
+            <a:schemeClr val="tx1"/>
+          </a:fontRef>
+        </p:style>
+      </p:cxnSp>
+      <p:cxnSp>
+        <p:nvCxnSpPr>
+          <p:cNvPr id="26" name="Verbinder: gewinkelt 25">
+            <a:extLst>
+              <a:ext uri="{FF2B5EF4-FFF2-40B4-BE49-F238E27FC236}">
+                <a16:creationId xmlns:a16="http://schemas.microsoft.com/office/drawing/2014/main" id="{9E87AA15-D5CF-D13D-FB9D-20C85B451028}"/>
+              </a:ext>
+            </a:extLst>
+          </p:cNvPr>
+          <p:cNvCxnSpPr>
+            <a:stCxn id="12" idx="3"/>
+            <a:endCxn id="18" idx="2"/>
+          </p:cNvCxnSpPr>
+          <p:nvPr/>
+        </p:nvCxnSpPr>
+        <p:spPr>
+          <a:xfrm flipV="1">
+            <a:off x="1610833" y="3827179"/>
+            <a:ext cx="329609" cy="902539"/>
+          </a:xfrm>
+          <a:prstGeom prst="bentConnector3">
+            <a:avLst/>
+          </a:prstGeom>
+          <a:ln>
+            <a:solidFill>
+              <a:schemeClr val="tx1"/>
+            </a:solidFill>
+            <a:headEnd type="none" w="med" len="med"/>
+            <a:tailEnd type="triangle"/>
+          </a:ln>
+        </p:spPr>
+        <p:style>
+          <a:lnRef idx="1">
+            <a:schemeClr val="accent1"/>
+          </a:lnRef>
+          <a:fillRef idx="0">
+            <a:schemeClr val="accent1"/>
+          </a:fillRef>
+          <a:effectRef idx="0">
+            <a:schemeClr val="accent1"/>
+          </a:effectRef>
+          <a:fontRef idx="minor">
+            <a:schemeClr val="tx1"/>
+          </a:fontRef>
+        </p:style>
+      </p:cxnSp>
+      <p:cxnSp>
+        <p:nvCxnSpPr>
+          <p:cNvPr id="28" name="Verbinder: gewinkelt 27">
+            <a:extLst>
+              <a:ext uri="{FF2B5EF4-FFF2-40B4-BE49-F238E27FC236}">
+                <a16:creationId xmlns:a16="http://schemas.microsoft.com/office/drawing/2014/main" id="{7CDC47DC-330C-7403-151A-5B25928FEDB2}"/>
+              </a:ext>
+            </a:extLst>
+          </p:cNvPr>
+          <p:cNvCxnSpPr>
+            <a:stCxn id="13" idx="3"/>
+            <a:endCxn id="18" idx="2"/>
+          </p:cNvCxnSpPr>
+          <p:nvPr/>
+        </p:nvCxnSpPr>
+        <p:spPr>
+          <a:xfrm flipV="1">
+            <a:off x="1610833" y="3827179"/>
+            <a:ext cx="329609" cy="1733734"/>
+          </a:xfrm>
+          <a:prstGeom prst="bentConnector3">
+            <a:avLst/>
+          </a:prstGeom>
+          <a:ln>
+            <a:solidFill>
+              <a:schemeClr val="tx1"/>
+            </a:solidFill>
+            <a:headEnd type="none" w="med" len="med"/>
+            <a:tailEnd type="triangle"/>
+          </a:ln>
+        </p:spPr>
+        <p:style>
+          <a:lnRef idx="1">
+            <a:schemeClr val="accent1"/>
+          </a:lnRef>
+          <a:fillRef idx="0">
+            <a:schemeClr val="accent1"/>
+          </a:fillRef>
+          <a:effectRef idx="0">
+            <a:schemeClr val="accent1"/>
+          </a:effectRef>
+          <a:fontRef idx="minor">
+            <a:schemeClr val="tx1"/>
+          </a:fontRef>
+        </p:style>
+      </p:cxnSp>
+      <p:cxnSp>
+        <p:nvCxnSpPr>
+          <p:cNvPr id="30" name="Verbinder: gewinkelt 29">
+            <a:extLst>
+              <a:ext uri="{FF2B5EF4-FFF2-40B4-BE49-F238E27FC236}">
+                <a16:creationId xmlns:a16="http://schemas.microsoft.com/office/drawing/2014/main" id="{4019968C-8454-67D9-3AC6-3DB6CE421DEE}"/>
+              </a:ext>
+            </a:extLst>
+          </p:cNvPr>
+          <p:cNvCxnSpPr>
+            <a:stCxn id="18" idx="6"/>
+            <a:endCxn id="15" idx="1"/>
+          </p:cNvCxnSpPr>
+          <p:nvPr/>
+        </p:nvCxnSpPr>
+        <p:spPr>
+          <a:xfrm>
+            <a:off x="2410402" y="3827179"/>
+            <a:ext cx="332798" cy="286654"/>
+          </a:xfrm>
+          <a:prstGeom prst="bentConnector3">
+            <a:avLst/>
+          </a:prstGeom>
+          <a:ln w="38100">
+            <a:solidFill>
+              <a:schemeClr val="tx1"/>
+            </a:solidFill>
+            <a:headEnd type="none" w="med" len="med"/>
+            <a:tailEnd type="triangle"/>
+          </a:ln>
+        </p:spPr>
+        <p:style>
+          <a:lnRef idx="1">
+            <a:schemeClr val="accent1"/>
+          </a:lnRef>
+          <a:fillRef idx="0">
+            <a:schemeClr val="accent1"/>
+          </a:fillRef>
+          <a:effectRef idx="0">
+            <a:schemeClr val="accent1"/>
+          </a:effectRef>
+          <a:fontRef idx="minor">
+            <a:schemeClr val="tx1"/>
+          </a:fontRef>
+        </p:style>
+      </p:cxnSp>
+      <p:sp>
+        <p:nvSpPr>
+          <p:cNvPr id="35" name="Rechteck 34">
+            <a:extLst>
+              <a:ext uri="{FF2B5EF4-FFF2-40B4-BE49-F238E27FC236}">
+                <a16:creationId xmlns:a16="http://schemas.microsoft.com/office/drawing/2014/main" id="{347DDCDE-846F-A8CF-3E76-8FB4D786F5BE}"/>
+              </a:ext>
+            </a:extLst>
+          </p:cNvPr>
+          <p:cNvSpPr/>
+          <p:nvPr/>
+        </p:nvSpPr>
+        <p:spPr>
+          <a:xfrm>
+            <a:off x="8399721" y="1929809"/>
+            <a:ext cx="3437602" cy="430619"/>
+          </a:xfrm>
+          <a:prstGeom prst="rect">
+            <a:avLst/>
+          </a:prstGeom>
+        </p:spPr>
+        <p:style>
+          <a:lnRef idx="2">
+            <a:schemeClr val="accent1">
+              <a:shade val="50000"/>
+            </a:schemeClr>
+          </a:lnRef>
+          <a:fillRef idx="1">
+            <a:schemeClr val="accent1"/>
+          </a:fillRef>
+          <a:effectRef idx="0">
+            <a:schemeClr val="accent1"/>
+          </a:effectRef>
+          <a:fontRef idx="minor">
+            <a:schemeClr val="lt1"/>
+          </a:fontRef>
+        </p:style>
+        <p:txBody>
+          <a:bodyPr rtlCol="0" anchor="ctr"/>
+          <a:lstStyle/>
+          <a:p>
+            <a:pPr algn="ctr"/>
+            <a:r>
+              <a:rPr lang="de-DE" dirty="0"/>
+              <a:t>SCHEMA: </a:t>
+            </a:r>
+            <a:r>
+              <a:rPr lang="de-DE" dirty="0" err="1"/>
+              <a:t>demo</a:t>
+            </a:r>
+            <a:endParaRPr lang="de-DE" dirty="0"/>
+          </a:p>
+        </p:txBody>
+      </p:sp>
+      <p:sp>
+        <p:nvSpPr>
+          <p:cNvPr id="36" name="Rechteck 35">
+            <a:extLst>
+              <a:ext uri="{FF2B5EF4-FFF2-40B4-BE49-F238E27FC236}">
+                <a16:creationId xmlns:a16="http://schemas.microsoft.com/office/drawing/2014/main" id="{6392B876-F520-917E-306F-15CA5E656DE2}"/>
+              </a:ext>
+            </a:extLst>
+          </p:cNvPr>
+          <p:cNvSpPr/>
+          <p:nvPr/>
+        </p:nvSpPr>
+        <p:spPr>
+          <a:xfrm>
+            <a:off x="8399720" y="2360428"/>
+            <a:ext cx="3437603" cy="3506809"/>
+          </a:xfrm>
+          <a:prstGeom prst="rect">
+            <a:avLst/>
+          </a:prstGeom>
+          <a:solidFill>
+            <a:schemeClr val="bg1"/>
+          </a:solidFill>
+        </p:spPr>
+        <p:style>
+          <a:lnRef idx="2">
+            <a:schemeClr val="accent1">
+              <a:shade val="50000"/>
+            </a:schemeClr>
+          </a:lnRef>
+          <a:fillRef idx="1">
+            <a:schemeClr val="accent1"/>
+          </a:fillRef>
+          <a:effectRef idx="0">
+            <a:schemeClr val="accent1"/>
+          </a:effectRef>
+          <a:fontRef idx="minor">
+            <a:schemeClr val="lt1"/>
+          </a:fontRef>
+        </p:style>
+        <p:txBody>
+          <a:bodyPr rtlCol="0" anchor="ctr"/>
+          <a:lstStyle/>
+          <a:p>
+            <a:pPr marL="355600"/>
+            <a:r>
+              <a:rPr lang="de-DE" b="1" dirty="0" err="1">
+                <a:solidFill>
+                  <a:schemeClr val="tx1"/>
+                </a:solidFill>
+              </a:rPr>
+              <a:t>demo.orders</a:t>
+            </a:r>
+            <a:endParaRPr lang="de-DE" b="1" dirty="0">
+              <a:solidFill>
+                <a:schemeClr val="tx1"/>
+              </a:solidFill>
+            </a:endParaRPr>
+          </a:p>
+          <a:p>
+            <a:pPr marL="355600"/>
+            <a:endParaRPr lang="de-DE" dirty="0">
+              <a:solidFill>
+                <a:schemeClr val="tx1"/>
+              </a:solidFill>
+            </a:endParaRPr>
+          </a:p>
+          <a:p>
+            <a:pPr marL="355600"/>
+            <a:r>
+              <a:rPr lang="de-DE" dirty="0">
+                <a:solidFill>
+                  <a:schemeClr val="tx1"/>
+                </a:solidFill>
+              </a:rPr>
+              <a:t>Clustered Index:</a:t>
+            </a:r>
+          </a:p>
+          <a:p>
+            <a:pPr marL="536575" indent="-180975">
+              <a:buFont typeface="Arial" panose="020B0604020202020204" pitchFamily="34" charset="0"/>
+              <a:buChar char="•"/>
+            </a:pPr>
+            <a:r>
+              <a:rPr lang="de-DE" dirty="0" err="1">
+                <a:solidFill>
+                  <a:schemeClr val="tx1"/>
+                </a:solidFill>
+              </a:rPr>
+              <a:t>o_orderkey</a:t>
+            </a:r>
+            <a:r>
+              <a:rPr lang="de-DE" dirty="0">
+                <a:solidFill>
+                  <a:schemeClr val="tx1"/>
+                </a:solidFill>
+              </a:rPr>
+              <a:t>,</a:t>
+            </a:r>
+          </a:p>
+          <a:p>
+            <a:pPr marL="536575" indent="-180975">
+              <a:buFont typeface="Arial" panose="020B0604020202020204" pitchFamily="34" charset="0"/>
+              <a:buChar char="•"/>
+            </a:pPr>
+            <a:r>
+              <a:rPr lang="de-DE" dirty="0" err="1">
+                <a:solidFill>
+                  <a:schemeClr val="tx1"/>
+                </a:solidFill>
+              </a:rPr>
+              <a:t>o_orderdate</a:t>
+            </a:r>
+            <a:r>
+              <a:rPr lang="de-DE" dirty="0">
+                <a:solidFill>
+                  <a:schemeClr val="tx1"/>
+                </a:solidFill>
+              </a:rPr>
+              <a:t> (Partition Key)</a:t>
+            </a:r>
+          </a:p>
+          <a:p>
+            <a:pPr marL="355600"/>
+            <a:endParaRPr lang="de-DE" dirty="0">
+              <a:solidFill>
+                <a:schemeClr val="tx1"/>
+              </a:solidFill>
+            </a:endParaRPr>
+          </a:p>
+          <a:p>
+            <a:pPr marL="355600"/>
+            <a:r>
+              <a:rPr lang="de-DE" dirty="0">
+                <a:solidFill>
+                  <a:schemeClr val="tx1"/>
+                </a:solidFill>
+              </a:rPr>
+              <a:t>~8 </a:t>
+            </a:r>
+            <a:r>
+              <a:rPr lang="de-DE" dirty="0" err="1">
+                <a:solidFill>
+                  <a:schemeClr val="tx1"/>
+                </a:solidFill>
+              </a:rPr>
+              <a:t>mio</a:t>
+            </a:r>
+            <a:r>
+              <a:rPr lang="de-DE" dirty="0">
+                <a:solidFill>
+                  <a:schemeClr val="tx1"/>
+                </a:solidFill>
+              </a:rPr>
+              <a:t> </a:t>
+            </a:r>
+            <a:r>
+              <a:rPr lang="de-DE" dirty="0" err="1">
+                <a:solidFill>
+                  <a:schemeClr val="tx1"/>
+                </a:solidFill>
+              </a:rPr>
+              <a:t>rows</a:t>
+            </a:r>
+            <a:r>
+              <a:rPr lang="de-DE" dirty="0">
+                <a:solidFill>
+                  <a:schemeClr val="tx1"/>
+                </a:solidFill>
+              </a:rPr>
+              <a:t> / </a:t>
+            </a:r>
+            <a:r>
+              <a:rPr lang="de-DE" dirty="0" err="1">
+                <a:solidFill>
+                  <a:schemeClr val="tx1"/>
+                </a:solidFill>
+              </a:rPr>
+              <a:t>warehouse</a:t>
+            </a:r>
+            <a:endParaRPr lang="de-DE" dirty="0">
+              <a:solidFill>
+                <a:schemeClr val="tx1"/>
+              </a:solidFill>
+            </a:endParaRPr>
+          </a:p>
+        </p:txBody>
+      </p:sp>
+      <p:sp>
+        <p:nvSpPr>
+          <p:cNvPr id="2" name="Textfeld 1">
+            <a:extLst>
+              <a:ext uri="{FF2B5EF4-FFF2-40B4-BE49-F238E27FC236}">
+                <a16:creationId xmlns:a16="http://schemas.microsoft.com/office/drawing/2014/main" id="{22C7321D-D68A-9E7E-F74D-C66F594FE7DF}"/>
+              </a:ext>
+            </a:extLst>
+          </p:cNvPr>
+          <p:cNvSpPr txBox="1"/>
+          <p:nvPr/>
+        </p:nvSpPr>
+        <p:spPr>
+          <a:xfrm>
+            <a:off x="5488345" y="3288570"/>
+            <a:ext cx="2911374" cy="1077218"/>
+          </a:xfrm>
+          <a:prstGeom prst="rect">
+            <a:avLst/>
+          </a:prstGeom>
+          <a:noFill/>
+        </p:spPr>
+        <p:txBody>
+          <a:bodyPr wrap="none" rtlCol="0">
+            <a:spAutoFit/>
+          </a:bodyPr>
+          <a:lstStyle/>
+          <a:p>
+            <a:r>
+              <a:rPr lang="en-US" sz="1600" dirty="0">
+                <a:solidFill>
+                  <a:srgbClr val="0000FF"/>
+                </a:solidFill>
+                <a:highlight>
+                  <a:srgbClr val="FFFFFF"/>
+                </a:highlight>
+                <a:latin typeface="Cascadia Mono" panose="020B0609020000020004" pitchFamily="49" charset="0"/>
+              </a:rPr>
+              <a:t>SELECT	</a:t>
+            </a:r>
+            <a:r>
+              <a:rPr lang="en-US" sz="1600" dirty="0">
+                <a:solidFill>
+                  <a:srgbClr val="FF00FF"/>
+                </a:solidFill>
+                <a:highlight>
+                  <a:srgbClr val="FFFFFF"/>
+                </a:highlight>
+                <a:latin typeface="Cascadia Mono" panose="020B0609020000020004" pitchFamily="49" charset="0"/>
+              </a:rPr>
+              <a:t>MAX</a:t>
+            </a:r>
+            <a:r>
+              <a:rPr lang="en-US" sz="1600" dirty="0">
+                <a:solidFill>
+                  <a:srgbClr val="808080"/>
+                </a:solidFill>
+                <a:highlight>
+                  <a:srgbClr val="FFFFFF"/>
+                </a:highlight>
+                <a:latin typeface="Cascadia Mono" panose="020B0609020000020004" pitchFamily="49" charset="0"/>
+              </a:rPr>
+              <a:t>(</a:t>
+            </a:r>
+            <a:r>
+              <a:rPr lang="en-US" sz="1600" dirty="0" err="1">
+                <a:solidFill>
+                  <a:srgbClr val="000000"/>
+                </a:solidFill>
+                <a:highlight>
+                  <a:srgbClr val="FFFFFF"/>
+                </a:highlight>
+                <a:latin typeface="Cascadia Mono" panose="020B0609020000020004" pitchFamily="49" charset="0"/>
+              </a:rPr>
+              <a:t>o_orderkey</a:t>
+            </a:r>
+            <a:r>
+              <a:rPr lang="en-US" sz="1600" dirty="0">
+                <a:solidFill>
+                  <a:srgbClr val="808080"/>
+                </a:solidFill>
+                <a:highlight>
+                  <a:srgbClr val="FFFFFF"/>
+                </a:highlight>
+                <a:latin typeface="Cascadia Mono" panose="020B0609020000020004" pitchFamily="49" charset="0"/>
+              </a:rPr>
+              <a:t>)</a:t>
+            </a:r>
+            <a:endParaRPr lang="en-US" sz="1600" dirty="0">
+              <a:solidFill>
+                <a:srgbClr val="000000"/>
+              </a:solidFill>
+              <a:highlight>
+                <a:srgbClr val="FFFFFF"/>
+              </a:highlight>
+              <a:latin typeface="Cascadia Mono" panose="020B0609020000020004" pitchFamily="49" charset="0"/>
+            </a:endParaRPr>
+          </a:p>
+          <a:p>
+            <a:r>
+              <a:rPr lang="en-US" sz="1600" dirty="0">
+                <a:solidFill>
+                  <a:srgbClr val="0000FF"/>
+                </a:solidFill>
+                <a:highlight>
+                  <a:srgbClr val="FFFFFF"/>
+                </a:highlight>
+                <a:latin typeface="Cascadia Mono" panose="020B0609020000020004" pitchFamily="49" charset="0"/>
+              </a:rPr>
+              <a:t>FROM	</a:t>
+            </a:r>
+            <a:r>
+              <a:rPr lang="en-US" sz="1600" dirty="0" err="1">
+                <a:solidFill>
+                  <a:srgbClr val="000000"/>
+                </a:solidFill>
+                <a:highlight>
+                  <a:srgbClr val="FFFFFF"/>
+                </a:highlight>
+                <a:latin typeface="Cascadia Mono" panose="020B0609020000020004" pitchFamily="49" charset="0"/>
+              </a:rPr>
+              <a:t>demo</a:t>
+            </a:r>
+            <a:r>
+              <a:rPr lang="en-US" sz="1600" dirty="0" err="1">
+                <a:solidFill>
+                  <a:srgbClr val="808080"/>
+                </a:solidFill>
+                <a:highlight>
+                  <a:srgbClr val="FFFFFF"/>
+                </a:highlight>
+                <a:latin typeface="Cascadia Mono" panose="020B0609020000020004" pitchFamily="49" charset="0"/>
+              </a:rPr>
+              <a:t>.</a:t>
+            </a:r>
+            <a:r>
+              <a:rPr lang="en-US" sz="1600" dirty="0" err="1">
+                <a:solidFill>
+                  <a:srgbClr val="000000"/>
+                </a:solidFill>
+                <a:highlight>
+                  <a:srgbClr val="FFFFFF"/>
+                </a:highlight>
+                <a:latin typeface="Cascadia Mono" panose="020B0609020000020004" pitchFamily="49" charset="0"/>
+              </a:rPr>
+              <a:t>orders</a:t>
+            </a:r>
+            <a:endParaRPr lang="en-US" sz="1600" dirty="0">
+              <a:solidFill>
+                <a:srgbClr val="000000"/>
+              </a:solidFill>
+              <a:highlight>
+                <a:srgbClr val="FFFFFF"/>
+              </a:highlight>
+              <a:latin typeface="Cascadia Mono" panose="020B0609020000020004" pitchFamily="49" charset="0"/>
+            </a:endParaRPr>
+          </a:p>
+          <a:p>
+            <a:r>
+              <a:rPr lang="en-US" sz="1600" dirty="0">
+                <a:solidFill>
+                  <a:srgbClr val="0000FF"/>
+                </a:solidFill>
+                <a:highlight>
+                  <a:srgbClr val="FFFFFF"/>
+                </a:highlight>
+                <a:latin typeface="Cascadia Mono" panose="020B0609020000020004" pitchFamily="49" charset="0"/>
+              </a:rPr>
+              <a:t>OPTION	</a:t>
+            </a:r>
+            <a:r>
+              <a:rPr lang="en-US" sz="1600" dirty="0">
+                <a:solidFill>
+                  <a:srgbClr val="808080"/>
+                </a:solidFill>
+                <a:highlight>
+                  <a:srgbClr val="FFFFFF"/>
+                </a:highlight>
+                <a:latin typeface="Cascadia Mono" panose="020B0609020000020004" pitchFamily="49" charset="0"/>
+              </a:rPr>
+              <a:t>(</a:t>
+            </a:r>
+            <a:r>
+              <a:rPr lang="en-US" sz="1600" dirty="0">
+                <a:solidFill>
+                  <a:srgbClr val="0000FF"/>
+                </a:solidFill>
+                <a:highlight>
+                  <a:srgbClr val="FFFFFF"/>
+                </a:highlight>
+                <a:latin typeface="Cascadia Mono" panose="020B0609020000020004" pitchFamily="49" charset="0"/>
+              </a:rPr>
+              <a:t>MAXDOP</a:t>
+            </a:r>
+            <a:r>
+              <a:rPr lang="en-US" sz="1600" dirty="0">
+                <a:solidFill>
+                  <a:srgbClr val="000000"/>
+                </a:solidFill>
+                <a:highlight>
+                  <a:srgbClr val="FFFFFF"/>
+                </a:highlight>
+                <a:latin typeface="Cascadia Mono" panose="020B0609020000020004" pitchFamily="49" charset="0"/>
+              </a:rPr>
+              <a:t> 4</a:t>
+            </a:r>
+            <a:r>
+              <a:rPr lang="en-US" sz="1600" dirty="0">
+                <a:solidFill>
+                  <a:srgbClr val="808080"/>
+                </a:solidFill>
+                <a:highlight>
+                  <a:srgbClr val="FFFFFF"/>
+                </a:highlight>
+                <a:latin typeface="Cascadia Mono" panose="020B0609020000020004" pitchFamily="49" charset="0"/>
+              </a:rPr>
+              <a:t>);</a:t>
+            </a:r>
+            <a:endParaRPr lang="en-US" sz="1600" dirty="0">
+              <a:solidFill>
+                <a:srgbClr val="000000"/>
+              </a:solidFill>
+              <a:highlight>
+                <a:srgbClr val="FFFFFF"/>
+              </a:highlight>
+              <a:latin typeface="Cascadia Mono" panose="020B0609020000020004" pitchFamily="49" charset="0"/>
+            </a:endParaRPr>
+          </a:p>
+          <a:p>
+            <a:r>
+              <a:rPr lang="en-US" sz="1600" dirty="0">
+                <a:solidFill>
+                  <a:srgbClr val="0000FF"/>
+                </a:solidFill>
+                <a:highlight>
+                  <a:srgbClr val="FFFFFF"/>
+                </a:highlight>
+                <a:latin typeface="Cascadia Mono" panose="020B0609020000020004" pitchFamily="49" charset="0"/>
+              </a:rPr>
+              <a:t>GO</a:t>
+            </a:r>
+            <a:endParaRPr lang="en-US" sz="1600" dirty="0"/>
+          </a:p>
+        </p:txBody>
+      </p:sp>
+    </p:spTree>
+    <p:extLst>
+      <p:ext uri="{BB962C8B-B14F-4D97-AF65-F5344CB8AC3E}">
+        <p14:creationId xmlns:p14="http://schemas.microsoft.com/office/powerpoint/2010/main" val="3903839555"/>
+      </p:ext>
+    </p:extLst>
+  </p:cSld>
+  <p:clrMapOvr>
+    <a:masterClrMapping/>
+  </p:clrMapOvr>
+</p:sld>
+</file>
+
+<file path=ppt/slides/slide14.xml><?xml version="1.0" encoding="utf-8"?>
+<p:sld xmlns:a="http://schemas.openxmlformats.org/drawingml/2006/main" xmlns:r="http://schemas.openxmlformats.org/officeDocument/2006/relationships" xmlns:p="http://schemas.openxmlformats.org/presentationml/2006/main">
+  <p:cSld>
+    <p:spTree>
+      <p:nvGrpSpPr>
+        <p:cNvPr id="1" name="">
+          <a:extLst>
+            <a:ext uri="{FF2B5EF4-FFF2-40B4-BE49-F238E27FC236}">
+              <a16:creationId xmlns:a16="http://schemas.microsoft.com/office/drawing/2014/main" id="{C3DB66FD-D34C-4C06-FB63-E7CE2E777A6A}"/>
+            </a:ext>
+          </a:extLst>
+        </p:cNvPr>
+        <p:cNvGrpSpPr/>
+        <p:nvPr/>
+      </p:nvGrpSpPr>
+      <p:grpSpPr>
+        <a:xfrm>
+          <a:off x="0" y="0"/>
+          <a:ext cx="0" cy="0"/>
+          <a:chOff x="0" y="0"/>
+          <a:chExt cx="0" cy="0"/>
+        </a:xfrm>
+      </p:grpSpPr>
+      <p:sp>
+        <p:nvSpPr>
+          <p:cNvPr id="6" name="Titel 5">
+            <a:extLst>
+              <a:ext uri="{FF2B5EF4-FFF2-40B4-BE49-F238E27FC236}">
+                <a16:creationId xmlns:a16="http://schemas.microsoft.com/office/drawing/2014/main" id="{709E1C0F-6BA4-C5E1-7A05-DDC2C3472EA3}"/>
+              </a:ext>
+            </a:extLst>
+          </p:cNvPr>
+          <p:cNvSpPr>
+            <a:spLocks noGrp="1"/>
+          </p:cNvSpPr>
+          <p:nvPr>
+            <p:ph type="title"/>
+          </p:nvPr>
+        </p:nvSpPr>
+        <p:spPr/>
+        <p:txBody>
+          <a:bodyPr/>
+          <a:lstStyle/>
+          <a:p>
+            <a:r>
+              <a:rPr lang="de-DE" dirty="0"/>
+              <a:t>Query Performance Problems</a:t>
+            </a:r>
+          </a:p>
+        </p:txBody>
+      </p:sp>
+      <p:pic>
+        <p:nvPicPr>
+          <p:cNvPr id="3" name="Grafik 2">
+            <a:extLst>
+              <a:ext uri="{FF2B5EF4-FFF2-40B4-BE49-F238E27FC236}">
+                <a16:creationId xmlns:a16="http://schemas.microsoft.com/office/drawing/2014/main" id="{3E736B17-4405-E79C-070C-4CE116CB3C42}"/>
+              </a:ext>
+            </a:extLst>
+          </p:cNvPr>
+          <p:cNvPicPr>
+            <a:picLocks noChangeAspect="1"/>
+          </p:cNvPicPr>
+          <p:nvPr/>
+        </p:nvPicPr>
+        <p:blipFill>
+          <a:blip r:embed="rId2"/>
+          <a:stretch>
+            <a:fillRect/>
+          </a:stretch>
+        </p:blipFill>
+        <p:spPr>
+          <a:xfrm>
+            <a:off x="3863181" y="1700213"/>
+            <a:ext cx="4465637" cy="4465637"/>
+          </a:xfrm>
+          <a:prstGeom prst="rect">
+            <a:avLst/>
+          </a:prstGeom>
+        </p:spPr>
+      </p:pic>
+    </p:spTree>
+    <p:extLst>
+      <p:ext uri="{BB962C8B-B14F-4D97-AF65-F5344CB8AC3E}">
+        <p14:creationId xmlns:p14="http://schemas.microsoft.com/office/powerpoint/2010/main" val="4161616766"/>
+      </p:ext>
+    </p:extLst>
+  </p:cSld>
+  <p:clrMapOvr>
+    <a:masterClrMapping/>
+  </p:clrMapOvr>
+  <p:timing>
+    <p:tnLst>
+      <p:par>
+        <p:cTn id="1" dur="indefinite" restart="never" nodeType="tmRoot">
+          <p:childTnLst>
+            <p:seq concurrent="1" nextAc="seek">
+              <p:cTn id="2" dur="indefinite" nodeType="mainSeq">
+                <p:childTnLst>
+                  <p:par>
+                    <p:cTn id="3" fill="hold">
+                      <p:stCondLst>
+                        <p:cond delay="indefinite"/>
+                        <p:cond evt="onBegin" delay="0">
+                          <p:tn val="2"/>
+                        </p:cond>
+                      </p:stCondLst>
+                      <p:childTnLst>
+                        <p:par>
+                          <p:cTn id="4" fill="hold">
+                            <p:stCondLst>
+                              <p:cond delay="0"/>
+                            </p:stCondLst>
+                            <p:childTnLst>
+                              <p:par>
+                                <p:cTn id="5" presetID="31" presetClass="entr" presetSubtype="0" fill="hold" nodeType="withEffect">
+                                  <p:stCondLst>
+                                    <p:cond delay="0"/>
+                                  </p:stCondLst>
+                                  <p:childTnLst>
+                                    <p:set>
+                                      <p:cBhvr>
+                                        <p:cTn id="6" dur="1" fill="hold">
+                                          <p:stCondLst>
+                                            <p:cond delay="0"/>
+                                          </p:stCondLst>
+                                        </p:cTn>
+                                        <p:tgtEl>
+                                          <p:spTgt spid="3"/>
+                                        </p:tgtEl>
+                                        <p:attrNameLst>
+                                          <p:attrName>style.visibility</p:attrName>
+                                        </p:attrNameLst>
+                                      </p:cBhvr>
+                                      <p:to>
+                                        <p:strVal val="visible"/>
+                                      </p:to>
+                                    </p:set>
+                                    <p:anim calcmode="lin" valueType="num">
+                                      <p:cBhvr>
+                                        <p:cTn id="7" dur="1000" fill="hold"/>
+                                        <p:tgtEl>
+                                          <p:spTgt spid="3"/>
+                                        </p:tgtEl>
+                                        <p:attrNameLst>
+                                          <p:attrName>ppt_w</p:attrName>
+                                        </p:attrNameLst>
+                                      </p:cBhvr>
+                                      <p:tavLst>
+                                        <p:tav tm="0">
+                                          <p:val>
+                                            <p:fltVal val="0"/>
+                                          </p:val>
+                                        </p:tav>
+                                        <p:tav tm="100000">
+                                          <p:val>
+                                            <p:strVal val="#ppt_w"/>
+                                          </p:val>
+                                        </p:tav>
+                                      </p:tavLst>
+                                    </p:anim>
+                                    <p:anim calcmode="lin" valueType="num">
+                                      <p:cBhvr>
+                                        <p:cTn id="8" dur="1000" fill="hold"/>
+                                        <p:tgtEl>
+                                          <p:spTgt spid="3"/>
+                                        </p:tgtEl>
+                                        <p:attrNameLst>
+                                          <p:attrName>ppt_h</p:attrName>
+                                        </p:attrNameLst>
+                                      </p:cBhvr>
+                                      <p:tavLst>
+                                        <p:tav tm="0">
+                                          <p:val>
+                                            <p:fltVal val="0"/>
+                                          </p:val>
+                                        </p:tav>
+                                        <p:tav tm="100000">
+                                          <p:val>
+                                            <p:strVal val="#ppt_h"/>
+                                          </p:val>
+                                        </p:tav>
+                                      </p:tavLst>
+                                    </p:anim>
+                                    <p:anim calcmode="lin" valueType="num">
+                                      <p:cBhvr>
+                                        <p:cTn id="9" dur="1000" fill="hold"/>
+                                        <p:tgtEl>
+                                          <p:spTgt spid="3"/>
+                                        </p:tgtEl>
+                                        <p:attrNameLst>
+                                          <p:attrName>style.rotation</p:attrName>
+                                        </p:attrNameLst>
+                                      </p:cBhvr>
+                                      <p:tavLst>
+                                        <p:tav tm="0">
+                                          <p:val>
+                                            <p:fltVal val="90"/>
+                                          </p:val>
+                                        </p:tav>
+                                        <p:tav tm="100000">
+                                          <p:val>
+                                            <p:fltVal val="0"/>
+                                          </p:val>
+                                        </p:tav>
+                                      </p:tavLst>
+                                    </p:anim>
+                                    <p:animEffect transition="in" filter="fade">
+                                      <p:cBhvr>
+                                        <p:cTn id="10" dur="1000"/>
+                                        <p:tgtEl>
+                                          <p:spTgt spid="3"/>
+                                        </p:tgtEl>
+                                      </p:cBhvr>
+                                    </p:animEffect>
+                                  </p:childTnLst>
+                                </p:cTn>
+                              </p:par>
+                            </p:childTnLst>
+                          </p:cTn>
+                        </p:par>
+                      </p:childTnLst>
+                    </p:cTn>
+                  </p:par>
+                </p:childTnLst>
+              </p:cTn>
+              <p:prevCondLst>
+                <p:cond evt="onPrev" delay="0">
+                  <p:tgtEl>
+                    <p:sldTgt/>
+                  </p:tgtEl>
+                </p:cond>
+              </p:prevCondLst>
+              <p:nextCondLst>
+                <p:cond evt="onNext" delay="0">
+                  <p:tgtEl>
+                    <p:sldTgt/>
+                  </p:tgtEl>
+                </p:cond>
+              </p:nextCondLst>
+            </p:seq>
+          </p:childTnLst>
+        </p:cTn>
+      </p:par>
+    </p:tnLst>
+  </p:timing>
+</p:sld>
+</file>
+
+<file path=ppt/slides/slide15.xml><?xml version="1.0" encoding="utf-8"?>
+<p:sld xmlns:a="http://schemas.openxmlformats.org/drawingml/2006/main" xmlns:r="http://schemas.openxmlformats.org/officeDocument/2006/relationships" xmlns:p="http://schemas.openxmlformats.org/presentationml/2006/main">
+  <p:cSld>
+    <p:spTree>
+      <p:nvGrpSpPr>
+        <p:cNvPr id="1" name=""/>
+        <p:cNvGrpSpPr/>
+        <p:nvPr/>
+      </p:nvGrpSpPr>
+      <p:grpSpPr>
+        <a:xfrm>
+          <a:off x="0" y="0"/>
+          <a:ext cx="0" cy="0"/>
+          <a:chOff x="0" y="0"/>
+          <a:chExt cx="0" cy="0"/>
+        </a:xfrm>
+      </p:grpSpPr>
+      <p:sp>
+        <p:nvSpPr>
+          <p:cNvPr id="2" name="Titel 1">
+            <a:extLst>
+              <a:ext uri="{FF2B5EF4-FFF2-40B4-BE49-F238E27FC236}">
+                <a16:creationId xmlns:a16="http://schemas.microsoft.com/office/drawing/2014/main" id="{928D8828-A727-9DD1-29A8-4EA556372303}"/>
+              </a:ext>
+            </a:extLst>
+          </p:cNvPr>
+          <p:cNvSpPr>
+            <a:spLocks noGrp="1"/>
+          </p:cNvSpPr>
+          <p:nvPr>
+            <p:ph type="title"/>
+          </p:nvPr>
+        </p:nvSpPr>
+        <p:spPr/>
+        <p:txBody>
+          <a:bodyPr/>
+          <a:lstStyle/>
+          <a:p>
+            <a:r>
+              <a:rPr lang="en-US" dirty="0"/>
+              <a:t>Query Performance Problems</a:t>
+            </a:r>
+          </a:p>
+        </p:txBody>
+      </p:sp>
+      <p:sp>
+        <p:nvSpPr>
+          <p:cNvPr id="3" name="Inhaltsplatzhalter 2">
+            <a:extLst>
+              <a:ext uri="{FF2B5EF4-FFF2-40B4-BE49-F238E27FC236}">
+                <a16:creationId xmlns:a16="http://schemas.microsoft.com/office/drawing/2014/main" id="{6C55F80A-6D7C-3EE9-842C-8B07220C5677}"/>
+              </a:ext>
+            </a:extLst>
+          </p:cNvPr>
+          <p:cNvSpPr>
+            <a:spLocks noGrp="1"/>
+          </p:cNvSpPr>
+          <p:nvPr>
+            <p:ph idx="1"/>
+          </p:nvPr>
+        </p:nvSpPr>
+        <p:spPr/>
+        <p:txBody>
+          <a:bodyPr/>
+          <a:lstStyle/>
+          <a:p>
+            <a:r>
+              <a:rPr lang="en-US" dirty="0"/>
+              <a:t>In SQL Server, the internal representation of a partitioned table is changed so that the table appears to the query processor to be a multicolumn index with </a:t>
+            </a:r>
+            <a:r>
+              <a:rPr lang="en-US" b="1" dirty="0" err="1">
+                <a:solidFill>
+                  <a:srgbClr val="FF0000"/>
+                </a:solidFill>
+              </a:rPr>
+              <a:t>PartitionID</a:t>
+            </a:r>
+            <a:r>
+              <a:rPr lang="en-US" b="1" dirty="0">
+                <a:solidFill>
+                  <a:srgbClr val="FF0000"/>
+                </a:solidFill>
+              </a:rPr>
+              <a:t> as the leading column.</a:t>
+            </a:r>
+          </a:p>
+          <a:p>
+            <a:r>
+              <a:rPr lang="en-US" dirty="0" err="1"/>
+              <a:t>PartitionID</a:t>
+            </a:r>
+            <a:r>
+              <a:rPr lang="en-US" dirty="0"/>
+              <a:t> is a hidden computed column used internally to represent the ID of the partition containing a specific row.</a:t>
+            </a:r>
+          </a:p>
+          <a:p>
+            <a:r>
+              <a:rPr lang="en-US" dirty="0"/>
+              <a:t>This allows the Query Optimizer to perform seek operations based on </a:t>
+            </a:r>
+            <a:r>
+              <a:rPr lang="en-US" dirty="0" err="1"/>
+              <a:t>PartitionID</a:t>
+            </a:r>
+            <a:r>
+              <a:rPr lang="en-US" dirty="0"/>
+              <a:t> on any partitioned table or index.</a:t>
+            </a:r>
+          </a:p>
+          <a:p>
+            <a:pPr marL="0" indent="0">
+              <a:buNone/>
+            </a:pPr>
+            <a:endParaRPr lang="en-US" dirty="0"/>
+          </a:p>
+          <a:p>
+            <a:r>
+              <a:rPr lang="en-US" b="1" dirty="0"/>
+              <a:t>PARTITION ELIMINATION IS NOW DONE IN THIS SEEK OPERATION.</a:t>
+            </a:r>
+          </a:p>
+        </p:txBody>
+      </p:sp>
+    </p:spTree>
+    <p:extLst>
+      <p:ext uri="{BB962C8B-B14F-4D97-AF65-F5344CB8AC3E}">
+        <p14:creationId xmlns:p14="http://schemas.microsoft.com/office/powerpoint/2010/main" val="2530582513"/>
+      </p:ext>
+    </p:extLst>
+  </p:cSld>
+  <p:clrMapOvr>
+    <a:masterClrMapping/>
+  </p:clrMapOvr>
+</p:sld>
+</file>
+
+<file path=ppt/slides/slide16.xml><?xml version="1.0" encoding="utf-8"?>
+<p:sld xmlns:a="http://schemas.openxmlformats.org/drawingml/2006/main" xmlns:r="http://schemas.openxmlformats.org/officeDocument/2006/relationships" xmlns:p="http://schemas.openxmlformats.org/presentationml/2006/main">
+  <p:cSld>
+    <p:spTree>
+      <p:nvGrpSpPr>
+        <p:cNvPr id="1" name=""/>
+        <p:cNvGrpSpPr/>
+        <p:nvPr/>
+      </p:nvGrpSpPr>
+      <p:grpSpPr>
+        <a:xfrm>
+          <a:off x="0" y="0"/>
+          <a:ext cx="0" cy="0"/>
+          <a:chOff x="0" y="0"/>
+          <a:chExt cx="0" cy="0"/>
+        </a:xfrm>
+      </p:grpSpPr>
+      <p:sp>
+        <p:nvSpPr>
+          <p:cNvPr id="2" name="Titel 1">
+            <a:extLst>
+              <a:ext uri="{FF2B5EF4-FFF2-40B4-BE49-F238E27FC236}">
+                <a16:creationId xmlns:a16="http://schemas.microsoft.com/office/drawing/2014/main" id="{237AE108-8D31-F41E-B196-043828B7050F}"/>
+              </a:ext>
+            </a:extLst>
+          </p:cNvPr>
+          <p:cNvSpPr>
+            <a:spLocks noGrp="1"/>
+          </p:cNvSpPr>
+          <p:nvPr>
+            <p:ph type="title"/>
+          </p:nvPr>
+        </p:nvSpPr>
+        <p:spPr/>
+        <p:txBody>
+          <a:bodyPr/>
+          <a:lstStyle/>
+          <a:p>
+            <a:r>
+              <a:rPr lang="en-US" dirty="0"/>
+              <a:t>Query Performance Problems</a:t>
+            </a:r>
+          </a:p>
+        </p:txBody>
+      </p:sp>
+      <p:pic>
+        <p:nvPicPr>
+          <p:cNvPr id="7" name="Inhaltsplatzhalter 6">
+            <a:extLst>
+              <a:ext uri="{FF2B5EF4-FFF2-40B4-BE49-F238E27FC236}">
+                <a16:creationId xmlns:a16="http://schemas.microsoft.com/office/drawing/2014/main" id="{E81529DB-9B1E-B179-8F20-CB5510FF7942}"/>
+              </a:ext>
+            </a:extLst>
+          </p:cNvPr>
+          <p:cNvPicPr>
+            <a:picLocks noGrp="1" noChangeAspect="1"/>
+          </p:cNvPicPr>
+          <p:nvPr>
+            <p:ph sz="half" idx="1"/>
+          </p:nvPr>
+        </p:nvPicPr>
+        <p:blipFill>
+          <a:blip r:embed="rId2"/>
+          <a:stretch>
+            <a:fillRect/>
+          </a:stretch>
+        </p:blipFill>
+        <p:spPr>
+          <a:xfrm>
+            <a:off x="334963" y="2098898"/>
+            <a:ext cx="5581650" cy="3704779"/>
+          </a:xfrm>
+        </p:spPr>
+      </p:pic>
+      <p:pic>
+        <p:nvPicPr>
+          <p:cNvPr id="9" name="Inhaltsplatzhalter 8">
+            <a:extLst>
+              <a:ext uri="{FF2B5EF4-FFF2-40B4-BE49-F238E27FC236}">
+                <a16:creationId xmlns:a16="http://schemas.microsoft.com/office/drawing/2014/main" id="{F49BC06D-3935-C6BB-6642-EF1D169411D8}"/>
+              </a:ext>
+            </a:extLst>
+          </p:cNvPr>
+          <p:cNvPicPr>
+            <a:picLocks noGrp="1" noChangeAspect="1"/>
+          </p:cNvPicPr>
+          <p:nvPr>
+            <p:ph sz="half" idx="2"/>
+          </p:nvPr>
+        </p:nvPicPr>
+        <p:blipFill>
+          <a:blip r:embed="rId3"/>
+          <a:stretch>
+            <a:fillRect/>
+          </a:stretch>
+        </p:blipFill>
+        <p:spPr>
+          <a:xfrm>
+            <a:off x="6275388" y="2096513"/>
+            <a:ext cx="5584825" cy="2970789"/>
+          </a:xfrm>
+        </p:spPr>
+      </p:pic>
+      <p:sp>
+        <p:nvSpPr>
+          <p:cNvPr id="10" name="Textfeld 9">
+            <a:extLst>
+              <a:ext uri="{FF2B5EF4-FFF2-40B4-BE49-F238E27FC236}">
+                <a16:creationId xmlns:a16="http://schemas.microsoft.com/office/drawing/2014/main" id="{40C52575-7F47-6F22-50F2-7B65AE438144}"/>
+              </a:ext>
+            </a:extLst>
+          </p:cNvPr>
+          <p:cNvSpPr txBox="1"/>
+          <p:nvPr/>
+        </p:nvSpPr>
+        <p:spPr>
+          <a:xfrm>
+            <a:off x="7426326" y="2122995"/>
+            <a:ext cx="1149350" cy="230832"/>
+          </a:xfrm>
+          <a:prstGeom prst="rect">
+            <a:avLst/>
+          </a:prstGeom>
+          <a:solidFill>
+            <a:schemeClr val="bg1"/>
+          </a:solidFill>
+        </p:spPr>
+        <p:txBody>
+          <a:bodyPr wrap="square" rtlCol="0">
+            <a:spAutoFit/>
+          </a:bodyPr>
+          <a:lstStyle/>
+          <a:p>
+            <a:r>
+              <a:rPr lang="en-US" sz="900" b="1" dirty="0" err="1">
+                <a:solidFill>
+                  <a:srgbClr val="FF0000"/>
+                </a:solidFill>
+              </a:rPr>
+              <a:t>PartitionId</a:t>
+            </a:r>
+            <a:r>
+              <a:rPr lang="en-US" sz="900" b="1" dirty="0">
+                <a:solidFill>
+                  <a:srgbClr val="FF0000"/>
+                </a:solidFill>
+              </a:rPr>
+              <a:t> (key)</a:t>
+            </a:r>
+          </a:p>
+        </p:txBody>
+      </p:sp>
+    </p:spTree>
+    <p:extLst>
+      <p:ext uri="{BB962C8B-B14F-4D97-AF65-F5344CB8AC3E}">
+        <p14:creationId xmlns:p14="http://schemas.microsoft.com/office/powerpoint/2010/main" val="1121380103"/>
+      </p:ext>
+    </p:extLst>
+  </p:cSld>
+  <p:clrMapOvr>
+    <a:masterClrMapping/>
+  </p:clrMapOvr>
+  <p:timing>
+    <p:tnLst>
+      <p:par>
+        <p:cTn id="1" dur="indefinite" restart="never" nodeType="tmRoot">
+          <p:childTnLst>
+            <p:seq concurrent="1" nextAc="seek">
+              <p:cTn id="2" dur="indefinite" nodeType="mainSeq">
+                <p:childTnLst>
+                  <p:par>
+                    <p:cTn id="3" fill="hold">
+                      <p:stCondLst>
+                        <p:cond delay="indefinite"/>
+                      </p:stCondLst>
+                      <p:childTnLst>
+                        <p:par>
+                          <p:cTn id="4" fill="hold">
+                            <p:stCondLst>
+                              <p:cond delay="0"/>
+                            </p:stCondLst>
+                            <p:childTnLst>
+                              <p:par>
+                                <p:cTn id="5" presetID="42" presetClass="entr" presetSubtype="0" fill="hold" nodeType="clickEffect">
+                                  <p:stCondLst>
+                                    <p:cond delay="0"/>
+                                  </p:stCondLst>
+                                  <p:childTnLst>
+                                    <p:set>
+                                      <p:cBhvr>
+                                        <p:cTn id="6" dur="1" fill="hold">
+                                          <p:stCondLst>
+                                            <p:cond delay="0"/>
+                                          </p:stCondLst>
+                                        </p:cTn>
+                                        <p:tgtEl>
+                                          <p:spTgt spid="7"/>
+                                        </p:tgtEl>
+                                        <p:attrNameLst>
+                                          <p:attrName>style.visibility</p:attrName>
+                                        </p:attrNameLst>
+                                      </p:cBhvr>
+                                      <p:to>
+                                        <p:strVal val="visible"/>
+                                      </p:to>
+                                    </p:set>
+                                    <p:animEffect transition="in" filter="fade">
+                                      <p:cBhvr>
+                                        <p:cTn id="7" dur="1000"/>
+                                        <p:tgtEl>
+                                          <p:spTgt spid="7"/>
+                                        </p:tgtEl>
+                                      </p:cBhvr>
+                                    </p:animEffect>
+                                    <p:anim calcmode="lin" valueType="num">
+                                      <p:cBhvr>
+                                        <p:cTn id="8" dur="1000" fill="hold"/>
+                                        <p:tgtEl>
+                                          <p:spTgt spid="7"/>
+                                        </p:tgtEl>
+                                        <p:attrNameLst>
+                                          <p:attrName>ppt_x</p:attrName>
+                                        </p:attrNameLst>
+                                      </p:cBhvr>
+                                      <p:tavLst>
+                                        <p:tav tm="0">
+                                          <p:val>
+                                            <p:strVal val="#ppt_x"/>
+                                          </p:val>
+                                        </p:tav>
+                                        <p:tav tm="100000">
+                                          <p:val>
+                                            <p:strVal val="#ppt_x"/>
+                                          </p:val>
+                                        </p:tav>
+                                      </p:tavLst>
+                                    </p:anim>
+                                    <p:anim calcmode="lin" valueType="num">
+                                      <p:cBhvr>
+                                        <p:cTn id="9" dur="1000" fill="hold"/>
+                                        <p:tgtEl>
+                                          <p:spTgt spid="7"/>
+                                        </p:tgtEl>
+                                        <p:attrNameLst>
+                                          <p:attrName>ppt_y</p:attrName>
+                                        </p:attrNameLst>
+                                      </p:cBhvr>
+                                      <p:tavLst>
+                                        <p:tav tm="0">
+                                          <p:val>
+                                            <p:strVal val="#ppt_y+.1"/>
+                                          </p:val>
+                                        </p:tav>
+                                        <p:tav tm="100000">
+                                          <p:val>
+                                            <p:strVal val="#ppt_y"/>
+                                          </p:val>
+                                        </p:tav>
+                                      </p:tavLst>
+                                    </p:anim>
+                                  </p:childTnLst>
+                                </p:cTn>
+                              </p:par>
+                            </p:childTnLst>
+                          </p:cTn>
+                        </p:par>
+                      </p:childTnLst>
+                    </p:cTn>
+                  </p:par>
+                  <p:par>
+                    <p:cTn id="10" fill="hold">
+                      <p:stCondLst>
+                        <p:cond delay="indefinite"/>
+                      </p:stCondLst>
+                      <p:childTnLst>
+                        <p:par>
+                          <p:cTn id="11" fill="hold">
+                            <p:stCondLst>
+                              <p:cond delay="0"/>
+                            </p:stCondLst>
+                            <p:childTnLst>
+                              <p:par>
+                                <p:cTn id="12" presetID="42" presetClass="entr" presetSubtype="0" fill="hold" nodeType="clickEffect">
+                                  <p:stCondLst>
+                                    <p:cond delay="0"/>
+                                  </p:stCondLst>
+                                  <p:childTnLst>
+                                    <p:set>
+                                      <p:cBhvr>
+                                        <p:cTn id="13" dur="1" fill="hold">
+                                          <p:stCondLst>
+                                            <p:cond delay="0"/>
+                                          </p:stCondLst>
+                                        </p:cTn>
+                                        <p:tgtEl>
+                                          <p:spTgt spid="9"/>
+                                        </p:tgtEl>
+                                        <p:attrNameLst>
+                                          <p:attrName>style.visibility</p:attrName>
+                                        </p:attrNameLst>
+                                      </p:cBhvr>
+                                      <p:to>
+                                        <p:strVal val="visible"/>
+                                      </p:to>
+                                    </p:set>
+                                    <p:animEffect transition="in" filter="fade">
+                                      <p:cBhvr>
+                                        <p:cTn id="14" dur="1000"/>
+                                        <p:tgtEl>
+                                          <p:spTgt spid="9"/>
+                                        </p:tgtEl>
+                                      </p:cBhvr>
+                                    </p:animEffect>
+                                    <p:anim calcmode="lin" valueType="num">
+                                      <p:cBhvr>
+                                        <p:cTn id="15" dur="1000" fill="hold"/>
+                                        <p:tgtEl>
+                                          <p:spTgt spid="9"/>
+                                        </p:tgtEl>
+                                        <p:attrNameLst>
+                                          <p:attrName>ppt_x</p:attrName>
+                                        </p:attrNameLst>
+                                      </p:cBhvr>
+                                      <p:tavLst>
+                                        <p:tav tm="0">
+                                          <p:val>
+                                            <p:strVal val="#ppt_x"/>
+                                          </p:val>
+                                        </p:tav>
+                                        <p:tav tm="100000">
+                                          <p:val>
+                                            <p:strVal val="#ppt_x"/>
+                                          </p:val>
+                                        </p:tav>
+                                      </p:tavLst>
+                                    </p:anim>
+                                    <p:anim calcmode="lin" valueType="num">
+                                      <p:cBhvr>
+                                        <p:cTn id="16" dur="1000" fill="hold"/>
+                                        <p:tgtEl>
+                                          <p:spTgt spid="9"/>
+                                        </p:tgtEl>
+                                        <p:attrNameLst>
+                                          <p:attrName>ppt_y</p:attrName>
+                                        </p:attrNameLst>
+                                      </p:cBhvr>
+                                      <p:tavLst>
+                                        <p:tav tm="0">
+                                          <p:val>
+                                            <p:strVal val="#ppt_y+.1"/>
+                                          </p:val>
+                                        </p:tav>
+                                        <p:tav tm="100000">
+                                          <p:val>
+                                            <p:strVal val="#ppt_y"/>
+                                          </p:val>
+                                        </p:tav>
+                                      </p:tavLst>
+                                    </p:anim>
+                                  </p:childTnLst>
+                                </p:cTn>
+                              </p:par>
+                              <p:par>
+                                <p:cTn id="17" presetID="42" presetClass="entr" presetSubtype="0" fill="hold" grpId="0" nodeType="withEffect">
+                                  <p:stCondLst>
+                                    <p:cond delay="0"/>
+                                  </p:stCondLst>
+                                  <p:childTnLst>
+                                    <p:set>
+                                      <p:cBhvr>
+                                        <p:cTn id="18" dur="1" fill="hold">
+                                          <p:stCondLst>
+                                            <p:cond delay="0"/>
+                                          </p:stCondLst>
+                                        </p:cTn>
+                                        <p:tgtEl>
+                                          <p:spTgt spid="10"/>
+                                        </p:tgtEl>
+                                        <p:attrNameLst>
+                                          <p:attrName>style.visibility</p:attrName>
+                                        </p:attrNameLst>
+                                      </p:cBhvr>
+                                      <p:to>
+                                        <p:strVal val="visible"/>
+                                      </p:to>
+                                    </p:set>
+                                    <p:animEffect transition="in" filter="fade">
+                                      <p:cBhvr>
+                                        <p:cTn id="19" dur="1000"/>
+                                        <p:tgtEl>
+                                          <p:spTgt spid="10"/>
+                                        </p:tgtEl>
+                                      </p:cBhvr>
+                                    </p:animEffect>
+                                    <p:anim calcmode="lin" valueType="num">
+                                      <p:cBhvr>
+                                        <p:cTn id="20" dur="1000" fill="hold"/>
+                                        <p:tgtEl>
+                                          <p:spTgt spid="10"/>
+                                        </p:tgtEl>
+                                        <p:attrNameLst>
+                                          <p:attrName>ppt_x</p:attrName>
+                                        </p:attrNameLst>
+                                      </p:cBhvr>
+                                      <p:tavLst>
+                                        <p:tav tm="0">
+                                          <p:val>
+                                            <p:strVal val="#ppt_x"/>
+                                          </p:val>
+                                        </p:tav>
+                                        <p:tav tm="100000">
+                                          <p:val>
+                                            <p:strVal val="#ppt_x"/>
+                                          </p:val>
+                                        </p:tav>
+                                      </p:tavLst>
+                                    </p:anim>
+                                    <p:anim calcmode="lin" valueType="num">
+                                      <p:cBhvr>
+                                        <p:cTn id="21" dur="1000" fill="hold"/>
+                                        <p:tgtEl>
+                                          <p:spTgt spid="10"/>
+                                        </p:tgtEl>
+                                        <p:attrNameLst>
+                                          <p:attrName>ppt_y</p:attrName>
+                                        </p:attrNameLst>
+                                      </p:cBhvr>
+                                      <p:tavLst>
+                                        <p:tav tm="0">
+                                          <p:val>
+                                            <p:strVal val="#ppt_y+.1"/>
+                                          </p:val>
+                                        </p:tav>
+                                        <p:tav tm="100000">
+                                          <p:val>
+                                            <p:strVal val="#ppt_y"/>
+                                          </p:val>
+                                        </p:tav>
+                                      </p:tavLst>
+                                    </p:anim>
+                                  </p:childTnLst>
+                                </p:cTn>
+                              </p:par>
+                            </p:childTnLst>
+                          </p:cTn>
+                        </p:par>
+                      </p:childTnLst>
+                    </p:cTn>
+                  </p:par>
+                </p:childTnLst>
+              </p:cTn>
+              <p:prevCondLst>
+                <p:cond evt="onPrev" delay="0">
+                  <p:tgtEl>
+                    <p:sldTgt/>
+                  </p:tgtEl>
+                </p:cond>
+              </p:prevCondLst>
+              <p:nextCondLst>
+                <p:cond evt="onNext" delay="0">
+                  <p:tgtEl>
+                    <p:sldTgt/>
+                  </p:tgtEl>
+                </p:cond>
+              </p:nextCondLst>
+            </p:seq>
+          </p:childTnLst>
+        </p:cTn>
+      </p:par>
+    </p:tnLst>
+    <p:bldLst>
+      <p:bldP spid="10" grpId="0" animBg="1"/>
+    </p:bldLst>
+  </p:timing>
+</p:sld>
+</file>
+
+<file path=ppt/slides/slide17.xml><?xml version="1.0" encoding="utf-8"?>
+<p:sld xmlns:a="http://schemas.openxmlformats.org/drawingml/2006/main" xmlns:r="http://schemas.openxmlformats.org/officeDocument/2006/relationships" xmlns:p="http://schemas.openxmlformats.org/presentationml/2006/main">
+  <p:cSld>
+    <p:spTree>
+      <p:nvGrpSpPr>
         <p:cNvPr id="1" name="">
           <a:extLst>
             <a:ext uri="{FF2B5EF4-FFF2-40B4-BE49-F238E27FC236}">
@@ -9831,7 +12191,7 @@
 </p:sld>
 </file>
 
-<file path=ppt/slides/slide13.xml><?xml version="1.0" encoding="utf-8"?>
+<file path=ppt/slides/slide18.xml><?xml version="1.0" encoding="utf-8"?>
 <p:sld xmlns:a="http://schemas.openxmlformats.org/drawingml/2006/main" xmlns:r="http://schemas.openxmlformats.org/officeDocument/2006/relationships" xmlns:p="http://schemas.openxmlformats.org/presentationml/2006/main">
   <p:cSld>
     <p:spTree>
@@ -11164,7 +13524,7 @@
 </p:sld>
 </file>
 
-<file path=ppt/slides/slide14.xml><?xml version="1.0" encoding="utf-8"?>
+<file path=ppt/slides/slide19.xml><?xml version="1.0" encoding="utf-8"?>
 <p:sld xmlns:a="http://schemas.openxmlformats.org/drawingml/2006/main" xmlns:r="http://schemas.openxmlformats.org/officeDocument/2006/relationships" xmlns:p="http://schemas.openxmlformats.org/presentationml/2006/main">
   <p:cSld>
     <p:spTree>
@@ -12540,7 +14900,173 @@
 </p:sld>
 </file>
 
-<file path=ppt/slides/slide15.xml><?xml version="1.0" encoding="utf-8"?>
+<file path=ppt/slides/slide2.xml><?xml version="1.0" encoding="utf-8"?>
+<p:sld xmlns:a="http://schemas.openxmlformats.org/drawingml/2006/main" xmlns:r="http://schemas.openxmlformats.org/officeDocument/2006/relationships" xmlns:p="http://schemas.openxmlformats.org/presentationml/2006/main">
+  <p:cSld>
+    <p:spTree>
+      <p:nvGrpSpPr>
+        <p:cNvPr id="1" name=""/>
+        <p:cNvGrpSpPr/>
+        <p:nvPr/>
+      </p:nvGrpSpPr>
+      <p:grpSpPr>
+        <a:xfrm>
+          <a:off x="0" y="0"/>
+          <a:ext cx="0" cy="0"/>
+          <a:chOff x="0" y="0"/>
+          <a:chExt cx="0" cy="0"/>
+        </a:xfrm>
+      </p:grpSpPr>
+      <p:sp>
+        <p:nvSpPr>
+          <p:cNvPr id="2" name="Titel 1">
+            <a:extLst>
+              <a:ext uri="{FF2B5EF4-FFF2-40B4-BE49-F238E27FC236}">
+                <a16:creationId xmlns:a16="http://schemas.microsoft.com/office/drawing/2014/main" id="{2AA66F59-B715-4CE2-83DF-6D035DD595FA}"/>
+              </a:ext>
+            </a:extLst>
+          </p:cNvPr>
+          <p:cNvSpPr>
+            <a:spLocks noGrp="1"/>
+          </p:cNvSpPr>
+          <p:nvPr>
+            <p:ph type="title"/>
+          </p:nvPr>
+        </p:nvSpPr>
+        <p:spPr/>
+        <p:txBody>
+          <a:bodyPr/>
+          <a:lstStyle/>
+          <a:p>
+            <a:r>
+              <a:rPr lang="de-DE" dirty="0"/>
+              <a:t>Links for </a:t>
+            </a:r>
+            <a:r>
+              <a:rPr lang="de-DE" dirty="0" err="1"/>
+              <a:t>this</a:t>
+            </a:r>
+            <a:r>
+              <a:rPr lang="de-DE" dirty="0"/>
+              <a:t> Session/Workshop</a:t>
+            </a:r>
+          </a:p>
+        </p:txBody>
+      </p:sp>
+      <p:sp>
+        <p:nvSpPr>
+          <p:cNvPr id="3" name="Inhaltsplatzhalter 2">
+            <a:extLst>
+              <a:ext uri="{FF2B5EF4-FFF2-40B4-BE49-F238E27FC236}">
+                <a16:creationId xmlns:a16="http://schemas.microsoft.com/office/drawing/2014/main" id="{32727BD7-7924-41DC-BF8D-0990B5F36E59}"/>
+              </a:ext>
+            </a:extLst>
+          </p:cNvPr>
+          <p:cNvSpPr>
+            <a:spLocks noGrp="1"/>
+          </p:cNvSpPr>
+          <p:nvPr>
+            <p:ph idx="1"/>
+          </p:nvPr>
+        </p:nvSpPr>
+        <p:spPr/>
+        <p:txBody>
+          <a:bodyPr>
+            <a:normAutofit/>
+          </a:bodyPr>
+          <a:lstStyle/>
+          <a:p>
+            <a:r>
+              <a:rPr lang="de-DE" dirty="0"/>
+              <a:t>Scripts and Slide Decks</a:t>
+            </a:r>
+            <a:br>
+              <a:rPr lang="de-DE" dirty="0"/>
+            </a:br>
+            <a:r>
+              <a:rPr lang="de-DE" dirty="0">
+                <a:hlinkClick r:id="rId2"/>
+              </a:rPr>
+              <a:t>https://github.com/db-berater/SQL-Server-Partitioning-for-Data-Management</a:t>
+            </a:r>
+            <a:endParaRPr lang="de-DE" dirty="0"/>
+          </a:p>
+          <a:p>
+            <a:endParaRPr lang="de-DE" dirty="0"/>
+          </a:p>
+          <a:p>
+            <a:r>
+              <a:rPr lang="de-DE" dirty="0"/>
+              <a:t>ERP Demo Database (17.00 GB)</a:t>
+            </a:r>
+            <a:br>
+              <a:rPr lang="de-DE" dirty="0"/>
+            </a:br>
+            <a:r>
+              <a:rPr lang="de-DE" dirty="0">
+                <a:hlinkClick r:id="rId3"/>
+              </a:rPr>
+              <a:t>https://db-berater.de/downloads/ERP_Demo_2012.bak</a:t>
+            </a:r>
+            <a:endParaRPr lang="de-DE" dirty="0"/>
+          </a:p>
+          <a:p>
+            <a:endParaRPr lang="de-DE" dirty="0"/>
+          </a:p>
+          <a:p>
+            <a:r>
+              <a:rPr lang="de-DE" dirty="0" err="1"/>
+              <a:t>SQLQueryStress</a:t>
+            </a:r>
+            <a:br>
+              <a:rPr lang="de-DE" dirty="0"/>
+            </a:br>
+            <a:r>
+              <a:rPr lang="de-DE" dirty="0">
+                <a:hlinkClick r:id="rId4"/>
+              </a:rPr>
+              <a:t>https://github.com/ErikEJ/SqlQueryStress</a:t>
+            </a:r>
+            <a:endParaRPr lang="de-DE" dirty="0"/>
+          </a:p>
+          <a:p>
+            <a:endParaRPr lang="de-DE" dirty="0"/>
+          </a:p>
+          <a:p>
+            <a:r>
+              <a:rPr lang="de-DE" dirty="0"/>
+              <a:t>Windows Admin Center</a:t>
+            </a:r>
+            <a:br>
+              <a:rPr lang="de-DE" dirty="0"/>
+            </a:br>
+            <a:r>
+              <a:rPr lang="de-DE" dirty="0">
+                <a:hlinkClick r:id="rId5"/>
+              </a:rPr>
+              <a:t>https://go.microsoft.com/fwlink/?linkid=2220149</a:t>
+            </a:r>
+            <a:endParaRPr lang="de-DE" dirty="0"/>
+          </a:p>
+          <a:p>
+            <a:endParaRPr lang="de-DE" dirty="0"/>
+          </a:p>
+        </p:txBody>
+      </p:sp>
+    </p:spTree>
+    <p:extLst>
+      <p:ext uri="{BB962C8B-B14F-4D97-AF65-F5344CB8AC3E}">
+        <p14:creationId xmlns:p14="http://schemas.microsoft.com/office/powerpoint/2010/main" val="1252969730"/>
+      </p:ext>
+    </p:extLst>
+  </p:cSld>
+  <p:clrMapOvr>
+    <a:masterClrMapping/>
+  </p:clrMapOvr>
+</p:sld>
+</file>
+
+<file path=ppt/slides/slide20.xml><?xml version="1.0" encoding="utf-8"?>
 <p:sld xmlns:a="http://schemas.openxmlformats.org/drawingml/2006/main" xmlns:r="http://schemas.openxmlformats.org/officeDocument/2006/relationships" xmlns:p="http://schemas.openxmlformats.org/presentationml/2006/main">
   <p:cSld>
     <p:spTree>
@@ -13137,7 +15663,257 @@
 </p:sld>
 </file>
 
-<file path=ppt/slides/slide16.xml><?xml version="1.0" encoding="utf-8"?>
+<file path=ppt/slides/slide21.xml><?xml version="1.0" encoding="utf-8"?>
+<p:sld xmlns:a="http://schemas.openxmlformats.org/drawingml/2006/main" xmlns:r="http://schemas.openxmlformats.org/officeDocument/2006/relationships" xmlns:p="http://schemas.openxmlformats.org/presentationml/2006/main">
+  <p:cSld>
+    <p:spTree>
+      <p:nvGrpSpPr>
+        <p:cNvPr id="1" name="">
+          <a:extLst>
+            <a:ext uri="{FF2B5EF4-FFF2-40B4-BE49-F238E27FC236}">
+              <a16:creationId xmlns:a16="http://schemas.microsoft.com/office/drawing/2014/main" id="{B78E1C45-DCEA-BC6C-DE49-76873172FF3C}"/>
+            </a:ext>
+          </a:extLst>
+        </p:cNvPr>
+        <p:cNvGrpSpPr/>
+        <p:nvPr/>
+      </p:nvGrpSpPr>
+      <p:grpSpPr>
+        <a:xfrm>
+          <a:off x="0" y="0"/>
+          <a:ext cx="0" cy="0"/>
+          <a:chOff x="0" y="0"/>
+          <a:chExt cx="0" cy="0"/>
+        </a:xfrm>
+      </p:grpSpPr>
+      <p:sp>
+        <p:nvSpPr>
+          <p:cNvPr id="6" name="Titel 5">
+            <a:extLst>
+              <a:ext uri="{FF2B5EF4-FFF2-40B4-BE49-F238E27FC236}">
+                <a16:creationId xmlns:a16="http://schemas.microsoft.com/office/drawing/2014/main" id="{7391CEEE-BF45-FD5C-50D6-4D6C1E309B5C}"/>
+              </a:ext>
+            </a:extLst>
+          </p:cNvPr>
+          <p:cNvSpPr>
+            <a:spLocks noGrp="1"/>
+          </p:cNvSpPr>
+          <p:nvPr>
+            <p:ph type="title"/>
+          </p:nvPr>
+        </p:nvSpPr>
+        <p:spPr/>
+        <p:txBody>
+          <a:bodyPr/>
+          <a:lstStyle/>
+          <a:p>
+            <a:r>
+              <a:rPr lang="de-DE"/>
+              <a:t>Data Warehouse</a:t>
+            </a:r>
+            <a:endParaRPr lang="de-DE" dirty="0"/>
+          </a:p>
+        </p:txBody>
+      </p:sp>
+      <p:pic>
+        <p:nvPicPr>
+          <p:cNvPr id="3" name="Grafik 2">
+            <a:extLst>
+              <a:ext uri="{FF2B5EF4-FFF2-40B4-BE49-F238E27FC236}">
+                <a16:creationId xmlns:a16="http://schemas.microsoft.com/office/drawing/2014/main" id="{F15B0F51-DE82-EE78-6031-16E91FEB7EE8}"/>
+              </a:ext>
+            </a:extLst>
+          </p:cNvPr>
+          <p:cNvPicPr>
+            <a:picLocks noChangeAspect="1"/>
+          </p:cNvPicPr>
+          <p:nvPr/>
+        </p:nvPicPr>
+        <p:blipFill>
+          <a:blip r:embed="rId2"/>
+          <a:stretch>
+            <a:fillRect/>
+          </a:stretch>
+        </p:blipFill>
+        <p:spPr>
+          <a:xfrm>
+            <a:off x="3863181" y="1700213"/>
+            <a:ext cx="4465637" cy="4465637"/>
+          </a:xfrm>
+          <a:prstGeom prst="rect">
+            <a:avLst/>
+          </a:prstGeom>
+        </p:spPr>
+      </p:pic>
+    </p:spTree>
+    <p:extLst>
+      <p:ext uri="{BB962C8B-B14F-4D97-AF65-F5344CB8AC3E}">
+        <p14:creationId xmlns:p14="http://schemas.microsoft.com/office/powerpoint/2010/main" val="1197464149"/>
+      </p:ext>
+    </p:extLst>
+  </p:cSld>
+  <p:clrMapOvr>
+    <a:masterClrMapping/>
+  </p:clrMapOvr>
+  <p:timing>
+    <p:tnLst>
+      <p:par>
+        <p:cTn id="1" dur="indefinite" restart="never" nodeType="tmRoot">
+          <p:childTnLst>
+            <p:seq concurrent="1" nextAc="seek">
+              <p:cTn id="2" dur="indefinite" nodeType="mainSeq">
+                <p:childTnLst>
+                  <p:par>
+                    <p:cTn id="3" fill="hold">
+                      <p:stCondLst>
+                        <p:cond delay="indefinite"/>
+                        <p:cond evt="onBegin" delay="0">
+                          <p:tn val="2"/>
+                        </p:cond>
+                      </p:stCondLst>
+                      <p:childTnLst>
+                        <p:par>
+                          <p:cTn id="4" fill="hold">
+                            <p:stCondLst>
+                              <p:cond delay="0"/>
+                            </p:stCondLst>
+                            <p:childTnLst>
+                              <p:par>
+                                <p:cTn id="5" presetID="31" presetClass="entr" presetSubtype="0" fill="hold" nodeType="withEffect">
+                                  <p:stCondLst>
+                                    <p:cond delay="0"/>
+                                  </p:stCondLst>
+                                  <p:childTnLst>
+                                    <p:set>
+                                      <p:cBhvr>
+                                        <p:cTn id="6" dur="1" fill="hold">
+                                          <p:stCondLst>
+                                            <p:cond delay="0"/>
+                                          </p:stCondLst>
+                                        </p:cTn>
+                                        <p:tgtEl>
+                                          <p:spTgt spid="3"/>
+                                        </p:tgtEl>
+                                        <p:attrNameLst>
+                                          <p:attrName>style.visibility</p:attrName>
+                                        </p:attrNameLst>
+                                      </p:cBhvr>
+                                      <p:to>
+                                        <p:strVal val="visible"/>
+                                      </p:to>
+                                    </p:set>
+                                    <p:anim calcmode="lin" valueType="num">
+                                      <p:cBhvr>
+                                        <p:cTn id="7" dur="1000" fill="hold"/>
+                                        <p:tgtEl>
+                                          <p:spTgt spid="3"/>
+                                        </p:tgtEl>
+                                        <p:attrNameLst>
+                                          <p:attrName>ppt_w</p:attrName>
+                                        </p:attrNameLst>
+                                      </p:cBhvr>
+                                      <p:tavLst>
+                                        <p:tav tm="0">
+                                          <p:val>
+                                            <p:fltVal val="0"/>
+                                          </p:val>
+                                        </p:tav>
+                                        <p:tav tm="100000">
+                                          <p:val>
+                                            <p:strVal val="#ppt_w"/>
+                                          </p:val>
+                                        </p:tav>
+                                      </p:tavLst>
+                                    </p:anim>
+                                    <p:anim calcmode="lin" valueType="num">
+                                      <p:cBhvr>
+                                        <p:cTn id="8" dur="1000" fill="hold"/>
+                                        <p:tgtEl>
+                                          <p:spTgt spid="3"/>
+                                        </p:tgtEl>
+                                        <p:attrNameLst>
+                                          <p:attrName>ppt_h</p:attrName>
+                                        </p:attrNameLst>
+                                      </p:cBhvr>
+                                      <p:tavLst>
+                                        <p:tav tm="0">
+                                          <p:val>
+                                            <p:fltVal val="0"/>
+                                          </p:val>
+                                        </p:tav>
+                                        <p:tav tm="100000">
+                                          <p:val>
+                                            <p:strVal val="#ppt_h"/>
+                                          </p:val>
+                                        </p:tav>
+                                      </p:tavLst>
+                                    </p:anim>
+                                    <p:anim calcmode="lin" valueType="num">
+                                      <p:cBhvr>
+                                        <p:cTn id="9" dur="1000" fill="hold"/>
+                                        <p:tgtEl>
+                                          <p:spTgt spid="3"/>
+                                        </p:tgtEl>
+                                        <p:attrNameLst>
+                                          <p:attrName>style.rotation</p:attrName>
+                                        </p:attrNameLst>
+                                      </p:cBhvr>
+                                      <p:tavLst>
+                                        <p:tav tm="0">
+                                          <p:val>
+                                            <p:fltVal val="90"/>
+                                          </p:val>
+                                        </p:tav>
+                                        <p:tav tm="100000">
+                                          <p:val>
+                                            <p:fltVal val="0"/>
+                                          </p:val>
+                                        </p:tav>
+                                      </p:tavLst>
+                                    </p:anim>
+                                    <p:animEffect transition="in" filter="fade">
+                                      <p:cBhvr>
+                                        <p:cTn id="10" dur="1000"/>
+                                        <p:tgtEl>
+                                          <p:spTgt spid="3"/>
+                                        </p:tgtEl>
+                                      </p:cBhvr>
+                                    </p:animEffect>
+                                  </p:childTnLst>
+                                </p:cTn>
+                              </p:par>
+                            </p:childTnLst>
+                          </p:cTn>
+                        </p:par>
+                      </p:childTnLst>
+                    </p:cTn>
+                  </p:par>
+                </p:childTnLst>
+              </p:cTn>
+              <p:prevCondLst>
+                <p:cond evt="onPrev" delay="0">
+                  <p:tgtEl>
+                    <p:sldTgt/>
+                  </p:tgtEl>
+                </p:cond>
+              </p:prevCondLst>
+              <p:nextCondLst>
+                <p:cond evt="onNext" delay="0">
+                  <p:tgtEl>
+                    <p:sldTgt/>
+                  </p:tgtEl>
+                </p:cond>
+              </p:nextCondLst>
+            </p:seq>
+          </p:childTnLst>
+        </p:cTn>
+      </p:par>
+    </p:tnLst>
+  </p:timing>
+</p:sld>
+</file>
+
+<file path=ppt/slides/slide22.xml><?xml version="1.0" encoding="utf-8"?>
 <p:sld xmlns:a="http://schemas.openxmlformats.org/drawingml/2006/main" xmlns:r="http://schemas.openxmlformats.org/officeDocument/2006/relationships" xmlns:p="http://schemas.openxmlformats.org/presentationml/2006/main">
   <p:cSld>
     <p:spTree>
@@ -13374,7 +16150,7 @@
 </p:sld>
 </file>
 
-<file path=ppt/slides/slide17.xml><?xml version="1.0" encoding="utf-8"?>
+<file path=ppt/slides/slide23.xml><?xml version="1.0" encoding="utf-8"?>
 <p:sld xmlns:a="http://schemas.openxmlformats.org/drawingml/2006/main" xmlns:r="http://schemas.openxmlformats.org/officeDocument/2006/relationships" xmlns:p="http://schemas.openxmlformats.org/presentationml/2006/main">
   <p:cSld>
     <p:spTree>
@@ -13445,7 +16221,7 @@
 </p:sld>
 </file>
 
-<file path=ppt/slides/slide18.xml><?xml version="1.0" encoding="utf-8"?>
+<file path=ppt/slides/slide24.xml><?xml version="1.0" encoding="utf-8"?>
 <p:sld xmlns:a="http://schemas.openxmlformats.org/drawingml/2006/main" xmlns:r="http://schemas.openxmlformats.org/officeDocument/2006/relationships" xmlns:p="http://schemas.openxmlformats.org/presentationml/2006/main">
   <p:cSld>
     <p:spTree>
@@ -13602,7 +16378,256 @@
 </p:sld>
 </file>
 
-<file path=ppt/slides/slide19.xml><?xml version="1.0" encoding="utf-8"?>
+<file path=ppt/slides/slide25.xml><?xml version="1.0" encoding="utf-8"?>
+<p:sld xmlns:a="http://schemas.openxmlformats.org/drawingml/2006/main" xmlns:r="http://schemas.openxmlformats.org/officeDocument/2006/relationships" xmlns:p="http://schemas.openxmlformats.org/presentationml/2006/main">
+  <p:cSld>
+    <p:spTree>
+      <p:nvGrpSpPr>
+        <p:cNvPr id="1" name="">
+          <a:extLst>
+            <a:ext uri="{FF2B5EF4-FFF2-40B4-BE49-F238E27FC236}">
+              <a16:creationId xmlns:a16="http://schemas.microsoft.com/office/drawing/2014/main" id="{09A25E14-D6E6-4334-F082-8B63875FB08C}"/>
+            </a:ext>
+          </a:extLst>
+        </p:cNvPr>
+        <p:cNvGrpSpPr/>
+        <p:nvPr/>
+      </p:nvGrpSpPr>
+      <p:grpSpPr>
+        <a:xfrm>
+          <a:off x="0" y="0"/>
+          <a:ext cx="0" cy="0"/>
+          <a:chOff x="0" y="0"/>
+          <a:chExt cx="0" cy="0"/>
+        </a:xfrm>
+      </p:grpSpPr>
+      <p:sp>
+        <p:nvSpPr>
+          <p:cNvPr id="6" name="Titel 5">
+            <a:extLst>
+              <a:ext uri="{FF2B5EF4-FFF2-40B4-BE49-F238E27FC236}">
+                <a16:creationId xmlns:a16="http://schemas.microsoft.com/office/drawing/2014/main" id="{7769A135-C93B-CAC3-F9F1-512D33DAB710}"/>
+              </a:ext>
+            </a:extLst>
+          </p:cNvPr>
+          <p:cNvSpPr>
+            <a:spLocks noGrp="1"/>
+          </p:cNvSpPr>
+          <p:nvPr>
+            <p:ph type="title"/>
+          </p:nvPr>
+        </p:nvSpPr>
+        <p:spPr/>
+        <p:txBody>
+          <a:bodyPr/>
+          <a:lstStyle/>
+          <a:p>
+            <a:r>
+              <a:rPr lang="de-DE" dirty="0"/>
+              <a:t>Restore Database Filegroups</a:t>
+            </a:r>
+          </a:p>
+        </p:txBody>
+      </p:sp>
+      <p:pic>
+        <p:nvPicPr>
+          <p:cNvPr id="3" name="Grafik 2">
+            <a:extLst>
+              <a:ext uri="{FF2B5EF4-FFF2-40B4-BE49-F238E27FC236}">
+                <a16:creationId xmlns:a16="http://schemas.microsoft.com/office/drawing/2014/main" id="{46ADB36E-DACA-AEDF-9CDB-EA2E5C75C7D1}"/>
+              </a:ext>
+            </a:extLst>
+          </p:cNvPr>
+          <p:cNvPicPr>
+            <a:picLocks noChangeAspect="1"/>
+          </p:cNvPicPr>
+          <p:nvPr/>
+        </p:nvPicPr>
+        <p:blipFill>
+          <a:blip r:embed="rId2"/>
+          <a:stretch>
+            <a:fillRect/>
+          </a:stretch>
+        </p:blipFill>
+        <p:spPr>
+          <a:xfrm>
+            <a:off x="3863181" y="1700213"/>
+            <a:ext cx="4465637" cy="4465637"/>
+          </a:xfrm>
+          <a:prstGeom prst="rect">
+            <a:avLst/>
+          </a:prstGeom>
+        </p:spPr>
+      </p:pic>
+    </p:spTree>
+    <p:extLst>
+      <p:ext uri="{BB962C8B-B14F-4D97-AF65-F5344CB8AC3E}">
+        <p14:creationId xmlns:p14="http://schemas.microsoft.com/office/powerpoint/2010/main" val="1683633809"/>
+      </p:ext>
+    </p:extLst>
+  </p:cSld>
+  <p:clrMapOvr>
+    <a:masterClrMapping/>
+  </p:clrMapOvr>
+  <p:timing>
+    <p:tnLst>
+      <p:par>
+        <p:cTn id="1" dur="indefinite" restart="never" nodeType="tmRoot">
+          <p:childTnLst>
+            <p:seq concurrent="1" nextAc="seek">
+              <p:cTn id="2" dur="indefinite" nodeType="mainSeq">
+                <p:childTnLst>
+                  <p:par>
+                    <p:cTn id="3" fill="hold">
+                      <p:stCondLst>
+                        <p:cond delay="indefinite"/>
+                        <p:cond evt="onBegin" delay="0">
+                          <p:tn val="2"/>
+                        </p:cond>
+                      </p:stCondLst>
+                      <p:childTnLst>
+                        <p:par>
+                          <p:cTn id="4" fill="hold">
+                            <p:stCondLst>
+                              <p:cond delay="0"/>
+                            </p:stCondLst>
+                            <p:childTnLst>
+                              <p:par>
+                                <p:cTn id="5" presetID="31" presetClass="entr" presetSubtype="0" fill="hold" nodeType="withEffect">
+                                  <p:stCondLst>
+                                    <p:cond delay="0"/>
+                                  </p:stCondLst>
+                                  <p:childTnLst>
+                                    <p:set>
+                                      <p:cBhvr>
+                                        <p:cTn id="6" dur="1" fill="hold">
+                                          <p:stCondLst>
+                                            <p:cond delay="0"/>
+                                          </p:stCondLst>
+                                        </p:cTn>
+                                        <p:tgtEl>
+                                          <p:spTgt spid="3"/>
+                                        </p:tgtEl>
+                                        <p:attrNameLst>
+                                          <p:attrName>style.visibility</p:attrName>
+                                        </p:attrNameLst>
+                                      </p:cBhvr>
+                                      <p:to>
+                                        <p:strVal val="visible"/>
+                                      </p:to>
+                                    </p:set>
+                                    <p:anim calcmode="lin" valueType="num">
+                                      <p:cBhvr>
+                                        <p:cTn id="7" dur="1000" fill="hold"/>
+                                        <p:tgtEl>
+                                          <p:spTgt spid="3"/>
+                                        </p:tgtEl>
+                                        <p:attrNameLst>
+                                          <p:attrName>ppt_w</p:attrName>
+                                        </p:attrNameLst>
+                                      </p:cBhvr>
+                                      <p:tavLst>
+                                        <p:tav tm="0">
+                                          <p:val>
+                                            <p:fltVal val="0"/>
+                                          </p:val>
+                                        </p:tav>
+                                        <p:tav tm="100000">
+                                          <p:val>
+                                            <p:strVal val="#ppt_w"/>
+                                          </p:val>
+                                        </p:tav>
+                                      </p:tavLst>
+                                    </p:anim>
+                                    <p:anim calcmode="lin" valueType="num">
+                                      <p:cBhvr>
+                                        <p:cTn id="8" dur="1000" fill="hold"/>
+                                        <p:tgtEl>
+                                          <p:spTgt spid="3"/>
+                                        </p:tgtEl>
+                                        <p:attrNameLst>
+                                          <p:attrName>ppt_h</p:attrName>
+                                        </p:attrNameLst>
+                                      </p:cBhvr>
+                                      <p:tavLst>
+                                        <p:tav tm="0">
+                                          <p:val>
+                                            <p:fltVal val="0"/>
+                                          </p:val>
+                                        </p:tav>
+                                        <p:tav tm="100000">
+                                          <p:val>
+                                            <p:strVal val="#ppt_h"/>
+                                          </p:val>
+                                        </p:tav>
+                                      </p:tavLst>
+                                    </p:anim>
+                                    <p:anim calcmode="lin" valueType="num">
+                                      <p:cBhvr>
+                                        <p:cTn id="9" dur="1000" fill="hold"/>
+                                        <p:tgtEl>
+                                          <p:spTgt spid="3"/>
+                                        </p:tgtEl>
+                                        <p:attrNameLst>
+                                          <p:attrName>style.rotation</p:attrName>
+                                        </p:attrNameLst>
+                                      </p:cBhvr>
+                                      <p:tavLst>
+                                        <p:tav tm="0">
+                                          <p:val>
+                                            <p:fltVal val="90"/>
+                                          </p:val>
+                                        </p:tav>
+                                        <p:tav tm="100000">
+                                          <p:val>
+                                            <p:fltVal val="0"/>
+                                          </p:val>
+                                        </p:tav>
+                                      </p:tavLst>
+                                    </p:anim>
+                                    <p:animEffect transition="in" filter="fade">
+                                      <p:cBhvr>
+                                        <p:cTn id="10" dur="1000"/>
+                                        <p:tgtEl>
+                                          <p:spTgt spid="3"/>
+                                        </p:tgtEl>
+                                      </p:cBhvr>
+                                    </p:animEffect>
+                                  </p:childTnLst>
+                                </p:cTn>
+                              </p:par>
+                            </p:childTnLst>
+                          </p:cTn>
+                        </p:par>
+                      </p:childTnLst>
+                    </p:cTn>
+                  </p:par>
+                </p:childTnLst>
+              </p:cTn>
+              <p:prevCondLst>
+                <p:cond evt="onPrev" delay="0">
+                  <p:tgtEl>
+                    <p:sldTgt/>
+                  </p:tgtEl>
+                </p:cond>
+              </p:prevCondLst>
+              <p:nextCondLst>
+                <p:cond evt="onNext" delay="0">
+                  <p:tgtEl>
+                    <p:sldTgt/>
+                  </p:tgtEl>
+                </p:cond>
+              </p:nextCondLst>
+            </p:seq>
+          </p:childTnLst>
+        </p:cTn>
+      </p:par>
+    </p:tnLst>
+  </p:timing>
+</p:sld>
+</file>
+
+<file path=ppt/slides/slide26.xml><?xml version="1.0" encoding="utf-8"?>
 <p:sld xmlns:a="http://schemas.openxmlformats.org/drawingml/2006/main" xmlns:r="http://schemas.openxmlformats.org/officeDocument/2006/relationships" xmlns:p="http://schemas.openxmlformats.org/presentationml/2006/main">
   <p:cSld>
     <p:spTree>
@@ -15028,173 +18053,7 @@
 </p:sld>
 </file>
 
-<file path=ppt/slides/slide2.xml><?xml version="1.0" encoding="utf-8"?>
-<p:sld xmlns:a="http://schemas.openxmlformats.org/drawingml/2006/main" xmlns:r="http://schemas.openxmlformats.org/officeDocument/2006/relationships" xmlns:p="http://schemas.openxmlformats.org/presentationml/2006/main">
-  <p:cSld>
-    <p:spTree>
-      <p:nvGrpSpPr>
-        <p:cNvPr id="1" name=""/>
-        <p:cNvGrpSpPr/>
-        <p:nvPr/>
-      </p:nvGrpSpPr>
-      <p:grpSpPr>
-        <a:xfrm>
-          <a:off x="0" y="0"/>
-          <a:ext cx="0" cy="0"/>
-          <a:chOff x="0" y="0"/>
-          <a:chExt cx="0" cy="0"/>
-        </a:xfrm>
-      </p:grpSpPr>
-      <p:sp>
-        <p:nvSpPr>
-          <p:cNvPr id="2" name="Titel 1">
-            <a:extLst>
-              <a:ext uri="{FF2B5EF4-FFF2-40B4-BE49-F238E27FC236}">
-                <a16:creationId xmlns:a16="http://schemas.microsoft.com/office/drawing/2014/main" id="{2AA66F59-B715-4CE2-83DF-6D035DD595FA}"/>
-              </a:ext>
-            </a:extLst>
-          </p:cNvPr>
-          <p:cNvSpPr>
-            <a:spLocks noGrp="1"/>
-          </p:cNvSpPr>
-          <p:nvPr>
-            <p:ph type="title"/>
-          </p:nvPr>
-        </p:nvSpPr>
-        <p:spPr/>
-        <p:txBody>
-          <a:bodyPr/>
-          <a:lstStyle/>
-          <a:p>
-            <a:r>
-              <a:rPr lang="de-DE" dirty="0"/>
-              <a:t>Links for </a:t>
-            </a:r>
-            <a:r>
-              <a:rPr lang="de-DE" dirty="0" err="1"/>
-              <a:t>this</a:t>
-            </a:r>
-            <a:r>
-              <a:rPr lang="de-DE" dirty="0"/>
-              <a:t> Session/Workshop</a:t>
-            </a:r>
-          </a:p>
-        </p:txBody>
-      </p:sp>
-      <p:sp>
-        <p:nvSpPr>
-          <p:cNvPr id="3" name="Inhaltsplatzhalter 2">
-            <a:extLst>
-              <a:ext uri="{FF2B5EF4-FFF2-40B4-BE49-F238E27FC236}">
-                <a16:creationId xmlns:a16="http://schemas.microsoft.com/office/drawing/2014/main" id="{32727BD7-7924-41DC-BF8D-0990B5F36E59}"/>
-              </a:ext>
-            </a:extLst>
-          </p:cNvPr>
-          <p:cNvSpPr>
-            <a:spLocks noGrp="1"/>
-          </p:cNvSpPr>
-          <p:nvPr>
-            <p:ph idx="1"/>
-          </p:nvPr>
-        </p:nvSpPr>
-        <p:spPr/>
-        <p:txBody>
-          <a:bodyPr>
-            <a:normAutofit/>
-          </a:bodyPr>
-          <a:lstStyle/>
-          <a:p>
-            <a:r>
-              <a:rPr lang="de-DE" dirty="0"/>
-              <a:t>Scripts and Slide Decks</a:t>
-            </a:r>
-            <a:br>
-              <a:rPr lang="de-DE" dirty="0"/>
-            </a:br>
-            <a:r>
-              <a:rPr lang="de-DE" dirty="0">
-                <a:hlinkClick r:id="rId2"/>
-              </a:rPr>
-              <a:t>https://github.com/db-berater/SQL-Server-Partitioning-for-Data-Management</a:t>
-            </a:r>
-            <a:endParaRPr lang="de-DE" dirty="0"/>
-          </a:p>
-          <a:p>
-            <a:endParaRPr lang="de-DE" dirty="0"/>
-          </a:p>
-          <a:p>
-            <a:r>
-              <a:rPr lang="de-DE" dirty="0"/>
-              <a:t>ERP Demo Database (17.00 GB)</a:t>
-            </a:r>
-            <a:br>
-              <a:rPr lang="de-DE" dirty="0"/>
-            </a:br>
-            <a:r>
-              <a:rPr lang="de-DE" dirty="0">
-                <a:hlinkClick r:id="rId3"/>
-              </a:rPr>
-              <a:t>https://db-berater.de/downloads/ERP_Demo_2012.bak</a:t>
-            </a:r>
-            <a:endParaRPr lang="de-DE" dirty="0"/>
-          </a:p>
-          <a:p>
-            <a:endParaRPr lang="de-DE" dirty="0"/>
-          </a:p>
-          <a:p>
-            <a:r>
-              <a:rPr lang="de-DE" dirty="0" err="1"/>
-              <a:t>SQLQueryStress</a:t>
-            </a:r>
-            <a:br>
-              <a:rPr lang="de-DE" dirty="0"/>
-            </a:br>
-            <a:r>
-              <a:rPr lang="de-DE" dirty="0">
-                <a:hlinkClick r:id="rId4"/>
-              </a:rPr>
-              <a:t>https://github.com/ErikEJ/SqlQueryStress</a:t>
-            </a:r>
-            <a:endParaRPr lang="de-DE" dirty="0"/>
-          </a:p>
-          <a:p>
-            <a:endParaRPr lang="de-DE" dirty="0"/>
-          </a:p>
-          <a:p>
-            <a:r>
-              <a:rPr lang="de-DE" dirty="0"/>
-              <a:t>Windows Admin Center</a:t>
-            </a:r>
-            <a:br>
-              <a:rPr lang="de-DE" dirty="0"/>
-            </a:br>
-            <a:r>
-              <a:rPr lang="de-DE" dirty="0">
-                <a:hlinkClick r:id="rId5"/>
-              </a:rPr>
-              <a:t>https://go.microsoft.com/fwlink/?linkid=2220149</a:t>
-            </a:r>
-            <a:endParaRPr lang="de-DE" dirty="0"/>
-          </a:p>
-          <a:p>
-            <a:endParaRPr lang="de-DE" dirty="0"/>
-          </a:p>
-        </p:txBody>
-      </p:sp>
-    </p:spTree>
-    <p:extLst>
-      <p:ext uri="{BB962C8B-B14F-4D97-AF65-F5344CB8AC3E}">
-        <p14:creationId xmlns:p14="http://schemas.microsoft.com/office/powerpoint/2010/main" val="1252969730"/>
-      </p:ext>
-    </p:extLst>
-  </p:cSld>
-  <p:clrMapOvr>
-    <a:masterClrMapping/>
-  </p:clrMapOvr>
-</p:sld>
-</file>
-
-<file path=ppt/slides/slide20.xml><?xml version="1.0" encoding="utf-8"?>
+<file path=ppt/slides/slide27.xml><?xml version="1.0" encoding="utf-8"?>
 <p:sld xmlns:a="http://schemas.openxmlformats.org/drawingml/2006/main" xmlns:r="http://schemas.openxmlformats.org/officeDocument/2006/relationships" xmlns:p="http://schemas.openxmlformats.org/presentationml/2006/main">
   <p:cSld>
     <p:spTree>
@@ -16641,7 +19500,7 @@
 </p:sld>
 </file>
 
-<file path=ppt/slides/slide21.xml><?xml version="1.0" encoding="utf-8"?>
+<file path=ppt/slides/slide28.xml><?xml version="1.0" encoding="utf-8"?>
 <p:sld xmlns:a="http://schemas.openxmlformats.org/drawingml/2006/main" xmlns:r="http://schemas.openxmlformats.org/officeDocument/2006/relationships" xmlns:p="http://schemas.openxmlformats.org/presentationml/2006/main">
   <p:cSld>
     <p:spTree>
@@ -16757,7 +19616,7 @@
 </p:sld>
 </file>
 
-<file path=ppt/slides/slide22.xml><?xml version="1.0" encoding="utf-8"?>
+<file path=ppt/slides/slide29.xml><?xml version="1.0" encoding="utf-8"?>
 <p:sld xmlns:a="http://schemas.openxmlformats.org/drawingml/2006/main" xmlns:r="http://schemas.openxmlformats.org/officeDocument/2006/relationships" xmlns:p="http://schemas.openxmlformats.org/presentationml/2006/main" show="0">
   <p:cSld>
     <p:spTree>
@@ -16964,7 +19823,459 @@
 </p:sld>
 </file>
 
-<file path=ppt/slides/slide23.xml><?xml version="1.0" encoding="utf-8"?>
+<file path=ppt/slides/slide3.xml><?xml version="1.0" encoding="utf-8"?>
+<p:sld xmlns:a="http://schemas.openxmlformats.org/drawingml/2006/main" xmlns:r="http://schemas.openxmlformats.org/officeDocument/2006/relationships" xmlns:p="http://schemas.openxmlformats.org/presentationml/2006/main">
+  <p:cSld>
+    <p:spTree>
+      <p:nvGrpSpPr>
+        <p:cNvPr id="1" name=""/>
+        <p:cNvGrpSpPr/>
+        <p:nvPr/>
+      </p:nvGrpSpPr>
+      <p:grpSpPr>
+        <a:xfrm>
+          <a:off x="0" y="0"/>
+          <a:ext cx="0" cy="0"/>
+          <a:chOff x="0" y="0"/>
+          <a:chExt cx="0" cy="0"/>
+        </a:xfrm>
+      </p:grpSpPr>
+      <p:sp>
+        <p:nvSpPr>
+          <p:cNvPr id="4" name="Titel 3"/>
+          <p:cNvSpPr>
+            <a:spLocks noGrp="1"/>
+          </p:cNvSpPr>
+          <p:nvPr>
+            <p:ph type="title"/>
+          </p:nvPr>
+        </p:nvSpPr>
+        <p:spPr/>
+        <p:txBody>
+          <a:bodyPr/>
+          <a:lstStyle/>
+          <a:p>
+            <a:r>
+              <a:rPr lang="de-DE" dirty="0"/>
+              <a:t>Uwe Ricken</a:t>
+            </a:r>
+            <a:br>
+              <a:rPr lang="de-DE" dirty="0"/>
+            </a:br>
+            <a:r>
+              <a:rPr lang="de-DE" sz="1800" b="0" dirty="0"/>
+              <a:t>db </a:t>
+            </a:r>
+            <a:r>
+              <a:rPr lang="de-DE" sz="1800" b="0" dirty="0">
+                <a:solidFill>
+                  <a:schemeClr val="tx1"/>
+                </a:solidFill>
+              </a:rPr>
+              <a:t>Berater GmbH</a:t>
+            </a:r>
+          </a:p>
+        </p:txBody>
+      </p:sp>
+      <p:sp>
+        <p:nvSpPr>
+          <p:cNvPr id="2" name="Inhaltsplatzhalter 1"/>
+          <p:cNvSpPr>
+            <a:spLocks noGrp="1"/>
+          </p:cNvSpPr>
+          <p:nvPr>
+            <p:ph sz="half" idx="1"/>
+          </p:nvPr>
+        </p:nvSpPr>
+        <p:spPr>
+          <a:prstGeom prst="rect">
+            <a:avLst/>
+          </a:prstGeom>
+        </p:spPr>
+        <p:txBody>
+          <a:bodyPr>
+            <a:normAutofit/>
+          </a:bodyPr>
+          <a:lstStyle/>
+          <a:p>
+            <a:pPr marL="0" indent="0">
+              <a:buNone/>
+            </a:pPr>
+            <a:r>
+              <a:rPr lang="en-US" sz="1400" dirty="0"/>
+              <a:t>I am working with IT-systems since early 1990's and with the main focus on </a:t>
+            </a:r>
+            <a:r>
+              <a:rPr lang="en-US" sz="1400" b="1" i="1" dirty="0">
+                <a:solidFill>
+                  <a:schemeClr val="accent5"/>
+                </a:solidFill>
+              </a:rPr>
+              <a:t>Microsoft SQL Server </a:t>
+            </a:r>
+            <a:r>
+              <a:rPr lang="en-US" sz="1400" dirty="0"/>
+              <a:t>since version 6.0. I started with development of database applications in 1998 with a professional CRM-System based on Microsoft products (Microsoft Office and </a:t>
+            </a:r>
+            <a:r>
+              <a:rPr lang="en-US" sz="1400" b="1" i="1" dirty="0">
+                <a:solidFill>
+                  <a:schemeClr val="accent5"/>
+                </a:solidFill>
+              </a:rPr>
+              <a:t>Microsoft SQL Server</a:t>
+            </a:r>
+            <a:r>
+              <a:rPr lang="en-US" sz="1400" dirty="0"/>
+              <a:t>).</a:t>
+            </a:r>
+          </a:p>
+          <a:p>
+            <a:pPr marL="0" indent="0">
+              <a:buNone/>
+            </a:pPr>
+            <a:br>
+              <a:rPr lang="en-US" sz="1400" dirty="0"/>
+            </a:br>
+            <a:r>
+              <a:rPr lang="en-US" sz="1400" dirty="0"/>
+              <a:t>Since 2008 I'm focused exclusively on </a:t>
+            </a:r>
+            <a:r>
+              <a:rPr lang="en-US" sz="1400" b="1" i="1" dirty="0">
+                <a:solidFill>
+                  <a:schemeClr val="accent5"/>
+                </a:solidFill>
+              </a:rPr>
+              <a:t>Microsoft SQL Server</a:t>
+            </a:r>
+            <a:r>
+              <a:rPr lang="en-US" sz="1400" dirty="0"/>
+              <a:t> and working in 3rd level support teams for banks, insurances and global industries.</a:t>
+            </a:r>
+          </a:p>
+          <a:p>
+            <a:pPr marL="0" indent="0">
+              <a:buNone/>
+            </a:pPr>
+            <a:endParaRPr lang="en-US" sz="1400" dirty="0"/>
+          </a:p>
+          <a:p>
+            <a:pPr marL="0" indent="0">
+              <a:buNone/>
+            </a:pPr>
+            <a:r>
+              <a:rPr lang="en-US" sz="1400" dirty="0"/>
+              <a:t>Since May 2013 I am a </a:t>
+            </a:r>
+            <a:r>
+              <a:rPr lang="en-US" sz="1400" b="1" dirty="0">
+                <a:solidFill>
+                  <a:srgbClr val="FF0000"/>
+                </a:solidFill>
+              </a:rPr>
+              <a:t>Microsoft Certified Master: SQL Server 2008 </a:t>
+            </a:r>
+            <a:r>
+              <a:rPr lang="en-US" sz="1400" dirty="0"/>
+              <a:t>which was an amazing way into the depth of </a:t>
+            </a:r>
+            <a:r>
+              <a:rPr lang="en-US" sz="1400" b="1" i="1" dirty="0">
+                <a:solidFill>
+                  <a:schemeClr val="accent5"/>
+                </a:solidFill>
+              </a:rPr>
+              <a:t>Microsoft SQL Server</a:t>
+            </a:r>
+            <a:r>
+              <a:rPr lang="en-US" sz="1400" dirty="0"/>
+              <a:t>.</a:t>
+            </a:r>
+          </a:p>
+          <a:p>
+            <a:pPr marL="0" indent="0">
+              <a:buNone/>
+            </a:pPr>
+            <a:endParaRPr lang="en-US" sz="1400" dirty="0"/>
+          </a:p>
+          <a:p>
+            <a:pPr marL="0" indent="0">
+              <a:buNone/>
+            </a:pPr>
+            <a:r>
+              <a:rPr lang="en-US" sz="1400" dirty="0"/>
+              <a:t>In July 2013 I have been awarded with the MVP Award for </a:t>
+            </a:r>
+            <a:r>
+              <a:rPr lang="en-US" sz="1400" b="1" i="1" dirty="0">
+                <a:solidFill>
+                  <a:schemeClr val="accent5"/>
+                </a:solidFill>
+              </a:rPr>
+              <a:t>Microsoft SQL Server</a:t>
+            </a:r>
+            <a:r>
+              <a:rPr lang="en-US" sz="1400" dirty="0"/>
+              <a:t>.</a:t>
+            </a:r>
+            <a:endParaRPr lang="de-DE" sz="1400" dirty="0"/>
+          </a:p>
+        </p:txBody>
+      </p:sp>
+      <p:sp>
+        <p:nvSpPr>
+          <p:cNvPr id="6" name="Textplatzhalter 5"/>
+          <p:cNvSpPr>
+            <a:spLocks noGrp="1"/>
+          </p:cNvSpPr>
+          <p:nvPr>
+            <p:ph sz="half" idx="2"/>
+          </p:nvPr>
+        </p:nvSpPr>
+        <p:spPr>
+          <a:prstGeom prst="rect">
+            <a:avLst/>
+          </a:prstGeom>
+        </p:spPr>
+        <p:txBody>
+          <a:bodyPr>
+            <a:noAutofit/>
+          </a:bodyPr>
+          <a:lstStyle/>
+          <a:p>
+            <a:pPr marL="0" indent="0">
+              <a:buNone/>
+              <a:tabLst>
+                <a:tab pos="903243" algn="l"/>
+              </a:tabLst>
+            </a:pPr>
+            <a:r>
+              <a:rPr lang="de-DE" sz="1400" b="1" dirty="0" err="1"/>
+              <a:t>www</a:t>
+            </a:r>
+            <a:r>
+              <a:rPr lang="de-DE" sz="1400" dirty="0"/>
+              <a:t>:	</a:t>
+            </a:r>
+            <a:r>
+              <a:rPr lang="de-DE" sz="1400" dirty="0">
+                <a:hlinkClick r:id="rId2"/>
+              </a:rPr>
+              <a:t>http://www.db-berater.de</a:t>
+            </a:r>
+            <a:endParaRPr lang="de-DE" sz="1400" dirty="0"/>
+          </a:p>
+          <a:p>
+            <a:pPr marL="0" indent="0">
+              <a:buNone/>
+              <a:tabLst>
+                <a:tab pos="903243" algn="l"/>
+              </a:tabLst>
+            </a:pPr>
+            <a:r>
+              <a:rPr lang="de-DE" sz="1400" b="1" dirty="0"/>
+              <a:t>email</a:t>
+            </a:r>
+            <a:r>
+              <a:rPr lang="de-DE" sz="1400" dirty="0"/>
+              <a:t>:	</a:t>
+            </a:r>
+            <a:r>
+              <a:rPr lang="de-DE" sz="1400" dirty="0">
+                <a:hlinkClick r:id="rId3"/>
+              </a:rPr>
+              <a:t>uwe.ricken@db-berater.de</a:t>
+            </a:r>
+            <a:endParaRPr lang="de-DE" sz="1400" dirty="0"/>
+          </a:p>
+          <a:p>
+            <a:pPr marL="0" indent="0">
+              <a:buNone/>
+              <a:tabLst>
+                <a:tab pos="903243" algn="l"/>
+              </a:tabLst>
+            </a:pPr>
+            <a:r>
+              <a:rPr lang="de-DE" sz="1400" b="1" dirty="0" err="1"/>
+              <a:t>blog</a:t>
+            </a:r>
+            <a:r>
+              <a:rPr lang="de-DE" sz="1400" dirty="0"/>
+              <a:t>:	</a:t>
+            </a:r>
+            <a:r>
+              <a:rPr lang="de-DE" sz="1400" dirty="0">
+                <a:hlinkClick r:id="rId4"/>
+              </a:rPr>
+              <a:t>http://www.sqlmaster.de</a:t>
+            </a:r>
+            <a:endParaRPr lang="de-DE" sz="1400" dirty="0"/>
+          </a:p>
+          <a:p>
+            <a:pPr marL="0" indent="0">
+              <a:buNone/>
+              <a:tabLst>
+                <a:tab pos="903243" algn="l"/>
+              </a:tabLst>
+            </a:pPr>
+            <a:r>
+              <a:rPr lang="de-DE" sz="1400" b="1" dirty="0" err="1"/>
+              <a:t>BlueSky</a:t>
+            </a:r>
+            <a:r>
+              <a:rPr lang="de-DE" sz="1400" dirty="0"/>
+              <a:t>:	</a:t>
+            </a:r>
+            <a:r>
+              <a:rPr lang="de-DE" sz="1400" dirty="0">
+                <a:hlinkClick r:id="rId5"/>
+              </a:rPr>
+              <a:t>@sqlbambi</a:t>
+            </a:r>
+            <a:endParaRPr lang="de-DE" sz="1400" dirty="0"/>
+          </a:p>
+        </p:txBody>
+      </p:sp>
+      <p:pic>
+        <p:nvPicPr>
+          <p:cNvPr id="7" name="Grafik 6"/>
+          <p:cNvPicPr>
+            <a:picLocks noChangeAspect="1"/>
+          </p:cNvPicPr>
+          <p:nvPr/>
+        </p:nvPicPr>
+        <p:blipFill>
+          <a:blip r:embed="rId6">
+            <a:extLst>
+              <a:ext uri="{28A0092B-C50C-407E-A947-70E740481C1C}">
+                <a14:useLocalDpi xmlns:a14="http://schemas.microsoft.com/office/drawing/2010/main" val="0"/>
+              </a:ext>
+            </a:extLst>
+          </a:blip>
+          <a:stretch>
+            <a:fillRect/>
+          </a:stretch>
+        </p:blipFill>
+        <p:spPr>
+          <a:xfrm>
+            <a:off x="8544272" y="3494589"/>
+            <a:ext cx="1143000" cy="835819"/>
+          </a:xfrm>
+          <a:prstGeom prst="rect">
+            <a:avLst/>
+          </a:prstGeom>
+        </p:spPr>
+      </p:pic>
+      <p:pic>
+        <p:nvPicPr>
+          <p:cNvPr id="8" name="Grafik 7"/>
+          <p:cNvPicPr>
+            <a:picLocks noChangeAspect="1"/>
+          </p:cNvPicPr>
+          <p:nvPr/>
+        </p:nvPicPr>
+        <p:blipFill>
+          <a:blip r:embed="rId7">
+            <a:extLst>
+              <a:ext uri="{28A0092B-C50C-407E-A947-70E740481C1C}">
+                <a14:useLocalDpi xmlns:a14="http://schemas.microsoft.com/office/drawing/2010/main" val="0"/>
+              </a:ext>
+            </a:extLst>
+          </a:blip>
+          <a:stretch>
+            <a:fillRect/>
+          </a:stretch>
+        </p:blipFill>
+        <p:spPr>
+          <a:xfrm>
+            <a:off x="9890472" y="3494589"/>
+            <a:ext cx="1143000" cy="857251"/>
+          </a:xfrm>
+          <a:prstGeom prst="rect">
+            <a:avLst/>
+          </a:prstGeom>
+        </p:spPr>
+      </p:pic>
+      <p:pic>
+        <p:nvPicPr>
+          <p:cNvPr id="9" name="Grafik 8"/>
+          <p:cNvPicPr>
+            <a:picLocks noChangeAspect="1"/>
+          </p:cNvPicPr>
+          <p:nvPr/>
+        </p:nvPicPr>
+        <p:blipFill>
+          <a:blip r:embed="rId8" cstate="print">
+            <a:extLst>
+              <a:ext uri="{28A0092B-C50C-407E-A947-70E740481C1C}">
+                <a14:useLocalDpi xmlns:a14="http://schemas.microsoft.com/office/drawing/2010/main" val="0"/>
+              </a:ext>
+            </a:extLst>
+          </a:blip>
+          <a:stretch>
+            <a:fillRect/>
+          </a:stretch>
+        </p:blipFill>
+        <p:spPr>
+          <a:xfrm>
+            <a:off x="8544273" y="4682333"/>
+            <a:ext cx="1458955" cy="598545"/>
+          </a:xfrm>
+          <a:prstGeom prst="rect">
+            <a:avLst/>
+          </a:prstGeom>
+        </p:spPr>
+      </p:pic>
+      <p:pic>
+        <p:nvPicPr>
+          <p:cNvPr id="5" name="Grafik 4" descr="Ein Bild, das Person, Mann, Brille, tragen enthält.&#10;&#10;Automatisch generierte Beschreibung">
+            <a:extLst>
+              <a:ext uri="{FF2B5EF4-FFF2-40B4-BE49-F238E27FC236}">
+                <a16:creationId xmlns:a16="http://schemas.microsoft.com/office/drawing/2014/main" id="{46333317-A6F3-B2D3-B9F5-6B4A79A834BA}"/>
+              </a:ext>
+            </a:extLst>
+          </p:cNvPr>
+          <p:cNvPicPr>
+            <a:picLocks noChangeAspect="1"/>
+          </p:cNvPicPr>
+          <p:nvPr/>
+        </p:nvPicPr>
+        <p:blipFill rotWithShape="1">
+          <a:blip r:embed="rId9" cstate="print">
+            <a:extLst>
+              <a:ext uri="{28A0092B-C50C-407E-A947-70E740481C1C}">
+                <a14:useLocalDpi xmlns:a14="http://schemas.microsoft.com/office/drawing/2010/main" val="0"/>
+              </a:ext>
+            </a:extLst>
+          </a:blip>
+          <a:srcRect l="38258"/>
+          <a:stretch/>
+        </p:blipFill>
+        <p:spPr>
+          <a:xfrm>
+            <a:off x="6499642" y="3429000"/>
+            <a:ext cx="1715073" cy="1851877"/>
+          </a:xfrm>
+          <a:prstGeom prst="rect">
+            <a:avLst/>
+          </a:prstGeom>
+        </p:spPr>
+      </p:pic>
+    </p:spTree>
+    <p:extLst>
+      <p:ext uri="{BB962C8B-B14F-4D97-AF65-F5344CB8AC3E}">
+        <p14:creationId xmlns:p14="http://schemas.microsoft.com/office/powerpoint/2010/main" val="1907480165"/>
+      </p:ext>
+    </p:extLst>
+  </p:cSld>
+  <p:clrMapOvr>
+    <a:masterClrMapping/>
+  </p:clrMapOvr>
+</p:sld>
+</file>
+
+<file path=ppt/slides/slide30.xml><?xml version="1.0" encoding="utf-8"?>
 <p:sld xmlns:a="http://schemas.openxmlformats.org/drawingml/2006/main" xmlns:r="http://schemas.openxmlformats.org/officeDocument/2006/relationships" xmlns:p="http://schemas.openxmlformats.org/presentationml/2006/main" show="0">
   <p:cSld>
     <p:spTree>
@@ -17140,7 +20451,7 @@
 </p:sld>
 </file>
 
-<file path=ppt/slides/slide24.xml><?xml version="1.0" encoding="utf-8"?>
+<file path=ppt/slides/slide31.xml><?xml version="1.0" encoding="utf-8"?>
 <p:sld xmlns:a="http://schemas.openxmlformats.org/drawingml/2006/main" xmlns:r="http://schemas.openxmlformats.org/officeDocument/2006/relationships" xmlns:p="http://schemas.openxmlformats.org/presentationml/2006/main" show="0">
   <p:cSld>
     <p:spTree>
@@ -18470,458 +21781,6 @@
 </p:sld>
 </file>
 
-<file path=ppt/slides/slide3.xml><?xml version="1.0" encoding="utf-8"?>
-<p:sld xmlns:a="http://schemas.openxmlformats.org/drawingml/2006/main" xmlns:r="http://schemas.openxmlformats.org/officeDocument/2006/relationships" xmlns:p="http://schemas.openxmlformats.org/presentationml/2006/main">
-  <p:cSld>
-    <p:spTree>
-      <p:nvGrpSpPr>
-        <p:cNvPr id="1" name=""/>
-        <p:cNvGrpSpPr/>
-        <p:nvPr/>
-      </p:nvGrpSpPr>
-      <p:grpSpPr>
-        <a:xfrm>
-          <a:off x="0" y="0"/>
-          <a:ext cx="0" cy="0"/>
-          <a:chOff x="0" y="0"/>
-          <a:chExt cx="0" cy="0"/>
-        </a:xfrm>
-      </p:grpSpPr>
-      <p:sp>
-        <p:nvSpPr>
-          <p:cNvPr id="4" name="Titel 3"/>
-          <p:cNvSpPr>
-            <a:spLocks noGrp="1"/>
-          </p:cNvSpPr>
-          <p:nvPr>
-            <p:ph type="title"/>
-          </p:nvPr>
-        </p:nvSpPr>
-        <p:spPr/>
-        <p:txBody>
-          <a:bodyPr/>
-          <a:lstStyle/>
-          <a:p>
-            <a:r>
-              <a:rPr lang="de-DE" dirty="0"/>
-              <a:t>Uwe Ricken</a:t>
-            </a:r>
-            <a:br>
-              <a:rPr lang="de-DE" dirty="0"/>
-            </a:br>
-            <a:r>
-              <a:rPr lang="de-DE" sz="1800" b="0" dirty="0"/>
-              <a:t>db </a:t>
-            </a:r>
-            <a:r>
-              <a:rPr lang="de-DE" sz="1800" b="0" dirty="0">
-                <a:solidFill>
-                  <a:schemeClr val="tx1"/>
-                </a:solidFill>
-              </a:rPr>
-              <a:t>Berater GmbH</a:t>
-            </a:r>
-          </a:p>
-        </p:txBody>
-      </p:sp>
-      <p:sp>
-        <p:nvSpPr>
-          <p:cNvPr id="2" name="Inhaltsplatzhalter 1"/>
-          <p:cNvSpPr>
-            <a:spLocks noGrp="1"/>
-          </p:cNvSpPr>
-          <p:nvPr>
-            <p:ph sz="half" idx="1"/>
-          </p:nvPr>
-        </p:nvSpPr>
-        <p:spPr>
-          <a:prstGeom prst="rect">
-            <a:avLst/>
-          </a:prstGeom>
-        </p:spPr>
-        <p:txBody>
-          <a:bodyPr>
-            <a:normAutofit/>
-          </a:bodyPr>
-          <a:lstStyle/>
-          <a:p>
-            <a:pPr marL="0" indent="0">
-              <a:buNone/>
-            </a:pPr>
-            <a:r>
-              <a:rPr lang="en-US" sz="1400" dirty="0"/>
-              <a:t>I am working with IT-systems since early 1990's and with the main focus on </a:t>
-            </a:r>
-            <a:r>
-              <a:rPr lang="en-US" sz="1400" b="1" i="1" dirty="0">
-                <a:solidFill>
-                  <a:schemeClr val="accent5"/>
-                </a:solidFill>
-              </a:rPr>
-              <a:t>Microsoft SQL Server </a:t>
-            </a:r>
-            <a:r>
-              <a:rPr lang="en-US" sz="1400" dirty="0"/>
-              <a:t>since version 6.0. I started with development of database applications in 1998 with a professional CRM-System based on Microsoft products (Microsoft Office and </a:t>
-            </a:r>
-            <a:r>
-              <a:rPr lang="en-US" sz="1400" b="1" i="1" dirty="0">
-                <a:solidFill>
-                  <a:schemeClr val="accent5"/>
-                </a:solidFill>
-              </a:rPr>
-              <a:t>Microsoft SQL Server</a:t>
-            </a:r>
-            <a:r>
-              <a:rPr lang="en-US" sz="1400" dirty="0"/>
-              <a:t>).</a:t>
-            </a:r>
-          </a:p>
-          <a:p>
-            <a:pPr marL="0" indent="0">
-              <a:buNone/>
-            </a:pPr>
-            <a:br>
-              <a:rPr lang="en-US" sz="1400" dirty="0"/>
-            </a:br>
-            <a:r>
-              <a:rPr lang="en-US" sz="1400" dirty="0"/>
-              <a:t>Since 2008 I'm focused exclusively on </a:t>
-            </a:r>
-            <a:r>
-              <a:rPr lang="en-US" sz="1400" b="1" i="1" dirty="0">
-                <a:solidFill>
-                  <a:schemeClr val="accent5"/>
-                </a:solidFill>
-              </a:rPr>
-              <a:t>Microsoft SQL Server</a:t>
-            </a:r>
-            <a:r>
-              <a:rPr lang="en-US" sz="1400" dirty="0"/>
-              <a:t> and working in 3rd level support teams for banks, insurances and global industries.</a:t>
-            </a:r>
-          </a:p>
-          <a:p>
-            <a:pPr marL="0" indent="0">
-              <a:buNone/>
-            </a:pPr>
-            <a:endParaRPr lang="en-US" sz="1400" dirty="0"/>
-          </a:p>
-          <a:p>
-            <a:pPr marL="0" indent="0">
-              <a:buNone/>
-            </a:pPr>
-            <a:r>
-              <a:rPr lang="en-US" sz="1400" dirty="0"/>
-              <a:t>Since May 2013 I am a </a:t>
-            </a:r>
-            <a:r>
-              <a:rPr lang="en-US" sz="1400" b="1" dirty="0">
-                <a:solidFill>
-                  <a:srgbClr val="FF0000"/>
-                </a:solidFill>
-              </a:rPr>
-              <a:t>Microsoft Certified Master: SQL Server 2008 </a:t>
-            </a:r>
-            <a:r>
-              <a:rPr lang="en-US" sz="1400" dirty="0"/>
-              <a:t>which was an amazing way into the depth of </a:t>
-            </a:r>
-            <a:r>
-              <a:rPr lang="en-US" sz="1400" b="1" i="1" dirty="0">
-                <a:solidFill>
-                  <a:schemeClr val="accent5"/>
-                </a:solidFill>
-              </a:rPr>
-              <a:t>Microsoft SQL Server</a:t>
-            </a:r>
-            <a:r>
-              <a:rPr lang="en-US" sz="1400" dirty="0"/>
-              <a:t>.</a:t>
-            </a:r>
-          </a:p>
-          <a:p>
-            <a:pPr marL="0" indent="0">
-              <a:buNone/>
-            </a:pPr>
-            <a:endParaRPr lang="en-US" sz="1400" dirty="0"/>
-          </a:p>
-          <a:p>
-            <a:pPr marL="0" indent="0">
-              <a:buNone/>
-            </a:pPr>
-            <a:r>
-              <a:rPr lang="en-US" sz="1400" dirty="0"/>
-              <a:t>In July 2013 I have been awarded with the MVP Award for </a:t>
-            </a:r>
-            <a:r>
-              <a:rPr lang="en-US" sz="1400" b="1" i="1" dirty="0">
-                <a:solidFill>
-                  <a:schemeClr val="accent5"/>
-                </a:solidFill>
-              </a:rPr>
-              <a:t>Microsoft SQL Server</a:t>
-            </a:r>
-            <a:r>
-              <a:rPr lang="en-US" sz="1400" dirty="0"/>
-              <a:t>.</a:t>
-            </a:r>
-            <a:endParaRPr lang="de-DE" sz="1400" dirty="0"/>
-          </a:p>
-        </p:txBody>
-      </p:sp>
-      <p:sp>
-        <p:nvSpPr>
-          <p:cNvPr id="6" name="Textplatzhalter 5"/>
-          <p:cNvSpPr>
-            <a:spLocks noGrp="1"/>
-          </p:cNvSpPr>
-          <p:nvPr>
-            <p:ph sz="half" idx="2"/>
-          </p:nvPr>
-        </p:nvSpPr>
-        <p:spPr>
-          <a:prstGeom prst="rect">
-            <a:avLst/>
-          </a:prstGeom>
-        </p:spPr>
-        <p:txBody>
-          <a:bodyPr>
-            <a:noAutofit/>
-          </a:bodyPr>
-          <a:lstStyle/>
-          <a:p>
-            <a:pPr marL="0" indent="0">
-              <a:buNone/>
-              <a:tabLst>
-                <a:tab pos="903243" algn="l"/>
-              </a:tabLst>
-            </a:pPr>
-            <a:r>
-              <a:rPr lang="de-DE" sz="1400" b="1" dirty="0" err="1"/>
-              <a:t>www</a:t>
-            </a:r>
-            <a:r>
-              <a:rPr lang="de-DE" sz="1400" dirty="0"/>
-              <a:t>:	</a:t>
-            </a:r>
-            <a:r>
-              <a:rPr lang="de-DE" sz="1400" dirty="0">
-                <a:hlinkClick r:id="rId2"/>
-              </a:rPr>
-              <a:t>http://www.db-berater.de</a:t>
-            </a:r>
-            <a:endParaRPr lang="de-DE" sz="1400" dirty="0"/>
-          </a:p>
-          <a:p>
-            <a:pPr marL="0" indent="0">
-              <a:buNone/>
-              <a:tabLst>
-                <a:tab pos="903243" algn="l"/>
-              </a:tabLst>
-            </a:pPr>
-            <a:r>
-              <a:rPr lang="de-DE" sz="1400" b="1" dirty="0"/>
-              <a:t>email</a:t>
-            </a:r>
-            <a:r>
-              <a:rPr lang="de-DE" sz="1400" dirty="0"/>
-              <a:t>:	</a:t>
-            </a:r>
-            <a:r>
-              <a:rPr lang="de-DE" sz="1400" dirty="0">
-                <a:hlinkClick r:id="rId3"/>
-              </a:rPr>
-              <a:t>uwe.ricken@db-berater.de</a:t>
-            </a:r>
-            <a:endParaRPr lang="de-DE" sz="1400" dirty="0"/>
-          </a:p>
-          <a:p>
-            <a:pPr marL="0" indent="0">
-              <a:buNone/>
-              <a:tabLst>
-                <a:tab pos="903243" algn="l"/>
-              </a:tabLst>
-            </a:pPr>
-            <a:r>
-              <a:rPr lang="de-DE" sz="1400" b="1" dirty="0" err="1"/>
-              <a:t>blog</a:t>
-            </a:r>
-            <a:r>
-              <a:rPr lang="de-DE" sz="1400" dirty="0"/>
-              <a:t>:	</a:t>
-            </a:r>
-            <a:r>
-              <a:rPr lang="de-DE" sz="1400" dirty="0">
-                <a:hlinkClick r:id="rId4"/>
-              </a:rPr>
-              <a:t>http://www.sqlmaster.de</a:t>
-            </a:r>
-            <a:endParaRPr lang="de-DE" sz="1400" dirty="0"/>
-          </a:p>
-          <a:p>
-            <a:pPr marL="0" indent="0">
-              <a:buNone/>
-              <a:tabLst>
-                <a:tab pos="903243" algn="l"/>
-              </a:tabLst>
-            </a:pPr>
-            <a:r>
-              <a:rPr lang="de-DE" sz="1400" b="1" dirty="0" err="1"/>
-              <a:t>BlueSky</a:t>
-            </a:r>
-            <a:r>
-              <a:rPr lang="de-DE" sz="1400" dirty="0"/>
-              <a:t>:	</a:t>
-            </a:r>
-            <a:r>
-              <a:rPr lang="de-DE" sz="1400" dirty="0">
-                <a:hlinkClick r:id="rId5"/>
-              </a:rPr>
-              <a:t>@sqlbambi</a:t>
-            </a:r>
-            <a:endParaRPr lang="de-DE" sz="1400" dirty="0"/>
-          </a:p>
-        </p:txBody>
-      </p:sp>
-      <p:pic>
-        <p:nvPicPr>
-          <p:cNvPr id="7" name="Grafik 6"/>
-          <p:cNvPicPr>
-            <a:picLocks noChangeAspect="1"/>
-          </p:cNvPicPr>
-          <p:nvPr/>
-        </p:nvPicPr>
-        <p:blipFill>
-          <a:blip r:embed="rId6">
-            <a:extLst>
-              <a:ext uri="{28A0092B-C50C-407E-A947-70E740481C1C}">
-                <a14:useLocalDpi xmlns:a14="http://schemas.microsoft.com/office/drawing/2010/main" val="0"/>
-              </a:ext>
-            </a:extLst>
-          </a:blip>
-          <a:stretch>
-            <a:fillRect/>
-          </a:stretch>
-        </p:blipFill>
-        <p:spPr>
-          <a:xfrm>
-            <a:off x="8544272" y="3494589"/>
-            <a:ext cx="1143000" cy="835819"/>
-          </a:xfrm>
-          <a:prstGeom prst="rect">
-            <a:avLst/>
-          </a:prstGeom>
-        </p:spPr>
-      </p:pic>
-      <p:pic>
-        <p:nvPicPr>
-          <p:cNvPr id="8" name="Grafik 7"/>
-          <p:cNvPicPr>
-            <a:picLocks noChangeAspect="1"/>
-          </p:cNvPicPr>
-          <p:nvPr/>
-        </p:nvPicPr>
-        <p:blipFill>
-          <a:blip r:embed="rId7">
-            <a:extLst>
-              <a:ext uri="{28A0092B-C50C-407E-A947-70E740481C1C}">
-                <a14:useLocalDpi xmlns:a14="http://schemas.microsoft.com/office/drawing/2010/main" val="0"/>
-              </a:ext>
-            </a:extLst>
-          </a:blip>
-          <a:stretch>
-            <a:fillRect/>
-          </a:stretch>
-        </p:blipFill>
-        <p:spPr>
-          <a:xfrm>
-            <a:off x="9890472" y="3494589"/>
-            <a:ext cx="1143000" cy="857251"/>
-          </a:xfrm>
-          <a:prstGeom prst="rect">
-            <a:avLst/>
-          </a:prstGeom>
-        </p:spPr>
-      </p:pic>
-      <p:pic>
-        <p:nvPicPr>
-          <p:cNvPr id="9" name="Grafik 8"/>
-          <p:cNvPicPr>
-            <a:picLocks noChangeAspect="1"/>
-          </p:cNvPicPr>
-          <p:nvPr/>
-        </p:nvPicPr>
-        <p:blipFill>
-          <a:blip r:embed="rId8" cstate="print">
-            <a:extLst>
-              <a:ext uri="{28A0092B-C50C-407E-A947-70E740481C1C}">
-                <a14:useLocalDpi xmlns:a14="http://schemas.microsoft.com/office/drawing/2010/main" val="0"/>
-              </a:ext>
-            </a:extLst>
-          </a:blip>
-          <a:stretch>
-            <a:fillRect/>
-          </a:stretch>
-        </p:blipFill>
-        <p:spPr>
-          <a:xfrm>
-            <a:off x="8544273" y="4682333"/>
-            <a:ext cx="1458955" cy="598545"/>
-          </a:xfrm>
-          <a:prstGeom prst="rect">
-            <a:avLst/>
-          </a:prstGeom>
-        </p:spPr>
-      </p:pic>
-      <p:pic>
-        <p:nvPicPr>
-          <p:cNvPr id="5" name="Grafik 4" descr="Ein Bild, das Person, Mann, Brille, tragen enthält.&#10;&#10;Automatisch generierte Beschreibung">
-            <a:extLst>
-              <a:ext uri="{FF2B5EF4-FFF2-40B4-BE49-F238E27FC236}">
-                <a16:creationId xmlns:a16="http://schemas.microsoft.com/office/drawing/2014/main" id="{46333317-A6F3-B2D3-B9F5-6B4A79A834BA}"/>
-              </a:ext>
-            </a:extLst>
-          </p:cNvPr>
-          <p:cNvPicPr>
-            <a:picLocks noChangeAspect="1"/>
-          </p:cNvPicPr>
-          <p:nvPr/>
-        </p:nvPicPr>
-        <p:blipFill rotWithShape="1">
-          <a:blip r:embed="rId9" cstate="print">
-            <a:extLst>
-              <a:ext uri="{28A0092B-C50C-407E-A947-70E740481C1C}">
-                <a14:useLocalDpi xmlns:a14="http://schemas.microsoft.com/office/drawing/2010/main" val="0"/>
-              </a:ext>
-            </a:extLst>
-          </a:blip>
-          <a:srcRect l="38258"/>
-          <a:stretch/>
-        </p:blipFill>
-        <p:spPr>
-          <a:xfrm>
-            <a:off x="6499642" y="3429000"/>
-            <a:ext cx="1715073" cy="1851877"/>
-          </a:xfrm>
-          <a:prstGeom prst="rect">
-            <a:avLst/>
-          </a:prstGeom>
-        </p:spPr>
-      </p:pic>
-    </p:spTree>
-    <p:extLst>
-      <p:ext uri="{BB962C8B-B14F-4D97-AF65-F5344CB8AC3E}">
-        <p14:creationId xmlns:p14="http://schemas.microsoft.com/office/powerpoint/2010/main" val="1907480165"/>
-      </p:ext>
-    </p:extLst>
-  </p:cSld>
-  <p:clrMapOvr>
-    <a:masterClrMapping/>
-  </p:clrMapOvr>
-</p:sld>
-</file>
-
 <file path=ppt/slides/slide4.xml><?xml version="1.0" encoding="utf-8"?>
 <p:sld xmlns:a="http://schemas.openxmlformats.org/drawingml/2006/main" xmlns:r="http://schemas.openxmlformats.org/officeDocument/2006/relationships" xmlns:p="http://schemas.openxmlformats.org/presentationml/2006/main">
   <p:cSld>
@@ -19341,7 +22200,7 @@
                   </a:schemeClr>
                 </a:solidFill>
               </a:rPr>
-              <a:t>Before they can import the data they must find the last record in a partitioned table.</a:t>
+              <a:t>Before they can import the data, they must find the last record in a partitioned table.</a:t>
             </a:r>
             <a:br>
               <a:rPr lang="en-US" sz="1800" dirty="0">
@@ -20797,7 +23656,13 @@
   <p:cSld>
     <p:spTree>
       <p:nvGrpSpPr>
-        <p:cNvPr id="1" name=""/>
+        <p:cNvPr id="1" name="">
+          <a:extLst>
+            <a:ext uri="{FF2B5EF4-FFF2-40B4-BE49-F238E27FC236}">
+              <a16:creationId xmlns:a16="http://schemas.microsoft.com/office/drawing/2014/main" id="{DC16B9C2-0D65-2EA7-F655-F137CFAB0BFC}"/>
+            </a:ext>
+          </a:extLst>
+        </p:cNvPr>
         <p:cNvGrpSpPr/>
         <p:nvPr/>
       </p:nvGrpSpPr>
@@ -20811,12 +23676,18 @@
       </p:grpSpPr>
       <p:sp>
         <p:nvSpPr>
-          <p:cNvPr id="4" name="Titel 3"/>
+          <p:cNvPr id="6" name="Titel 5">
+            <a:extLst>
+              <a:ext uri="{FF2B5EF4-FFF2-40B4-BE49-F238E27FC236}">
+                <a16:creationId xmlns:a16="http://schemas.microsoft.com/office/drawing/2014/main" id="{8668E183-D5F2-A8B2-64E9-68CD09B5BE12}"/>
+              </a:ext>
+            </a:extLst>
+          </p:cNvPr>
           <p:cNvSpPr>
             <a:spLocks noGrp="1"/>
           </p:cNvSpPr>
           <p:nvPr>
-            <p:ph type="ctrTitle"/>
+            <p:ph type="title"/>
           </p:nvPr>
         </p:nvSpPr>
         <p:spPr/>
@@ -20825,58 +23696,219 @@
           <a:lstStyle/>
           <a:p>
             <a:r>
+              <a:rPr lang="de-DE" dirty="0" err="1"/>
+              <a:t>Optimization</a:t>
+            </a:r>
+            <a:r>
               <a:rPr lang="de-DE" dirty="0"/>
-              <a:t>Demo / Hands On</a:t>
+              <a:t> of High </a:t>
+            </a:r>
+            <a:r>
+              <a:rPr lang="de-DE" dirty="0" err="1"/>
+              <a:t>Transactional</a:t>
+            </a:r>
+            <a:r>
+              <a:rPr lang="de-DE" dirty="0"/>
+              <a:t> System</a:t>
             </a:r>
           </a:p>
         </p:txBody>
       </p:sp>
-      <p:sp>
-        <p:nvSpPr>
-          <p:cNvPr id="5" name="Textplatzhalter 4"/>
-          <p:cNvSpPr>
-            <a:spLocks noGrp="1"/>
-          </p:cNvSpPr>
-          <p:nvPr>
-            <p:ph type="subTitle" idx="1"/>
-          </p:nvPr>
-        </p:nvSpPr>
-        <p:spPr/>
-        <p:txBody>
-          <a:bodyPr>
-            <a:normAutofit/>
-          </a:bodyPr>
-          <a:lstStyle/>
-          <a:p>
-            <a:r>
-              <a:rPr lang="de-DE" dirty="0" err="1"/>
-              <a:t>Optimization</a:t>
-            </a:r>
-            <a:r>
-              <a:rPr lang="de-DE" dirty="0"/>
-              <a:t> of High </a:t>
-            </a:r>
-            <a:r>
-              <a:rPr lang="de-DE" dirty="0" err="1"/>
-              <a:t>Transactional</a:t>
-            </a:r>
-            <a:r>
-              <a:rPr lang="de-DE" dirty="0"/>
-              <a:t> System</a:t>
-            </a:r>
-          </a:p>
-        </p:txBody>
-      </p:sp>
+      <p:pic>
+        <p:nvPicPr>
+          <p:cNvPr id="3" name="Grafik 2">
+            <a:extLst>
+              <a:ext uri="{FF2B5EF4-FFF2-40B4-BE49-F238E27FC236}">
+                <a16:creationId xmlns:a16="http://schemas.microsoft.com/office/drawing/2014/main" id="{1936AAD6-F94C-076B-D190-7BD3B6ECAA33}"/>
+              </a:ext>
+            </a:extLst>
+          </p:cNvPr>
+          <p:cNvPicPr>
+            <a:picLocks noChangeAspect="1"/>
+          </p:cNvPicPr>
+          <p:nvPr/>
+        </p:nvPicPr>
+        <p:blipFill>
+          <a:blip r:embed="rId2"/>
+          <a:stretch>
+            <a:fillRect/>
+          </a:stretch>
+        </p:blipFill>
+        <p:spPr>
+          <a:xfrm>
+            <a:off x="3863181" y="1700213"/>
+            <a:ext cx="4465637" cy="4465637"/>
+          </a:xfrm>
+          <a:prstGeom prst="rect">
+            <a:avLst/>
+          </a:prstGeom>
+        </p:spPr>
+      </p:pic>
     </p:spTree>
     <p:extLst>
       <p:ext uri="{BB962C8B-B14F-4D97-AF65-F5344CB8AC3E}">
-        <p14:creationId xmlns:p14="http://schemas.microsoft.com/office/powerpoint/2010/main" val="1338912541"/>
+        <p14:creationId xmlns:p14="http://schemas.microsoft.com/office/powerpoint/2010/main" val="3986546557"/>
       </p:ext>
     </p:extLst>
   </p:cSld>
   <p:clrMapOvr>
     <a:masterClrMapping/>
   </p:clrMapOvr>
+  <p:timing>
+    <p:tnLst>
+      <p:par>
+        <p:cTn id="1" dur="indefinite" restart="never" nodeType="tmRoot">
+          <p:childTnLst>
+            <p:seq concurrent="1" nextAc="seek">
+              <p:cTn id="2" dur="indefinite" nodeType="mainSeq">
+                <p:childTnLst>
+                  <p:par>
+                    <p:cTn id="3" fill="hold">
+                      <p:stCondLst>
+                        <p:cond delay="indefinite"/>
+                        <p:cond evt="onBegin" delay="0">
+                          <p:tn val="2"/>
+                        </p:cond>
+                      </p:stCondLst>
+                      <p:childTnLst>
+                        <p:par>
+                          <p:cTn id="4" fill="hold">
+                            <p:stCondLst>
+                              <p:cond delay="0"/>
+                            </p:stCondLst>
+                            <p:childTnLst>
+                              <p:par>
+                                <p:cTn id="5" presetID="31" presetClass="entr" presetSubtype="0" fill="hold" nodeType="withEffect">
+                                  <p:stCondLst>
+                                    <p:cond delay="0"/>
+                                  </p:stCondLst>
+                                  <p:childTnLst>
+                                    <p:set>
+                                      <p:cBhvr>
+                                        <p:cTn id="6" dur="1" fill="hold">
+                                          <p:stCondLst>
+                                            <p:cond delay="0"/>
+                                          </p:stCondLst>
+                                        </p:cTn>
+                                        <p:tgtEl>
+                                          <p:spTgt spid="3"/>
+                                        </p:tgtEl>
+                                        <p:attrNameLst>
+                                          <p:attrName>style.visibility</p:attrName>
+                                        </p:attrNameLst>
+                                      </p:cBhvr>
+                                      <p:to>
+                                        <p:strVal val="visible"/>
+                                      </p:to>
+                                    </p:set>
+                                    <p:anim calcmode="lin" valueType="num">
+                                      <p:cBhvr>
+                                        <p:cTn id="7" dur="1000" fill="hold"/>
+                                        <p:tgtEl>
+                                          <p:spTgt spid="3"/>
+                                        </p:tgtEl>
+                                        <p:attrNameLst>
+                                          <p:attrName>ppt_w</p:attrName>
+                                        </p:attrNameLst>
+                                      </p:cBhvr>
+                                      <p:tavLst>
+                                        <p:tav tm="0">
+                                          <p:val>
+                                            <p:fltVal val="0"/>
+                                          </p:val>
+                                        </p:tav>
+                                        <p:tav tm="100000">
+                                          <p:val>
+                                            <p:strVal val="#ppt_w"/>
+                                          </p:val>
+                                        </p:tav>
+                                      </p:tavLst>
+                                    </p:anim>
+                                    <p:anim calcmode="lin" valueType="num">
+                                      <p:cBhvr>
+                                        <p:cTn id="8" dur="1000" fill="hold"/>
+                                        <p:tgtEl>
+                                          <p:spTgt spid="3"/>
+                                        </p:tgtEl>
+                                        <p:attrNameLst>
+                                          <p:attrName>ppt_h</p:attrName>
+                                        </p:attrNameLst>
+                                      </p:cBhvr>
+                                      <p:tavLst>
+                                        <p:tav tm="0">
+                                          <p:val>
+                                            <p:fltVal val="0"/>
+                                          </p:val>
+                                        </p:tav>
+                                        <p:tav tm="100000">
+                                          <p:val>
+                                            <p:strVal val="#ppt_h"/>
+                                          </p:val>
+                                        </p:tav>
+                                      </p:tavLst>
+                                    </p:anim>
+                                    <p:anim calcmode="lin" valueType="num">
+                                      <p:cBhvr>
+                                        <p:cTn id="9" dur="1000" fill="hold"/>
+                                        <p:tgtEl>
+                                          <p:spTgt spid="3"/>
+                                        </p:tgtEl>
+                                        <p:attrNameLst>
+                                          <p:attrName>style.rotation</p:attrName>
+                                        </p:attrNameLst>
+                                      </p:cBhvr>
+                                      <p:tavLst>
+                                        <p:tav tm="0">
+                                          <p:val>
+                                            <p:fltVal val="90"/>
+                                          </p:val>
+                                        </p:tav>
+                                        <p:tav tm="100000">
+                                          <p:val>
+                                            <p:fltVal val="0"/>
+                                          </p:val>
+                                        </p:tav>
+                                      </p:tavLst>
+                                    </p:anim>
+                                    <p:animEffect transition="in" filter="fade">
+                                      <p:cBhvr>
+                                        <p:cTn id="10" dur="1000"/>
+                                        <p:tgtEl>
+                                          <p:spTgt spid="3"/>
+                                        </p:tgtEl>
+                                      </p:cBhvr>
+                                    </p:animEffect>
+                                  </p:childTnLst>
+                                </p:cTn>
+                              </p:par>
+                            </p:childTnLst>
+                          </p:cTn>
+                        </p:par>
+                      </p:childTnLst>
+                    </p:cTn>
+                  </p:par>
+                </p:childTnLst>
+              </p:cTn>
+              <p:prevCondLst>
+                <p:cond evt="onPrev" delay="0">
+                  <p:tgtEl>
+                    <p:sldTgt/>
+                  </p:tgtEl>
+                </p:cond>
+              </p:prevCondLst>
+              <p:nextCondLst>
+                <p:cond evt="onNext" delay="0">
+                  <p:tgtEl>
+                    <p:sldTgt/>
+                  </p:tgtEl>
+                </p:cond>
+              </p:nextCondLst>
+            </p:seq>
+          </p:childTnLst>
+        </p:cTn>
+      </p:par>
+    </p:tnLst>
+  </p:timing>
 </p:sld>
 </file>
 
